--- a/doc/test/PositionsLab/PositionsLabSwap.pptx
+++ b/doc/test/PositionsLab/PositionsLabSwap.pptx
@@ -6,30 +6,24 @@
     <p:sldMasterId id="2147483660" r:id="rId2"/>
     <p:sldMasterId id="2147483672" r:id="rId3"/>
   </p:sldMasterIdLst>
+  <p:notesMasterIdLst>
+    <p:notesMasterId r:id="rId18"/>
+  </p:notesMasterIdLst>
   <p:sldIdLst>
     <p:sldId id="287" r:id="rId4"/>
     <p:sldId id="256" r:id="rId5"/>
-    <p:sldId id="367" r:id="rId6"/>
+    <p:sldId id="397" r:id="rId6"/>
     <p:sldId id="292" r:id="rId7"/>
-    <p:sldId id="366" r:id="rId8"/>
-    <p:sldId id="368" r:id="rId9"/>
-    <p:sldId id="369" r:id="rId10"/>
-    <p:sldId id="370" r:id="rId11"/>
+    <p:sldId id="383" r:id="rId8"/>
+    <p:sldId id="384" r:id="rId9"/>
+    <p:sldId id="385" r:id="rId10"/>
+    <p:sldId id="386" r:id="rId11"/>
     <p:sldId id="311" r:id="rId12"/>
-    <p:sldId id="371" r:id="rId13"/>
-    <p:sldId id="372" r:id="rId14"/>
-    <p:sldId id="373" r:id="rId15"/>
-    <p:sldId id="374" r:id="rId16"/>
-    <p:sldId id="375" r:id="rId17"/>
-    <p:sldId id="376" r:id="rId18"/>
-    <p:sldId id="377" r:id="rId19"/>
-    <p:sldId id="378" r:id="rId20"/>
-    <p:sldId id="379" r:id="rId21"/>
-    <p:sldId id="380" r:id="rId22"/>
-    <p:sldId id="381" r:id="rId23"/>
-    <p:sldId id="382" r:id="rId24"/>
-    <p:sldId id="383" r:id="rId25"/>
-    <p:sldId id="274" r:id="rId26"/>
+    <p:sldId id="396" r:id="rId13"/>
+    <p:sldId id="392" r:id="rId14"/>
+    <p:sldId id="393" r:id="rId15"/>
+    <p:sldId id="390" r:id="rId16"/>
+    <p:sldId id="274" r:id="rId17"/>
   </p:sldIdLst>
   <p:sldSz cx="9144000" cy="6858000" type="screen4x3"/>
   <p:notesSz cx="6858000" cy="9144000"/>
@@ -139,26 +133,17 @@
         <p14:section name="Align by Slide" id="{A3A2B0AB-762C-4281-AA7B-EF7E134E0DC4}">
           <p14:sldIdLst>
             <p14:sldId id="256"/>
-            <p14:sldId id="367"/>
+            <p14:sldId id="397"/>
             <p14:sldId id="292"/>
-            <p14:sldId id="366"/>
-            <p14:sldId id="368"/>
-            <p14:sldId id="369"/>
-            <p14:sldId id="370"/>
+            <p14:sldId id="383"/>
+            <p14:sldId id="384"/>
+            <p14:sldId id="385"/>
+            <p14:sldId id="386"/>
             <p14:sldId id="311"/>
-            <p14:sldId id="371"/>
-            <p14:sldId id="372"/>
-            <p14:sldId id="373"/>
-            <p14:sldId id="374"/>
-            <p14:sldId id="375"/>
-            <p14:sldId id="376"/>
-            <p14:sldId id="377"/>
-            <p14:sldId id="378"/>
-            <p14:sldId id="379"/>
-            <p14:sldId id="380"/>
-            <p14:sldId id="381"/>
-            <p14:sldId id="382"/>
-            <p14:sldId id="383"/>
+            <p14:sldId id="396"/>
+            <p14:sldId id="392"/>
+            <p14:sldId id="393"/>
+            <p14:sldId id="390"/>
             <p14:sldId id="274"/>
           </p14:sldIdLst>
         </p14:section>
@@ -169,6 +154,1249 @@
     </p:ext>
   </p:extLst>
 </p:presentation>
+</file>
+
+<file path=ppt/notesMasters/notesMaster1.xml><?xml version="1.0" encoding="utf-8"?>
+<p:notesMaster xmlns:a="http://schemas.openxmlformats.org/drawingml/2006/main" xmlns:r="http://schemas.openxmlformats.org/officeDocument/2006/relationships" xmlns:p="http://schemas.openxmlformats.org/presentationml/2006/main">
+  <p:cSld>
+    <p:bg>
+      <p:bgRef idx="1001">
+        <a:schemeClr val="bg1"/>
+      </p:bgRef>
+    </p:bg>
+    <p:spTree>
+      <p:nvGrpSpPr>
+        <p:cNvPr id="1" name=""/>
+        <p:cNvGrpSpPr/>
+        <p:nvPr/>
+      </p:nvGrpSpPr>
+      <p:grpSpPr>
+        <a:xfrm>
+          <a:off x="0" y="0"/>
+          <a:ext cx="0" cy="0"/>
+          <a:chOff x="0" y="0"/>
+          <a:chExt cx="0" cy="0"/>
+        </a:xfrm>
+      </p:grpSpPr>
+      <p:sp>
+        <p:nvSpPr>
+          <p:cNvPr id="2" name="Header Placeholder 1"/>
+          <p:cNvSpPr>
+            <a:spLocks noGrp="1"/>
+          </p:cNvSpPr>
+          <p:nvPr>
+            <p:ph type="hdr" sz="quarter"/>
+          </p:nvPr>
+        </p:nvSpPr>
+        <p:spPr>
+          <a:xfrm>
+            <a:off x="0" y="0"/>
+            <a:ext cx="2971800" cy="458788"/>
+          </a:xfrm>
+          <a:prstGeom prst="rect">
+            <a:avLst/>
+          </a:prstGeom>
+        </p:spPr>
+        <p:txBody>
+          <a:bodyPr vert="horz" lIns="91440" tIns="45720" rIns="91440" bIns="45720" rtlCol="0"/>
+          <a:lstStyle>
+            <a:lvl1pPr algn="l">
+              <a:defRPr sz="1200"/>
+            </a:lvl1pPr>
+          </a:lstStyle>
+          <a:p>
+            <a:endParaRPr lang="en-US"/>
+          </a:p>
+        </p:txBody>
+      </p:sp>
+      <p:sp>
+        <p:nvSpPr>
+          <p:cNvPr id="3" name="Date Placeholder 2"/>
+          <p:cNvSpPr>
+            <a:spLocks noGrp="1"/>
+          </p:cNvSpPr>
+          <p:nvPr>
+            <p:ph type="dt" idx="1"/>
+          </p:nvPr>
+        </p:nvSpPr>
+        <p:spPr>
+          <a:xfrm>
+            <a:off x="3884613" y="0"/>
+            <a:ext cx="2971800" cy="458788"/>
+          </a:xfrm>
+          <a:prstGeom prst="rect">
+            <a:avLst/>
+          </a:prstGeom>
+        </p:spPr>
+        <p:txBody>
+          <a:bodyPr vert="horz" lIns="91440" tIns="45720" rIns="91440" bIns="45720" rtlCol="0"/>
+          <a:lstStyle>
+            <a:lvl1pPr algn="r">
+              <a:defRPr sz="1200"/>
+            </a:lvl1pPr>
+          </a:lstStyle>
+          <a:p>
+            <a:fld id="{5552B106-AAC8-4A2F-81EA-439B6CC96EAA}" type="datetimeFigureOut">
+              <a:rPr lang="en-US" smtClean="0"/>
+              <a:t>5/11/2017</a:t>
+            </a:fld>
+            <a:endParaRPr lang="en-US"/>
+          </a:p>
+        </p:txBody>
+      </p:sp>
+      <p:sp>
+        <p:nvSpPr>
+          <p:cNvPr id="4" name="Slide Image Placeholder 3"/>
+          <p:cNvSpPr>
+            <a:spLocks noGrp="1" noRot="1" noChangeAspect="1"/>
+          </p:cNvSpPr>
+          <p:nvPr>
+            <p:ph type="sldImg" idx="2"/>
+          </p:nvPr>
+        </p:nvSpPr>
+        <p:spPr>
+          <a:xfrm>
+            <a:off x="1371600" y="1143000"/>
+            <a:ext cx="4114800" cy="3086100"/>
+          </a:xfrm>
+          <a:prstGeom prst="rect">
+            <a:avLst/>
+          </a:prstGeom>
+          <a:noFill/>
+          <a:ln w="12700">
+            <a:solidFill>
+              <a:prstClr val="black"/>
+            </a:solidFill>
+          </a:ln>
+        </p:spPr>
+        <p:txBody>
+          <a:bodyPr vert="horz" lIns="91440" tIns="45720" rIns="91440" bIns="45720" rtlCol="0" anchor="ctr"/>
+          <a:lstStyle/>
+          <a:p>
+            <a:endParaRPr lang="en-US"/>
+          </a:p>
+        </p:txBody>
+      </p:sp>
+      <p:sp>
+        <p:nvSpPr>
+          <p:cNvPr id="5" name="Notes Placeholder 4"/>
+          <p:cNvSpPr>
+            <a:spLocks noGrp="1"/>
+          </p:cNvSpPr>
+          <p:nvPr>
+            <p:ph type="body" sz="quarter" idx="3"/>
+          </p:nvPr>
+        </p:nvSpPr>
+        <p:spPr>
+          <a:xfrm>
+            <a:off x="685800" y="4400550"/>
+            <a:ext cx="5486400" cy="3600450"/>
+          </a:xfrm>
+          <a:prstGeom prst="rect">
+            <a:avLst/>
+          </a:prstGeom>
+        </p:spPr>
+        <p:txBody>
+          <a:bodyPr vert="horz" lIns="91440" tIns="45720" rIns="91440" bIns="45720" rtlCol="0"/>
+          <a:lstStyle/>
+          <a:p>
+            <a:pPr lvl="0"/>
+            <a:r>
+              <a:rPr lang="en-US" smtClean="0"/>
+              <a:t>Click to edit Master text styles</a:t>
+            </a:r>
+          </a:p>
+          <a:p>
+            <a:pPr lvl="1"/>
+            <a:r>
+              <a:rPr lang="en-US" smtClean="0"/>
+              <a:t>Second level</a:t>
+            </a:r>
+          </a:p>
+          <a:p>
+            <a:pPr lvl="2"/>
+            <a:r>
+              <a:rPr lang="en-US" smtClean="0"/>
+              <a:t>Third level</a:t>
+            </a:r>
+          </a:p>
+          <a:p>
+            <a:pPr lvl="3"/>
+            <a:r>
+              <a:rPr lang="en-US" smtClean="0"/>
+              <a:t>Fourth level</a:t>
+            </a:r>
+          </a:p>
+          <a:p>
+            <a:pPr lvl="4"/>
+            <a:r>
+              <a:rPr lang="en-US" smtClean="0"/>
+              <a:t>Fifth level</a:t>
+            </a:r>
+            <a:endParaRPr lang="en-US"/>
+          </a:p>
+        </p:txBody>
+      </p:sp>
+      <p:sp>
+        <p:nvSpPr>
+          <p:cNvPr id="6" name="Footer Placeholder 5"/>
+          <p:cNvSpPr>
+            <a:spLocks noGrp="1"/>
+          </p:cNvSpPr>
+          <p:nvPr>
+            <p:ph type="ftr" sz="quarter" idx="4"/>
+          </p:nvPr>
+        </p:nvSpPr>
+        <p:spPr>
+          <a:xfrm>
+            <a:off x="0" y="8685213"/>
+            <a:ext cx="2971800" cy="458787"/>
+          </a:xfrm>
+          <a:prstGeom prst="rect">
+            <a:avLst/>
+          </a:prstGeom>
+        </p:spPr>
+        <p:txBody>
+          <a:bodyPr vert="horz" lIns="91440" tIns="45720" rIns="91440" bIns="45720" rtlCol="0" anchor="b"/>
+          <a:lstStyle>
+            <a:lvl1pPr algn="l">
+              <a:defRPr sz="1200"/>
+            </a:lvl1pPr>
+          </a:lstStyle>
+          <a:p>
+            <a:endParaRPr lang="en-US"/>
+          </a:p>
+        </p:txBody>
+      </p:sp>
+      <p:sp>
+        <p:nvSpPr>
+          <p:cNvPr id="7" name="Slide Number Placeholder 6"/>
+          <p:cNvSpPr>
+            <a:spLocks noGrp="1"/>
+          </p:cNvSpPr>
+          <p:nvPr>
+            <p:ph type="sldNum" sz="quarter" idx="5"/>
+          </p:nvPr>
+        </p:nvSpPr>
+        <p:spPr>
+          <a:xfrm>
+            <a:off x="3884613" y="8685213"/>
+            <a:ext cx="2971800" cy="458787"/>
+          </a:xfrm>
+          <a:prstGeom prst="rect">
+            <a:avLst/>
+          </a:prstGeom>
+        </p:spPr>
+        <p:txBody>
+          <a:bodyPr vert="horz" lIns="91440" tIns="45720" rIns="91440" bIns="45720" rtlCol="0" anchor="b"/>
+          <a:lstStyle>
+            <a:lvl1pPr algn="r">
+              <a:defRPr sz="1200"/>
+            </a:lvl1pPr>
+          </a:lstStyle>
+          <a:p>
+            <a:fld id="{0E972E13-4655-43EC-8BB4-63BA298E5AD6}" type="slidenum">
+              <a:rPr lang="en-US" smtClean="0"/>
+              <a:t>‹#›</a:t>
+            </a:fld>
+            <a:endParaRPr lang="en-US"/>
+          </a:p>
+        </p:txBody>
+      </p:sp>
+    </p:spTree>
+    <p:extLst>
+      <p:ext uri="{BB962C8B-B14F-4D97-AF65-F5344CB8AC3E}">
+        <p14:creationId xmlns:p14="http://schemas.microsoft.com/office/powerpoint/2010/main" val="92472466"/>
+      </p:ext>
+    </p:extLst>
+  </p:cSld>
+  <p:clrMap bg1="lt1" tx1="dk1" bg2="lt2" tx2="dk2" accent1="accent1" accent2="accent2" accent3="accent3" accent4="accent4" accent5="accent5" accent6="accent6" hlink="hlink" folHlink="folHlink"/>
+  <p:notesStyle>
+    <a:lvl1pPr marL="0" algn="l" defTabSz="914400" rtl="0" eaLnBrk="1" latinLnBrk="0" hangingPunct="1">
+      <a:defRPr sz="1200" kern="1200">
+        <a:solidFill>
+          <a:schemeClr val="tx1"/>
+        </a:solidFill>
+        <a:latin typeface="+mn-lt"/>
+        <a:ea typeface="+mn-ea"/>
+        <a:cs typeface="+mn-cs"/>
+      </a:defRPr>
+    </a:lvl1pPr>
+    <a:lvl2pPr marL="457200" algn="l" defTabSz="914400" rtl="0" eaLnBrk="1" latinLnBrk="0" hangingPunct="1">
+      <a:defRPr sz="1200" kern="1200">
+        <a:solidFill>
+          <a:schemeClr val="tx1"/>
+        </a:solidFill>
+        <a:latin typeface="+mn-lt"/>
+        <a:ea typeface="+mn-ea"/>
+        <a:cs typeface="+mn-cs"/>
+      </a:defRPr>
+    </a:lvl2pPr>
+    <a:lvl3pPr marL="914400" algn="l" defTabSz="914400" rtl="0" eaLnBrk="1" latinLnBrk="0" hangingPunct="1">
+      <a:defRPr sz="1200" kern="1200">
+        <a:solidFill>
+          <a:schemeClr val="tx1"/>
+        </a:solidFill>
+        <a:latin typeface="+mn-lt"/>
+        <a:ea typeface="+mn-ea"/>
+        <a:cs typeface="+mn-cs"/>
+      </a:defRPr>
+    </a:lvl3pPr>
+    <a:lvl4pPr marL="1371600" algn="l" defTabSz="914400" rtl="0" eaLnBrk="1" latinLnBrk="0" hangingPunct="1">
+      <a:defRPr sz="1200" kern="1200">
+        <a:solidFill>
+          <a:schemeClr val="tx1"/>
+        </a:solidFill>
+        <a:latin typeface="+mn-lt"/>
+        <a:ea typeface="+mn-ea"/>
+        <a:cs typeface="+mn-cs"/>
+      </a:defRPr>
+    </a:lvl4pPr>
+    <a:lvl5pPr marL="1828800" algn="l" defTabSz="914400" rtl="0" eaLnBrk="1" latinLnBrk="0" hangingPunct="1">
+      <a:defRPr sz="1200" kern="1200">
+        <a:solidFill>
+          <a:schemeClr val="tx1"/>
+        </a:solidFill>
+        <a:latin typeface="+mn-lt"/>
+        <a:ea typeface="+mn-ea"/>
+        <a:cs typeface="+mn-cs"/>
+      </a:defRPr>
+    </a:lvl5pPr>
+    <a:lvl6pPr marL="2286000" algn="l" defTabSz="914400" rtl="0" eaLnBrk="1" latinLnBrk="0" hangingPunct="1">
+      <a:defRPr sz="1200" kern="1200">
+        <a:solidFill>
+          <a:schemeClr val="tx1"/>
+        </a:solidFill>
+        <a:latin typeface="+mn-lt"/>
+        <a:ea typeface="+mn-ea"/>
+        <a:cs typeface="+mn-cs"/>
+      </a:defRPr>
+    </a:lvl6pPr>
+    <a:lvl7pPr marL="2743200" algn="l" defTabSz="914400" rtl="0" eaLnBrk="1" latinLnBrk="0" hangingPunct="1">
+      <a:defRPr sz="1200" kern="1200">
+        <a:solidFill>
+          <a:schemeClr val="tx1"/>
+        </a:solidFill>
+        <a:latin typeface="+mn-lt"/>
+        <a:ea typeface="+mn-ea"/>
+        <a:cs typeface="+mn-cs"/>
+      </a:defRPr>
+    </a:lvl7pPr>
+    <a:lvl8pPr marL="3200400" algn="l" defTabSz="914400" rtl="0" eaLnBrk="1" latinLnBrk="0" hangingPunct="1">
+      <a:defRPr sz="1200" kern="1200">
+        <a:solidFill>
+          <a:schemeClr val="tx1"/>
+        </a:solidFill>
+        <a:latin typeface="+mn-lt"/>
+        <a:ea typeface="+mn-ea"/>
+        <a:cs typeface="+mn-cs"/>
+      </a:defRPr>
+    </a:lvl8pPr>
+    <a:lvl9pPr marL="3657600" algn="l" defTabSz="914400" rtl="0" eaLnBrk="1" latinLnBrk="0" hangingPunct="1">
+      <a:defRPr sz="1200" kern="1200">
+        <a:solidFill>
+          <a:schemeClr val="tx1"/>
+        </a:solidFill>
+        <a:latin typeface="+mn-lt"/>
+        <a:ea typeface="+mn-ea"/>
+        <a:cs typeface="+mn-cs"/>
+      </a:defRPr>
+    </a:lvl9pPr>
+  </p:notesStyle>
+</p:notesMaster>
+</file>
+
+<file path=ppt/notesSlides/notesSlide1.xml><?xml version="1.0" encoding="utf-8"?>
+<p:notes xmlns:a="http://schemas.openxmlformats.org/drawingml/2006/main" xmlns:r="http://schemas.openxmlformats.org/officeDocument/2006/relationships" xmlns:p="http://schemas.openxmlformats.org/presentationml/2006/main">
+  <p:cSld>
+    <p:spTree>
+      <p:nvGrpSpPr>
+        <p:cNvPr id="1" name=""/>
+        <p:cNvGrpSpPr/>
+        <p:nvPr/>
+      </p:nvGrpSpPr>
+      <p:grpSpPr>
+        <a:xfrm>
+          <a:off x="0" y="0"/>
+          <a:ext cx="0" cy="0"/>
+          <a:chOff x="0" y="0"/>
+          <a:chExt cx="0" cy="0"/>
+        </a:xfrm>
+      </p:grpSpPr>
+      <p:sp>
+        <p:nvSpPr>
+          <p:cNvPr id="2" name="Slide Image Placeholder 1"/>
+          <p:cNvSpPr>
+            <a:spLocks noGrp="1" noRot="1" noChangeAspect="1"/>
+          </p:cNvSpPr>
+          <p:nvPr>
+            <p:ph type="sldImg"/>
+          </p:nvPr>
+        </p:nvSpPr>
+        <p:spPr/>
+      </p:sp>
+      <p:sp>
+        <p:nvSpPr>
+          <p:cNvPr id="3" name="Notes Placeholder 2"/>
+          <p:cNvSpPr>
+            <a:spLocks noGrp="1"/>
+          </p:cNvSpPr>
+          <p:nvPr>
+            <p:ph type="body" idx="1"/>
+          </p:nvPr>
+        </p:nvSpPr>
+        <p:spPr/>
+        <p:txBody>
+          <a:bodyPr/>
+          <a:lstStyle/>
+          <a:p>
+            <a:r>
+              <a:rPr lang="en-US" dirty="0" smtClean="0"/>
+              <a:t>Observe their z-ordering</a:t>
+            </a:r>
+            <a:r>
+              <a:rPr lang="en-US" baseline="0" dirty="0" smtClean="0"/>
+              <a:t> (From bottom item): Square, Arrow, Line, Circle, Triangle</a:t>
+            </a:r>
+          </a:p>
+          <a:p>
+            <a:r>
+              <a:rPr lang="en-US" baseline="0" dirty="0" smtClean="0"/>
+              <a:t>After swapping, their z-ordering should swap too.</a:t>
+            </a:r>
+          </a:p>
+          <a:p>
+            <a:r>
+              <a:rPr lang="en-US" baseline="0" dirty="0" smtClean="0"/>
+              <a:t>For example, when Triangle swap with Square, the new ordering should be: Triangle, Arrow, Line, Circle, Square</a:t>
+            </a:r>
+          </a:p>
+          <a:p>
+            <a:r>
+              <a:rPr lang="en-US" baseline="0" dirty="0" smtClean="0"/>
+              <a:t>The line is to ensure that the z-ordering of other items on the slide do not get messed up by the swap operation</a:t>
+            </a:r>
+          </a:p>
+        </p:txBody>
+      </p:sp>
+      <p:sp>
+        <p:nvSpPr>
+          <p:cNvPr id="4" name="Slide Number Placeholder 3"/>
+          <p:cNvSpPr>
+            <a:spLocks noGrp="1"/>
+          </p:cNvSpPr>
+          <p:nvPr>
+            <p:ph type="sldNum" sz="quarter" idx="10"/>
+          </p:nvPr>
+        </p:nvSpPr>
+        <p:spPr/>
+        <p:txBody>
+          <a:bodyPr/>
+          <a:lstStyle/>
+          <a:p>
+            <a:fld id="{0E972E13-4655-43EC-8BB4-63BA298E5AD6}" type="slidenum">
+              <a:rPr lang="en-US" smtClean="0"/>
+              <a:t>3</a:t>
+            </a:fld>
+            <a:endParaRPr lang="en-US"/>
+          </a:p>
+        </p:txBody>
+      </p:sp>
+    </p:spTree>
+    <p:extLst>
+      <p:ext uri="{BB962C8B-B14F-4D97-AF65-F5344CB8AC3E}">
+        <p14:creationId xmlns:p14="http://schemas.microsoft.com/office/powerpoint/2010/main" val="692734707"/>
+      </p:ext>
+    </p:extLst>
+  </p:cSld>
+  <p:clrMapOvr>
+    <a:masterClrMapping/>
+  </p:clrMapOvr>
+</p:notes>
+</file>
+
+<file path=ppt/notesSlides/notesSlide2.xml><?xml version="1.0" encoding="utf-8"?>
+<p:notes xmlns:a="http://schemas.openxmlformats.org/drawingml/2006/main" xmlns:r="http://schemas.openxmlformats.org/officeDocument/2006/relationships" xmlns:p="http://schemas.openxmlformats.org/presentationml/2006/main">
+  <p:cSld>
+    <p:spTree>
+      <p:nvGrpSpPr>
+        <p:cNvPr id="1" name=""/>
+        <p:cNvGrpSpPr/>
+        <p:nvPr/>
+      </p:nvGrpSpPr>
+      <p:grpSpPr>
+        <a:xfrm>
+          <a:off x="0" y="0"/>
+          <a:ext cx="0" cy="0"/>
+          <a:chOff x="0" y="0"/>
+          <a:chExt cx="0" cy="0"/>
+        </a:xfrm>
+      </p:grpSpPr>
+      <p:sp>
+        <p:nvSpPr>
+          <p:cNvPr id="2" name="Slide Image Placeholder 1"/>
+          <p:cNvSpPr>
+            <a:spLocks noGrp="1" noRot="1" noChangeAspect="1"/>
+          </p:cNvSpPr>
+          <p:nvPr>
+            <p:ph type="sldImg"/>
+          </p:nvPr>
+        </p:nvSpPr>
+        <p:spPr/>
+      </p:sp>
+      <p:sp>
+        <p:nvSpPr>
+          <p:cNvPr id="3" name="Notes Placeholder 2"/>
+          <p:cNvSpPr>
+            <a:spLocks noGrp="1"/>
+          </p:cNvSpPr>
+          <p:nvPr>
+            <p:ph type="body" idx="1"/>
+          </p:nvPr>
+        </p:nvSpPr>
+        <p:spPr/>
+        <p:txBody>
+          <a:bodyPr/>
+          <a:lstStyle/>
+          <a:p>
+            <a:r>
+              <a:rPr lang="en-US" dirty="0" smtClean="0"/>
+              <a:t>Select</a:t>
+            </a:r>
+            <a:r>
+              <a:rPr lang="en-US" baseline="0" dirty="0" smtClean="0"/>
+              <a:t> all shapes other than the line.</a:t>
+            </a:r>
+          </a:p>
+          <a:p>
+            <a:r>
+              <a:rPr lang="en-US" baseline="0" dirty="0" smtClean="0"/>
+              <a:t>Apply swap 1 time</a:t>
+            </a:r>
+            <a:endParaRPr lang="en-US" dirty="0"/>
+          </a:p>
+        </p:txBody>
+      </p:sp>
+      <p:sp>
+        <p:nvSpPr>
+          <p:cNvPr id="4" name="Slide Number Placeholder 3"/>
+          <p:cNvSpPr>
+            <a:spLocks noGrp="1"/>
+          </p:cNvSpPr>
+          <p:nvPr>
+            <p:ph type="sldNum" sz="quarter" idx="10"/>
+          </p:nvPr>
+        </p:nvSpPr>
+        <p:spPr/>
+        <p:txBody>
+          <a:bodyPr/>
+          <a:lstStyle/>
+          <a:p>
+            <a:fld id="{0E972E13-4655-43EC-8BB4-63BA298E5AD6}" type="slidenum">
+              <a:rPr lang="en-US" smtClean="0"/>
+              <a:t>5</a:t>
+            </a:fld>
+            <a:endParaRPr lang="en-US"/>
+          </a:p>
+        </p:txBody>
+      </p:sp>
+    </p:spTree>
+    <p:extLst>
+      <p:ext uri="{BB962C8B-B14F-4D97-AF65-F5344CB8AC3E}">
+        <p14:creationId xmlns:p14="http://schemas.microsoft.com/office/powerpoint/2010/main" val="1075648780"/>
+      </p:ext>
+    </p:extLst>
+  </p:cSld>
+  <p:clrMapOvr>
+    <a:masterClrMapping/>
+  </p:clrMapOvr>
+</p:notes>
+</file>
+
+<file path=ppt/notesSlides/notesSlide3.xml><?xml version="1.0" encoding="utf-8"?>
+<p:notes xmlns:a="http://schemas.openxmlformats.org/drawingml/2006/main" xmlns:r="http://schemas.openxmlformats.org/officeDocument/2006/relationships" xmlns:p="http://schemas.openxmlformats.org/presentationml/2006/main">
+  <p:cSld>
+    <p:spTree>
+      <p:nvGrpSpPr>
+        <p:cNvPr id="1" name=""/>
+        <p:cNvGrpSpPr/>
+        <p:nvPr/>
+      </p:nvGrpSpPr>
+      <p:grpSpPr>
+        <a:xfrm>
+          <a:off x="0" y="0"/>
+          <a:ext cx="0" cy="0"/>
+          <a:chOff x="0" y="0"/>
+          <a:chExt cx="0" cy="0"/>
+        </a:xfrm>
+      </p:grpSpPr>
+      <p:sp>
+        <p:nvSpPr>
+          <p:cNvPr id="2" name="Slide Image Placeholder 1"/>
+          <p:cNvSpPr>
+            <a:spLocks noGrp="1" noRot="1" noChangeAspect="1"/>
+          </p:cNvSpPr>
+          <p:nvPr>
+            <p:ph type="sldImg"/>
+          </p:nvPr>
+        </p:nvSpPr>
+        <p:spPr/>
+      </p:sp>
+      <p:sp>
+        <p:nvSpPr>
+          <p:cNvPr id="3" name="Notes Placeholder 2"/>
+          <p:cNvSpPr>
+            <a:spLocks noGrp="1"/>
+          </p:cNvSpPr>
+          <p:nvPr>
+            <p:ph type="body" idx="1"/>
+          </p:nvPr>
+        </p:nvSpPr>
+        <p:spPr/>
+        <p:txBody>
+          <a:bodyPr/>
+          <a:lstStyle/>
+          <a:p>
+            <a:r>
+              <a:rPr lang="en-US" dirty="0" smtClean="0"/>
+              <a:t>Select</a:t>
+            </a:r>
+            <a:r>
+              <a:rPr lang="en-US" baseline="0" dirty="0" smtClean="0"/>
+              <a:t> all shapes other than the line.</a:t>
+            </a:r>
+          </a:p>
+          <a:p>
+            <a:r>
+              <a:rPr lang="en-US" baseline="0" dirty="0" smtClean="0"/>
+              <a:t>Apply swap 2 times</a:t>
+            </a:r>
+            <a:endParaRPr lang="en-US" dirty="0"/>
+          </a:p>
+        </p:txBody>
+      </p:sp>
+      <p:sp>
+        <p:nvSpPr>
+          <p:cNvPr id="4" name="Slide Number Placeholder 3"/>
+          <p:cNvSpPr>
+            <a:spLocks noGrp="1"/>
+          </p:cNvSpPr>
+          <p:nvPr>
+            <p:ph type="sldNum" sz="quarter" idx="10"/>
+          </p:nvPr>
+        </p:nvSpPr>
+        <p:spPr/>
+        <p:txBody>
+          <a:bodyPr/>
+          <a:lstStyle/>
+          <a:p>
+            <a:fld id="{0E972E13-4655-43EC-8BB4-63BA298E5AD6}" type="slidenum">
+              <a:rPr lang="en-US" smtClean="0"/>
+              <a:t>6</a:t>
+            </a:fld>
+            <a:endParaRPr lang="en-US"/>
+          </a:p>
+        </p:txBody>
+      </p:sp>
+    </p:spTree>
+    <p:extLst>
+      <p:ext uri="{BB962C8B-B14F-4D97-AF65-F5344CB8AC3E}">
+        <p14:creationId xmlns:p14="http://schemas.microsoft.com/office/powerpoint/2010/main" val="1270267840"/>
+      </p:ext>
+    </p:extLst>
+  </p:cSld>
+  <p:clrMapOvr>
+    <a:masterClrMapping/>
+  </p:clrMapOvr>
+</p:notes>
+</file>
+
+<file path=ppt/notesSlides/notesSlide4.xml><?xml version="1.0" encoding="utf-8"?>
+<p:notes xmlns:a="http://schemas.openxmlformats.org/drawingml/2006/main" xmlns:r="http://schemas.openxmlformats.org/officeDocument/2006/relationships" xmlns:p="http://schemas.openxmlformats.org/presentationml/2006/main">
+  <p:cSld>
+    <p:spTree>
+      <p:nvGrpSpPr>
+        <p:cNvPr id="1" name=""/>
+        <p:cNvGrpSpPr/>
+        <p:nvPr/>
+      </p:nvGrpSpPr>
+      <p:grpSpPr>
+        <a:xfrm>
+          <a:off x="0" y="0"/>
+          <a:ext cx="0" cy="0"/>
+          <a:chOff x="0" y="0"/>
+          <a:chExt cx="0" cy="0"/>
+        </a:xfrm>
+      </p:grpSpPr>
+      <p:sp>
+        <p:nvSpPr>
+          <p:cNvPr id="2" name="Slide Image Placeholder 1"/>
+          <p:cNvSpPr>
+            <a:spLocks noGrp="1" noRot="1" noChangeAspect="1"/>
+          </p:cNvSpPr>
+          <p:nvPr>
+            <p:ph type="sldImg"/>
+          </p:nvPr>
+        </p:nvSpPr>
+        <p:spPr/>
+      </p:sp>
+      <p:sp>
+        <p:nvSpPr>
+          <p:cNvPr id="3" name="Notes Placeholder 2"/>
+          <p:cNvSpPr>
+            <a:spLocks noGrp="1"/>
+          </p:cNvSpPr>
+          <p:nvPr>
+            <p:ph type="body" idx="1"/>
+          </p:nvPr>
+        </p:nvSpPr>
+        <p:spPr/>
+        <p:txBody>
+          <a:bodyPr/>
+          <a:lstStyle/>
+          <a:p>
+            <a:r>
+              <a:rPr lang="en-US" dirty="0" smtClean="0"/>
+              <a:t>Select</a:t>
+            </a:r>
+            <a:r>
+              <a:rPr lang="en-US" baseline="0" dirty="0" smtClean="0"/>
+              <a:t> all shapes other than the line.</a:t>
+            </a:r>
+          </a:p>
+          <a:p>
+            <a:r>
+              <a:rPr lang="en-US" baseline="0" dirty="0" smtClean="0"/>
+              <a:t>Apply swap 3 times</a:t>
+            </a:r>
+            <a:endParaRPr lang="en-US" dirty="0"/>
+          </a:p>
+        </p:txBody>
+      </p:sp>
+      <p:sp>
+        <p:nvSpPr>
+          <p:cNvPr id="4" name="Slide Number Placeholder 3"/>
+          <p:cNvSpPr>
+            <a:spLocks noGrp="1"/>
+          </p:cNvSpPr>
+          <p:nvPr>
+            <p:ph type="sldNum" sz="quarter" idx="10"/>
+          </p:nvPr>
+        </p:nvSpPr>
+        <p:spPr/>
+        <p:txBody>
+          <a:bodyPr/>
+          <a:lstStyle/>
+          <a:p>
+            <a:fld id="{0E972E13-4655-43EC-8BB4-63BA298E5AD6}" type="slidenum">
+              <a:rPr lang="en-US" smtClean="0"/>
+              <a:t>7</a:t>
+            </a:fld>
+            <a:endParaRPr lang="en-US"/>
+          </a:p>
+        </p:txBody>
+      </p:sp>
+    </p:spTree>
+    <p:extLst>
+      <p:ext uri="{BB962C8B-B14F-4D97-AF65-F5344CB8AC3E}">
+        <p14:creationId xmlns:p14="http://schemas.microsoft.com/office/powerpoint/2010/main" val="541319920"/>
+      </p:ext>
+    </p:extLst>
+  </p:cSld>
+  <p:clrMapOvr>
+    <a:masterClrMapping/>
+  </p:clrMapOvr>
+</p:notes>
+</file>
+
+<file path=ppt/notesSlides/notesSlide5.xml><?xml version="1.0" encoding="utf-8"?>
+<p:notes xmlns:a="http://schemas.openxmlformats.org/drawingml/2006/main" xmlns:r="http://schemas.openxmlformats.org/officeDocument/2006/relationships" xmlns:p="http://schemas.openxmlformats.org/presentationml/2006/main">
+  <p:cSld>
+    <p:spTree>
+      <p:nvGrpSpPr>
+        <p:cNvPr id="1" name=""/>
+        <p:cNvGrpSpPr/>
+        <p:nvPr/>
+      </p:nvGrpSpPr>
+      <p:grpSpPr>
+        <a:xfrm>
+          <a:off x="0" y="0"/>
+          <a:ext cx="0" cy="0"/>
+          <a:chOff x="0" y="0"/>
+          <a:chExt cx="0" cy="0"/>
+        </a:xfrm>
+      </p:grpSpPr>
+      <p:sp>
+        <p:nvSpPr>
+          <p:cNvPr id="2" name="Slide Image Placeholder 1"/>
+          <p:cNvSpPr>
+            <a:spLocks noGrp="1" noRot="1" noChangeAspect="1"/>
+          </p:cNvSpPr>
+          <p:nvPr>
+            <p:ph type="sldImg"/>
+          </p:nvPr>
+        </p:nvSpPr>
+        <p:spPr/>
+      </p:sp>
+      <p:sp>
+        <p:nvSpPr>
+          <p:cNvPr id="3" name="Notes Placeholder 2"/>
+          <p:cNvSpPr>
+            <a:spLocks noGrp="1"/>
+          </p:cNvSpPr>
+          <p:nvPr>
+            <p:ph type="body" idx="1"/>
+          </p:nvPr>
+        </p:nvSpPr>
+        <p:spPr/>
+        <p:txBody>
+          <a:bodyPr/>
+          <a:lstStyle/>
+          <a:p>
+            <a:r>
+              <a:rPr lang="en-US" dirty="0" smtClean="0"/>
+              <a:t>Select</a:t>
+            </a:r>
+            <a:r>
+              <a:rPr lang="en-US" baseline="0" dirty="0" smtClean="0"/>
+              <a:t> all shapes other than the line.</a:t>
+            </a:r>
+          </a:p>
+          <a:p>
+            <a:r>
+              <a:rPr lang="en-US" baseline="0" dirty="0" smtClean="0"/>
+              <a:t>Apply swap 4 times</a:t>
+            </a:r>
+            <a:endParaRPr lang="en-US" dirty="0"/>
+          </a:p>
+        </p:txBody>
+      </p:sp>
+      <p:sp>
+        <p:nvSpPr>
+          <p:cNvPr id="4" name="Slide Number Placeholder 3"/>
+          <p:cNvSpPr>
+            <a:spLocks noGrp="1"/>
+          </p:cNvSpPr>
+          <p:nvPr>
+            <p:ph type="sldNum" sz="quarter" idx="10"/>
+          </p:nvPr>
+        </p:nvSpPr>
+        <p:spPr/>
+        <p:txBody>
+          <a:bodyPr/>
+          <a:lstStyle/>
+          <a:p>
+            <a:fld id="{0E972E13-4655-43EC-8BB4-63BA298E5AD6}" type="slidenum">
+              <a:rPr lang="en-US" smtClean="0"/>
+              <a:t>8</a:t>
+            </a:fld>
+            <a:endParaRPr lang="en-US"/>
+          </a:p>
+        </p:txBody>
+      </p:sp>
+    </p:spTree>
+    <p:extLst>
+      <p:ext uri="{BB962C8B-B14F-4D97-AF65-F5344CB8AC3E}">
+        <p14:creationId xmlns:p14="http://schemas.microsoft.com/office/powerpoint/2010/main" val="1675874382"/>
+      </p:ext>
+    </p:extLst>
+  </p:cSld>
+  <p:clrMapOvr>
+    <a:masterClrMapping/>
+  </p:clrMapOvr>
+</p:notes>
+</file>
+
+<file path=ppt/notesSlides/notesSlide6.xml><?xml version="1.0" encoding="utf-8"?>
+<p:notes xmlns:a="http://schemas.openxmlformats.org/drawingml/2006/main" xmlns:r="http://schemas.openxmlformats.org/officeDocument/2006/relationships" xmlns:p="http://schemas.openxmlformats.org/presentationml/2006/main">
+  <p:cSld>
+    <p:spTree>
+      <p:nvGrpSpPr>
+        <p:cNvPr id="1" name=""/>
+        <p:cNvGrpSpPr/>
+        <p:nvPr/>
+      </p:nvGrpSpPr>
+      <p:grpSpPr>
+        <a:xfrm>
+          <a:off x="0" y="0"/>
+          <a:ext cx="0" cy="0"/>
+          <a:chOff x="0" y="0"/>
+          <a:chExt cx="0" cy="0"/>
+        </a:xfrm>
+      </p:grpSpPr>
+      <p:sp>
+        <p:nvSpPr>
+          <p:cNvPr id="2" name="Slide Image Placeholder 1"/>
+          <p:cNvSpPr>
+            <a:spLocks noGrp="1" noRot="1" noChangeAspect="1"/>
+          </p:cNvSpPr>
+          <p:nvPr>
+            <p:ph type="sldImg"/>
+          </p:nvPr>
+        </p:nvSpPr>
+        <p:spPr/>
+      </p:sp>
+      <p:sp>
+        <p:nvSpPr>
+          <p:cNvPr id="3" name="Notes Placeholder 2"/>
+          <p:cNvSpPr>
+            <a:spLocks noGrp="1"/>
+          </p:cNvSpPr>
+          <p:nvPr>
+            <p:ph type="body" idx="1"/>
+          </p:nvPr>
+        </p:nvSpPr>
+        <p:spPr/>
+        <p:txBody>
+          <a:bodyPr/>
+          <a:lstStyle/>
+          <a:p>
+            <a:r>
+              <a:rPr lang="en-US" dirty="0" smtClean="0"/>
+              <a:t>Select</a:t>
+            </a:r>
+            <a:r>
+              <a:rPr lang="en-US" baseline="0" dirty="0" smtClean="0"/>
+              <a:t> all shapes other than the line in this order: Circle, Arrow, Square, Triangle</a:t>
+            </a:r>
+          </a:p>
+          <a:p>
+            <a:r>
+              <a:rPr lang="en-US" baseline="0" dirty="0" smtClean="0"/>
+              <a:t>Apply swap 1 time</a:t>
+            </a:r>
+            <a:endParaRPr lang="en-US" dirty="0"/>
+          </a:p>
+        </p:txBody>
+      </p:sp>
+      <p:sp>
+        <p:nvSpPr>
+          <p:cNvPr id="4" name="Slide Number Placeholder 3"/>
+          <p:cNvSpPr>
+            <a:spLocks noGrp="1"/>
+          </p:cNvSpPr>
+          <p:nvPr>
+            <p:ph type="sldNum" sz="quarter" idx="10"/>
+          </p:nvPr>
+        </p:nvSpPr>
+        <p:spPr/>
+        <p:txBody>
+          <a:bodyPr/>
+          <a:lstStyle/>
+          <a:p>
+            <a:fld id="{0E972E13-4655-43EC-8BB4-63BA298E5AD6}" type="slidenum">
+              <a:rPr lang="en-US" smtClean="0"/>
+              <a:t>10</a:t>
+            </a:fld>
+            <a:endParaRPr lang="en-US"/>
+          </a:p>
+        </p:txBody>
+      </p:sp>
+    </p:spTree>
+    <p:extLst>
+      <p:ext uri="{BB962C8B-B14F-4D97-AF65-F5344CB8AC3E}">
+        <p14:creationId xmlns:p14="http://schemas.microsoft.com/office/powerpoint/2010/main" val="3117410440"/>
+      </p:ext>
+    </p:extLst>
+  </p:cSld>
+  <p:clrMapOvr>
+    <a:masterClrMapping/>
+  </p:clrMapOvr>
+</p:notes>
+</file>
+
+<file path=ppt/notesSlides/notesSlide7.xml><?xml version="1.0" encoding="utf-8"?>
+<p:notes xmlns:a="http://schemas.openxmlformats.org/drawingml/2006/main" xmlns:r="http://schemas.openxmlformats.org/officeDocument/2006/relationships" xmlns:p="http://schemas.openxmlformats.org/presentationml/2006/main">
+  <p:cSld>
+    <p:spTree>
+      <p:nvGrpSpPr>
+        <p:cNvPr id="1" name=""/>
+        <p:cNvGrpSpPr/>
+        <p:nvPr/>
+      </p:nvGrpSpPr>
+      <p:grpSpPr>
+        <a:xfrm>
+          <a:off x="0" y="0"/>
+          <a:ext cx="0" cy="0"/>
+          <a:chOff x="0" y="0"/>
+          <a:chExt cx="0" cy="0"/>
+        </a:xfrm>
+      </p:grpSpPr>
+      <p:sp>
+        <p:nvSpPr>
+          <p:cNvPr id="2" name="Slide Image Placeholder 1"/>
+          <p:cNvSpPr>
+            <a:spLocks noGrp="1" noRot="1" noChangeAspect="1"/>
+          </p:cNvSpPr>
+          <p:nvPr>
+            <p:ph type="sldImg"/>
+          </p:nvPr>
+        </p:nvSpPr>
+        <p:spPr/>
+      </p:sp>
+      <p:sp>
+        <p:nvSpPr>
+          <p:cNvPr id="3" name="Notes Placeholder 2"/>
+          <p:cNvSpPr>
+            <a:spLocks noGrp="1"/>
+          </p:cNvSpPr>
+          <p:nvPr>
+            <p:ph type="body" idx="1"/>
+          </p:nvPr>
+        </p:nvSpPr>
+        <p:spPr/>
+        <p:txBody>
+          <a:bodyPr/>
+          <a:lstStyle/>
+          <a:p>
+            <a:r>
+              <a:rPr lang="en-US" dirty="0" smtClean="0"/>
+              <a:t>Select</a:t>
+            </a:r>
+            <a:r>
+              <a:rPr lang="en-US" baseline="0" dirty="0" smtClean="0"/>
+              <a:t> all shapes other than the line in this order: Circle, Arrow, Square, Triangle</a:t>
+            </a:r>
+          </a:p>
+          <a:p>
+            <a:r>
+              <a:rPr lang="en-US" baseline="0" dirty="0" smtClean="0"/>
+              <a:t>Apply swap 2 times</a:t>
+            </a:r>
+            <a:endParaRPr lang="en-US" dirty="0"/>
+          </a:p>
+        </p:txBody>
+      </p:sp>
+      <p:sp>
+        <p:nvSpPr>
+          <p:cNvPr id="4" name="Slide Number Placeholder 3"/>
+          <p:cNvSpPr>
+            <a:spLocks noGrp="1"/>
+          </p:cNvSpPr>
+          <p:nvPr>
+            <p:ph type="sldNum" sz="quarter" idx="10"/>
+          </p:nvPr>
+        </p:nvSpPr>
+        <p:spPr/>
+        <p:txBody>
+          <a:bodyPr/>
+          <a:lstStyle/>
+          <a:p>
+            <a:fld id="{0E972E13-4655-43EC-8BB4-63BA298E5AD6}" type="slidenum">
+              <a:rPr lang="en-US" smtClean="0"/>
+              <a:t>11</a:t>
+            </a:fld>
+            <a:endParaRPr lang="en-US"/>
+          </a:p>
+        </p:txBody>
+      </p:sp>
+    </p:spTree>
+    <p:extLst>
+      <p:ext uri="{BB962C8B-B14F-4D97-AF65-F5344CB8AC3E}">
+        <p14:creationId xmlns:p14="http://schemas.microsoft.com/office/powerpoint/2010/main" val="867071584"/>
+      </p:ext>
+    </p:extLst>
+  </p:cSld>
+  <p:clrMapOvr>
+    <a:masterClrMapping/>
+  </p:clrMapOvr>
+</p:notes>
+</file>
+
+<file path=ppt/notesSlides/notesSlide8.xml><?xml version="1.0" encoding="utf-8"?>
+<p:notes xmlns:a="http://schemas.openxmlformats.org/drawingml/2006/main" xmlns:r="http://schemas.openxmlformats.org/officeDocument/2006/relationships" xmlns:p="http://schemas.openxmlformats.org/presentationml/2006/main">
+  <p:cSld>
+    <p:spTree>
+      <p:nvGrpSpPr>
+        <p:cNvPr id="1" name=""/>
+        <p:cNvGrpSpPr/>
+        <p:nvPr/>
+      </p:nvGrpSpPr>
+      <p:grpSpPr>
+        <a:xfrm>
+          <a:off x="0" y="0"/>
+          <a:ext cx="0" cy="0"/>
+          <a:chOff x="0" y="0"/>
+          <a:chExt cx="0" cy="0"/>
+        </a:xfrm>
+      </p:grpSpPr>
+      <p:sp>
+        <p:nvSpPr>
+          <p:cNvPr id="2" name="Slide Image Placeholder 1"/>
+          <p:cNvSpPr>
+            <a:spLocks noGrp="1" noRot="1" noChangeAspect="1"/>
+          </p:cNvSpPr>
+          <p:nvPr>
+            <p:ph type="sldImg"/>
+          </p:nvPr>
+        </p:nvSpPr>
+        <p:spPr/>
+      </p:sp>
+      <p:sp>
+        <p:nvSpPr>
+          <p:cNvPr id="3" name="Notes Placeholder 2"/>
+          <p:cNvSpPr>
+            <a:spLocks noGrp="1"/>
+          </p:cNvSpPr>
+          <p:nvPr>
+            <p:ph type="body" idx="1"/>
+          </p:nvPr>
+        </p:nvSpPr>
+        <p:spPr/>
+        <p:txBody>
+          <a:bodyPr/>
+          <a:lstStyle/>
+          <a:p>
+            <a:r>
+              <a:rPr lang="en-US" dirty="0" smtClean="0"/>
+              <a:t>Select</a:t>
+            </a:r>
+            <a:r>
+              <a:rPr lang="en-US" baseline="0" dirty="0" smtClean="0"/>
+              <a:t> all shapes other than the line in this order: Circle, Arrow, Square, Triangle</a:t>
+            </a:r>
+          </a:p>
+          <a:p>
+            <a:r>
+              <a:rPr lang="en-US" baseline="0" dirty="0" smtClean="0"/>
+              <a:t>Apply swap 3 times</a:t>
+            </a:r>
+            <a:endParaRPr lang="en-US" dirty="0"/>
+          </a:p>
+        </p:txBody>
+      </p:sp>
+      <p:sp>
+        <p:nvSpPr>
+          <p:cNvPr id="4" name="Slide Number Placeholder 3"/>
+          <p:cNvSpPr>
+            <a:spLocks noGrp="1"/>
+          </p:cNvSpPr>
+          <p:nvPr>
+            <p:ph type="sldNum" sz="quarter" idx="10"/>
+          </p:nvPr>
+        </p:nvSpPr>
+        <p:spPr/>
+        <p:txBody>
+          <a:bodyPr/>
+          <a:lstStyle/>
+          <a:p>
+            <a:fld id="{0E972E13-4655-43EC-8BB4-63BA298E5AD6}" type="slidenum">
+              <a:rPr lang="en-US" smtClean="0"/>
+              <a:t>12</a:t>
+            </a:fld>
+            <a:endParaRPr lang="en-US"/>
+          </a:p>
+        </p:txBody>
+      </p:sp>
+    </p:spTree>
+    <p:extLst>
+      <p:ext uri="{BB962C8B-B14F-4D97-AF65-F5344CB8AC3E}">
+        <p14:creationId xmlns:p14="http://schemas.microsoft.com/office/powerpoint/2010/main" val="2855422915"/>
+      </p:ext>
+    </p:extLst>
+  </p:cSld>
+  <p:clrMapOvr>
+    <a:masterClrMapping/>
+  </p:clrMapOvr>
+</p:notes>
+</file>
+
+<file path=ppt/notesSlides/notesSlide9.xml><?xml version="1.0" encoding="utf-8"?>
+<p:notes xmlns:a="http://schemas.openxmlformats.org/drawingml/2006/main" xmlns:r="http://schemas.openxmlformats.org/officeDocument/2006/relationships" xmlns:p="http://schemas.openxmlformats.org/presentationml/2006/main">
+  <p:cSld>
+    <p:spTree>
+      <p:nvGrpSpPr>
+        <p:cNvPr id="1" name=""/>
+        <p:cNvGrpSpPr/>
+        <p:nvPr/>
+      </p:nvGrpSpPr>
+      <p:grpSpPr>
+        <a:xfrm>
+          <a:off x="0" y="0"/>
+          <a:ext cx="0" cy="0"/>
+          <a:chOff x="0" y="0"/>
+          <a:chExt cx="0" cy="0"/>
+        </a:xfrm>
+      </p:grpSpPr>
+      <p:sp>
+        <p:nvSpPr>
+          <p:cNvPr id="2" name="Slide Image Placeholder 1"/>
+          <p:cNvSpPr>
+            <a:spLocks noGrp="1" noRot="1" noChangeAspect="1"/>
+          </p:cNvSpPr>
+          <p:nvPr>
+            <p:ph type="sldImg"/>
+          </p:nvPr>
+        </p:nvSpPr>
+        <p:spPr/>
+      </p:sp>
+      <p:sp>
+        <p:nvSpPr>
+          <p:cNvPr id="3" name="Notes Placeholder 2"/>
+          <p:cNvSpPr>
+            <a:spLocks noGrp="1"/>
+          </p:cNvSpPr>
+          <p:nvPr>
+            <p:ph type="body" idx="1"/>
+          </p:nvPr>
+        </p:nvSpPr>
+        <p:spPr/>
+        <p:txBody>
+          <a:bodyPr/>
+          <a:lstStyle/>
+          <a:p>
+            <a:r>
+              <a:rPr lang="en-US" dirty="0" smtClean="0"/>
+              <a:t>Select</a:t>
+            </a:r>
+            <a:r>
+              <a:rPr lang="en-US" baseline="0" dirty="0" smtClean="0"/>
+              <a:t> all shapes other than the line in this order: Circle, Arrow, Square, Triangle</a:t>
+            </a:r>
+          </a:p>
+          <a:p>
+            <a:r>
+              <a:rPr lang="en-US" baseline="0" dirty="0" smtClean="0"/>
+              <a:t>Apply swap 4 times</a:t>
+            </a:r>
+            <a:endParaRPr lang="en-US" dirty="0"/>
+          </a:p>
+        </p:txBody>
+      </p:sp>
+      <p:sp>
+        <p:nvSpPr>
+          <p:cNvPr id="4" name="Slide Number Placeholder 3"/>
+          <p:cNvSpPr>
+            <a:spLocks noGrp="1"/>
+          </p:cNvSpPr>
+          <p:nvPr>
+            <p:ph type="sldNum" sz="quarter" idx="10"/>
+          </p:nvPr>
+        </p:nvSpPr>
+        <p:spPr/>
+        <p:txBody>
+          <a:bodyPr/>
+          <a:lstStyle/>
+          <a:p>
+            <a:fld id="{0E972E13-4655-43EC-8BB4-63BA298E5AD6}" type="slidenum">
+              <a:rPr lang="en-US" smtClean="0"/>
+              <a:t>13</a:t>
+            </a:fld>
+            <a:endParaRPr lang="en-US"/>
+          </a:p>
+        </p:txBody>
+      </p:sp>
+    </p:spTree>
+    <p:extLst>
+      <p:ext uri="{BB962C8B-B14F-4D97-AF65-F5344CB8AC3E}">
+        <p14:creationId xmlns:p14="http://schemas.microsoft.com/office/powerpoint/2010/main" val="1348191992"/>
+      </p:ext>
+    </p:extLst>
+  </p:cSld>
+  <p:clrMapOvr>
+    <a:masterClrMapping/>
+  </p:clrMapOvr>
+</p:notes>
 </file>
 
 <file path=ppt/slideLayouts/slideLayout1.xml><?xml version="1.0" encoding="utf-8"?>
@@ -350,7 +1578,7 @@
           <a:p>
             <a:fld id="{699DC775-C286-4358-8C92-D7E584E969B3}" type="datetimeFigureOut">
               <a:rPr lang="en-US" smtClean="0"/>
-              <a:t>3/31/2016</a:t>
+              <a:t>5/11/2017</a:t>
             </a:fld>
             <a:endParaRPr lang="en-US"/>
           </a:p>
@@ -518,7 +1746,7 @@
           <a:p>
             <a:fld id="{699DC775-C286-4358-8C92-D7E584E969B3}" type="datetimeFigureOut">
               <a:rPr lang="en-US" smtClean="0"/>
-              <a:t>3/31/2016</a:t>
+              <a:t>5/11/2017</a:t>
             </a:fld>
             <a:endParaRPr lang="en-US"/>
           </a:p>
@@ -696,7 +1924,7 @@
           <a:p>
             <a:fld id="{699DC775-C286-4358-8C92-D7E584E969B3}" type="datetimeFigureOut">
               <a:rPr lang="en-US" smtClean="0"/>
-              <a:t>3/31/2016</a:t>
+              <a:t>5/11/2017</a:t>
             </a:fld>
             <a:endParaRPr lang="en-US"/>
           </a:p>
@@ -936,7 +2164,7 @@
           <a:p>
             <a:fld id="{699DC775-C286-4358-8C92-D7E584E969B3}" type="datetimeFigureOut">
               <a:rPr lang="en-US" smtClean="0"/>
-              <a:t>3/31/2016</a:t>
+              <a:t>5/11/2017</a:t>
             </a:fld>
             <a:endParaRPr lang="en-US"/>
           </a:p>
@@ -1104,7 +2332,7 @@
           <a:p>
             <a:fld id="{699DC775-C286-4358-8C92-D7E584E969B3}" type="datetimeFigureOut">
               <a:rPr lang="en-US" smtClean="0"/>
-              <a:t>3/31/2016</a:t>
+              <a:t>5/11/2017</a:t>
             </a:fld>
             <a:endParaRPr lang="en-US"/>
           </a:p>
@@ -1349,7 +2577,7 @@
           <a:p>
             <a:fld id="{699DC775-C286-4358-8C92-D7E584E969B3}" type="datetimeFigureOut">
               <a:rPr lang="en-US" smtClean="0"/>
-              <a:t>3/31/2016</a:t>
+              <a:t>5/11/2017</a:t>
             </a:fld>
             <a:endParaRPr lang="en-US"/>
           </a:p>
@@ -1634,7 +2862,7 @@
           <a:p>
             <a:fld id="{699DC775-C286-4358-8C92-D7E584E969B3}" type="datetimeFigureOut">
               <a:rPr lang="en-US" smtClean="0"/>
-              <a:t>3/31/2016</a:t>
+              <a:t>5/11/2017</a:t>
             </a:fld>
             <a:endParaRPr lang="en-US"/>
           </a:p>
@@ -2053,7 +3281,7 @@
           <a:p>
             <a:fld id="{699DC775-C286-4358-8C92-D7E584E969B3}" type="datetimeFigureOut">
               <a:rPr lang="en-US" smtClean="0"/>
-              <a:t>3/31/2016</a:t>
+              <a:t>5/11/2017</a:t>
             </a:fld>
             <a:endParaRPr lang="en-US"/>
           </a:p>
@@ -2170,7 +3398,7 @@
           <a:p>
             <a:fld id="{699DC775-C286-4358-8C92-D7E584E969B3}" type="datetimeFigureOut">
               <a:rPr lang="en-US" smtClean="0"/>
-              <a:t>3/31/2016</a:t>
+              <a:t>5/11/2017</a:t>
             </a:fld>
             <a:endParaRPr lang="en-US"/>
           </a:p>
@@ -2265,7 +3493,7 @@
           <a:p>
             <a:fld id="{699DC775-C286-4358-8C92-D7E584E969B3}" type="datetimeFigureOut">
               <a:rPr lang="en-US" smtClean="0"/>
-              <a:t>3/31/2016</a:t>
+              <a:t>5/11/2017</a:t>
             </a:fld>
             <a:endParaRPr lang="en-US"/>
           </a:p>
@@ -2540,7 +3768,7 @@
           <a:p>
             <a:fld id="{699DC775-C286-4358-8C92-D7E584E969B3}" type="datetimeFigureOut">
               <a:rPr lang="en-US" smtClean="0"/>
-              <a:t>3/31/2016</a:t>
+              <a:t>5/11/2017</a:t>
             </a:fld>
             <a:endParaRPr lang="en-US"/>
           </a:p>
@@ -2708,7 +3936,7 @@
           <a:p>
             <a:fld id="{699DC775-C286-4358-8C92-D7E584E969B3}" type="datetimeFigureOut">
               <a:rPr lang="en-US" smtClean="0"/>
-              <a:t>3/31/2016</a:t>
+              <a:t>5/11/2017</a:t>
             </a:fld>
             <a:endParaRPr lang="en-US"/>
           </a:p>
@@ -2960,7 +4188,7 @@
           <a:p>
             <a:fld id="{699DC775-C286-4358-8C92-D7E584E969B3}" type="datetimeFigureOut">
               <a:rPr lang="en-US" smtClean="0"/>
-              <a:t>3/31/2016</a:t>
+              <a:t>5/11/2017</a:t>
             </a:fld>
             <a:endParaRPr lang="en-US"/>
           </a:p>
@@ -3128,7 +4356,7 @@
           <a:p>
             <a:fld id="{699DC775-C286-4358-8C92-D7E584E969B3}" type="datetimeFigureOut">
               <a:rPr lang="en-US" smtClean="0"/>
-              <a:t>3/31/2016</a:t>
+              <a:t>5/11/2017</a:t>
             </a:fld>
             <a:endParaRPr lang="en-US"/>
           </a:p>
@@ -3306,7 +4534,7 @@
           <a:p>
             <a:fld id="{699DC775-C286-4358-8C92-D7E584E969B3}" type="datetimeFigureOut">
               <a:rPr lang="en-US" smtClean="0"/>
-              <a:t>3/31/2016</a:t>
+              <a:t>5/11/2017</a:t>
             </a:fld>
             <a:endParaRPr lang="en-US"/>
           </a:p>
@@ -3554,7 +4782,7 @@
           <a:p>
             <a:fld id="{699DC775-C286-4358-8C92-D7E584E969B3}" type="datetimeFigureOut">
               <a:rPr lang="en-US" smtClean="0"/>
-              <a:t>3/31/2016</a:t>
+              <a:t>5/11/2017</a:t>
             </a:fld>
             <a:endParaRPr lang="en-US"/>
           </a:p>
@@ -3730,7 +4958,7 @@
           <a:p>
             <a:fld id="{699DC775-C286-4358-8C92-D7E584E969B3}" type="datetimeFigureOut">
               <a:rPr lang="en-US" smtClean="0"/>
-              <a:t>3/31/2016</a:t>
+              <a:t>5/11/2017</a:t>
             </a:fld>
             <a:endParaRPr lang="en-US"/>
           </a:p>
@@ -3983,7 +5211,7 @@
           <a:p>
             <a:fld id="{699DC775-C286-4358-8C92-D7E584E969B3}" type="datetimeFigureOut">
               <a:rPr lang="en-US" smtClean="0"/>
-              <a:t>3/31/2016</a:t>
+              <a:t>5/11/2017</a:t>
             </a:fld>
             <a:endParaRPr lang="en-US"/>
           </a:p>
@@ -4276,7 +5504,7 @@
           <a:p>
             <a:fld id="{699DC775-C286-4358-8C92-D7E584E969B3}" type="datetimeFigureOut">
               <a:rPr lang="en-US" smtClean="0"/>
-              <a:t>3/31/2016</a:t>
+              <a:t>5/11/2017</a:t>
             </a:fld>
             <a:endParaRPr lang="en-US"/>
           </a:p>
@@ -4703,7 +5931,7 @@
           <a:p>
             <a:fld id="{699DC775-C286-4358-8C92-D7E584E969B3}" type="datetimeFigureOut">
               <a:rPr lang="en-US" smtClean="0"/>
-              <a:t>3/31/2016</a:t>
+              <a:t>5/11/2017</a:t>
             </a:fld>
             <a:endParaRPr lang="en-US"/>
           </a:p>
@@ -4828,7 +6056,7 @@
           <a:p>
             <a:fld id="{699DC775-C286-4358-8C92-D7E584E969B3}" type="datetimeFigureOut">
               <a:rPr lang="en-US" smtClean="0"/>
-              <a:t>3/31/2016</a:t>
+              <a:t>5/11/2017</a:t>
             </a:fld>
             <a:endParaRPr lang="en-US"/>
           </a:p>
@@ -4931,7 +6159,7 @@
           <a:p>
             <a:fld id="{699DC775-C286-4358-8C92-D7E584E969B3}" type="datetimeFigureOut">
               <a:rPr lang="en-US" smtClean="0"/>
-              <a:t>3/31/2016</a:t>
+              <a:t>5/11/2017</a:t>
             </a:fld>
             <a:endParaRPr lang="en-US"/>
           </a:p>
@@ -5176,7 +6404,7 @@
           <a:p>
             <a:fld id="{699DC775-C286-4358-8C92-D7E584E969B3}" type="datetimeFigureOut">
               <a:rPr lang="en-US" smtClean="0"/>
-              <a:t>3/31/2016</a:t>
+              <a:t>5/11/2017</a:t>
             </a:fld>
             <a:endParaRPr lang="en-US"/>
           </a:p>
@@ -5459,7 +6687,7 @@
           <a:p>
             <a:fld id="{699DC775-C286-4358-8C92-D7E584E969B3}" type="datetimeFigureOut">
               <a:rPr lang="en-US" smtClean="0"/>
-              <a:t>3/31/2016</a:t>
+              <a:t>5/11/2017</a:t>
             </a:fld>
             <a:endParaRPr lang="en-US"/>
           </a:p>
@@ -5719,7 +6947,7 @@
           <a:p>
             <a:fld id="{699DC775-C286-4358-8C92-D7E584E969B3}" type="datetimeFigureOut">
               <a:rPr lang="en-US" smtClean="0"/>
-              <a:t>3/31/2016</a:t>
+              <a:t>5/11/2017</a:t>
             </a:fld>
             <a:endParaRPr lang="en-US"/>
           </a:p>
@@ -5895,7 +7123,7 @@
           <a:p>
             <a:fld id="{699DC775-C286-4358-8C92-D7E584E969B3}" type="datetimeFigureOut">
               <a:rPr lang="en-US" smtClean="0"/>
-              <a:t>3/31/2016</a:t>
+              <a:t>5/11/2017</a:t>
             </a:fld>
             <a:endParaRPr lang="en-US"/>
           </a:p>
@@ -6081,7 +7309,7 @@
           <a:p>
             <a:fld id="{699DC775-C286-4358-8C92-D7E584E969B3}" type="datetimeFigureOut">
               <a:rPr lang="en-US" smtClean="0"/>
-              <a:t>3/31/2016</a:t>
+              <a:t>5/11/2017</a:t>
             </a:fld>
             <a:endParaRPr lang="en-US"/>
           </a:p>
@@ -6366,7 +7594,7 @@
           <a:p>
             <a:fld id="{699DC775-C286-4358-8C92-D7E584E969B3}" type="datetimeFigureOut">
               <a:rPr lang="en-US" smtClean="0"/>
-              <a:t>3/31/2016</a:t>
+              <a:t>5/11/2017</a:t>
             </a:fld>
             <a:endParaRPr lang="en-US"/>
           </a:p>
@@ -6785,7 +8013,7 @@
           <a:p>
             <a:fld id="{699DC775-C286-4358-8C92-D7E584E969B3}" type="datetimeFigureOut">
               <a:rPr lang="en-US" smtClean="0"/>
-              <a:t>3/31/2016</a:t>
+              <a:t>5/11/2017</a:t>
             </a:fld>
             <a:endParaRPr lang="en-US"/>
           </a:p>
@@ -6902,7 +8130,7 @@
           <a:p>
             <a:fld id="{699DC775-C286-4358-8C92-D7E584E969B3}" type="datetimeFigureOut">
               <a:rPr lang="en-US" smtClean="0"/>
-              <a:t>3/31/2016</a:t>
+              <a:t>5/11/2017</a:t>
             </a:fld>
             <a:endParaRPr lang="en-US"/>
           </a:p>
@@ -6997,7 +8225,7 @@
           <a:p>
             <a:fld id="{699DC775-C286-4358-8C92-D7E584E969B3}" type="datetimeFigureOut">
               <a:rPr lang="en-US" smtClean="0"/>
-              <a:t>3/31/2016</a:t>
+              <a:t>5/11/2017</a:t>
             </a:fld>
             <a:endParaRPr lang="en-US"/>
           </a:p>
@@ -7272,7 +8500,7 @@
           <a:p>
             <a:fld id="{699DC775-C286-4358-8C92-D7E584E969B3}" type="datetimeFigureOut">
               <a:rPr lang="en-US" smtClean="0"/>
-              <a:t>3/31/2016</a:t>
+              <a:t>5/11/2017</a:t>
             </a:fld>
             <a:endParaRPr lang="en-US"/>
           </a:p>
@@ -7524,7 +8752,7 @@
           <a:p>
             <a:fld id="{699DC775-C286-4358-8C92-D7E584E969B3}" type="datetimeFigureOut">
               <a:rPr lang="en-US" smtClean="0"/>
-              <a:t>3/31/2016</a:t>
+              <a:t>5/11/2017</a:t>
             </a:fld>
             <a:endParaRPr lang="en-US"/>
           </a:p>
@@ -7735,7 +8963,7 @@
           <a:p>
             <a:fld id="{699DC775-C286-4358-8C92-D7E584E969B3}" type="datetimeFigureOut">
               <a:rPr lang="en-US" smtClean="0"/>
-              <a:t>3/31/2016</a:t>
+              <a:t>5/11/2017</a:t>
             </a:fld>
             <a:endParaRPr lang="en-US"/>
           </a:p>
@@ -8248,7 +9476,7 @@
           <a:p>
             <a:fld id="{699DC775-C286-4358-8C92-D7E584E969B3}" type="datetimeFigureOut">
               <a:rPr lang="en-US" smtClean="0"/>
-              <a:t>3/31/2016</a:t>
+              <a:t>5/11/2017</a:t>
             </a:fld>
             <a:endParaRPr lang="en-US"/>
           </a:p>
@@ -8759,7 +9987,7 @@
           <a:p>
             <a:fld id="{699DC775-C286-4358-8C92-D7E584E969B3}" type="datetimeFigureOut">
               <a:rPr lang="en-US" smtClean="0"/>
-              <a:t>3/31/2016</a:t>
+              <a:t>5/11/2017</a:t>
             </a:fld>
             <a:endParaRPr lang="en-US"/>
           </a:p>
@@ -9280,14 +10508,167 @@
       </p:grpSpPr>
       <p:sp>
         <p:nvSpPr>
-          <p:cNvPr id="4" name="Rectangle 3"/>
+          <p:cNvPr id="12" name="Arrow"/>
           <p:cNvSpPr/>
           <p:nvPr/>
         </p:nvSpPr>
         <p:spPr>
           <a:xfrm>
-            <a:off x="3811763" y="2783711"/>
-            <a:ext cx="2651848" cy="838200"/>
+            <a:off x="3239930" y="1516938"/>
+            <a:ext cx="1828800" cy="1828800"/>
+          </a:xfrm>
+          <a:prstGeom prst="upArrow">
+            <a:avLst/>
+          </a:prstGeom>
+        </p:spPr>
+        <p:style>
+          <a:lnRef idx="2">
+            <a:schemeClr val="accent3">
+              <a:shade val="50000"/>
+            </a:schemeClr>
+          </a:lnRef>
+          <a:fillRef idx="1">
+            <a:schemeClr val="accent3"/>
+          </a:fillRef>
+          <a:effectRef idx="0">
+            <a:schemeClr val="accent3"/>
+          </a:effectRef>
+          <a:fontRef idx="minor">
+            <a:schemeClr val="lt1"/>
+          </a:fontRef>
+        </p:style>
+        <p:txBody>
+          <a:bodyPr rtlCol="0" anchor="ctr"/>
+          <a:lstStyle/>
+          <a:p>
+            <a:pPr algn="ctr"/>
+            <a:endParaRPr lang="en-US" dirty="0"/>
+          </a:p>
+        </p:txBody>
+      </p:sp>
+      <p:sp>
+        <p:nvSpPr>
+          <p:cNvPr id="16" name="Circle"/>
+          <p:cNvSpPr/>
+          <p:nvPr/>
+        </p:nvSpPr>
+        <p:spPr>
+          <a:xfrm>
+            <a:off x="4233387" y="1706344"/>
+            <a:ext cx="1828800" cy="1828800"/>
+          </a:xfrm>
+          <a:prstGeom prst="ellipse">
+            <a:avLst/>
+          </a:prstGeom>
+        </p:spPr>
+        <p:style>
+          <a:lnRef idx="2">
+            <a:schemeClr val="accent2">
+              <a:shade val="50000"/>
+            </a:schemeClr>
+          </a:lnRef>
+          <a:fillRef idx="1">
+            <a:schemeClr val="accent2"/>
+          </a:fillRef>
+          <a:effectRef idx="0">
+            <a:schemeClr val="accent2"/>
+          </a:effectRef>
+          <a:fontRef idx="minor">
+            <a:schemeClr val="lt1"/>
+          </a:fontRef>
+        </p:style>
+        <p:txBody>
+          <a:bodyPr rtlCol="0" anchor="ctr"/>
+          <a:lstStyle/>
+          <a:p>
+            <a:pPr algn="ctr"/>
+            <a:endParaRPr lang="en-US"/>
+          </a:p>
+        </p:txBody>
+      </p:sp>
+      <p:cxnSp>
+        <p:nvCxnSpPr>
+          <p:cNvPr id="3" name="Line"/>
+          <p:cNvCxnSpPr/>
+          <p:nvPr/>
+        </p:nvCxnSpPr>
+        <p:spPr>
+          <a:xfrm>
+            <a:off x="1905000" y="3023381"/>
+            <a:ext cx="5867400" cy="41362"/>
+          </a:xfrm>
+          <a:prstGeom prst="straightConnector1">
+            <a:avLst/>
+          </a:prstGeom>
+          <a:ln w="76200">
+            <a:tailEnd type="triangle"/>
+          </a:ln>
+        </p:spPr>
+        <p:style>
+          <a:lnRef idx="1">
+            <a:schemeClr val="dk1"/>
+          </a:lnRef>
+          <a:fillRef idx="0">
+            <a:schemeClr val="dk1"/>
+          </a:fillRef>
+          <a:effectRef idx="0">
+            <a:schemeClr val="dk1"/>
+          </a:effectRef>
+          <a:fontRef idx="minor">
+            <a:schemeClr val="tx1"/>
+          </a:fontRef>
+        </p:style>
+      </p:cxnSp>
+      <p:sp>
+        <p:nvSpPr>
+          <p:cNvPr id="15" name="Triangle"/>
+          <p:cNvSpPr/>
+          <p:nvPr/>
+        </p:nvSpPr>
+        <p:spPr>
+          <a:xfrm>
+            <a:off x="3273743" y="2663469"/>
+            <a:ext cx="1828800" cy="1828800"/>
+          </a:xfrm>
+          <a:prstGeom prst="triangle">
+            <a:avLst/>
+          </a:prstGeom>
+        </p:spPr>
+        <p:style>
+          <a:lnRef idx="2">
+            <a:schemeClr val="accent4">
+              <a:shade val="50000"/>
+            </a:schemeClr>
+          </a:lnRef>
+          <a:fillRef idx="1">
+            <a:schemeClr val="accent4"/>
+          </a:fillRef>
+          <a:effectRef idx="0">
+            <a:schemeClr val="accent4"/>
+          </a:effectRef>
+          <a:fontRef idx="minor">
+            <a:schemeClr val="lt1"/>
+          </a:fontRef>
+        </p:style>
+        <p:txBody>
+          <a:bodyPr rtlCol="0" anchor="ctr"/>
+          <a:lstStyle/>
+          <a:p>
+            <a:pPr algn="ctr"/>
+            <a:endParaRPr lang="en-US"/>
+          </a:p>
+        </p:txBody>
+      </p:sp>
+      <p:sp>
+        <p:nvSpPr>
+          <p:cNvPr id="4" name="Square"/>
+          <p:cNvSpPr/>
+          <p:nvPr/>
+        </p:nvSpPr>
+        <p:spPr>
+          <a:xfrm>
+            <a:off x="4495800" y="2895600"/>
+            <a:ext cx="1828800" cy="1828800"/>
           </a:xfrm>
           <a:prstGeom prst="rect">
             <a:avLst/>
@@ -9314,134 +10695,14 @@
           <a:lstStyle/>
           <a:p>
             <a:pPr algn="ctr"/>
-            <a:endParaRPr lang="en-US"/>
-          </a:p>
-        </p:txBody>
-      </p:sp>
-      <p:sp>
-        <p:nvSpPr>
-          <p:cNvPr id="5" name="Oval 4"/>
-          <p:cNvSpPr/>
-          <p:nvPr/>
-        </p:nvSpPr>
-        <p:spPr>
-          <a:xfrm>
-            <a:off x="5790067" y="3859852"/>
-            <a:ext cx="978972" cy="978972"/>
-          </a:xfrm>
-          <a:prstGeom prst="ellipse">
-            <a:avLst/>
-          </a:prstGeom>
-        </p:spPr>
-        <p:style>
-          <a:lnRef idx="2">
-            <a:schemeClr val="accent1">
-              <a:shade val="50000"/>
-            </a:schemeClr>
-          </a:lnRef>
-          <a:fillRef idx="1">
-            <a:schemeClr val="accent1"/>
-          </a:fillRef>
-          <a:effectRef idx="0">
-            <a:schemeClr val="accent1"/>
-          </a:effectRef>
-          <a:fontRef idx="minor">
-            <a:schemeClr val="lt1"/>
-          </a:fontRef>
-        </p:style>
-        <p:txBody>
-          <a:bodyPr rtlCol="0" anchor="ctr"/>
-          <a:lstStyle/>
-          <a:p>
-            <a:pPr algn="ctr"/>
-            <a:endParaRPr lang="en-US"/>
-          </a:p>
-        </p:txBody>
-      </p:sp>
-      <p:sp>
-        <p:nvSpPr>
-          <p:cNvPr id="6" name="Right Arrow 5"/>
-          <p:cNvSpPr/>
-          <p:nvPr/>
-        </p:nvSpPr>
-        <p:spPr>
-          <a:xfrm rot="18000000">
-            <a:off x="1805589" y="3579510"/>
-            <a:ext cx="2120755" cy="631714"/>
-          </a:xfrm>
-          <a:prstGeom prst="rightArrow">
-            <a:avLst/>
-          </a:prstGeom>
-        </p:spPr>
-        <p:style>
-          <a:lnRef idx="2">
-            <a:schemeClr val="accent1">
-              <a:shade val="50000"/>
-            </a:schemeClr>
-          </a:lnRef>
-          <a:fillRef idx="1">
-            <a:schemeClr val="accent1"/>
-          </a:fillRef>
-          <a:effectRef idx="0">
-            <a:schemeClr val="accent1"/>
-          </a:effectRef>
-          <a:fontRef idx="minor">
-            <a:schemeClr val="lt1"/>
-          </a:fontRef>
-        </p:style>
-        <p:txBody>
-          <a:bodyPr rtlCol="0" anchor="ctr"/>
-          <a:lstStyle/>
-          <a:p>
-            <a:pPr algn="ctr"/>
-            <a:endParaRPr lang="en-US"/>
-          </a:p>
-        </p:txBody>
-      </p:sp>
-      <p:sp>
-        <p:nvSpPr>
-          <p:cNvPr id="7" name="Rectangle 6"/>
-          <p:cNvSpPr/>
-          <p:nvPr/>
-        </p:nvSpPr>
-        <p:spPr>
-          <a:xfrm rot="18672083">
-            <a:off x="2165524" y="2093069"/>
-            <a:ext cx="1379725" cy="919817"/>
-          </a:xfrm>
-          <a:prstGeom prst="rect">
-            <a:avLst/>
-          </a:prstGeom>
-        </p:spPr>
-        <p:style>
-          <a:lnRef idx="2">
-            <a:schemeClr val="accent1">
-              <a:shade val="50000"/>
-            </a:schemeClr>
-          </a:lnRef>
-          <a:fillRef idx="1">
-            <a:schemeClr val="accent1"/>
-          </a:fillRef>
-          <a:effectRef idx="0">
-            <a:schemeClr val="accent1"/>
-          </a:effectRef>
-          <a:fontRef idx="minor">
-            <a:schemeClr val="lt1"/>
-          </a:fontRef>
-        </p:style>
-        <p:txBody>
-          <a:bodyPr rtlCol="0" anchor="ctr"/>
-          <a:lstStyle/>
-          <a:p>
-            <a:pPr algn="ctr"/>
-            <a:endParaRPr lang="en-US"/>
+            <a:endParaRPr lang="en-US" dirty="0"/>
           </a:p>
         </p:txBody>
       </p:sp>
     </p:spTree>
     <p:extLst>
       <p:ext uri="{BB962C8B-B14F-4D97-AF65-F5344CB8AC3E}">
-        <p14:creationId xmlns:p14="http://schemas.microsoft.com/office/powerpoint/2010/main" val="2399071025"/>
+        <p14:creationId xmlns:p14="http://schemas.microsoft.com/office/powerpoint/2010/main" val="1921262850"/>
       </p:ext>
     </p:extLst>
   </p:cSld>
@@ -9470,14 +10731,127 @@
       </p:grpSpPr>
       <p:sp>
         <p:nvSpPr>
-          <p:cNvPr id="4" name="Rectangle 3"/>
+          <p:cNvPr id="16" name="Circle"/>
           <p:cNvSpPr/>
           <p:nvPr/>
         </p:nvSpPr>
         <p:spPr>
           <a:xfrm>
-            <a:off x="1529463" y="3515749"/>
-            <a:ext cx="2651848" cy="838200"/>
+            <a:off x="3239930" y="1516938"/>
+            <a:ext cx="1828800" cy="1828800"/>
+          </a:xfrm>
+          <a:prstGeom prst="ellipse">
+            <a:avLst/>
+          </a:prstGeom>
+        </p:spPr>
+        <p:style>
+          <a:lnRef idx="2">
+            <a:schemeClr val="accent2">
+              <a:shade val="50000"/>
+            </a:schemeClr>
+          </a:lnRef>
+          <a:fillRef idx="1">
+            <a:schemeClr val="accent2"/>
+          </a:fillRef>
+          <a:effectRef idx="0">
+            <a:schemeClr val="accent2"/>
+          </a:effectRef>
+          <a:fontRef idx="minor">
+            <a:schemeClr val="lt1"/>
+          </a:fontRef>
+        </p:style>
+        <p:txBody>
+          <a:bodyPr rtlCol="0" anchor="ctr"/>
+          <a:lstStyle/>
+          <a:p>
+            <a:pPr algn="ctr"/>
+            <a:endParaRPr lang="en-US"/>
+          </a:p>
+        </p:txBody>
+      </p:sp>
+      <p:sp>
+        <p:nvSpPr>
+          <p:cNvPr id="15" name="Triangle"/>
+          <p:cNvSpPr/>
+          <p:nvPr/>
+        </p:nvSpPr>
+        <p:spPr>
+          <a:xfrm>
+            <a:off x="4233387" y="1706344"/>
+            <a:ext cx="1828800" cy="1828800"/>
+          </a:xfrm>
+          <a:prstGeom prst="triangle">
+            <a:avLst/>
+          </a:prstGeom>
+        </p:spPr>
+        <p:style>
+          <a:lnRef idx="2">
+            <a:schemeClr val="accent4">
+              <a:shade val="50000"/>
+            </a:schemeClr>
+          </a:lnRef>
+          <a:fillRef idx="1">
+            <a:schemeClr val="accent4"/>
+          </a:fillRef>
+          <a:effectRef idx="0">
+            <a:schemeClr val="accent4"/>
+          </a:effectRef>
+          <a:fontRef idx="minor">
+            <a:schemeClr val="lt1"/>
+          </a:fontRef>
+        </p:style>
+        <p:txBody>
+          <a:bodyPr rtlCol="0" anchor="ctr"/>
+          <a:lstStyle/>
+          <a:p>
+            <a:pPr algn="ctr"/>
+            <a:endParaRPr lang="en-US"/>
+          </a:p>
+        </p:txBody>
+      </p:sp>
+      <p:cxnSp>
+        <p:nvCxnSpPr>
+          <p:cNvPr id="3" name="Line"/>
+          <p:cNvCxnSpPr/>
+          <p:nvPr/>
+        </p:nvCxnSpPr>
+        <p:spPr>
+          <a:xfrm>
+            <a:off x="1905000" y="3023381"/>
+            <a:ext cx="5867400" cy="41362"/>
+          </a:xfrm>
+          <a:prstGeom prst="straightConnector1">
+            <a:avLst/>
+          </a:prstGeom>
+          <a:ln w="76200">
+            <a:tailEnd type="triangle"/>
+          </a:ln>
+        </p:spPr>
+        <p:style>
+          <a:lnRef idx="1">
+            <a:schemeClr val="dk1"/>
+          </a:lnRef>
+          <a:fillRef idx="0">
+            <a:schemeClr val="dk1"/>
+          </a:fillRef>
+          <a:effectRef idx="0">
+            <a:schemeClr val="dk1"/>
+          </a:effectRef>
+          <a:fontRef idx="minor">
+            <a:schemeClr val="tx1"/>
+          </a:fontRef>
+        </p:style>
+      </p:cxnSp>
+      <p:sp>
+        <p:nvSpPr>
+          <p:cNvPr id="4" name="Square"/>
+          <p:cNvSpPr/>
+          <p:nvPr/>
+        </p:nvSpPr>
+        <p:spPr>
+          <a:xfrm>
+            <a:off x="3273743" y="2663469"/>
+            <a:ext cx="1828800" cy="1828800"/>
           </a:xfrm>
           <a:prstGeom prst="rect">
             <a:avLst/>
@@ -9504,36 +10878,36 @@
           <a:lstStyle/>
           <a:p>
             <a:pPr algn="ctr"/>
-            <a:endParaRPr lang="en-US"/>
-          </a:p>
-        </p:txBody>
-      </p:sp>
-      <p:sp>
-        <p:nvSpPr>
-          <p:cNvPr id="5" name="Oval 4"/>
+            <a:endParaRPr lang="en-US" dirty="0"/>
+          </a:p>
+        </p:txBody>
+      </p:sp>
+      <p:sp>
+        <p:nvSpPr>
+          <p:cNvPr id="12" name="Arrow"/>
           <p:cNvSpPr/>
           <p:nvPr/>
         </p:nvSpPr>
         <p:spPr>
           <a:xfrm>
-            <a:off x="2365900" y="2063493"/>
-            <a:ext cx="978972" cy="978972"/>
+            <a:off x="4495800" y="2895600"/>
+            <a:ext cx="1828800" cy="1828800"/>
           </a:xfrm>
-          <a:prstGeom prst="ellipse">
+          <a:prstGeom prst="upArrow">
             <a:avLst/>
           </a:prstGeom>
         </p:spPr>
         <p:style>
           <a:lnRef idx="2">
-            <a:schemeClr val="accent1">
+            <a:schemeClr val="accent3">
               <a:shade val="50000"/>
             </a:schemeClr>
           </a:lnRef>
           <a:fillRef idx="1">
-            <a:schemeClr val="accent1"/>
+            <a:schemeClr val="accent3"/>
           </a:fillRef>
           <a:effectRef idx="0">
-            <a:schemeClr val="accent1"/>
+            <a:schemeClr val="accent3"/>
           </a:effectRef>
           <a:fontRef idx="minor">
             <a:schemeClr val="lt1"/>
@@ -9544,94 +10918,14 @@
           <a:lstStyle/>
           <a:p>
             <a:pPr algn="ctr"/>
-            <a:endParaRPr lang="en-US"/>
-          </a:p>
-        </p:txBody>
-      </p:sp>
-      <p:sp>
-        <p:nvSpPr>
-          <p:cNvPr id="6" name="Right Arrow 5"/>
-          <p:cNvSpPr/>
-          <p:nvPr/>
-        </p:nvSpPr>
-        <p:spPr>
-          <a:xfrm rot="18000000">
-            <a:off x="5229755" y="3993999"/>
-            <a:ext cx="2120755" cy="631714"/>
-          </a:xfrm>
-          <a:prstGeom prst="rightArrow">
-            <a:avLst/>
-          </a:prstGeom>
-        </p:spPr>
-        <p:style>
-          <a:lnRef idx="2">
-            <a:schemeClr val="accent1">
-              <a:shade val="50000"/>
-            </a:schemeClr>
-          </a:lnRef>
-          <a:fillRef idx="1">
-            <a:schemeClr val="accent1"/>
-          </a:fillRef>
-          <a:effectRef idx="0">
-            <a:schemeClr val="accent1"/>
-          </a:effectRef>
-          <a:fontRef idx="minor">
-            <a:schemeClr val="lt1"/>
-          </a:fontRef>
-        </p:style>
-        <p:txBody>
-          <a:bodyPr rtlCol="0" anchor="ctr"/>
-          <a:lstStyle/>
-          <a:p>
-            <a:pPr algn="ctr"/>
-            <a:endParaRPr lang="en-US"/>
-          </a:p>
-        </p:txBody>
-      </p:sp>
-      <p:sp>
-        <p:nvSpPr>
-          <p:cNvPr id="7" name="Rectangle 6"/>
-          <p:cNvSpPr/>
-          <p:nvPr/>
-        </p:nvSpPr>
-        <p:spPr>
-          <a:xfrm rot="18672083">
-            <a:off x="4447825" y="2742901"/>
-            <a:ext cx="1379725" cy="919817"/>
-          </a:xfrm>
-          <a:prstGeom prst="rect">
-            <a:avLst/>
-          </a:prstGeom>
-        </p:spPr>
-        <p:style>
-          <a:lnRef idx="2">
-            <a:schemeClr val="accent1">
-              <a:shade val="50000"/>
-            </a:schemeClr>
-          </a:lnRef>
-          <a:fillRef idx="1">
-            <a:schemeClr val="accent1"/>
-          </a:fillRef>
-          <a:effectRef idx="0">
-            <a:schemeClr val="accent1"/>
-          </a:effectRef>
-          <a:fontRef idx="minor">
-            <a:schemeClr val="lt1"/>
-          </a:fontRef>
-        </p:style>
-        <p:txBody>
-          <a:bodyPr rtlCol="0" anchor="ctr"/>
-          <a:lstStyle/>
-          <a:p>
-            <a:pPr algn="ctr"/>
-            <a:endParaRPr lang="en-US"/>
+            <a:endParaRPr lang="en-US" dirty="0"/>
           </a:p>
         </p:txBody>
       </p:sp>
     </p:spTree>
     <p:extLst>
       <p:ext uri="{BB962C8B-B14F-4D97-AF65-F5344CB8AC3E}">
-        <p14:creationId xmlns:p14="http://schemas.microsoft.com/office/powerpoint/2010/main" val="4014615619"/>
+        <p14:creationId xmlns:p14="http://schemas.microsoft.com/office/powerpoint/2010/main" val="3984241998"/>
       </p:ext>
     </p:extLst>
   </p:cSld>
@@ -9660,14 +10954,54 @@
       </p:grpSpPr>
       <p:sp>
         <p:nvSpPr>
-          <p:cNvPr id="4" name="Rectangle 3"/>
+          <p:cNvPr id="15" name="Triangle"/>
           <p:cNvSpPr/>
           <p:nvPr/>
         </p:nvSpPr>
         <p:spPr>
           <a:xfrm>
-            <a:off x="4953629" y="3930238"/>
-            <a:ext cx="2651848" cy="838200"/>
+            <a:off x="3239930" y="1516938"/>
+            <a:ext cx="1828800" cy="1828800"/>
+          </a:xfrm>
+          <a:prstGeom prst="triangle">
+            <a:avLst/>
+          </a:prstGeom>
+        </p:spPr>
+        <p:style>
+          <a:lnRef idx="2">
+            <a:schemeClr val="accent4">
+              <a:shade val="50000"/>
+            </a:schemeClr>
+          </a:lnRef>
+          <a:fillRef idx="1">
+            <a:schemeClr val="accent4"/>
+          </a:fillRef>
+          <a:effectRef idx="0">
+            <a:schemeClr val="accent4"/>
+          </a:effectRef>
+          <a:fontRef idx="minor">
+            <a:schemeClr val="lt1"/>
+          </a:fontRef>
+        </p:style>
+        <p:txBody>
+          <a:bodyPr rtlCol="0" anchor="ctr"/>
+          <a:lstStyle/>
+          <a:p>
+            <a:pPr algn="ctr"/>
+            <a:endParaRPr lang="en-US"/>
+          </a:p>
+        </p:txBody>
+      </p:sp>
+      <p:sp>
+        <p:nvSpPr>
+          <p:cNvPr id="4" name="Square"/>
+          <p:cNvSpPr/>
+          <p:nvPr/>
+        </p:nvSpPr>
+        <p:spPr>
+          <a:xfrm>
+            <a:off x="4233387" y="1706344"/>
+            <a:ext cx="1828800" cy="1828800"/>
           </a:xfrm>
           <a:prstGeom prst="rect">
             <a:avLst/>
@@ -9694,20 +11028,93 @@
           <a:lstStyle/>
           <a:p>
             <a:pPr algn="ctr"/>
-            <a:endParaRPr lang="en-US"/>
-          </a:p>
-        </p:txBody>
-      </p:sp>
-      <p:sp>
-        <p:nvSpPr>
-          <p:cNvPr id="5" name="Oval 4"/>
+            <a:endParaRPr lang="en-US" dirty="0"/>
+          </a:p>
+        </p:txBody>
+      </p:sp>
+      <p:cxnSp>
+        <p:nvCxnSpPr>
+          <p:cNvPr id="3" name="Line"/>
+          <p:cNvCxnSpPr/>
+          <p:nvPr/>
+        </p:nvCxnSpPr>
+        <p:spPr>
+          <a:xfrm>
+            <a:off x="1905000" y="3023381"/>
+            <a:ext cx="5867400" cy="41362"/>
+          </a:xfrm>
+          <a:prstGeom prst="straightConnector1">
+            <a:avLst/>
+          </a:prstGeom>
+          <a:ln w="76200">
+            <a:tailEnd type="triangle"/>
+          </a:ln>
+        </p:spPr>
+        <p:style>
+          <a:lnRef idx="1">
+            <a:schemeClr val="dk1"/>
+          </a:lnRef>
+          <a:fillRef idx="0">
+            <a:schemeClr val="dk1"/>
+          </a:fillRef>
+          <a:effectRef idx="0">
+            <a:schemeClr val="dk1"/>
+          </a:effectRef>
+          <a:fontRef idx="minor">
+            <a:schemeClr val="tx1"/>
+          </a:fontRef>
+        </p:style>
+      </p:cxnSp>
+      <p:sp>
+        <p:nvSpPr>
+          <p:cNvPr id="12" name="Arrow"/>
           <p:cNvSpPr/>
           <p:nvPr/>
         </p:nvSpPr>
         <p:spPr>
           <a:xfrm>
-            <a:off x="4648201" y="2713325"/>
-            <a:ext cx="978972" cy="978972"/>
+            <a:off x="3273743" y="2663469"/>
+            <a:ext cx="1828800" cy="1828800"/>
+          </a:xfrm>
+          <a:prstGeom prst="upArrow">
+            <a:avLst/>
+          </a:prstGeom>
+        </p:spPr>
+        <p:style>
+          <a:lnRef idx="2">
+            <a:schemeClr val="accent3">
+              <a:shade val="50000"/>
+            </a:schemeClr>
+          </a:lnRef>
+          <a:fillRef idx="1">
+            <a:schemeClr val="accent3"/>
+          </a:fillRef>
+          <a:effectRef idx="0">
+            <a:schemeClr val="accent3"/>
+          </a:effectRef>
+          <a:fontRef idx="minor">
+            <a:schemeClr val="lt1"/>
+          </a:fontRef>
+        </p:style>
+        <p:txBody>
+          <a:bodyPr rtlCol="0" anchor="ctr"/>
+          <a:lstStyle/>
+          <a:p>
+            <a:pPr algn="ctr"/>
+            <a:endParaRPr lang="en-US" dirty="0"/>
+          </a:p>
+        </p:txBody>
+      </p:sp>
+      <p:sp>
+        <p:nvSpPr>
+          <p:cNvPr id="16" name="Circle"/>
+          <p:cNvSpPr/>
+          <p:nvPr/>
+        </p:nvSpPr>
+        <p:spPr>
+          <a:xfrm>
+            <a:off x="4495800" y="2895600"/>
+            <a:ext cx="1828800" cy="1828800"/>
           </a:xfrm>
           <a:prstGeom prst="ellipse">
             <a:avLst/>
@@ -9715,15 +11122,15 @@
         </p:spPr>
         <p:style>
           <a:lnRef idx="2">
-            <a:schemeClr val="accent1">
+            <a:schemeClr val="accent2">
               <a:shade val="50000"/>
             </a:schemeClr>
           </a:lnRef>
           <a:fillRef idx="1">
-            <a:schemeClr val="accent1"/>
+            <a:schemeClr val="accent2"/>
           </a:fillRef>
           <a:effectRef idx="0">
-            <a:schemeClr val="accent1"/>
+            <a:schemeClr val="accent2"/>
           </a:effectRef>
           <a:fontRef idx="minor">
             <a:schemeClr val="lt1"/>
@@ -9738,90 +11145,10 @@
           </a:p>
         </p:txBody>
       </p:sp>
-      <p:sp>
-        <p:nvSpPr>
-          <p:cNvPr id="6" name="Right Arrow 5"/>
-          <p:cNvSpPr/>
-          <p:nvPr/>
-        </p:nvSpPr>
-        <p:spPr>
-          <a:xfrm rot="18000000">
-            <a:off x="1805588" y="2197640"/>
-            <a:ext cx="2120755" cy="631714"/>
-          </a:xfrm>
-          <a:prstGeom prst="rightArrow">
-            <a:avLst/>
-          </a:prstGeom>
-        </p:spPr>
-        <p:style>
-          <a:lnRef idx="2">
-            <a:schemeClr val="accent1">
-              <a:shade val="50000"/>
-            </a:schemeClr>
-          </a:lnRef>
-          <a:fillRef idx="1">
-            <a:schemeClr val="accent1"/>
-          </a:fillRef>
-          <a:effectRef idx="0">
-            <a:schemeClr val="accent1"/>
-          </a:effectRef>
-          <a:fontRef idx="minor">
-            <a:schemeClr val="lt1"/>
-          </a:fontRef>
-        </p:style>
-        <p:txBody>
-          <a:bodyPr rtlCol="0" anchor="ctr"/>
-          <a:lstStyle/>
-          <a:p>
-            <a:pPr algn="ctr"/>
-            <a:endParaRPr lang="en-US"/>
-          </a:p>
-        </p:txBody>
-      </p:sp>
-      <p:sp>
-        <p:nvSpPr>
-          <p:cNvPr id="7" name="Rectangle 6"/>
-          <p:cNvSpPr/>
-          <p:nvPr/>
-        </p:nvSpPr>
-        <p:spPr>
-          <a:xfrm rot="18672083">
-            <a:off x="2165525" y="3474939"/>
-            <a:ext cx="1379725" cy="919817"/>
-          </a:xfrm>
-          <a:prstGeom prst="rect">
-            <a:avLst/>
-          </a:prstGeom>
-        </p:spPr>
-        <p:style>
-          <a:lnRef idx="2">
-            <a:schemeClr val="accent1">
-              <a:shade val="50000"/>
-            </a:schemeClr>
-          </a:lnRef>
-          <a:fillRef idx="1">
-            <a:schemeClr val="accent1"/>
-          </a:fillRef>
-          <a:effectRef idx="0">
-            <a:schemeClr val="accent1"/>
-          </a:effectRef>
-          <a:fontRef idx="minor">
-            <a:schemeClr val="lt1"/>
-          </a:fontRef>
-        </p:style>
-        <p:txBody>
-          <a:bodyPr rtlCol="0" anchor="ctr"/>
-          <a:lstStyle/>
-          <a:p>
-            <a:pPr algn="ctr"/>
-            <a:endParaRPr lang="en-US"/>
-          </a:p>
-        </p:txBody>
-      </p:sp>
     </p:spTree>
     <p:extLst>
       <p:ext uri="{BB962C8B-B14F-4D97-AF65-F5344CB8AC3E}">
-        <p14:creationId xmlns:p14="http://schemas.microsoft.com/office/powerpoint/2010/main" val="1283416535"/>
+        <p14:creationId xmlns:p14="http://schemas.microsoft.com/office/powerpoint/2010/main" val="3649173266"/>
       </p:ext>
     </p:extLst>
   </p:cSld>
@@ -9850,14 +11177,14 @@
       </p:grpSpPr>
       <p:sp>
         <p:nvSpPr>
-          <p:cNvPr id="4" name="Rectangle 3"/>
+          <p:cNvPr id="4" name="Square"/>
           <p:cNvSpPr/>
           <p:nvPr/>
         </p:nvSpPr>
         <p:spPr>
           <a:xfrm>
-            <a:off x="1529462" y="2133879"/>
-            <a:ext cx="2651848" cy="838200"/>
+            <a:off x="3239930" y="1516938"/>
+            <a:ext cx="1828800" cy="1828800"/>
           </a:xfrm>
           <a:prstGeom prst="rect">
             <a:avLst/>
@@ -9884,20 +11211,93 @@
           <a:lstStyle/>
           <a:p>
             <a:pPr algn="ctr"/>
-            <a:endParaRPr lang="en-US"/>
-          </a:p>
-        </p:txBody>
-      </p:sp>
-      <p:sp>
-        <p:nvSpPr>
-          <p:cNvPr id="5" name="Oval 4"/>
+            <a:endParaRPr lang="en-US" dirty="0"/>
+          </a:p>
+        </p:txBody>
+      </p:sp>
+      <p:sp>
+        <p:nvSpPr>
+          <p:cNvPr id="12" name="Arrow"/>
           <p:cNvSpPr/>
           <p:nvPr/>
         </p:nvSpPr>
         <p:spPr>
           <a:xfrm>
-            <a:off x="2365901" y="3445363"/>
-            <a:ext cx="978972" cy="978972"/>
+            <a:off x="4233387" y="1706344"/>
+            <a:ext cx="1828800" cy="1828800"/>
+          </a:xfrm>
+          <a:prstGeom prst="upArrow">
+            <a:avLst/>
+          </a:prstGeom>
+        </p:spPr>
+        <p:style>
+          <a:lnRef idx="2">
+            <a:schemeClr val="accent3">
+              <a:shade val="50000"/>
+            </a:schemeClr>
+          </a:lnRef>
+          <a:fillRef idx="1">
+            <a:schemeClr val="accent3"/>
+          </a:fillRef>
+          <a:effectRef idx="0">
+            <a:schemeClr val="accent3"/>
+          </a:effectRef>
+          <a:fontRef idx="minor">
+            <a:schemeClr val="lt1"/>
+          </a:fontRef>
+        </p:style>
+        <p:txBody>
+          <a:bodyPr rtlCol="0" anchor="ctr"/>
+          <a:lstStyle/>
+          <a:p>
+            <a:pPr algn="ctr"/>
+            <a:endParaRPr lang="en-US" dirty="0"/>
+          </a:p>
+        </p:txBody>
+      </p:sp>
+      <p:cxnSp>
+        <p:nvCxnSpPr>
+          <p:cNvPr id="3" name="Line"/>
+          <p:cNvCxnSpPr/>
+          <p:nvPr/>
+        </p:nvCxnSpPr>
+        <p:spPr>
+          <a:xfrm>
+            <a:off x="1905000" y="3023381"/>
+            <a:ext cx="5867400" cy="41362"/>
+          </a:xfrm>
+          <a:prstGeom prst="straightConnector1">
+            <a:avLst/>
+          </a:prstGeom>
+          <a:ln w="76200">
+            <a:tailEnd type="triangle"/>
+          </a:ln>
+        </p:spPr>
+        <p:style>
+          <a:lnRef idx="1">
+            <a:schemeClr val="dk1"/>
+          </a:lnRef>
+          <a:fillRef idx="0">
+            <a:schemeClr val="dk1"/>
+          </a:fillRef>
+          <a:effectRef idx="0">
+            <a:schemeClr val="dk1"/>
+          </a:effectRef>
+          <a:fontRef idx="minor">
+            <a:schemeClr val="tx1"/>
+          </a:fontRef>
+        </p:style>
+      </p:cxnSp>
+      <p:sp>
+        <p:nvSpPr>
+          <p:cNvPr id="16" name="Circle"/>
+          <p:cNvSpPr/>
+          <p:nvPr/>
+        </p:nvSpPr>
+        <p:spPr>
+          <a:xfrm>
+            <a:off x="3273743" y="2663469"/>
+            <a:ext cx="1828800" cy="1828800"/>
           </a:xfrm>
           <a:prstGeom prst="ellipse">
             <a:avLst/>
@@ -9905,15 +11305,15 @@
         </p:spPr>
         <p:style>
           <a:lnRef idx="2">
-            <a:schemeClr val="accent1">
+            <a:schemeClr val="accent2">
               <a:shade val="50000"/>
             </a:schemeClr>
           </a:lnRef>
           <a:fillRef idx="1">
-            <a:schemeClr val="accent1"/>
+            <a:schemeClr val="accent2"/>
           </a:fillRef>
           <a:effectRef idx="0">
-            <a:schemeClr val="accent1"/>
+            <a:schemeClr val="accent2"/>
           </a:effectRef>
           <a:fontRef idx="minor">
             <a:schemeClr val="lt1"/>
@@ -9930,30 +11330,30 @@
       </p:sp>
       <p:sp>
         <p:nvSpPr>
-          <p:cNvPr id="6" name="Right Arrow 5"/>
+          <p:cNvPr id="15" name="Triangle"/>
           <p:cNvSpPr/>
           <p:nvPr/>
         </p:nvSpPr>
         <p:spPr>
-          <a:xfrm rot="18000000">
-            <a:off x="4087889" y="2847472"/>
-            <a:ext cx="2120755" cy="631714"/>
+          <a:xfrm>
+            <a:off x="4495800" y="2895600"/>
+            <a:ext cx="1828800" cy="1828800"/>
           </a:xfrm>
-          <a:prstGeom prst="rightArrow">
+          <a:prstGeom prst="triangle">
             <a:avLst/>
           </a:prstGeom>
         </p:spPr>
         <p:style>
           <a:lnRef idx="2">
-            <a:schemeClr val="accent1">
+            <a:schemeClr val="accent4">
               <a:shade val="50000"/>
             </a:schemeClr>
           </a:lnRef>
           <a:fillRef idx="1">
-            <a:schemeClr val="accent1"/>
+            <a:schemeClr val="accent4"/>
           </a:fillRef>
           <a:effectRef idx="0">
-            <a:schemeClr val="accent1"/>
+            <a:schemeClr val="accent4"/>
           </a:effectRef>
           <a:fontRef idx="minor">
             <a:schemeClr val="lt1"/>
@@ -9968,50 +11368,10 @@
           </a:p>
         </p:txBody>
       </p:sp>
-      <p:sp>
-        <p:nvSpPr>
-          <p:cNvPr id="7" name="Rectangle 6"/>
-          <p:cNvSpPr/>
-          <p:nvPr/>
-        </p:nvSpPr>
-        <p:spPr>
-          <a:xfrm rot="18672083">
-            <a:off x="5589691" y="3889428"/>
-            <a:ext cx="1379725" cy="919817"/>
-          </a:xfrm>
-          <a:prstGeom prst="rect">
-            <a:avLst/>
-          </a:prstGeom>
-        </p:spPr>
-        <p:style>
-          <a:lnRef idx="2">
-            <a:schemeClr val="accent1">
-              <a:shade val="50000"/>
-            </a:schemeClr>
-          </a:lnRef>
-          <a:fillRef idx="1">
-            <a:schemeClr val="accent1"/>
-          </a:fillRef>
-          <a:effectRef idx="0">
-            <a:schemeClr val="accent1"/>
-          </a:effectRef>
-          <a:fontRef idx="minor">
-            <a:schemeClr val="lt1"/>
-          </a:fontRef>
-        </p:style>
-        <p:txBody>
-          <a:bodyPr rtlCol="0" anchor="ctr"/>
-          <a:lstStyle/>
-          <a:p>
-            <a:pPr algn="ctr"/>
-            <a:endParaRPr lang="en-US"/>
-          </a:p>
-        </p:txBody>
-      </p:sp>
     </p:spTree>
     <p:extLst>
       <p:ext uri="{BB962C8B-B14F-4D97-AF65-F5344CB8AC3E}">
-        <p14:creationId xmlns:p14="http://schemas.microsoft.com/office/powerpoint/2010/main" val="2594659715"/>
+        <p14:creationId xmlns:p14="http://schemas.microsoft.com/office/powerpoint/2010/main" val="1835489808"/>
       </p:ext>
     </p:extLst>
   </p:cSld>
@@ -10022,1174 +11382,6 @@
 </file>
 
 <file path=ppt/slides/slide14.xml><?xml version="1.0" encoding="utf-8"?>
-<p:sld xmlns:a="http://schemas.openxmlformats.org/drawingml/2006/main" xmlns:r="http://schemas.openxmlformats.org/officeDocument/2006/relationships" xmlns:p="http://schemas.openxmlformats.org/presentationml/2006/main">
-  <p:cSld>
-    <p:spTree>
-      <p:nvGrpSpPr>
-        <p:cNvPr id="1" name=""/>
-        <p:cNvGrpSpPr/>
-        <p:nvPr/>
-      </p:nvGrpSpPr>
-      <p:grpSpPr>
-        <a:xfrm>
-          <a:off x="0" y="0"/>
-          <a:ext cx="0" cy="0"/>
-          <a:chOff x="0" y="0"/>
-          <a:chExt cx="0" cy="0"/>
-        </a:xfrm>
-      </p:grpSpPr>
-      <p:sp>
-        <p:nvSpPr>
-          <p:cNvPr id="2" name="Title 1"/>
-          <p:cNvSpPr>
-            <a:spLocks noGrp="1"/>
-          </p:cNvSpPr>
-          <p:nvPr>
-            <p:ph type="title"/>
-          </p:nvPr>
-        </p:nvSpPr>
-        <p:spPr/>
-        <p:txBody>
-          <a:bodyPr/>
-          <a:lstStyle/>
-          <a:p>
-            <a:r>
-              <a:rPr lang="en-US" dirty="0"/>
-              <a:t>Reorder:: Anchor Point</a:t>
-            </a:r>
-            <a:endParaRPr lang="en-SG" dirty="0"/>
-          </a:p>
-        </p:txBody>
-      </p:sp>
-      <p:sp>
-        <p:nvSpPr>
-          <p:cNvPr id="4" name="Content Placeholder 3"/>
-          <p:cNvSpPr>
-            <a:spLocks noGrp="1"/>
-          </p:cNvSpPr>
-          <p:nvPr>
-            <p:ph idx="1"/>
-          </p:nvPr>
-        </p:nvSpPr>
-        <p:spPr/>
-        <p:txBody>
-          <a:bodyPr/>
-          <a:lstStyle/>
-          <a:p>
-            <a:endParaRPr lang="en-US"/>
-          </a:p>
-        </p:txBody>
-      </p:sp>
-    </p:spTree>
-    <p:extLst>
-      <p:ext uri="{BB962C8B-B14F-4D97-AF65-F5344CB8AC3E}">
-        <p14:creationId xmlns:p14="http://schemas.microsoft.com/office/powerpoint/2010/main" val="4141265165"/>
-      </p:ext>
-    </p:extLst>
-  </p:cSld>
-  <p:clrMapOvr>
-    <a:masterClrMapping/>
-  </p:clrMapOvr>
-</p:sld>
-</file>
-
-<file path=ppt/slides/slide15.xml><?xml version="1.0" encoding="utf-8"?>
-<p:sld xmlns:a="http://schemas.openxmlformats.org/drawingml/2006/main" xmlns:r="http://schemas.openxmlformats.org/officeDocument/2006/relationships" xmlns:p="http://schemas.openxmlformats.org/presentationml/2006/main">
-  <p:cSld>
-    <p:spTree>
-      <p:nvGrpSpPr>
-        <p:cNvPr id="1" name=""/>
-        <p:cNvGrpSpPr/>
-        <p:nvPr/>
-      </p:nvGrpSpPr>
-      <p:grpSpPr>
-        <a:xfrm>
-          <a:off x="0" y="0"/>
-          <a:ext cx="0" cy="0"/>
-          <a:chOff x="0" y="0"/>
-          <a:chExt cx="0" cy="0"/>
-        </a:xfrm>
-      </p:grpSpPr>
-      <p:sp>
-        <p:nvSpPr>
-          <p:cNvPr id="4" name="Rectangle 3"/>
-          <p:cNvSpPr/>
-          <p:nvPr/>
-        </p:nvSpPr>
-        <p:spPr>
-          <a:xfrm>
-            <a:off x="5479101" y="3527341"/>
-            <a:ext cx="2651848" cy="838200"/>
-          </a:xfrm>
-          <a:prstGeom prst="rect">
-            <a:avLst/>
-          </a:prstGeom>
-        </p:spPr>
-        <p:style>
-          <a:lnRef idx="2">
-            <a:schemeClr val="accent1">
-              <a:shade val="50000"/>
-            </a:schemeClr>
-          </a:lnRef>
-          <a:fillRef idx="1">
-            <a:schemeClr val="accent1"/>
-          </a:fillRef>
-          <a:effectRef idx="0">
-            <a:schemeClr val="accent1"/>
-          </a:effectRef>
-          <a:fontRef idx="minor">
-            <a:schemeClr val="lt1"/>
-          </a:fontRef>
-        </p:style>
-        <p:txBody>
-          <a:bodyPr rtlCol="0" anchor="ctr"/>
-          <a:lstStyle/>
-          <a:p>
-            <a:pPr algn="ctr"/>
-            <a:endParaRPr lang="en-US"/>
-          </a:p>
-        </p:txBody>
-      </p:sp>
-      <p:sp>
-        <p:nvSpPr>
-          <p:cNvPr id="7" name="Rectangle 6"/>
-          <p:cNvSpPr/>
-          <p:nvPr/>
-        </p:nvSpPr>
-        <p:spPr>
-          <a:xfrm rot="18672083">
-            <a:off x="1640052" y="2495966"/>
-            <a:ext cx="1379725" cy="919817"/>
-          </a:xfrm>
-          <a:prstGeom prst="rect">
-            <a:avLst/>
-          </a:prstGeom>
-        </p:spPr>
-        <p:style>
-          <a:lnRef idx="2">
-            <a:schemeClr val="accent1">
-              <a:shade val="50000"/>
-            </a:schemeClr>
-          </a:lnRef>
-          <a:fillRef idx="1">
-            <a:schemeClr val="accent1"/>
-          </a:fillRef>
-          <a:effectRef idx="0">
-            <a:schemeClr val="accent1"/>
-          </a:effectRef>
-          <a:fontRef idx="minor">
-            <a:schemeClr val="lt1"/>
-          </a:fontRef>
-        </p:style>
-        <p:txBody>
-          <a:bodyPr rtlCol="0" anchor="ctr"/>
-          <a:lstStyle/>
-          <a:p>
-            <a:pPr algn="ctr"/>
-            <a:endParaRPr lang="en-US"/>
-          </a:p>
-        </p:txBody>
-      </p:sp>
-    </p:spTree>
-    <p:extLst>
-      <p:ext uri="{BB962C8B-B14F-4D97-AF65-F5344CB8AC3E}">
-        <p14:creationId xmlns:p14="http://schemas.microsoft.com/office/powerpoint/2010/main" val="1747594985"/>
-      </p:ext>
-    </p:extLst>
-  </p:cSld>
-  <p:clrMapOvr>
-    <a:masterClrMapping/>
-  </p:clrMapOvr>
-</p:sld>
-</file>
-
-<file path=ppt/slides/slide16.xml><?xml version="1.0" encoding="utf-8"?>
-<p:sld xmlns:a="http://schemas.openxmlformats.org/drawingml/2006/main" xmlns:r="http://schemas.openxmlformats.org/officeDocument/2006/relationships" xmlns:p="http://schemas.openxmlformats.org/presentationml/2006/main">
-  <p:cSld>
-    <p:spTree>
-      <p:nvGrpSpPr>
-        <p:cNvPr id="1" name=""/>
-        <p:cNvGrpSpPr/>
-        <p:nvPr/>
-      </p:nvGrpSpPr>
-      <p:grpSpPr>
-        <a:xfrm>
-          <a:off x="0" y="0"/>
-          <a:ext cx="0" cy="0"/>
-          <a:chOff x="0" y="0"/>
-          <a:chExt cx="0" cy="0"/>
-        </a:xfrm>
-      </p:grpSpPr>
-      <p:sp>
-        <p:nvSpPr>
-          <p:cNvPr id="4" name="Rectangle 3"/>
-          <p:cNvSpPr/>
-          <p:nvPr/>
-        </p:nvSpPr>
-        <p:spPr>
-          <a:xfrm>
-            <a:off x="4953629" y="3527341"/>
-            <a:ext cx="2651848" cy="838200"/>
-          </a:xfrm>
-          <a:prstGeom prst="rect">
-            <a:avLst/>
-          </a:prstGeom>
-        </p:spPr>
-        <p:style>
-          <a:lnRef idx="2">
-            <a:schemeClr val="accent1">
-              <a:shade val="50000"/>
-            </a:schemeClr>
-          </a:lnRef>
-          <a:fillRef idx="1">
-            <a:schemeClr val="accent1"/>
-          </a:fillRef>
-          <a:effectRef idx="0">
-            <a:schemeClr val="accent1"/>
-          </a:effectRef>
-          <a:fontRef idx="minor">
-            <a:schemeClr val="lt1"/>
-          </a:fontRef>
-        </p:style>
-        <p:txBody>
-          <a:bodyPr rtlCol="0" anchor="ctr"/>
-          <a:lstStyle/>
-          <a:p>
-            <a:pPr algn="ctr"/>
-            <a:endParaRPr lang="en-US"/>
-          </a:p>
-        </p:txBody>
-      </p:sp>
-      <p:sp>
-        <p:nvSpPr>
-          <p:cNvPr id="7" name="Rectangle 6"/>
-          <p:cNvSpPr/>
-          <p:nvPr/>
-        </p:nvSpPr>
-        <p:spPr>
-          <a:xfrm rot="18672083">
-            <a:off x="2165524" y="2495966"/>
-            <a:ext cx="1379725" cy="919817"/>
-          </a:xfrm>
-          <a:prstGeom prst="rect">
-            <a:avLst/>
-          </a:prstGeom>
-        </p:spPr>
-        <p:style>
-          <a:lnRef idx="2">
-            <a:schemeClr val="accent1">
-              <a:shade val="50000"/>
-            </a:schemeClr>
-          </a:lnRef>
-          <a:fillRef idx="1">
-            <a:schemeClr val="accent1"/>
-          </a:fillRef>
-          <a:effectRef idx="0">
-            <a:schemeClr val="accent1"/>
-          </a:effectRef>
-          <a:fontRef idx="minor">
-            <a:schemeClr val="lt1"/>
-          </a:fontRef>
-        </p:style>
-        <p:txBody>
-          <a:bodyPr rtlCol="0" anchor="ctr"/>
-          <a:lstStyle/>
-          <a:p>
-            <a:pPr algn="ctr"/>
-            <a:endParaRPr lang="en-US"/>
-          </a:p>
-        </p:txBody>
-      </p:sp>
-    </p:spTree>
-    <p:extLst>
-      <p:ext uri="{BB962C8B-B14F-4D97-AF65-F5344CB8AC3E}">
-        <p14:creationId xmlns:p14="http://schemas.microsoft.com/office/powerpoint/2010/main" val="1413906740"/>
-      </p:ext>
-    </p:extLst>
-  </p:cSld>
-  <p:clrMapOvr>
-    <a:masterClrMapping/>
-  </p:clrMapOvr>
-</p:sld>
-</file>
-
-<file path=ppt/slides/slide17.xml><?xml version="1.0" encoding="utf-8"?>
-<p:sld xmlns:a="http://schemas.openxmlformats.org/drawingml/2006/main" xmlns:r="http://schemas.openxmlformats.org/officeDocument/2006/relationships" xmlns:p="http://schemas.openxmlformats.org/presentationml/2006/main">
-  <p:cSld>
-    <p:spTree>
-      <p:nvGrpSpPr>
-        <p:cNvPr id="1" name=""/>
-        <p:cNvGrpSpPr/>
-        <p:nvPr/>
-      </p:nvGrpSpPr>
-      <p:grpSpPr>
-        <a:xfrm>
-          <a:off x="0" y="0"/>
-          <a:ext cx="0" cy="0"/>
-          <a:chOff x="0" y="0"/>
-          <a:chExt cx="0" cy="0"/>
-        </a:xfrm>
-      </p:grpSpPr>
-      <p:sp>
-        <p:nvSpPr>
-          <p:cNvPr id="4" name="Rectangle 3"/>
-          <p:cNvSpPr/>
-          <p:nvPr/>
-        </p:nvSpPr>
-        <p:spPr>
-          <a:xfrm>
-            <a:off x="4428158" y="3527341"/>
-            <a:ext cx="2651848" cy="838200"/>
-          </a:xfrm>
-          <a:prstGeom prst="rect">
-            <a:avLst/>
-          </a:prstGeom>
-        </p:spPr>
-        <p:style>
-          <a:lnRef idx="2">
-            <a:schemeClr val="accent1">
-              <a:shade val="50000"/>
-            </a:schemeClr>
-          </a:lnRef>
-          <a:fillRef idx="1">
-            <a:schemeClr val="accent1"/>
-          </a:fillRef>
-          <a:effectRef idx="0">
-            <a:schemeClr val="accent1"/>
-          </a:effectRef>
-          <a:fontRef idx="minor">
-            <a:schemeClr val="lt1"/>
-          </a:fontRef>
-        </p:style>
-        <p:txBody>
-          <a:bodyPr rtlCol="0" anchor="ctr"/>
-          <a:lstStyle/>
-          <a:p>
-            <a:pPr algn="ctr"/>
-            <a:endParaRPr lang="en-US"/>
-          </a:p>
-        </p:txBody>
-      </p:sp>
-      <p:sp>
-        <p:nvSpPr>
-          <p:cNvPr id="7" name="Rectangle 6"/>
-          <p:cNvSpPr/>
-          <p:nvPr/>
-        </p:nvSpPr>
-        <p:spPr>
-          <a:xfrm rot="18672083">
-            <a:off x="2690995" y="2495966"/>
-            <a:ext cx="1379725" cy="919817"/>
-          </a:xfrm>
-          <a:prstGeom prst="rect">
-            <a:avLst/>
-          </a:prstGeom>
-        </p:spPr>
-        <p:style>
-          <a:lnRef idx="2">
-            <a:schemeClr val="accent1">
-              <a:shade val="50000"/>
-            </a:schemeClr>
-          </a:lnRef>
-          <a:fillRef idx="1">
-            <a:schemeClr val="accent1"/>
-          </a:fillRef>
-          <a:effectRef idx="0">
-            <a:schemeClr val="accent1"/>
-          </a:effectRef>
-          <a:fontRef idx="minor">
-            <a:schemeClr val="lt1"/>
-          </a:fontRef>
-        </p:style>
-        <p:txBody>
-          <a:bodyPr rtlCol="0" anchor="ctr"/>
-          <a:lstStyle/>
-          <a:p>
-            <a:pPr algn="ctr"/>
-            <a:endParaRPr lang="en-US"/>
-          </a:p>
-        </p:txBody>
-      </p:sp>
-    </p:spTree>
-    <p:extLst>
-      <p:ext uri="{BB962C8B-B14F-4D97-AF65-F5344CB8AC3E}">
-        <p14:creationId xmlns:p14="http://schemas.microsoft.com/office/powerpoint/2010/main" val="2751601864"/>
-      </p:ext>
-    </p:extLst>
-  </p:cSld>
-  <p:clrMapOvr>
-    <a:masterClrMapping/>
-  </p:clrMapOvr>
-</p:sld>
-</file>
-
-<file path=ppt/slides/slide18.xml><?xml version="1.0" encoding="utf-8"?>
-<p:sld xmlns:a="http://schemas.openxmlformats.org/drawingml/2006/main" xmlns:r="http://schemas.openxmlformats.org/officeDocument/2006/relationships" xmlns:p="http://schemas.openxmlformats.org/presentationml/2006/main">
-  <p:cSld>
-    <p:spTree>
-      <p:nvGrpSpPr>
-        <p:cNvPr id="1" name=""/>
-        <p:cNvGrpSpPr/>
-        <p:nvPr/>
-      </p:nvGrpSpPr>
-      <p:grpSpPr>
-        <a:xfrm>
-          <a:off x="0" y="0"/>
-          <a:ext cx="0" cy="0"/>
-          <a:chOff x="0" y="0"/>
-          <a:chExt cx="0" cy="0"/>
-        </a:xfrm>
-      </p:grpSpPr>
-      <p:sp>
-        <p:nvSpPr>
-          <p:cNvPr id="4" name="Rectangle 3"/>
-          <p:cNvSpPr/>
-          <p:nvPr/>
-        </p:nvSpPr>
-        <p:spPr>
-          <a:xfrm>
-            <a:off x="5479101" y="3930238"/>
-            <a:ext cx="2651848" cy="838200"/>
-          </a:xfrm>
-          <a:prstGeom prst="rect">
-            <a:avLst/>
-          </a:prstGeom>
-        </p:spPr>
-        <p:style>
-          <a:lnRef idx="2">
-            <a:schemeClr val="accent1">
-              <a:shade val="50000"/>
-            </a:schemeClr>
-          </a:lnRef>
-          <a:fillRef idx="1">
-            <a:schemeClr val="accent1"/>
-          </a:fillRef>
-          <a:effectRef idx="0">
-            <a:schemeClr val="accent1"/>
-          </a:effectRef>
-          <a:fontRef idx="minor">
-            <a:schemeClr val="lt1"/>
-          </a:fontRef>
-        </p:style>
-        <p:txBody>
-          <a:bodyPr rtlCol="0" anchor="ctr"/>
-          <a:lstStyle/>
-          <a:p>
-            <a:pPr algn="ctr"/>
-            <a:endParaRPr lang="en-US"/>
-          </a:p>
-        </p:txBody>
-      </p:sp>
-      <p:sp>
-        <p:nvSpPr>
-          <p:cNvPr id="7" name="Rectangle 6"/>
-          <p:cNvSpPr/>
-          <p:nvPr/>
-        </p:nvSpPr>
-        <p:spPr>
-          <a:xfrm rot="18672083">
-            <a:off x="1640052" y="2093069"/>
-            <a:ext cx="1379725" cy="919817"/>
-          </a:xfrm>
-          <a:prstGeom prst="rect">
-            <a:avLst/>
-          </a:prstGeom>
-        </p:spPr>
-        <p:style>
-          <a:lnRef idx="2">
-            <a:schemeClr val="accent1">
-              <a:shade val="50000"/>
-            </a:schemeClr>
-          </a:lnRef>
-          <a:fillRef idx="1">
-            <a:schemeClr val="accent1"/>
-          </a:fillRef>
-          <a:effectRef idx="0">
-            <a:schemeClr val="accent1"/>
-          </a:effectRef>
-          <a:fontRef idx="minor">
-            <a:schemeClr val="lt1"/>
-          </a:fontRef>
-        </p:style>
-        <p:txBody>
-          <a:bodyPr rtlCol="0" anchor="ctr"/>
-          <a:lstStyle/>
-          <a:p>
-            <a:pPr algn="ctr"/>
-            <a:endParaRPr lang="en-US"/>
-          </a:p>
-        </p:txBody>
-      </p:sp>
-    </p:spTree>
-    <p:extLst>
-      <p:ext uri="{BB962C8B-B14F-4D97-AF65-F5344CB8AC3E}">
-        <p14:creationId xmlns:p14="http://schemas.microsoft.com/office/powerpoint/2010/main" val="3598530194"/>
-      </p:ext>
-    </p:extLst>
-  </p:cSld>
-  <p:clrMapOvr>
-    <a:masterClrMapping/>
-  </p:clrMapOvr>
-</p:sld>
-</file>
-
-<file path=ppt/slides/slide19.xml><?xml version="1.0" encoding="utf-8"?>
-<p:sld xmlns:a="http://schemas.openxmlformats.org/drawingml/2006/main" xmlns:r="http://schemas.openxmlformats.org/officeDocument/2006/relationships" xmlns:p="http://schemas.openxmlformats.org/presentationml/2006/main">
-  <p:cSld>
-    <p:spTree>
-      <p:nvGrpSpPr>
-        <p:cNvPr id="1" name=""/>
-        <p:cNvGrpSpPr/>
-        <p:nvPr/>
-      </p:nvGrpSpPr>
-      <p:grpSpPr>
-        <a:xfrm>
-          <a:off x="0" y="0"/>
-          <a:ext cx="0" cy="0"/>
-          <a:chOff x="0" y="0"/>
-          <a:chExt cx="0" cy="0"/>
-        </a:xfrm>
-      </p:grpSpPr>
-      <p:sp>
-        <p:nvSpPr>
-          <p:cNvPr id="4" name="Rectangle 3"/>
-          <p:cNvSpPr/>
-          <p:nvPr/>
-        </p:nvSpPr>
-        <p:spPr>
-          <a:xfrm>
-            <a:off x="4428158" y="3930238"/>
-            <a:ext cx="2651848" cy="838200"/>
-          </a:xfrm>
-          <a:prstGeom prst="rect">
-            <a:avLst/>
-          </a:prstGeom>
-        </p:spPr>
-        <p:style>
-          <a:lnRef idx="2">
-            <a:schemeClr val="accent1">
-              <a:shade val="50000"/>
-            </a:schemeClr>
-          </a:lnRef>
-          <a:fillRef idx="1">
-            <a:schemeClr val="accent1"/>
-          </a:fillRef>
-          <a:effectRef idx="0">
-            <a:schemeClr val="accent1"/>
-          </a:effectRef>
-          <a:fontRef idx="minor">
-            <a:schemeClr val="lt1"/>
-          </a:fontRef>
-        </p:style>
-        <p:txBody>
-          <a:bodyPr rtlCol="0" anchor="ctr"/>
-          <a:lstStyle/>
-          <a:p>
-            <a:pPr algn="ctr"/>
-            <a:endParaRPr lang="en-US"/>
-          </a:p>
-        </p:txBody>
-      </p:sp>
-      <p:sp>
-        <p:nvSpPr>
-          <p:cNvPr id="7" name="Rectangle 6"/>
-          <p:cNvSpPr/>
-          <p:nvPr/>
-        </p:nvSpPr>
-        <p:spPr>
-          <a:xfrm rot="18672083">
-            <a:off x="2690995" y="2093069"/>
-            <a:ext cx="1379725" cy="919817"/>
-          </a:xfrm>
-          <a:prstGeom prst="rect">
-            <a:avLst/>
-          </a:prstGeom>
-        </p:spPr>
-        <p:style>
-          <a:lnRef idx="2">
-            <a:schemeClr val="accent1">
-              <a:shade val="50000"/>
-            </a:schemeClr>
-          </a:lnRef>
-          <a:fillRef idx="1">
-            <a:schemeClr val="accent1"/>
-          </a:fillRef>
-          <a:effectRef idx="0">
-            <a:schemeClr val="accent1"/>
-          </a:effectRef>
-          <a:fontRef idx="minor">
-            <a:schemeClr val="lt1"/>
-          </a:fontRef>
-        </p:style>
-        <p:txBody>
-          <a:bodyPr rtlCol="0" anchor="ctr"/>
-          <a:lstStyle/>
-          <a:p>
-            <a:pPr algn="ctr"/>
-            <a:endParaRPr lang="en-US"/>
-          </a:p>
-        </p:txBody>
-      </p:sp>
-    </p:spTree>
-    <p:extLst>
-      <p:ext uri="{BB962C8B-B14F-4D97-AF65-F5344CB8AC3E}">
-        <p14:creationId xmlns:p14="http://schemas.microsoft.com/office/powerpoint/2010/main" val="1721218249"/>
-      </p:ext>
-    </p:extLst>
-  </p:cSld>
-  <p:clrMapOvr>
-    <a:masterClrMapping/>
-  </p:clrMapOvr>
-</p:sld>
-</file>
-
-<file path=ppt/slides/slide2.xml><?xml version="1.0" encoding="utf-8"?>
-<p:sld xmlns:a="http://schemas.openxmlformats.org/drawingml/2006/main" xmlns:r="http://schemas.openxmlformats.org/officeDocument/2006/relationships" xmlns:p="http://schemas.openxmlformats.org/presentationml/2006/main">
-  <p:cSld>
-    <p:bg>
-      <p:bgPr>
-        <a:solidFill>
-          <a:schemeClr val="accent6">
-            <a:lumMod val="75000"/>
-          </a:schemeClr>
-        </a:solidFill>
-        <a:effectLst/>
-      </p:bgPr>
-    </p:bg>
-    <p:spTree>
-      <p:nvGrpSpPr>
-        <p:cNvPr id="1" name=""/>
-        <p:cNvGrpSpPr/>
-        <p:nvPr/>
-      </p:nvGrpSpPr>
-      <p:grpSpPr>
-        <a:xfrm>
-          <a:off x="0" y="0"/>
-          <a:ext cx="0" cy="0"/>
-          <a:chOff x="0" y="0"/>
-          <a:chExt cx="0" cy="0"/>
-        </a:xfrm>
-      </p:grpSpPr>
-      <p:sp>
-        <p:nvSpPr>
-          <p:cNvPr id="2" name="Title 1"/>
-          <p:cNvSpPr>
-            <a:spLocks noGrp="1"/>
-          </p:cNvSpPr>
-          <p:nvPr>
-            <p:ph type="title"/>
-          </p:nvPr>
-        </p:nvSpPr>
-        <p:spPr>
-          <a:xfrm>
-            <a:off x="381000" y="609600"/>
-            <a:ext cx="8229600" cy="1143000"/>
-          </a:xfrm>
-        </p:spPr>
-        <p:txBody>
-          <a:bodyPr>
-            <a:noAutofit/>
-          </a:bodyPr>
-          <a:lstStyle/>
-          <a:p>
-            <a:pPr algn="l"/>
-            <a:r>
-              <a:rPr lang="en-US" sz="7200" dirty="0">
-                <a:solidFill>
-                  <a:schemeClr val="bg1"/>
-                </a:solidFill>
-              </a:rPr>
-              <a:t>Reorder</a:t>
-            </a:r>
-            <a:endParaRPr lang="en-SG" sz="7200" dirty="0">
-              <a:solidFill>
-                <a:schemeClr val="bg1"/>
-              </a:solidFill>
-            </a:endParaRPr>
-          </a:p>
-        </p:txBody>
-      </p:sp>
-      <p:sp>
-        <p:nvSpPr>
-          <p:cNvPr id="3" name="text 5"/>
-          <p:cNvSpPr txBox="1"/>
-          <p:nvPr/>
-        </p:nvSpPr>
-        <p:spPr>
-          <a:xfrm>
-            <a:off x="542636" y="2819400"/>
-            <a:ext cx="7620000" cy="1938992"/>
-          </a:xfrm>
-          <a:prstGeom prst="rect">
-            <a:avLst/>
-          </a:prstGeom>
-          <a:noFill/>
-        </p:spPr>
-        <p:txBody>
-          <a:bodyPr wrap="square" rtlCol="0">
-            <a:spAutoFit/>
-          </a:bodyPr>
-          <a:lstStyle/>
-          <a:p>
-            <a:r>
-              <a:rPr lang="en-US" sz="2400" b="1" dirty="0">
-                <a:solidFill>
-                  <a:schemeClr val="bg1"/>
-                </a:solidFill>
-              </a:rPr>
-              <a:t>Additional instructions:</a:t>
-            </a:r>
-          </a:p>
-          <a:p>
-            <a:pPr marL="285750" indent="-285750">
-              <a:buFont typeface="Arial" panose="020B0604020202020204" pitchFamily="34" charset="0"/>
-              <a:buChar char="•"/>
-            </a:pPr>
-            <a:r>
-              <a:rPr lang="en-US" sz="2400" dirty="0">
-                <a:solidFill>
-                  <a:schemeClr val="bg1"/>
-                </a:solidFill>
-              </a:rPr>
-              <a:t>Select the </a:t>
-            </a:r>
-            <a:r>
-              <a:rPr lang="en-US" sz="2400" b="1" dirty="0">
-                <a:solidFill>
-                  <a:schemeClr val="bg1"/>
-                </a:solidFill>
-              </a:rPr>
-              <a:t>Shape/Shapes</a:t>
-            </a:r>
-            <a:r>
-              <a:rPr lang="en-US" sz="2400" dirty="0">
-                <a:solidFill>
-                  <a:schemeClr val="bg1"/>
-                </a:solidFill>
-              </a:rPr>
-              <a:t>.</a:t>
-            </a:r>
-          </a:p>
-          <a:p>
-            <a:pPr marL="285750" indent="-285750">
-              <a:buFont typeface="Arial" panose="020B0604020202020204" pitchFamily="34" charset="0"/>
-              <a:buChar char="•"/>
-            </a:pPr>
-            <a:r>
-              <a:rPr lang="en-US" sz="2400" dirty="0">
-                <a:solidFill>
-                  <a:schemeClr val="bg1"/>
-                </a:solidFill>
-              </a:rPr>
-              <a:t>Click </a:t>
-            </a:r>
-            <a:r>
-              <a:rPr lang="en-US" sz="2400" dirty="0" err="1">
-                <a:solidFill>
-                  <a:schemeClr val="bg1"/>
-                </a:solidFill>
-              </a:rPr>
-              <a:t>PositionsLab</a:t>
-            </a:r>
-            <a:r>
-              <a:rPr lang="en-US" sz="2400" dirty="0">
-                <a:solidFill>
-                  <a:schemeClr val="bg1"/>
-                </a:solidFill>
-              </a:rPr>
-              <a:t> Ribbon button.</a:t>
-            </a:r>
-          </a:p>
-          <a:p>
-            <a:pPr marL="285750" indent="-285750">
-              <a:buFont typeface="Arial" panose="020B0604020202020204" pitchFamily="34" charset="0"/>
-              <a:buChar char="•"/>
-            </a:pPr>
-            <a:r>
-              <a:rPr lang="en-US" sz="2400" dirty="0">
-                <a:solidFill>
-                  <a:schemeClr val="bg1"/>
-                </a:solidFill>
-              </a:rPr>
-              <a:t>Apply </a:t>
-            </a:r>
-            <a:r>
-              <a:rPr lang="en-US" sz="2400" b="1" dirty="0">
-                <a:solidFill>
-                  <a:schemeClr val="bg1"/>
-                </a:solidFill>
-              </a:rPr>
-              <a:t>Swap </a:t>
-            </a:r>
-            <a:r>
-              <a:rPr lang="en-US" sz="2400" dirty="0">
-                <a:solidFill>
-                  <a:schemeClr val="bg1"/>
-                </a:solidFill>
-              </a:rPr>
-              <a:t>to the Shape/Shapes</a:t>
-            </a:r>
-          </a:p>
-          <a:p>
-            <a:pPr marL="285750" indent="-285750">
-              <a:buFont typeface="Arial" panose="020B0604020202020204" pitchFamily="34" charset="0"/>
-              <a:buChar char="•"/>
-            </a:pPr>
-            <a:r>
-              <a:rPr lang="en-US" sz="2400" dirty="0">
-                <a:solidFill>
-                  <a:schemeClr val="bg1"/>
-                </a:solidFill>
-              </a:rPr>
-              <a:t>Compare the result with the expected output.</a:t>
-            </a:r>
-          </a:p>
-        </p:txBody>
-      </p:sp>
-    </p:spTree>
-    <p:extLst>
-      <p:ext uri="{BB962C8B-B14F-4D97-AF65-F5344CB8AC3E}">
-        <p14:creationId xmlns:p14="http://schemas.microsoft.com/office/powerpoint/2010/main" val="1569131388"/>
-      </p:ext>
-    </p:extLst>
-  </p:cSld>
-  <p:clrMapOvr>
-    <a:masterClrMapping/>
-  </p:clrMapOvr>
-</p:sld>
-</file>
-
-<file path=ppt/slides/slide20.xml><?xml version="1.0" encoding="utf-8"?>
-<p:sld xmlns:a="http://schemas.openxmlformats.org/drawingml/2006/main" xmlns:r="http://schemas.openxmlformats.org/officeDocument/2006/relationships" xmlns:p="http://schemas.openxmlformats.org/presentationml/2006/main">
-  <p:cSld>
-    <p:spTree>
-      <p:nvGrpSpPr>
-        <p:cNvPr id="1" name=""/>
-        <p:cNvGrpSpPr/>
-        <p:nvPr/>
-      </p:nvGrpSpPr>
-      <p:grpSpPr>
-        <a:xfrm>
-          <a:off x="0" y="0"/>
-          <a:ext cx="0" cy="0"/>
-          <a:chOff x="0" y="0"/>
-          <a:chExt cx="0" cy="0"/>
-        </a:xfrm>
-      </p:grpSpPr>
-      <p:sp>
-        <p:nvSpPr>
-          <p:cNvPr id="4" name="Rectangle 3"/>
-          <p:cNvSpPr/>
-          <p:nvPr/>
-        </p:nvSpPr>
-        <p:spPr>
-          <a:xfrm>
-            <a:off x="5479101" y="4333135"/>
-            <a:ext cx="2651848" cy="838200"/>
-          </a:xfrm>
-          <a:prstGeom prst="rect">
-            <a:avLst/>
-          </a:prstGeom>
-        </p:spPr>
-        <p:style>
-          <a:lnRef idx="2">
-            <a:schemeClr val="accent1">
-              <a:shade val="50000"/>
-            </a:schemeClr>
-          </a:lnRef>
-          <a:fillRef idx="1">
-            <a:schemeClr val="accent1"/>
-          </a:fillRef>
-          <a:effectRef idx="0">
-            <a:schemeClr val="accent1"/>
-          </a:effectRef>
-          <a:fontRef idx="minor">
-            <a:schemeClr val="lt1"/>
-          </a:fontRef>
-        </p:style>
-        <p:txBody>
-          <a:bodyPr rtlCol="0" anchor="ctr"/>
-          <a:lstStyle/>
-          <a:p>
-            <a:pPr algn="ctr"/>
-            <a:endParaRPr lang="en-US"/>
-          </a:p>
-        </p:txBody>
-      </p:sp>
-      <p:sp>
-        <p:nvSpPr>
-          <p:cNvPr id="7" name="Rectangle 6"/>
-          <p:cNvSpPr/>
-          <p:nvPr/>
-        </p:nvSpPr>
-        <p:spPr>
-          <a:xfrm rot="18672083">
-            <a:off x="1640052" y="1690172"/>
-            <a:ext cx="1379725" cy="919817"/>
-          </a:xfrm>
-          <a:prstGeom prst="rect">
-            <a:avLst/>
-          </a:prstGeom>
-        </p:spPr>
-        <p:style>
-          <a:lnRef idx="2">
-            <a:schemeClr val="accent1">
-              <a:shade val="50000"/>
-            </a:schemeClr>
-          </a:lnRef>
-          <a:fillRef idx="1">
-            <a:schemeClr val="accent1"/>
-          </a:fillRef>
-          <a:effectRef idx="0">
-            <a:schemeClr val="accent1"/>
-          </a:effectRef>
-          <a:fontRef idx="minor">
-            <a:schemeClr val="lt1"/>
-          </a:fontRef>
-        </p:style>
-        <p:txBody>
-          <a:bodyPr rtlCol="0" anchor="ctr"/>
-          <a:lstStyle/>
-          <a:p>
-            <a:pPr algn="ctr"/>
-            <a:endParaRPr lang="en-US"/>
-          </a:p>
-        </p:txBody>
-      </p:sp>
-    </p:spTree>
-    <p:extLst>
-      <p:ext uri="{BB962C8B-B14F-4D97-AF65-F5344CB8AC3E}">
-        <p14:creationId xmlns:p14="http://schemas.microsoft.com/office/powerpoint/2010/main" val="2227193190"/>
-      </p:ext>
-    </p:extLst>
-  </p:cSld>
-  <p:clrMapOvr>
-    <a:masterClrMapping/>
-  </p:clrMapOvr>
-</p:sld>
-</file>
-
-<file path=ppt/slides/slide21.xml><?xml version="1.0" encoding="utf-8"?>
-<p:sld xmlns:a="http://schemas.openxmlformats.org/drawingml/2006/main" xmlns:r="http://schemas.openxmlformats.org/officeDocument/2006/relationships" xmlns:p="http://schemas.openxmlformats.org/presentationml/2006/main">
-  <p:cSld>
-    <p:spTree>
-      <p:nvGrpSpPr>
-        <p:cNvPr id="1" name=""/>
-        <p:cNvGrpSpPr/>
-        <p:nvPr/>
-      </p:nvGrpSpPr>
-      <p:grpSpPr>
-        <a:xfrm>
-          <a:off x="0" y="0"/>
-          <a:ext cx="0" cy="0"/>
-          <a:chOff x="0" y="0"/>
-          <a:chExt cx="0" cy="0"/>
-        </a:xfrm>
-      </p:grpSpPr>
-      <p:sp>
-        <p:nvSpPr>
-          <p:cNvPr id="4" name="Rectangle 3"/>
-          <p:cNvSpPr/>
-          <p:nvPr/>
-        </p:nvSpPr>
-        <p:spPr>
-          <a:xfrm>
-            <a:off x="4953629" y="4333135"/>
-            <a:ext cx="2651848" cy="838200"/>
-          </a:xfrm>
-          <a:prstGeom prst="rect">
-            <a:avLst/>
-          </a:prstGeom>
-        </p:spPr>
-        <p:style>
-          <a:lnRef idx="2">
-            <a:schemeClr val="accent1">
-              <a:shade val="50000"/>
-            </a:schemeClr>
-          </a:lnRef>
-          <a:fillRef idx="1">
-            <a:schemeClr val="accent1"/>
-          </a:fillRef>
-          <a:effectRef idx="0">
-            <a:schemeClr val="accent1"/>
-          </a:effectRef>
-          <a:fontRef idx="minor">
-            <a:schemeClr val="lt1"/>
-          </a:fontRef>
-        </p:style>
-        <p:txBody>
-          <a:bodyPr rtlCol="0" anchor="ctr"/>
-          <a:lstStyle/>
-          <a:p>
-            <a:pPr algn="ctr"/>
-            <a:endParaRPr lang="en-US"/>
-          </a:p>
-        </p:txBody>
-      </p:sp>
-      <p:sp>
-        <p:nvSpPr>
-          <p:cNvPr id="7" name="Rectangle 6"/>
-          <p:cNvSpPr/>
-          <p:nvPr/>
-        </p:nvSpPr>
-        <p:spPr>
-          <a:xfrm rot="18672083">
-            <a:off x="2165524" y="1690172"/>
-            <a:ext cx="1379725" cy="919817"/>
-          </a:xfrm>
-          <a:prstGeom prst="rect">
-            <a:avLst/>
-          </a:prstGeom>
-        </p:spPr>
-        <p:style>
-          <a:lnRef idx="2">
-            <a:schemeClr val="accent1">
-              <a:shade val="50000"/>
-            </a:schemeClr>
-          </a:lnRef>
-          <a:fillRef idx="1">
-            <a:schemeClr val="accent1"/>
-          </a:fillRef>
-          <a:effectRef idx="0">
-            <a:schemeClr val="accent1"/>
-          </a:effectRef>
-          <a:fontRef idx="minor">
-            <a:schemeClr val="lt1"/>
-          </a:fontRef>
-        </p:style>
-        <p:txBody>
-          <a:bodyPr rtlCol="0" anchor="ctr"/>
-          <a:lstStyle/>
-          <a:p>
-            <a:pPr algn="ctr"/>
-            <a:endParaRPr lang="en-US"/>
-          </a:p>
-        </p:txBody>
-      </p:sp>
-    </p:spTree>
-    <p:extLst>
-      <p:ext uri="{BB962C8B-B14F-4D97-AF65-F5344CB8AC3E}">
-        <p14:creationId xmlns:p14="http://schemas.microsoft.com/office/powerpoint/2010/main" val="1043428191"/>
-      </p:ext>
-    </p:extLst>
-  </p:cSld>
-  <p:clrMapOvr>
-    <a:masterClrMapping/>
-  </p:clrMapOvr>
-</p:sld>
-</file>
-
-<file path=ppt/slides/slide22.xml><?xml version="1.0" encoding="utf-8"?>
-<p:sld xmlns:a="http://schemas.openxmlformats.org/drawingml/2006/main" xmlns:r="http://schemas.openxmlformats.org/officeDocument/2006/relationships" xmlns:p="http://schemas.openxmlformats.org/presentationml/2006/main">
-  <p:cSld>
-    <p:spTree>
-      <p:nvGrpSpPr>
-        <p:cNvPr id="1" name=""/>
-        <p:cNvGrpSpPr/>
-        <p:nvPr/>
-      </p:nvGrpSpPr>
-      <p:grpSpPr>
-        <a:xfrm>
-          <a:off x="0" y="0"/>
-          <a:ext cx="0" cy="0"/>
-          <a:chOff x="0" y="0"/>
-          <a:chExt cx="0" cy="0"/>
-        </a:xfrm>
-      </p:grpSpPr>
-      <p:sp>
-        <p:nvSpPr>
-          <p:cNvPr id="4" name="Rectangle 3"/>
-          <p:cNvSpPr/>
-          <p:nvPr/>
-        </p:nvSpPr>
-        <p:spPr>
-          <a:xfrm>
-            <a:off x="4428158" y="4333135"/>
-            <a:ext cx="2651848" cy="838200"/>
-          </a:xfrm>
-          <a:prstGeom prst="rect">
-            <a:avLst/>
-          </a:prstGeom>
-        </p:spPr>
-        <p:style>
-          <a:lnRef idx="2">
-            <a:schemeClr val="accent1">
-              <a:shade val="50000"/>
-            </a:schemeClr>
-          </a:lnRef>
-          <a:fillRef idx="1">
-            <a:schemeClr val="accent1"/>
-          </a:fillRef>
-          <a:effectRef idx="0">
-            <a:schemeClr val="accent1"/>
-          </a:effectRef>
-          <a:fontRef idx="minor">
-            <a:schemeClr val="lt1"/>
-          </a:fontRef>
-        </p:style>
-        <p:txBody>
-          <a:bodyPr rtlCol="0" anchor="ctr"/>
-          <a:lstStyle/>
-          <a:p>
-            <a:pPr algn="ctr"/>
-            <a:endParaRPr lang="en-US"/>
-          </a:p>
-        </p:txBody>
-      </p:sp>
-      <p:sp>
-        <p:nvSpPr>
-          <p:cNvPr id="7" name="Rectangle 6"/>
-          <p:cNvSpPr/>
-          <p:nvPr/>
-        </p:nvSpPr>
-        <p:spPr>
-          <a:xfrm rot="18672083">
-            <a:off x="2690995" y="1690172"/>
-            <a:ext cx="1379725" cy="919817"/>
-          </a:xfrm>
-          <a:prstGeom prst="rect">
-            <a:avLst/>
-          </a:prstGeom>
-        </p:spPr>
-        <p:style>
-          <a:lnRef idx="2">
-            <a:schemeClr val="accent1">
-              <a:shade val="50000"/>
-            </a:schemeClr>
-          </a:lnRef>
-          <a:fillRef idx="1">
-            <a:schemeClr val="accent1"/>
-          </a:fillRef>
-          <a:effectRef idx="0">
-            <a:schemeClr val="accent1"/>
-          </a:effectRef>
-          <a:fontRef idx="minor">
-            <a:schemeClr val="lt1"/>
-          </a:fontRef>
-        </p:style>
-        <p:txBody>
-          <a:bodyPr rtlCol="0" anchor="ctr"/>
-          <a:lstStyle/>
-          <a:p>
-            <a:pPr algn="ctr"/>
-            <a:endParaRPr lang="en-US"/>
-          </a:p>
-        </p:txBody>
-      </p:sp>
-    </p:spTree>
-    <p:extLst>
-      <p:ext uri="{BB962C8B-B14F-4D97-AF65-F5344CB8AC3E}">
-        <p14:creationId xmlns:p14="http://schemas.microsoft.com/office/powerpoint/2010/main" val="3234746032"/>
-      </p:ext>
-    </p:extLst>
-  </p:cSld>
-  <p:clrMapOvr>
-    <a:masterClrMapping/>
-  </p:clrMapOvr>
-</p:sld>
-</file>
-
-<file path=ppt/slides/slide23.xml><?xml version="1.0" encoding="utf-8"?>
 <p:sld xmlns:a="http://schemas.openxmlformats.org/drawingml/2006/main" xmlns:r="http://schemas.openxmlformats.org/officeDocument/2006/relationships" xmlns:p="http://schemas.openxmlformats.org/presentationml/2006/main" show="0">
   <p:cSld name="PPAck201403240026082737">
     <p:spTree>
@@ -11275,6 +11467,222 @@
 </p:sld>
 </file>
 
+<file path=ppt/slides/slide2.xml><?xml version="1.0" encoding="utf-8"?>
+<p:sld xmlns:a="http://schemas.openxmlformats.org/drawingml/2006/main" xmlns:r="http://schemas.openxmlformats.org/officeDocument/2006/relationships" xmlns:p="http://schemas.openxmlformats.org/presentationml/2006/main">
+  <p:cSld>
+    <p:bg>
+      <p:bgPr>
+        <a:solidFill>
+          <a:schemeClr val="accent6">
+            <a:lumMod val="75000"/>
+          </a:schemeClr>
+        </a:solidFill>
+        <a:effectLst/>
+      </p:bgPr>
+    </p:bg>
+    <p:spTree>
+      <p:nvGrpSpPr>
+        <p:cNvPr id="1" name=""/>
+        <p:cNvGrpSpPr/>
+        <p:nvPr/>
+      </p:nvGrpSpPr>
+      <p:grpSpPr>
+        <a:xfrm>
+          <a:off x="0" y="0"/>
+          <a:ext cx="0" cy="0"/>
+          <a:chOff x="0" y="0"/>
+          <a:chExt cx="0" cy="0"/>
+        </a:xfrm>
+      </p:grpSpPr>
+      <p:sp>
+        <p:nvSpPr>
+          <p:cNvPr id="2" name="Title 1"/>
+          <p:cNvSpPr>
+            <a:spLocks noGrp="1"/>
+          </p:cNvSpPr>
+          <p:nvPr>
+            <p:ph type="title"/>
+          </p:nvPr>
+        </p:nvSpPr>
+        <p:spPr>
+          <a:xfrm>
+            <a:off x="381000" y="609600"/>
+            <a:ext cx="8229600" cy="1143000"/>
+          </a:xfrm>
+        </p:spPr>
+        <p:txBody>
+          <a:bodyPr>
+            <a:noAutofit/>
+          </a:bodyPr>
+          <a:lstStyle/>
+          <a:p>
+            <a:pPr algn="l"/>
+            <a:r>
+              <a:rPr lang="en-US" sz="7200" dirty="0" smtClean="0">
+                <a:solidFill>
+                  <a:schemeClr val="bg1"/>
+                </a:solidFill>
+              </a:rPr>
+              <a:t>Swap</a:t>
+            </a:r>
+            <a:endParaRPr lang="en-SG" sz="7200" dirty="0">
+              <a:solidFill>
+                <a:schemeClr val="bg1"/>
+              </a:solidFill>
+            </a:endParaRPr>
+          </a:p>
+        </p:txBody>
+      </p:sp>
+      <p:sp>
+        <p:nvSpPr>
+          <p:cNvPr id="3" name="text 5"/>
+          <p:cNvSpPr txBox="1"/>
+          <p:nvPr/>
+        </p:nvSpPr>
+        <p:spPr>
+          <a:xfrm>
+            <a:off x="542636" y="2819400"/>
+            <a:ext cx="7620000" cy="1938992"/>
+          </a:xfrm>
+          <a:prstGeom prst="rect">
+            <a:avLst/>
+          </a:prstGeom>
+          <a:noFill/>
+        </p:spPr>
+        <p:txBody>
+          <a:bodyPr wrap="square" rtlCol="0">
+            <a:spAutoFit/>
+          </a:bodyPr>
+          <a:lstStyle/>
+          <a:p>
+            <a:r>
+              <a:rPr lang="en-US" sz="2400" b="1" dirty="0">
+                <a:solidFill>
+                  <a:schemeClr val="bg1"/>
+                </a:solidFill>
+              </a:rPr>
+              <a:t>Additional instructions:</a:t>
+            </a:r>
+          </a:p>
+          <a:p>
+            <a:pPr marL="285750" indent="-285750">
+              <a:buFont typeface="Arial" panose="020B0604020202020204" pitchFamily="34" charset="0"/>
+              <a:buChar char="•"/>
+            </a:pPr>
+            <a:r>
+              <a:rPr lang="en-US" sz="2400" dirty="0">
+                <a:solidFill>
+                  <a:schemeClr val="bg1"/>
+                </a:solidFill>
+              </a:rPr>
+              <a:t>Select the </a:t>
+            </a:r>
+            <a:r>
+              <a:rPr lang="en-US" sz="2400" b="1" dirty="0">
+                <a:solidFill>
+                  <a:schemeClr val="bg1"/>
+                </a:solidFill>
+              </a:rPr>
+              <a:t>Shape/Shapes</a:t>
+            </a:r>
+            <a:r>
+              <a:rPr lang="en-US" sz="2400" dirty="0">
+                <a:solidFill>
+                  <a:schemeClr val="bg1"/>
+                </a:solidFill>
+              </a:rPr>
+              <a:t>.</a:t>
+            </a:r>
+          </a:p>
+          <a:p>
+            <a:pPr marL="285750" indent="-285750">
+              <a:buFont typeface="Arial" panose="020B0604020202020204" pitchFamily="34" charset="0"/>
+              <a:buChar char="•"/>
+            </a:pPr>
+            <a:r>
+              <a:rPr lang="en-US" sz="2400" dirty="0">
+                <a:solidFill>
+                  <a:schemeClr val="bg1"/>
+                </a:solidFill>
+              </a:rPr>
+              <a:t>Click </a:t>
+            </a:r>
+            <a:r>
+              <a:rPr lang="en-US" sz="2400" dirty="0" err="1">
+                <a:solidFill>
+                  <a:schemeClr val="bg1"/>
+                </a:solidFill>
+              </a:rPr>
+              <a:t>PositionsLab</a:t>
+            </a:r>
+            <a:r>
+              <a:rPr lang="en-US" sz="2400" dirty="0">
+                <a:solidFill>
+                  <a:schemeClr val="bg1"/>
+                </a:solidFill>
+              </a:rPr>
+              <a:t> Ribbon button.</a:t>
+            </a:r>
+          </a:p>
+          <a:p>
+            <a:pPr marL="285750" indent="-285750">
+              <a:buFont typeface="Arial" panose="020B0604020202020204" pitchFamily="34" charset="0"/>
+              <a:buChar char="•"/>
+            </a:pPr>
+            <a:r>
+              <a:rPr lang="en-US" sz="2400" dirty="0">
+                <a:solidFill>
+                  <a:schemeClr val="bg1"/>
+                </a:solidFill>
+              </a:rPr>
+              <a:t>Apply </a:t>
+            </a:r>
+            <a:r>
+              <a:rPr lang="en-US" sz="2400" b="1" dirty="0">
+                <a:solidFill>
+                  <a:schemeClr val="bg1"/>
+                </a:solidFill>
+              </a:rPr>
+              <a:t>Swap </a:t>
+            </a:r>
+            <a:r>
+              <a:rPr lang="en-US" sz="2400" dirty="0">
+                <a:solidFill>
+                  <a:schemeClr val="bg1"/>
+                </a:solidFill>
+              </a:rPr>
+              <a:t>to the Shape/Shapes</a:t>
+            </a:r>
+          </a:p>
+          <a:p>
+            <a:pPr marL="285750" indent="-285750">
+              <a:buFont typeface="Arial" panose="020B0604020202020204" pitchFamily="34" charset="0"/>
+              <a:buChar char="•"/>
+            </a:pPr>
+            <a:r>
+              <a:rPr lang="en-US" sz="2400" dirty="0">
+                <a:solidFill>
+                  <a:schemeClr val="bg1"/>
+                </a:solidFill>
+              </a:rPr>
+              <a:t>Compare the result with the expected output.</a:t>
+            </a:r>
+          </a:p>
+        </p:txBody>
+      </p:sp>
+    </p:spTree>
+    <p:extLst>
+      <p:ext uri="{BB962C8B-B14F-4D97-AF65-F5344CB8AC3E}">
+        <p14:creationId xmlns:p14="http://schemas.microsoft.com/office/powerpoint/2010/main" val="1569131388"/>
+      </p:ext>
+    </p:extLst>
+  </p:cSld>
+  <p:clrMapOvr>
+    <a:masterClrMapping/>
+  </p:clrMapOvr>
+</p:sld>
+</file>
+
 <file path=ppt/slides/slide3.xml><?xml version="1.0" encoding="utf-8"?>
 <p:sld xmlns:a="http://schemas.openxmlformats.org/drawingml/2006/main" xmlns:r="http://schemas.openxmlformats.org/officeDocument/2006/relationships" xmlns:p="http://schemas.openxmlformats.org/presentationml/2006/main">
   <p:cSld>
@@ -11294,14 +11702,14 @@
       </p:grpSpPr>
       <p:sp>
         <p:nvSpPr>
-          <p:cNvPr id="4" name="Rectangle 3"/>
+          <p:cNvPr id="9" name="Square"/>
           <p:cNvSpPr/>
           <p:nvPr/>
         </p:nvSpPr>
         <p:spPr>
           <a:xfrm>
-            <a:off x="1529463" y="2133879"/>
-            <a:ext cx="2651848" cy="838200"/>
+            <a:off x="3239930" y="1516938"/>
+            <a:ext cx="1828800" cy="1828800"/>
           </a:xfrm>
           <a:prstGeom prst="rect">
             <a:avLst/>
@@ -11334,14 +11742,87 @@
       </p:sp>
       <p:sp>
         <p:nvSpPr>
-          <p:cNvPr id="5" name="Oval 4"/>
+          <p:cNvPr id="8" name="Arrow"/>
           <p:cNvSpPr/>
           <p:nvPr/>
         </p:nvSpPr>
         <p:spPr>
           <a:xfrm>
-            <a:off x="2365901" y="3445363"/>
-            <a:ext cx="978972" cy="978972"/>
+            <a:off x="4233387" y="1706344"/>
+            <a:ext cx="1828800" cy="1828800"/>
+          </a:xfrm>
+          <a:prstGeom prst="upArrow">
+            <a:avLst/>
+          </a:prstGeom>
+        </p:spPr>
+        <p:style>
+          <a:lnRef idx="2">
+            <a:schemeClr val="accent3">
+              <a:shade val="50000"/>
+            </a:schemeClr>
+          </a:lnRef>
+          <a:fillRef idx="1">
+            <a:schemeClr val="accent3"/>
+          </a:fillRef>
+          <a:effectRef idx="0">
+            <a:schemeClr val="accent3"/>
+          </a:effectRef>
+          <a:fontRef idx="minor">
+            <a:schemeClr val="lt1"/>
+          </a:fontRef>
+        </p:style>
+        <p:txBody>
+          <a:bodyPr rtlCol="0" anchor="ctr"/>
+          <a:lstStyle/>
+          <a:p>
+            <a:pPr algn="ctr"/>
+            <a:endParaRPr lang="en-US" dirty="0"/>
+          </a:p>
+        </p:txBody>
+      </p:sp>
+      <p:cxnSp>
+        <p:nvCxnSpPr>
+          <p:cNvPr id="3" name="Line"/>
+          <p:cNvCxnSpPr/>
+          <p:nvPr/>
+        </p:nvCxnSpPr>
+        <p:spPr>
+          <a:xfrm>
+            <a:off x="1905000" y="3023381"/>
+            <a:ext cx="5867400" cy="41362"/>
+          </a:xfrm>
+          <a:prstGeom prst="straightConnector1">
+            <a:avLst/>
+          </a:prstGeom>
+          <a:ln w="76200">
+            <a:tailEnd type="triangle"/>
+          </a:ln>
+        </p:spPr>
+        <p:style>
+          <a:lnRef idx="1">
+            <a:schemeClr val="dk1"/>
+          </a:lnRef>
+          <a:fillRef idx="0">
+            <a:schemeClr val="dk1"/>
+          </a:fillRef>
+          <a:effectRef idx="0">
+            <a:schemeClr val="dk1"/>
+          </a:effectRef>
+          <a:fontRef idx="minor">
+            <a:schemeClr val="tx1"/>
+          </a:fontRef>
+        </p:style>
+      </p:cxnSp>
+      <p:sp>
+        <p:nvSpPr>
+          <p:cNvPr id="7" name="Circle"/>
+          <p:cNvSpPr/>
+          <p:nvPr/>
+        </p:nvSpPr>
+        <p:spPr>
+          <a:xfrm>
+            <a:off x="3273743" y="2663469"/>
+            <a:ext cx="1828800" cy="1828800"/>
           </a:xfrm>
           <a:prstGeom prst="ellipse">
             <a:avLst/>
@@ -11349,15 +11830,15 @@
         </p:spPr>
         <p:style>
           <a:lnRef idx="2">
-            <a:schemeClr val="accent1">
+            <a:schemeClr val="accent2">
               <a:shade val="50000"/>
             </a:schemeClr>
           </a:lnRef>
           <a:fillRef idx="1">
-            <a:schemeClr val="accent1"/>
+            <a:schemeClr val="accent2"/>
           </a:fillRef>
           <a:effectRef idx="0">
-            <a:schemeClr val="accent1"/>
+            <a:schemeClr val="accent2"/>
           </a:effectRef>
           <a:fontRef idx="minor">
             <a:schemeClr val="lt1"/>
@@ -11368,36 +11849,36 @@
           <a:lstStyle/>
           <a:p>
             <a:pPr algn="ctr"/>
-            <a:endParaRPr lang="en-US" dirty="0"/>
-          </a:p>
-        </p:txBody>
-      </p:sp>
-      <p:sp>
-        <p:nvSpPr>
-          <p:cNvPr id="6" name="Right Arrow 5"/>
+            <a:endParaRPr lang="en-US"/>
+          </a:p>
+        </p:txBody>
+      </p:sp>
+      <p:sp>
+        <p:nvSpPr>
+          <p:cNvPr id="10" name="Triangle"/>
           <p:cNvSpPr/>
           <p:nvPr/>
         </p:nvSpPr>
         <p:spPr>
-          <a:xfrm rot="18000000">
-            <a:off x="4087889" y="2847472"/>
-            <a:ext cx="2120755" cy="631714"/>
+          <a:xfrm>
+            <a:off x="4495800" y="2895600"/>
+            <a:ext cx="1828800" cy="1828800"/>
           </a:xfrm>
-          <a:prstGeom prst="rightArrow">
+          <a:prstGeom prst="triangle">
             <a:avLst/>
           </a:prstGeom>
         </p:spPr>
         <p:style>
           <a:lnRef idx="2">
-            <a:schemeClr val="accent1">
+            <a:schemeClr val="accent4">
               <a:shade val="50000"/>
             </a:schemeClr>
           </a:lnRef>
           <a:fillRef idx="1">
-            <a:schemeClr val="accent1"/>
+            <a:schemeClr val="accent4"/>
           </a:fillRef>
           <a:effectRef idx="0">
-            <a:schemeClr val="accent1"/>
+            <a:schemeClr val="accent4"/>
           </a:effectRef>
           <a:fontRef idx="minor">
             <a:schemeClr val="lt1"/>
@@ -11408,54 +11889,14 @@
           <a:lstStyle/>
           <a:p>
             <a:pPr algn="ctr"/>
-            <a:endParaRPr lang="en-US" dirty="0"/>
-          </a:p>
-        </p:txBody>
-      </p:sp>
-      <p:sp>
-        <p:nvSpPr>
-          <p:cNvPr id="7" name="Rectangle 6"/>
-          <p:cNvSpPr/>
-          <p:nvPr/>
-        </p:nvSpPr>
-        <p:spPr>
-          <a:xfrm rot="18672083">
-            <a:off x="5589690" y="3889428"/>
-            <a:ext cx="1379725" cy="919817"/>
-          </a:xfrm>
-          <a:prstGeom prst="rect">
-            <a:avLst/>
-          </a:prstGeom>
-        </p:spPr>
-        <p:style>
-          <a:lnRef idx="2">
-            <a:schemeClr val="accent1">
-              <a:shade val="50000"/>
-            </a:schemeClr>
-          </a:lnRef>
-          <a:fillRef idx="1">
-            <a:schemeClr val="accent1"/>
-          </a:fillRef>
-          <a:effectRef idx="0">
-            <a:schemeClr val="accent1"/>
-          </a:effectRef>
-          <a:fontRef idx="minor">
-            <a:schemeClr val="lt1"/>
-          </a:fontRef>
-        </p:style>
-        <p:txBody>
-          <a:bodyPr rtlCol="0" anchor="ctr"/>
-          <a:lstStyle/>
-          <a:p>
-            <a:pPr algn="ctr"/>
-            <a:endParaRPr lang="en-US" dirty="0"/>
+            <a:endParaRPr lang="en-US"/>
           </a:p>
         </p:txBody>
       </p:sp>
     </p:spTree>
     <p:extLst>
       <p:ext uri="{BB962C8B-B14F-4D97-AF65-F5344CB8AC3E}">
-        <p14:creationId xmlns:p14="http://schemas.microsoft.com/office/powerpoint/2010/main" val="2427050807"/>
+        <p14:creationId xmlns:p14="http://schemas.microsoft.com/office/powerpoint/2010/main" val="2919657985"/>
       </p:ext>
     </p:extLst>
   </p:cSld>
@@ -11498,8 +11939,12 @@
           <a:lstStyle/>
           <a:p>
             <a:r>
+              <a:rPr lang="en-US" dirty="0" smtClean="0"/>
+              <a:t>Swap:: </a:t>
+            </a:r>
+            <a:r>
               <a:rPr lang="en-US" dirty="0"/>
-              <a:t>Reorder:: Left to Right</a:t>
+              <a:t>Left to Right</a:t>
             </a:r>
             <a:endParaRPr lang="en-SG" dirty="0"/>
           </a:p>
@@ -11556,14 +12001,127 @@
       </p:grpSpPr>
       <p:sp>
         <p:nvSpPr>
-          <p:cNvPr id="4" name="Rectangle 3"/>
+          <p:cNvPr id="15" name="Triangle"/>
           <p:cNvSpPr/>
           <p:nvPr/>
         </p:nvSpPr>
         <p:spPr>
           <a:xfrm>
-            <a:off x="1529463" y="3515749"/>
-            <a:ext cx="2651848" cy="838200"/>
+            <a:off x="3239930" y="1516938"/>
+            <a:ext cx="1828800" cy="1828800"/>
+          </a:xfrm>
+          <a:prstGeom prst="triangle">
+            <a:avLst/>
+          </a:prstGeom>
+        </p:spPr>
+        <p:style>
+          <a:lnRef idx="2">
+            <a:schemeClr val="accent4">
+              <a:shade val="50000"/>
+            </a:schemeClr>
+          </a:lnRef>
+          <a:fillRef idx="1">
+            <a:schemeClr val="accent4"/>
+          </a:fillRef>
+          <a:effectRef idx="0">
+            <a:schemeClr val="accent4"/>
+          </a:effectRef>
+          <a:fontRef idx="minor">
+            <a:schemeClr val="lt1"/>
+          </a:fontRef>
+        </p:style>
+        <p:txBody>
+          <a:bodyPr rtlCol="0" anchor="ctr"/>
+          <a:lstStyle/>
+          <a:p>
+            <a:pPr algn="ctr"/>
+            <a:endParaRPr lang="en-US"/>
+          </a:p>
+        </p:txBody>
+      </p:sp>
+      <p:sp>
+        <p:nvSpPr>
+          <p:cNvPr id="16" name="Circle"/>
+          <p:cNvSpPr/>
+          <p:nvPr/>
+        </p:nvSpPr>
+        <p:spPr>
+          <a:xfrm>
+            <a:off x="4233387" y="1706344"/>
+            <a:ext cx="1828800" cy="1828800"/>
+          </a:xfrm>
+          <a:prstGeom prst="ellipse">
+            <a:avLst/>
+          </a:prstGeom>
+        </p:spPr>
+        <p:style>
+          <a:lnRef idx="2">
+            <a:schemeClr val="accent2">
+              <a:shade val="50000"/>
+            </a:schemeClr>
+          </a:lnRef>
+          <a:fillRef idx="1">
+            <a:schemeClr val="accent2"/>
+          </a:fillRef>
+          <a:effectRef idx="0">
+            <a:schemeClr val="accent2"/>
+          </a:effectRef>
+          <a:fontRef idx="minor">
+            <a:schemeClr val="lt1"/>
+          </a:fontRef>
+        </p:style>
+        <p:txBody>
+          <a:bodyPr rtlCol="0" anchor="ctr"/>
+          <a:lstStyle/>
+          <a:p>
+            <a:pPr algn="ctr"/>
+            <a:endParaRPr lang="en-US"/>
+          </a:p>
+        </p:txBody>
+      </p:sp>
+      <p:cxnSp>
+        <p:nvCxnSpPr>
+          <p:cNvPr id="3" name="Line"/>
+          <p:cNvCxnSpPr/>
+          <p:nvPr/>
+        </p:nvCxnSpPr>
+        <p:spPr>
+          <a:xfrm>
+            <a:off x="1905000" y="3023381"/>
+            <a:ext cx="5867400" cy="41362"/>
+          </a:xfrm>
+          <a:prstGeom prst="straightConnector1">
+            <a:avLst/>
+          </a:prstGeom>
+          <a:ln w="76200">
+            <a:tailEnd type="triangle"/>
+          </a:ln>
+        </p:spPr>
+        <p:style>
+          <a:lnRef idx="1">
+            <a:schemeClr val="dk1"/>
+          </a:lnRef>
+          <a:fillRef idx="0">
+            <a:schemeClr val="dk1"/>
+          </a:fillRef>
+          <a:effectRef idx="0">
+            <a:schemeClr val="dk1"/>
+          </a:effectRef>
+          <a:fontRef idx="minor">
+            <a:schemeClr val="tx1"/>
+          </a:fontRef>
+        </p:style>
+      </p:cxnSp>
+      <p:sp>
+        <p:nvSpPr>
+          <p:cNvPr id="4" name="Square"/>
+          <p:cNvSpPr/>
+          <p:nvPr/>
+        </p:nvSpPr>
+        <p:spPr>
+          <a:xfrm>
+            <a:off x="3273743" y="2663469"/>
+            <a:ext cx="1828800" cy="1828800"/>
           </a:xfrm>
           <a:prstGeom prst="rect">
             <a:avLst/>
@@ -11590,36 +12148,36 @@
           <a:lstStyle/>
           <a:p>
             <a:pPr algn="ctr"/>
-            <a:endParaRPr lang="en-US"/>
-          </a:p>
-        </p:txBody>
-      </p:sp>
-      <p:sp>
-        <p:nvSpPr>
-          <p:cNvPr id="5" name="Oval 4"/>
+            <a:endParaRPr lang="en-US" dirty="0"/>
+          </a:p>
+        </p:txBody>
+      </p:sp>
+      <p:sp>
+        <p:nvSpPr>
+          <p:cNvPr id="12" name="Arrow"/>
           <p:cNvSpPr/>
           <p:nvPr/>
         </p:nvSpPr>
         <p:spPr>
           <a:xfrm>
-            <a:off x="4648201" y="2713325"/>
-            <a:ext cx="978972" cy="978972"/>
+            <a:off x="4495800" y="2895600"/>
+            <a:ext cx="1828800" cy="1828800"/>
           </a:xfrm>
-          <a:prstGeom prst="ellipse">
+          <a:prstGeom prst="upArrow">
             <a:avLst/>
           </a:prstGeom>
         </p:spPr>
         <p:style>
           <a:lnRef idx="2">
-            <a:schemeClr val="accent1">
+            <a:schemeClr val="accent3">
               <a:shade val="50000"/>
             </a:schemeClr>
           </a:lnRef>
           <a:fillRef idx="1">
-            <a:schemeClr val="accent1"/>
+            <a:schemeClr val="accent3"/>
           </a:fillRef>
           <a:effectRef idx="0">
-            <a:schemeClr val="accent1"/>
+            <a:schemeClr val="accent3"/>
           </a:effectRef>
           <a:fontRef idx="minor">
             <a:schemeClr val="lt1"/>
@@ -11630,94 +12188,14 @@
           <a:lstStyle/>
           <a:p>
             <a:pPr algn="ctr"/>
-            <a:endParaRPr lang="en-US"/>
-          </a:p>
-        </p:txBody>
-      </p:sp>
-      <p:sp>
-        <p:nvSpPr>
-          <p:cNvPr id="6" name="Right Arrow 5"/>
-          <p:cNvSpPr/>
-          <p:nvPr/>
-        </p:nvSpPr>
-        <p:spPr>
-          <a:xfrm rot="18000000">
-            <a:off x="5229754" y="3993999"/>
-            <a:ext cx="2120755" cy="631714"/>
-          </a:xfrm>
-          <a:prstGeom prst="rightArrow">
-            <a:avLst/>
-          </a:prstGeom>
-        </p:spPr>
-        <p:style>
-          <a:lnRef idx="2">
-            <a:schemeClr val="accent1">
-              <a:shade val="50000"/>
-            </a:schemeClr>
-          </a:lnRef>
-          <a:fillRef idx="1">
-            <a:schemeClr val="accent1"/>
-          </a:fillRef>
-          <a:effectRef idx="0">
-            <a:schemeClr val="accent1"/>
-          </a:effectRef>
-          <a:fontRef idx="minor">
-            <a:schemeClr val="lt1"/>
-          </a:fontRef>
-        </p:style>
-        <p:txBody>
-          <a:bodyPr rtlCol="0" anchor="ctr"/>
-          <a:lstStyle/>
-          <a:p>
-            <a:pPr algn="ctr"/>
-            <a:endParaRPr lang="en-US"/>
-          </a:p>
-        </p:txBody>
-      </p:sp>
-      <p:sp>
-        <p:nvSpPr>
-          <p:cNvPr id="7" name="Rectangle 6"/>
-          <p:cNvSpPr/>
-          <p:nvPr/>
-        </p:nvSpPr>
-        <p:spPr>
-          <a:xfrm rot="18672083">
-            <a:off x="2165524" y="2093069"/>
-            <a:ext cx="1379725" cy="919817"/>
-          </a:xfrm>
-          <a:prstGeom prst="rect">
-            <a:avLst/>
-          </a:prstGeom>
-        </p:spPr>
-        <p:style>
-          <a:lnRef idx="2">
-            <a:schemeClr val="accent1">
-              <a:shade val="50000"/>
-            </a:schemeClr>
-          </a:lnRef>
-          <a:fillRef idx="1">
-            <a:schemeClr val="accent1"/>
-          </a:fillRef>
-          <a:effectRef idx="0">
-            <a:schemeClr val="accent1"/>
-          </a:effectRef>
-          <a:fontRef idx="minor">
-            <a:schemeClr val="lt1"/>
-          </a:fontRef>
-        </p:style>
-        <p:txBody>
-          <a:bodyPr rtlCol="0" anchor="ctr"/>
-          <a:lstStyle/>
-          <a:p>
-            <a:pPr algn="ctr"/>
-            <a:endParaRPr lang="en-US"/>
+            <a:endParaRPr lang="en-US" dirty="0"/>
           </a:p>
         </p:txBody>
       </p:sp>
     </p:spTree>
     <p:extLst>
       <p:ext uri="{BB962C8B-B14F-4D97-AF65-F5344CB8AC3E}">
-        <p14:creationId xmlns:p14="http://schemas.microsoft.com/office/powerpoint/2010/main" val="2844225268"/>
+        <p14:creationId xmlns:p14="http://schemas.microsoft.com/office/powerpoint/2010/main" val="1777210868"/>
       </p:ext>
     </p:extLst>
   </p:cSld>
@@ -11746,14 +12224,54 @@
       </p:grpSpPr>
       <p:sp>
         <p:nvSpPr>
-          <p:cNvPr id="4" name="Rectangle 3"/>
+          <p:cNvPr id="12" name="Arrow"/>
           <p:cNvSpPr/>
           <p:nvPr/>
         </p:nvSpPr>
         <p:spPr>
           <a:xfrm>
-            <a:off x="3811763" y="2783711"/>
-            <a:ext cx="2651848" cy="838200"/>
+            <a:off x="3239930" y="1516938"/>
+            <a:ext cx="1828800" cy="1828800"/>
+          </a:xfrm>
+          <a:prstGeom prst="upArrow">
+            <a:avLst/>
+          </a:prstGeom>
+        </p:spPr>
+        <p:style>
+          <a:lnRef idx="2">
+            <a:schemeClr val="accent3">
+              <a:shade val="50000"/>
+            </a:schemeClr>
+          </a:lnRef>
+          <a:fillRef idx="1">
+            <a:schemeClr val="accent3"/>
+          </a:fillRef>
+          <a:effectRef idx="0">
+            <a:schemeClr val="accent3"/>
+          </a:effectRef>
+          <a:fontRef idx="minor">
+            <a:schemeClr val="lt1"/>
+          </a:fontRef>
+        </p:style>
+        <p:txBody>
+          <a:bodyPr rtlCol="0" anchor="ctr"/>
+          <a:lstStyle/>
+          <a:p>
+            <a:pPr algn="ctr"/>
+            <a:endParaRPr lang="en-US" dirty="0"/>
+          </a:p>
+        </p:txBody>
+      </p:sp>
+      <p:sp>
+        <p:nvSpPr>
+          <p:cNvPr id="4" name="Square"/>
+          <p:cNvSpPr/>
+          <p:nvPr/>
+        </p:nvSpPr>
+        <p:spPr>
+          <a:xfrm>
+            <a:off x="4233387" y="1706344"/>
+            <a:ext cx="1828800" cy="1828800"/>
           </a:xfrm>
           <a:prstGeom prst="rect">
             <a:avLst/>
@@ -11780,20 +12298,93 @@
           <a:lstStyle/>
           <a:p>
             <a:pPr algn="ctr"/>
-            <a:endParaRPr lang="en-US"/>
-          </a:p>
-        </p:txBody>
-      </p:sp>
-      <p:sp>
-        <p:nvSpPr>
-          <p:cNvPr id="5" name="Oval 4"/>
+            <a:endParaRPr lang="en-US" dirty="0"/>
+          </a:p>
+        </p:txBody>
+      </p:sp>
+      <p:cxnSp>
+        <p:nvCxnSpPr>
+          <p:cNvPr id="3" name="Line"/>
+          <p:cNvCxnSpPr/>
+          <p:nvPr/>
+        </p:nvCxnSpPr>
+        <p:spPr>
+          <a:xfrm>
+            <a:off x="1905000" y="3023381"/>
+            <a:ext cx="5867400" cy="41362"/>
+          </a:xfrm>
+          <a:prstGeom prst="straightConnector1">
+            <a:avLst/>
+          </a:prstGeom>
+          <a:ln w="76200">
+            <a:tailEnd type="triangle"/>
+          </a:ln>
+        </p:spPr>
+        <p:style>
+          <a:lnRef idx="1">
+            <a:schemeClr val="dk1"/>
+          </a:lnRef>
+          <a:fillRef idx="0">
+            <a:schemeClr val="dk1"/>
+          </a:fillRef>
+          <a:effectRef idx="0">
+            <a:schemeClr val="dk1"/>
+          </a:effectRef>
+          <a:fontRef idx="minor">
+            <a:schemeClr val="tx1"/>
+          </a:fontRef>
+        </p:style>
+      </p:cxnSp>
+      <p:sp>
+        <p:nvSpPr>
+          <p:cNvPr id="15" name="Triangle"/>
           <p:cNvSpPr/>
           <p:nvPr/>
         </p:nvSpPr>
         <p:spPr>
           <a:xfrm>
-            <a:off x="5790066" y="3859852"/>
-            <a:ext cx="978972" cy="978972"/>
+            <a:off x="3273743" y="2663469"/>
+            <a:ext cx="1828800" cy="1828800"/>
+          </a:xfrm>
+          <a:prstGeom prst="triangle">
+            <a:avLst/>
+          </a:prstGeom>
+        </p:spPr>
+        <p:style>
+          <a:lnRef idx="2">
+            <a:schemeClr val="accent4">
+              <a:shade val="50000"/>
+            </a:schemeClr>
+          </a:lnRef>
+          <a:fillRef idx="1">
+            <a:schemeClr val="accent4"/>
+          </a:fillRef>
+          <a:effectRef idx="0">
+            <a:schemeClr val="accent4"/>
+          </a:effectRef>
+          <a:fontRef idx="minor">
+            <a:schemeClr val="lt1"/>
+          </a:fontRef>
+        </p:style>
+        <p:txBody>
+          <a:bodyPr rtlCol="0" anchor="ctr"/>
+          <a:lstStyle/>
+          <a:p>
+            <a:pPr algn="ctr"/>
+            <a:endParaRPr lang="en-US"/>
+          </a:p>
+        </p:txBody>
+      </p:sp>
+      <p:sp>
+        <p:nvSpPr>
+          <p:cNvPr id="16" name="Circle"/>
+          <p:cNvSpPr/>
+          <p:nvPr/>
+        </p:nvSpPr>
+        <p:spPr>
+          <a:xfrm>
+            <a:off x="4495800" y="2895600"/>
+            <a:ext cx="1828800" cy="1828800"/>
           </a:xfrm>
           <a:prstGeom prst="ellipse">
             <a:avLst/>
@@ -11801,15 +12392,15 @@
         </p:spPr>
         <p:style>
           <a:lnRef idx="2">
-            <a:schemeClr val="accent1">
+            <a:schemeClr val="accent2">
               <a:shade val="50000"/>
             </a:schemeClr>
           </a:lnRef>
           <a:fillRef idx="1">
-            <a:schemeClr val="accent1"/>
+            <a:schemeClr val="accent2"/>
           </a:fillRef>
           <a:effectRef idx="0">
-            <a:schemeClr val="accent1"/>
+            <a:schemeClr val="accent2"/>
           </a:effectRef>
           <a:fontRef idx="minor">
             <a:schemeClr val="lt1"/>
@@ -11824,90 +12415,10 @@
           </a:p>
         </p:txBody>
       </p:sp>
-      <p:sp>
-        <p:nvSpPr>
-          <p:cNvPr id="6" name="Right Arrow 5"/>
-          <p:cNvSpPr/>
-          <p:nvPr/>
-        </p:nvSpPr>
-        <p:spPr>
-          <a:xfrm rot="18000000">
-            <a:off x="1805588" y="2197640"/>
-            <a:ext cx="2120755" cy="631714"/>
-          </a:xfrm>
-          <a:prstGeom prst="rightArrow">
-            <a:avLst/>
-          </a:prstGeom>
-        </p:spPr>
-        <p:style>
-          <a:lnRef idx="2">
-            <a:schemeClr val="accent1">
-              <a:shade val="50000"/>
-            </a:schemeClr>
-          </a:lnRef>
-          <a:fillRef idx="1">
-            <a:schemeClr val="accent1"/>
-          </a:fillRef>
-          <a:effectRef idx="0">
-            <a:schemeClr val="accent1"/>
-          </a:effectRef>
-          <a:fontRef idx="minor">
-            <a:schemeClr val="lt1"/>
-          </a:fontRef>
-        </p:style>
-        <p:txBody>
-          <a:bodyPr rtlCol="0" anchor="ctr"/>
-          <a:lstStyle/>
-          <a:p>
-            <a:pPr algn="ctr"/>
-            <a:endParaRPr lang="en-US"/>
-          </a:p>
-        </p:txBody>
-      </p:sp>
-      <p:sp>
-        <p:nvSpPr>
-          <p:cNvPr id="7" name="Rectangle 6"/>
-          <p:cNvSpPr/>
-          <p:nvPr/>
-        </p:nvSpPr>
-        <p:spPr>
-          <a:xfrm rot="18672083">
-            <a:off x="2165524" y="3474939"/>
-            <a:ext cx="1379725" cy="919817"/>
-          </a:xfrm>
-          <a:prstGeom prst="rect">
-            <a:avLst/>
-          </a:prstGeom>
-        </p:spPr>
-        <p:style>
-          <a:lnRef idx="2">
-            <a:schemeClr val="accent1">
-              <a:shade val="50000"/>
-            </a:schemeClr>
-          </a:lnRef>
-          <a:fillRef idx="1">
-            <a:schemeClr val="accent1"/>
-          </a:fillRef>
-          <a:effectRef idx="0">
-            <a:schemeClr val="accent1"/>
-          </a:effectRef>
-          <a:fontRef idx="minor">
-            <a:schemeClr val="lt1"/>
-          </a:fontRef>
-        </p:style>
-        <p:txBody>
-          <a:bodyPr rtlCol="0" anchor="ctr"/>
-          <a:lstStyle/>
-          <a:p>
-            <a:pPr algn="ctr"/>
-            <a:endParaRPr lang="en-US"/>
-          </a:p>
-        </p:txBody>
-      </p:sp>
     </p:spTree>
     <p:extLst>
       <p:ext uri="{BB962C8B-B14F-4D97-AF65-F5344CB8AC3E}">
-        <p14:creationId xmlns:p14="http://schemas.microsoft.com/office/powerpoint/2010/main" val="4086109257"/>
+        <p14:creationId xmlns:p14="http://schemas.microsoft.com/office/powerpoint/2010/main" val="1425412499"/>
       </p:ext>
     </p:extLst>
   </p:cSld>
@@ -11936,14 +12447,167 @@
       </p:grpSpPr>
       <p:sp>
         <p:nvSpPr>
-          <p:cNvPr id="4" name="Rectangle 3"/>
+          <p:cNvPr id="16" name="Circle"/>
           <p:cNvSpPr/>
           <p:nvPr/>
         </p:nvSpPr>
         <p:spPr>
           <a:xfrm>
-            <a:off x="4953628" y="3930238"/>
-            <a:ext cx="2651848" cy="838200"/>
+            <a:off x="3239930" y="1516938"/>
+            <a:ext cx="1828800" cy="1828800"/>
+          </a:xfrm>
+          <a:prstGeom prst="ellipse">
+            <a:avLst/>
+          </a:prstGeom>
+        </p:spPr>
+        <p:style>
+          <a:lnRef idx="2">
+            <a:schemeClr val="accent2">
+              <a:shade val="50000"/>
+            </a:schemeClr>
+          </a:lnRef>
+          <a:fillRef idx="1">
+            <a:schemeClr val="accent2"/>
+          </a:fillRef>
+          <a:effectRef idx="0">
+            <a:schemeClr val="accent2"/>
+          </a:effectRef>
+          <a:fontRef idx="minor">
+            <a:schemeClr val="lt1"/>
+          </a:fontRef>
+        </p:style>
+        <p:txBody>
+          <a:bodyPr rtlCol="0" anchor="ctr"/>
+          <a:lstStyle/>
+          <a:p>
+            <a:pPr algn="ctr"/>
+            <a:endParaRPr lang="en-US"/>
+          </a:p>
+        </p:txBody>
+      </p:sp>
+      <p:sp>
+        <p:nvSpPr>
+          <p:cNvPr id="15" name="Triangle"/>
+          <p:cNvSpPr/>
+          <p:nvPr/>
+        </p:nvSpPr>
+        <p:spPr>
+          <a:xfrm>
+            <a:off x="4233387" y="1706344"/>
+            <a:ext cx="1828800" cy="1828800"/>
+          </a:xfrm>
+          <a:prstGeom prst="triangle">
+            <a:avLst/>
+          </a:prstGeom>
+        </p:spPr>
+        <p:style>
+          <a:lnRef idx="2">
+            <a:schemeClr val="accent4">
+              <a:shade val="50000"/>
+            </a:schemeClr>
+          </a:lnRef>
+          <a:fillRef idx="1">
+            <a:schemeClr val="accent4"/>
+          </a:fillRef>
+          <a:effectRef idx="0">
+            <a:schemeClr val="accent4"/>
+          </a:effectRef>
+          <a:fontRef idx="minor">
+            <a:schemeClr val="lt1"/>
+          </a:fontRef>
+        </p:style>
+        <p:txBody>
+          <a:bodyPr rtlCol="0" anchor="ctr"/>
+          <a:lstStyle/>
+          <a:p>
+            <a:pPr algn="ctr"/>
+            <a:endParaRPr lang="en-US"/>
+          </a:p>
+        </p:txBody>
+      </p:sp>
+      <p:cxnSp>
+        <p:nvCxnSpPr>
+          <p:cNvPr id="3" name="Line"/>
+          <p:cNvCxnSpPr/>
+          <p:nvPr/>
+        </p:nvCxnSpPr>
+        <p:spPr>
+          <a:xfrm>
+            <a:off x="1905000" y="3023381"/>
+            <a:ext cx="5867400" cy="41362"/>
+          </a:xfrm>
+          <a:prstGeom prst="straightConnector1">
+            <a:avLst/>
+          </a:prstGeom>
+          <a:ln w="76200">
+            <a:tailEnd type="triangle"/>
+          </a:ln>
+        </p:spPr>
+        <p:style>
+          <a:lnRef idx="1">
+            <a:schemeClr val="dk1"/>
+          </a:lnRef>
+          <a:fillRef idx="0">
+            <a:schemeClr val="dk1"/>
+          </a:fillRef>
+          <a:effectRef idx="0">
+            <a:schemeClr val="dk1"/>
+          </a:effectRef>
+          <a:fontRef idx="minor">
+            <a:schemeClr val="tx1"/>
+          </a:fontRef>
+        </p:style>
+      </p:cxnSp>
+      <p:sp>
+        <p:nvSpPr>
+          <p:cNvPr id="12" name="Arrow"/>
+          <p:cNvSpPr/>
+          <p:nvPr/>
+        </p:nvSpPr>
+        <p:spPr>
+          <a:xfrm>
+            <a:off x="3273743" y="2663469"/>
+            <a:ext cx="1828800" cy="1828800"/>
+          </a:xfrm>
+          <a:prstGeom prst="upArrow">
+            <a:avLst/>
+          </a:prstGeom>
+        </p:spPr>
+        <p:style>
+          <a:lnRef idx="2">
+            <a:schemeClr val="accent3">
+              <a:shade val="50000"/>
+            </a:schemeClr>
+          </a:lnRef>
+          <a:fillRef idx="1">
+            <a:schemeClr val="accent3"/>
+          </a:fillRef>
+          <a:effectRef idx="0">
+            <a:schemeClr val="accent3"/>
+          </a:effectRef>
+          <a:fontRef idx="minor">
+            <a:schemeClr val="lt1"/>
+          </a:fontRef>
+        </p:style>
+        <p:txBody>
+          <a:bodyPr rtlCol="0" anchor="ctr"/>
+          <a:lstStyle/>
+          <a:p>
+            <a:pPr algn="ctr"/>
+            <a:endParaRPr lang="en-US" dirty="0"/>
+          </a:p>
+        </p:txBody>
+      </p:sp>
+      <p:sp>
+        <p:nvSpPr>
+          <p:cNvPr id="4" name="Square"/>
+          <p:cNvSpPr/>
+          <p:nvPr/>
+        </p:nvSpPr>
+        <p:spPr>
+          <a:xfrm>
+            <a:off x="4495800" y="2895600"/>
+            <a:ext cx="1828800" cy="1828800"/>
           </a:xfrm>
           <a:prstGeom prst="rect">
             <a:avLst/>
@@ -11970,134 +12634,14 @@
           <a:lstStyle/>
           <a:p>
             <a:pPr algn="ctr"/>
-            <a:endParaRPr lang="en-US"/>
-          </a:p>
-        </p:txBody>
-      </p:sp>
-      <p:sp>
-        <p:nvSpPr>
-          <p:cNvPr id="5" name="Oval 4"/>
-          <p:cNvSpPr/>
-          <p:nvPr/>
-        </p:nvSpPr>
-        <p:spPr>
-          <a:xfrm>
-            <a:off x="2365900" y="2063493"/>
-            <a:ext cx="978972" cy="978972"/>
-          </a:xfrm>
-          <a:prstGeom prst="ellipse">
-            <a:avLst/>
-          </a:prstGeom>
-        </p:spPr>
-        <p:style>
-          <a:lnRef idx="2">
-            <a:schemeClr val="accent1">
-              <a:shade val="50000"/>
-            </a:schemeClr>
-          </a:lnRef>
-          <a:fillRef idx="1">
-            <a:schemeClr val="accent1"/>
-          </a:fillRef>
-          <a:effectRef idx="0">
-            <a:schemeClr val="accent1"/>
-          </a:effectRef>
-          <a:fontRef idx="minor">
-            <a:schemeClr val="lt1"/>
-          </a:fontRef>
-        </p:style>
-        <p:txBody>
-          <a:bodyPr rtlCol="0" anchor="ctr"/>
-          <a:lstStyle/>
-          <a:p>
-            <a:pPr algn="ctr"/>
-            <a:endParaRPr lang="en-US"/>
-          </a:p>
-        </p:txBody>
-      </p:sp>
-      <p:sp>
-        <p:nvSpPr>
-          <p:cNvPr id="6" name="Right Arrow 5"/>
-          <p:cNvSpPr/>
-          <p:nvPr/>
-        </p:nvSpPr>
-        <p:spPr>
-          <a:xfrm rot="18000000">
-            <a:off x="1805588" y="3579510"/>
-            <a:ext cx="2120755" cy="631714"/>
-          </a:xfrm>
-          <a:prstGeom prst="rightArrow">
-            <a:avLst/>
-          </a:prstGeom>
-        </p:spPr>
-        <p:style>
-          <a:lnRef idx="2">
-            <a:schemeClr val="accent1">
-              <a:shade val="50000"/>
-            </a:schemeClr>
-          </a:lnRef>
-          <a:fillRef idx="1">
-            <a:schemeClr val="accent1"/>
-          </a:fillRef>
-          <a:effectRef idx="0">
-            <a:schemeClr val="accent1"/>
-          </a:effectRef>
-          <a:fontRef idx="minor">
-            <a:schemeClr val="lt1"/>
-          </a:fontRef>
-        </p:style>
-        <p:txBody>
-          <a:bodyPr rtlCol="0" anchor="ctr"/>
-          <a:lstStyle/>
-          <a:p>
-            <a:pPr algn="ctr"/>
-            <a:endParaRPr lang="en-US"/>
-          </a:p>
-        </p:txBody>
-      </p:sp>
-      <p:sp>
-        <p:nvSpPr>
-          <p:cNvPr id="7" name="Rectangle 6"/>
-          <p:cNvSpPr/>
-          <p:nvPr/>
-        </p:nvSpPr>
-        <p:spPr>
-          <a:xfrm rot="18672083">
-            <a:off x="4447825" y="2742901"/>
-            <a:ext cx="1379725" cy="919817"/>
-          </a:xfrm>
-          <a:prstGeom prst="rect">
-            <a:avLst/>
-          </a:prstGeom>
-        </p:spPr>
-        <p:style>
-          <a:lnRef idx="2">
-            <a:schemeClr val="accent1">
-              <a:shade val="50000"/>
-            </a:schemeClr>
-          </a:lnRef>
-          <a:fillRef idx="1">
-            <a:schemeClr val="accent1"/>
-          </a:fillRef>
-          <a:effectRef idx="0">
-            <a:schemeClr val="accent1"/>
-          </a:effectRef>
-          <a:fontRef idx="minor">
-            <a:schemeClr val="lt1"/>
-          </a:fontRef>
-        </p:style>
-        <p:txBody>
-          <a:bodyPr rtlCol="0" anchor="ctr"/>
-          <a:lstStyle/>
-          <a:p>
-            <a:pPr algn="ctr"/>
-            <a:endParaRPr lang="en-US"/>
+            <a:endParaRPr lang="en-US" dirty="0"/>
           </a:p>
         </p:txBody>
       </p:sp>
     </p:spTree>
     <p:extLst>
       <p:ext uri="{BB962C8B-B14F-4D97-AF65-F5344CB8AC3E}">
-        <p14:creationId xmlns:p14="http://schemas.microsoft.com/office/powerpoint/2010/main" val="2764857302"/>
+        <p14:creationId xmlns:p14="http://schemas.microsoft.com/office/powerpoint/2010/main" val="487853171"/>
       </p:ext>
     </p:extLst>
   </p:cSld>
@@ -12126,14 +12670,14 @@
       </p:grpSpPr>
       <p:sp>
         <p:nvSpPr>
-          <p:cNvPr id="4" name="Rectangle 3"/>
+          <p:cNvPr id="4" name="Square"/>
           <p:cNvSpPr/>
           <p:nvPr/>
         </p:nvSpPr>
         <p:spPr>
           <a:xfrm>
-            <a:off x="1529462" y="2133879"/>
-            <a:ext cx="2651848" cy="838200"/>
+            <a:off x="3239930" y="1516938"/>
+            <a:ext cx="1828800" cy="1828800"/>
           </a:xfrm>
           <a:prstGeom prst="rect">
             <a:avLst/>
@@ -12160,20 +12704,93 @@
           <a:lstStyle/>
           <a:p>
             <a:pPr algn="ctr"/>
-            <a:endParaRPr lang="en-US"/>
-          </a:p>
-        </p:txBody>
-      </p:sp>
-      <p:sp>
-        <p:nvSpPr>
-          <p:cNvPr id="5" name="Oval 4"/>
+            <a:endParaRPr lang="en-US" dirty="0"/>
+          </a:p>
+        </p:txBody>
+      </p:sp>
+      <p:sp>
+        <p:nvSpPr>
+          <p:cNvPr id="12" name="Arrow"/>
           <p:cNvSpPr/>
           <p:nvPr/>
         </p:nvSpPr>
         <p:spPr>
           <a:xfrm>
-            <a:off x="2365901" y="3445363"/>
-            <a:ext cx="978972" cy="978972"/>
+            <a:off x="4233387" y="1706344"/>
+            <a:ext cx="1828800" cy="1828800"/>
+          </a:xfrm>
+          <a:prstGeom prst="upArrow">
+            <a:avLst/>
+          </a:prstGeom>
+        </p:spPr>
+        <p:style>
+          <a:lnRef idx="2">
+            <a:schemeClr val="accent3">
+              <a:shade val="50000"/>
+            </a:schemeClr>
+          </a:lnRef>
+          <a:fillRef idx="1">
+            <a:schemeClr val="accent3"/>
+          </a:fillRef>
+          <a:effectRef idx="0">
+            <a:schemeClr val="accent3"/>
+          </a:effectRef>
+          <a:fontRef idx="minor">
+            <a:schemeClr val="lt1"/>
+          </a:fontRef>
+        </p:style>
+        <p:txBody>
+          <a:bodyPr rtlCol="0" anchor="ctr"/>
+          <a:lstStyle/>
+          <a:p>
+            <a:pPr algn="ctr"/>
+            <a:endParaRPr lang="en-US" dirty="0"/>
+          </a:p>
+        </p:txBody>
+      </p:sp>
+      <p:cxnSp>
+        <p:nvCxnSpPr>
+          <p:cNvPr id="3" name="Line"/>
+          <p:cNvCxnSpPr/>
+          <p:nvPr/>
+        </p:nvCxnSpPr>
+        <p:spPr>
+          <a:xfrm>
+            <a:off x="1905000" y="3023381"/>
+            <a:ext cx="5867400" cy="41362"/>
+          </a:xfrm>
+          <a:prstGeom prst="straightConnector1">
+            <a:avLst/>
+          </a:prstGeom>
+          <a:ln w="76200">
+            <a:tailEnd type="triangle"/>
+          </a:ln>
+        </p:spPr>
+        <p:style>
+          <a:lnRef idx="1">
+            <a:schemeClr val="dk1"/>
+          </a:lnRef>
+          <a:fillRef idx="0">
+            <a:schemeClr val="dk1"/>
+          </a:fillRef>
+          <a:effectRef idx="0">
+            <a:schemeClr val="dk1"/>
+          </a:effectRef>
+          <a:fontRef idx="minor">
+            <a:schemeClr val="tx1"/>
+          </a:fontRef>
+        </p:style>
+      </p:cxnSp>
+      <p:sp>
+        <p:nvSpPr>
+          <p:cNvPr id="16" name="Circle"/>
+          <p:cNvSpPr/>
+          <p:nvPr/>
+        </p:nvSpPr>
+        <p:spPr>
+          <a:xfrm>
+            <a:off x="3273743" y="2663469"/>
+            <a:ext cx="1828800" cy="1828800"/>
           </a:xfrm>
           <a:prstGeom prst="ellipse">
             <a:avLst/>
@@ -12181,15 +12798,15 @@
         </p:spPr>
         <p:style>
           <a:lnRef idx="2">
-            <a:schemeClr val="accent1">
+            <a:schemeClr val="accent2">
               <a:shade val="50000"/>
             </a:schemeClr>
           </a:lnRef>
           <a:fillRef idx="1">
-            <a:schemeClr val="accent1"/>
+            <a:schemeClr val="accent2"/>
           </a:fillRef>
           <a:effectRef idx="0">
-            <a:schemeClr val="accent1"/>
+            <a:schemeClr val="accent2"/>
           </a:effectRef>
           <a:fontRef idx="minor">
             <a:schemeClr val="lt1"/>
@@ -12206,30 +12823,30 @@
       </p:sp>
       <p:sp>
         <p:nvSpPr>
-          <p:cNvPr id="6" name="Right Arrow 5"/>
+          <p:cNvPr id="15" name="Triangle"/>
           <p:cNvSpPr/>
           <p:nvPr/>
         </p:nvSpPr>
         <p:spPr>
-          <a:xfrm rot="18000000">
-            <a:off x="4087889" y="2847472"/>
-            <a:ext cx="2120755" cy="631714"/>
+          <a:xfrm>
+            <a:off x="4495800" y="2895600"/>
+            <a:ext cx="1828800" cy="1828800"/>
           </a:xfrm>
-          <a:prstGeom prst="rightArrow">
+          <a:prstGeom prst="triangle">
             <a:avLst/>
           </a:prstGeom>
         </p:spPr>
         <p:style>
           <a:lnRef idx="2">
-            <a:schemeClr val="accent1">
+            <a:schemeClr val="accent4">
               <a:shade val="50000"/>
             </a:schemeClr>
           </a:lnRef>
           <a:fillRef idx="1">
-            <a:schemeClr val="accent1"/>
+            <a:schemeClr val="accent4"/>
           </a:fillRef>
           <a:effectRef idx="0">
-            <a:schemeClr val="accent1"/>
+            <a:schemeClr val="accent4"/>
           </a:effectRef>
           <a:fontRef idx="minor">
             <a:schemeClr val="lt1"/>
@@ -12244,50 +12861,10 @@
           </a:p>
         </p:txBody>
       </p:sp>
-      <p:sp>
-        <p:nvSpPr>
-          <p:cNvPr id="7" name="Rectangle 6"/>
-          <p:cNvSpPr/>
-          <p:nvPr/>
-        </p:nvSpPr>
-        <p:spPr>
-          <a:xfrm rot="18672083">
-            <a:off x="5589690" y="3889428"/>
-            <a:ext cx="1379725" cy="919817"/>
-          </a:xfrm>
-          <a:prstGeom prst="rect">
-            <a:avLst/>
-          </a:prstGeom>
-        </p:spPr>
-        <p:style>
-          <a:lnRef idx="2">
-            <a:schemeClr val="accent1">
-              <a:shade val="50000"/>
-            </a:schemeClr>
-          </a:lnRef>
-          <a:fillRef idx="1">
-            <a:schemeClr val="accent1"/>
-          </a:fillRef>
-          <a:effectRef idx="0">
-            <a:schemeClr val="accent1"/>
-          </a:effectRef>
-          <a:fontRef idx="minor">
-            <a:schemeClr val="lt1"/>
-          </a:fontRef>
-        </p:style>
-        <p:txBody>
-          <a:bodyPr rtlCol="0" anchor="ctr"/>
-          <a:lstStyle/>
-          <a:p>
-            <a:pPr algn="ctr"/>
-            <a:endParaRPr lang="en-US"/>
-          </a:p>
-        </p:txBody>
-      </p:sp>
     </p:spTree>
     <p:extLst>
       <p:ext uri="{BB962C8B-B14F-4D97-AF65-F5344CB8AC3E}">
-        <p14:creationId xmlns:p14="http://schemas.microsoft.com/office/powerpoint/2010/main" val="548242502"/>
+        <p14:creationId xmlns:p14="http://schemas.microsoft.com/office/powerpoint/2010/main" val="1759537530"/>
       </p:ext>
     </p:extLst>
   </p:cSld>
@@ -12330,8 +12907,12 @@
           <a:lstStyle/>
           <a:p>
             <a:r>
+              <a:rPr lang="en-US" dirty="0" smtClean="0"/>
+              <a:t>Swap:: </a:t>
+            </a:r>
+            <a:r>
               <a:rPr lang="en-US" dirty="0"/>
-              <a:t>Reorder:: Clicking Order</a:t>
+              <a:t>Clicking Order</a:t>
             </a:r>
             <a:endParaRPr lang="en-SG" dirty="0"/>
           </a:p>
@@ -13222,4 +13803,265 @@
   <a:objectDefaults/>
   <a:extraClrSchemeLst/>
 </a:theme>
+</file>
+
+<file path=ppt/theme/theme4.xml><?xml version="1.0" encoding="utf-8"?>
+<a:theme xmlns:a="http://schemas.openxmlformats.org/drawingml/2006/main" name="Office Theme">
+  <a:themeElements>
+    <a:clrScheme name="Office">
+      <a:dk1>
+        <a:sysClr val="windowText" lastClr="000000"/>
+      </a:dk1>
+      <a:lt1>
+        <a:sysClr val="window" lastClr="FFFFFF"/>
+      </a:lt1>
+      <a:dk2>
+        <a:srgbClr val="44546A"/>
+      </a:dk2>
+      <a:lt2>
+        <a:srgbClr val="E7E6E6"/>
+      </a:lt2>
+      <a:accent1>
+        <a:srgbClr val="5B9BD5"/>
+      </a:accent1>
+      <a:accent2>
+        <a:srgbClr val="ED7D31"/>
+      </a:accent2>
+      <a:accent3>
+        <a:srgbClr val="A5A5A5"/>
+      </a:accent3>
+      <a:accent4>
+        <a:srgbClr val="FFC000"/>
+      </a:accent4>
+      <a:accent5>
+        <a:srgbClr val="4472C4"/>
+      </a:accent5>
+      <a:accent6>
+        <a:srgbClr val="70AD47"/>
+      </a:accent6>
+      <a:hlink>
+        <a:srgbClr val="0563C1"/>
+      </a:hlink>
+      <a:folHlink>
+        <a:srgbClr val="954F72"/>
+      </a:folHlink>
+    </a:clrScheme>
+    <a:fontScheme name="Office">
+      <a:majorFont>
+        <a:latin typeface="Calibri Light" panose="020F0302020204030204"/>
+        <a:ea typeface=""/>
+        <a:cs typeface=""/>
+        <a:font script="Jpan" typeface="ＭＳ Ｐゴシック"/>
+        <a:font script="Hang" typeface="맑은 고딕"/>
+        <a:font script="Hans" typeface="宋体"/>
+        <a:font script="Hant" typeface="新細明體"/>
+        <a:font script="Arab" typeface="Times New Roman"/>
+        <a:font script="Hebr" typeface="Times New Roman"/>
+        <a:font script="Thai" typeface="Angsana New"/>
+        <a:font script="Ethi" typeface="Nyala"/>
+        <a:font script="Beng" typeface="Vrinda"/>
+        <a:font script="Gujr" typeface="Shruti"/>
+        <a:font script="Khmr" typeface="MoolBoran"/>
+        <a:font script="Knda" typeface="Tunga"/>
+        <a:font script="Guru" typeface="Raavi"/>
+        <a:font script="Cans" typeface="Euphemia"/>
+        <a:font script="Cher" typeface="Plantagenet Cherokee"/>
+        <a:font script="Yiii" typeface="Microsoft Yi Baiti"/>
+        <a:font script="Tibt" typeface="Microsoft Himalaya"/>
+        <a:font script="Thaa" typeface="MV Boli"/>
+        <a:font script="Deva" typeface="Mangal"/>
+        <a:font script="Telu" typeface="Gautami"/>
+        <a:font script="Taml" typeface="Latha"/>
+        <a:font script="Syrc" typeface="Estrangelo Edessa"/>
+        <a:font script="Orya" typeface="Kalinga"/>
+        <a:font script="Mlym" typeface="Kartika"/>
+        <a:font script="Laoo" typeface="DokChampa"/>
+        <a:font script="Sinh" typeface="Iskoola Pota"/>
+        <a:font script="Mong" typeface="Mongolian Baiti"/>
+        <a:font script="Viet" typeface="Times New Roman"/>
+        <a:font script="Uigh" typeface="Microsoft Uighur"/>
+        <a:font script="Geor" typeface="Sylfaen"/>
+      </a:majorFont>
+      <a:minorFont>
+        <a:latin typeface="Calibri" panose="020F0502020204030204"/>
+        <a:ea typeface=""/>
+        <a:cs typeface=""/>
+        <a:font script="Jpan" typeface="ＭＳ Ｐゴシック"/>
+        <a:font script="Hang" typeface="맑은 고딕"/>
+        <a:font script="Hans" typeface="宋体"/>
+        <a:font script="Hant" typeface="新細明體"/>
+        <a:font script="Arab" typeface="Arial"/>
+        <a:font script="Hebr" typeface="Arial"/>
+        <a:font script="Thai" typeface="Cordia New"/>
+        <a:font script="Ethi" typeface="Nyala"/>
+        <a:font script="Beng" typeface="Vrinda"/>
+        <a:font script="Gujr" typeface="Shruti"/>
+        <a:font script="Khmr" typeface="DaunPenh"/>
+        <a:font script="Knda" typeface="Tunga"/>
+        <a:font script="Guru" typeface="Raavi"/>
+        <a:font script="Cans" typeface="Euphemia"/>
+        <a:font script="Cher" typeface="Plantagenet Cherokee"/>
+        <a:font script="Yiii" typeface="Microsoft Yi Baiti"/>
+        <a:font script="Tibt" typeface="Microsoft Himalaya"/>
+        <a:font script="Thaa" typeface="MV Boli"/>
+        <a:font script="Deva" typeface="Mangal"/>
+        <a:font script="Telu" typeface="Gautami"/>
+        <a:font script="Taml" typeface="Latha"/>
+        <a:font script="Syrc" typeface="Estrangelo Edessa"/>
+        <a:font script="Orya" typeface="Kalinga"/>
+        <a:font script="Mlym" typeface="Kartika"/>
+        <a:font script="Laoo" typeface="DokChampa"/>
+        <a:font script="Sinh" typeface="Iskoola Pota"/>
+        <a:font script="Mong" typeface="Mongolian Baiti"/>
+        <a:font script="Viet" typeface="Arial"/>
+        <a:font script="Uigh" typeface="Microsoft Uighur"/>
+        <a:font script="Geor" typeface="Sylfaen"/>
+      </a:minorFont>
+    </a:fontScheme>
+    <a:fmtScheme name="Office">
+      <a:fillStyleLst>
+        <a:solidFill>
+          <a:schemeClr val="phClr"/>
+        </a:solidFill>
+        <a:gradFill rotWithShape="1">
+          <a:gsLst>
+            <a:gs pos="0">
+              <a:schemeClr val="phClr">
+                <a:lumMod val="110000"/>
+                <a:satMod val="105000"/>
+                <a:tint val="67000"/>
+              </a:schemeClr>
+            </a:gs>
+            <a:gs pos="50000">
+              <a:schemeClr val="phClr">
+                <a:lumMod val="105000"/>
+                <a:satMod val="103000"/>
+                <a:tint val="73000"/>
+              </a:schemeClr>
+            </a:gs>
+            <a:gs pos="100000">
+              <a:schemeClr val="phClr">
+                <a:lumMod val="105000"/>
+                <a:satMod val="109000"/>
+                <a:tint val="81000"/>
+              </a:schemeClr>
+            </a:gs>
+          </a:gsLst>
+          <a:lin ang="5400000" scaled="0"/>
+        </a:gradFill>
+        <a:gradFill rotWithShape="1">
+          <a:gsLst>
+            <a:gs pos="0">
+              <a:schemeClr val="phClr">
+                <a:satMod val="103000"/>
+                <a:lumMod val="102000"/>
+                <a:tint val="94000"/>
+              </a:schemeClr>
+            </a:gs>
+            <a:gs pos="50000">
+              <a:schemeClr val="phClr">
+                <a:satMod val="110000"/>
+                <a:lumMod val="100000"/>
+                <a:shade val="100000"/>
+              </a:schemeClr>
+            </a:gs>
+            <a:gs pos="100000">
+              <a:schemeClr val="phClr">
+                <a:lumMod val="99000"/>
+                <a:satMod val="120000"/>
+                <a:shade val="78000"/>
+              </a:schemeClr>
+            </a:gs>
+          </a:gsLst>
+          <a:lin ang="5400000" scaled="0"/>
+        </a:gradFill>
+      </a:fillStyleLst>
+      <a:lnStyleLst>
+        <a:ln w="6350" cap="flat" cmpd="sng" algn="ctr">
+          <a:solidFill>
+            <a:schemeClr val="phClr"/>
+          </a:solidFill>
+          <a:prstDash val="solid"/>
+          <a:miter lim="800000"/>
+        </a:ln>
+        <a:ln w="12700" cap="flat" cmpd="sng" algn="ctr">
+          <a:solidFill>
+            <a:schemeClr val="phClr"/>
+          </a:solidFill>
+          <a:prstDash val="solid"/>
+          <a:miter lim="800000"/>
+        </a:ln>
+        <a:ln w="19050" cap="flat" cmpd="sng" algn="ctr">
+          <a:solidFill>
+            <a:schemeClr val="phClr"/>
+          </a:solidFill>
+          <a:prstDash val="solid"/>
+          <a:miter lim="800000"/>
+        </a:ln>
+      </a:lnStyleLst>
+      <a:effectStyleLst>
+        <a:effectStyle>
+          <a:effectLst/>
+        </a:effectStyle>
+        <a:effectStyle>
+          <a:effectLst/>
+        </a:effectStyle>
+        <a:effectStyle>
+          <a:effectLst>
+            <a:outerShdw blurRad="57150" dist="19050" dir="5400000" algn="ctr" rotWithShape="0">
+              <a:srgbClr val="000000">
+                <a:alpha val="63000"/>
+              </a:srgbClr>
+            </a:outerShdw>
+          </a:effectLst>
+        </a:effectStyle>
+      </a:effectStyleLst>
+      <a:bgFillStyleLst>
+        <a:solidFill>
+          <a:schemeClr val="phClr"/>
+        </a:solidFill>
+        <a:solidFill>
+          <a:schemeClr val="phClr">
+            <a:tint val="95000"/>
+            <a:satMod val="170000"/>
+          </a:schemeClr>
+        </a:solidFill>
+        <a:gradFill rotWithShape="1">
+          <a:gsLst>
+            <a:gs pos="0">
+              <a:schemeClr val="phClr">
+                <a:tint val="93000"/>
+                <a:satMod val="150000"/>
+                <a:shade val="98000"/>
+                <a:lumMod val="102000"/>
+              </a:schemeClr>
+            </a:gs>
+            <a:gs pos="50000">
+              <a:schemeClr val="phClr">
+                <a:tint val="98000"/>
+                <a:satMod val="130000"/>
+                <a:shade val="90000"/>
+                <a:lumMod val="103000"/>
+              </a:schemeClr>
+            </a:gs>
+            <a:gs pos="100000">
+              <a:schemeClr val="phClr">
+                <a:shade val="63000"/>
+                <a:satMod val="120000"/>
+              </a:schemeClr>
+            </a:gs>
+          </a:gsLst>
+          <a:lin ang="5400000" scaled="0"/>
+        </a:gradFill>
+      </a:bgFillStyleLst>
+    </a:fmtScheme>
+  </a:themeElements>
+  <a:objectDefaults/>
+  <a:extraClrSchemeLst/>
+  <a:extLst>
+    <a:ext uri="{05A4C25C-085E-4340-85A3-A5531E510DB2}">
+      <thm15:themeFamily xmlns:thm15="http://schemas.microsoft.com/office/thememl/2012/main" name="Office Theme" id="{62F939B6-93AF-4DB8-9C6B-D6C7DFDC589F}" vid="{4A3C46E8-61CC-4603-A589-7422A47A8E4A}"/>
+    </a:ext>
+  </a:extLst>
+</a:theme>
 </file>
--- a/doc/test/PositionsLab/PositionsLabSwap.pptx
+++ b/doc/test/PositionsLab/PositionsLabSwap.pptx
@@ -6,24 +6,30 @@
     <p:sldMasterId id="2147483660" r:id="rId2"/>
     <p:sldMasterId id="2147483672" r:id="rId3"/>
   </p:sldMasterIdLst>
-  <p:notesMasterIdLst>
-    <p:notesMasterId r:id="rId18"/>
-  </p:notesMasterIdLst>
   <p:sldIdLst>
     <p:sldId id="287" r:id="rId4"/>
     <p:sldId id="256" r:id="rId5"/>
-    <p:sldId id="397" r:id="rId6"/>
+    <p:sldId id="367" r:id="rId6"/>
     <p:sldId id="292" r:id="rId7"/>
-    <p:sldId id="383" r:id="rId8"/>
-    <p:sldId id="384" r:id="rId9"/>
-    <p:sldId id="385" r:id="rId10"/>
-    <p:sldId id="386" r:id="rId11"/>
+    <p:sldId id="366" r:id="rId8"/>
+    <p:sldId id="368" r:id="rId9"/>
+    <p:sldId id="369" r:id="rId10"/>
+    <p:sldId id="370" r:id="rId11"/>
     <p:sldId id="311" r:id="rId12"/>
-    <p:sldId id="396" r:id="rId13"/>
-    <p:sldId id="392" r:id="rId14"/>
-    <p:sldId id="393" r:id="rId15"/>
-    <p:sldId id="390" r:id="rId16"/>
-    <p:sldId id="274" r:id="rId17"/>
+    <p:sldId id="371" r:id="rId13"/>
+    <p:sldId id="372" r:id="rId14"/>
+    <p:sldId id="373" r:id="rId15"/>
+    <p:sldId id="374" r:id="rId16"/>
+    <p:sldId id="375" r:id="rId17"/>
+    <p:sldId id="376" r:id="rId18"/>
+    <p:sldId id="377" r:id="rId19"/>
+    <p:sldId id="378" r:id="rId20"/>
+    <p:sldId id="379" r:id="rId21"/>
+    <p:sldId id="380" r:id="rId22"/>
+    <p:sldId id="381" r:id="rId23"/>
+    <p:sldId id="382" r:id="rId24"/>
+    <p:sldId id="383" r:id="rId25"/>
+    <p:sldId id="274" r:id="rId26"/>
   </p:sldIdLst>
   <p:sldSz cx="9144000" cy="6858000" type="screen4x3"/>
   <p:notesSz cx="6858000" cy="9144000"/>
@@ -133,17 +139,26 @@
         <p14:section name="Align by Slide" id="{A3A2B0AB-762C-4281-AA7B-EF7E134E0DC4}">
           <p14:sldIdLst>
             <p14:sldId id="256"/>
-            <p14:sldId id="397"/>
+            <p14:sldId id="367"/>
             <p14:sldId id="292"/>
+            <p14:sldId id="366"/>
+            <p14:sldId id="368"/>
+            <p14:sldId id="369"/>
+            <p14:sldId id="370"/>
+            <p14:sldId id="311"/>
+            <p14:sldId id="371"/>
+            <p14:sldId id="372"/>
+            <p14:sldId id="373"/>
+            <p14:sldId id="374"/>
+            <p14:sldId id="375"/>
+            <p14:sldId id="376"/>
+            <p14:sldId id="377"/>
+            <p14:sldId id="378"/>
+            <p14:sldId id="379"/>
+            <p14:sldId id="380"/>
+            <p14:sldId id="381"/>
+            <p14:sldId id="382"/>
             <p14:sldId id="383"/>
-            <p14:sldId id="384"/>
-            <p14:sldId id="385"/>
-            <p14:sldId id="386"/>
-            <p14:sldId id="311"/>
-            <p14:sldId id="396"/>
-            <p14:sldId id="392"/>
-            <p14:sldId id="393"/>
-            <p14:sldId id="390"/>
             <p14:sldId id="274"/>
           </p14:sldIdLst>
         </p14:section>
@@ -154,1249 +169,6 @@
     </p:ext>
   </p:extLst>
 </p:presentation>
-</file>
-
-<file path=ppt/notesMasters/notesMaster1.xml><?xml version="1.0" encoding="utf-8"?>
-<p:notesMaster xmlns:a="http://schemas.openxmlformats.org/drawingml/2006/main" xmlns:r="http://schemas.openxmlformats.org/officeDocument/2006/relationships" xmlns:p="http://schemas.openxmlformats.org/presentationml/2006/main">
-  <p:cSld>
-    <p:bg>
-      <p:bgRef idx="1001">
-        <a:schemeClr val="bg1"/>
-      </p:bgRef>
-    </p:bg>
-    <p:spTree>
-      <p:nvGrpSpPr>
-        <p:cNvPr id="1" name=""/>
-        <p:cNvGrpSpPr/>
-        <p:nvPr/>
-      </p:nvGrpSpPr>
-      <p:grpSpPr>
-        <a:xfrm>
-          <a:off x="0" y="0"/>
-          <a:ext cx="0" cy="0"/>
-          <a:chOff x="0" y="0"/>
-          <a:chExt cx="0" cy="0"/>
-        </a:xfrm>
-      </p:grpSpPr>
-      <p:sp>
-        <p:nvSpPr>
-          <p:cNvPr id="2" name="Header Placeholder 1"/>
-          <p:cNvSpPr>
-            <a:spLocks noGrp="1"/>
-          </p:cNvSpPr>
-          <p:nvPr>
-            <p:ph type="hdr" sz="quarter"/>
-          </p:nvPr>
-        </p:nvSpPr>
-        <p:spPr>
-          <a:xfrm>
-            <a:off x="0" y="0"/>
-            <a:ext cx="2971800" cy="458788"/>
-          </a:xfrm>
-          <a:prstGeom prst="rect">
-            <a:avLst/>
-          </a:prstGeom>
-        </p:spPr>
-        <p:txBody>
-          <a:bodyPr vert="horz" lIns="91440" tIns="45720" rIns="91440" bIns="45720" rtlCol="0"/>
-          <a:lstStyle>
-            <a:lvl1pPr algn="l">
-              <a:defRPr sz="1200"/>
-            </a:lvl1pPr>
-          </a:lstStyle>
-          <a:p>
-            <a:endParaRPr lang="en-US"/>
-          </a:p>
-        </p:txBody>
-      </p:sp>
-      <p:sp>
-        <p:nvSpPr>
-          <p:cNvPr id="3" name="Date Placeholder 2"/>
-          <p:cNvSpPr>
-            <a:spLocks noGrp="1"/>
-          </p:cNvSpPr>
-          <p:nvPr>
-            <p:ph type="dt" idx="1"/>
-          </p:nvPr>
-        </p:nvSpPr>
-        <p:spPr>
-          <a:xfrm>
-            <a:off x="3884613" y="0"/>
-            <a:ext cx="2971800" cy="458788"/>
-          </a:xfrm>
-          <a:prstGeom prst="rect">
-            <a:avLst/>
-          </a:prstGeom>
-        </p:spPr>
-        <p:txBody>
-          <a:bodyPr vert="horz" lIns="91440" tIns="45720" rIns="91440" bIns="45720" rtlCol="0"/>
-          <a:lstStyle>
-            <a:lvl1pPr algn="r">
-              <a:defRPr sz="1200"/>
-            </a:lvl1pPr>
-          </a:lstStyle>
-          <a:p>
-            <a:fld id="{5552B106-AAC8-4A2F-81EA-439B6CC96EAA}" type="datetimeFigureOut">
-              <a:rPr lang="en-US" smtClean="0"/>
-              <a:t>5/11/2017</a:t>
-            </a:fld>
-            <a:endParaRPr lang="en-US"/>
-          </a:p>
-        </p:txBody>
-      </p:sp>
-      <p:sp>
-        <p:nvSpPr>
-          <p:cNvPr id="4" name="Slide Image Placeholder 3"/>
-          <p:cNvSpPr>
-            <a:spLocks noGrp="1" noRot="1" noChangeAspect="1"/>
-          </p:cNvSpPr>
-          <p:nvPr>
-            <p:ph type="sldImg" idx="2"/>
-          </p:nvPr>
-        </p:nvSpPr>
-        <p:spPr>
-          <a:xfrm>
-            <a:off x="1371600" y="1143000"/>
-            <a:ext cx="4114800" cy="3086100"/>
-          </a:xfrm>
-          <a:prstGeom prst="rect">
-            <a:avLst/>
-          </a:prstGeom>
-          <a:noFill/>
-          <a:ln w="12700">
-            <a:solidFill>
-              <a:prstClr val="black"/>
-            </a:solidFill>
-          </a:ln>
-        </p:spPr>
-        <p:txBody>
-          <a:bodyPr vert="horz" lIns="91440" tIns="45720" rIns="91440" bIns="45720" rtlCol="0" anchor="ctr"/>
-          <a:lstStyle/>
-          <a:p>
-            <a:endParaRPr lang="en-US"/>
-          </a:p>
-        </p:txBody>
-      </p:sp>
-      <p:sp>
-        <p:nvSpPr>
-          <p:cNvPr id="5" name="Notes Placeholder 4"/>
-          <p:cNvSpPr>
-            <a:spLocks noGrp="1"/>
-          </p:cNvSpPr>
-          <p:nvPr>
-            <p:ph type="body" sz="quarter" idx="3"/>
-          </p:nvPr>
-        </p:nvSpPr>
-        <p:spPr>
-          <a:xfrm>
-            <a:off x="685800" y="4400550"/>
-            <a:ext cx="5486400" cy="3600450"/>
-          </a:xfrm>
-          <a:prstGeom prst="rect">
-            <a:avLst/>
-          </a:prstGeom>
-        </p:spPr>
-        <p:txBody>
-          <a:bodyPr vert="horz" lIns="91440" tIns="45720" rIns="91440" bIns="45720" rtlCol="0"/>
-          <a:lstStyle/>
-          <a:p>
-            <a:pPr lvl="0"/>
-            <a:r>
-              <a:rPr lang="en-US" smtClean="0"/>
-              <a:t>Click to edit Master text styles</a:t>
-            </a:r>
-          </a:p>
-          <a:p>
-            <a:pPr lvl="1"/>
-            <a:r>
-              <a:rPr lang="en-US" smtClean="0"/>
-              <a:t>Second level</a:t>
-            </a:r>
-          </a:p>
-          <a:p>
-            <a:pPr lvl="2"/>
-            <a:r>
-              <a:rPr lang="en-US" smtClean="0"/>
-              <a:t>Third level</a:t>
-            </a:r>
-          </a:p>
-          <a:p>
-            <a:pPr lvl="3"/>
-            <a:r>
-              <a:rPr lang="en-US" smtClean="0"/>
-              <a:t>Fourth level</a:t>
-            </a:r>
-          </a:p>
-          <a:p>
-            <a:pPr lvl="4"/>
-            <a:r>
-              <a:rPr lang="en-US" smtClean="0"/>
-              <a:t>Fifth level</a:t>
-            </a:r>
-            <a:endParaRPr lang="en-US"/>
-          </a:p>
-        </p:txBody>
-      </p:sp>
-      <p:sp>
-        <p:nvSpPr>
-          <p:cNvPr id="6" name="Footer Placeholder 5"/>
-          <p:cNvSpPr>
-            <a:spLocks noGrp="1"/>
-          </p:cNvSpPr>
-          <p:nvPr>
-            <p:ph type="ftr" sz="quarter" idx="4"/>
-          </p:nvPr>
-        </p:nvSpPr>
-        <p:spPr>
-          <a:xfrm>
-            <a:off x="0" y="8685213"/>
-            <a:ext cx="2971800" cy="458787"/>
-          </a:xfrm>
-          <a:prstGeom prst="rect">
-            <a:avLst/>
-          </a:prstGeom>
-        </p:spPr>
-        <p:txBody>
-          <a:bodyPr vert="horz" lIns="91440" tIns="45720" rIns="91440" bIns="45720" rtlCol="0" anchor="b"/>
-          <a:lstStyle>
-            <a:lvl1pPr algn="l">
-              <a:defRPr sz="1200"/>
-            </a:lvl1pPr>
-          </a:lstStyle>
-          <a:p>
-            <a:endParaRPr lang="en-US"/>
-          </a:p>
-        </p:txBody>
-      </p:sp>
-      <p:sp>
-        <p:nvSpPr>
-          <p:cNvPr id="7" name="Slide Number Placeholder 6"/>
-          <p:cNvSpPr>
-            <a:spLocks noGrp="1"/>
-          </p:cNvSpPr>
-          <p:nvPr>
-            <p:ph type="sldNum" sz="quarter" idx="5"/>
-          </p:nvPr>
-        </p:nvSpPr>
-        <p:spPr>
-          <a:xfrm>
-            <a:off x="3884613" y="8685213"/>
-            <a:ext cx="2971800" cy="458787"/>
-          </a:xfrm>
-          <a:prstGeom prst="rect">
-            <a:avLst/>
-          </a:prstGeom>
-        </p:spPr>
-        <p:txBody>
-          <a:bodyPr vert="horz" lIns="91440" tIns="45720" rIns="91440" bIns="45720" rtlCol="0" anchor="b"/>
-          <a:lstStyle>
-            <a:lvl1pPr algn="r">
-              <a:defRPr sz="1200"/>
-            </a:lvl1pPr>
-          </a:lstStyle>
-          <a:p>
-            <a:fld id="{0E972E13-4655-43EC-8BB4-63BA298E5AD6}" type="slidenum">
-              <a:rPr lang="en-US" smtClean="0"/>
-              <a:t>‹#›</a:t>
-            </a:fld>
-            <a:endParaRPr lang="en-US"/>
-          </a:p>
-        </p:txBody>
-      </p:sp>
-    </p:spTree>
-    <p:extLst>
-      <p:ext uri="{BB962C8B-B14F-4D97-AF65-F5344CB8AC3E}">
-        <p14:creationId xmlns:p14="http://schemas.microsoft.com/office/powerpoint/2010/main" val="92472466"/>
-      </p:ext>
-    </p:extLst>
-  </p:cSld>
-  <p:clrMap bg1="lt1" tx1="dk1" bg2="lt2" tx2="dk2" accent1="accent1" accent2="accent2" accent3="accent3" accent4="accent4" accent5="accent5" accent6="accent6" hlink="hlink" folHlink="folHlink"/>
-  <p:notesStyle>
-    <a:lvl1pPr marL="0" algn="l" defTabSz="914400" rtl="0" eaLnBrk="1" latinLnBrk="0" hangingPunct="1">
-      <a:defRPr sz="1200" kern="1200">
-        <a:solidFill>
-          <a:schemeClr val="tx1"/>
-        </a:solidFill>
-        <a:latin typeface="+mn-lt"/>
-        <a:ea typeface="+mn-ea"/>
-        <a:cs typeface="+mn-cs"/>
-      </a:defRPr>
-    </a:lvl1pPr>
-    <a:lvl2pPr marL="457200" algn="l" defTabSz="914400" rtl="0" eaLnBrk="1" latinLnBrk="0" hangingPunct="1">
-      <a:defRPr sz="1200" kern="1200">
-        <a:solidFill>
-          <a:schemeClr val="tx1"/>
-        </a:solidFill>
-        <a:latin typeface="+mn-lt"/>
-        <a:ea typeface="+mn-ea"/>
-        <a:cs typeface="+mn-cs"/>
-      </a:defRPr>
-    </a:lvl2pPr>
-    <a:lvl3pPr marL="914400" algn="l" defTabSz="914400" rtl="0" eaLnBrk="1" latinLnBrk="0" hangingPunct="1">
-      <a:defRPr sz="1200" kern="1200">
-        <a:solidFill>
-          <a:schemeClr val="tx1"/>
-        </a:solidFill>
-        <a:latin typeface="+mn-lt"/>
-        <a:ea typeface="+mn-ea"/>
-        <a:cs typeface="+mn-cs"/>
-      </a:defRPr>
-    </a:lvl3pPr>
-    <a:lvl4pPr marL="1371600" algn="l" defTabSz="914400" rtl="0" eaLnBrk="1" latinLnBrk="0" hangingPunct="1">
-      <a:defRPr sz="1200" kern="1200">
-        <a:solidFill>
-          <a:schemeClr val="tx1"/>
-        </a:solidFill>
-        <a:latin typeface="+mn-lt"/>
-        <a:ea typeface="+mn-ea"/>
-        <a:cs typeface="+mn-cs"/>
-      </a:defRPr>
-    </a:lvl4pPr>
-    <a:lvl5pPr marL="1828800" algn="l" defTabSz="914400" rtl="0" eaLnBrk="1" latinLnBrk="0" hangingPunct="1">
-      <a:defRPr sz="1200" kern="1200">
-        <a:solidFill>
-          <a:schemeClr val="tx1"/>
-        </a:solidFill>
-        <a:latin typeface="+mn-lt"/>
-        <a:ea typeface="+mn-ea"/>
-        <a:cs typeface="+mn-cs"/>
-      </a:defRPr>
-    </a:lvl5pPr>
-    <a:lvl6pPr marL="2286000" algn="l" defTabSz="914400" rtl="0" eaLnBrk="1" latinLnBrk="0" hangingPunct="1">
-      <a:defRPr sz="1200" kern="1200">
-        <a:solidFill>
-          <a:schemeClr val="tx1"/>
-        </a:solidFill>
-        <a:latin typeface="+mn-lt"/>
-        <a:ea typeface="+mn-ea"/>
-        <a:cs typeface="+mn-cs"/>
-      </a:defRPr>
-    </a:lvl6pPr>
-    <a:lvl7pPr marL="2743200" algn="l" defTabSz="914400" rtl="0" eaLnBrk="1" latinLnBrk="0" hangingPunct="1">
-      <a:defRPr sz="1200" kern="1200">
-        <a:solidFill>
-          <a:schemeClr val="tx1"/>
-        </a:solidFill>
-        <a:latin typeface="+mn-lt"/>
-        <a:ea typeface="+mn-ea"/>
-        <a:cs typeface="+mn-cs"/>
-      </a:defRPr>
-    </a:lvl7pPr>
-    <a:lvl8pPr marL="3200400" algn="l" defTabSz="914400" rtl="0" eaLnBrk="1" latinLnBrk="0" hangingPunct="1">
-      <a:defRPr sz="1200" kern="1200">
-        <a:solidFill>
-          <a:schemeClr val="tx1"/>
-        </a:solidFill>
-        <a:latin typeface="+mn-lt"/>
-        <a:ea typeface="+mn-ea"/>
-        <a:cs typeface="+mn-cs"/>
-      </a:defRPr>
-    </a:lvl8pPr>
-    <a:lvl9pPr marL="3657600" algn="l" defTabSz="914400" rtl="0" eaLnBrk="1" latinLnBrk="0" hangingPunct="1">
-      <a:defRPr sz="1200" kern="1200">
-        <a:solidFill>
-          <a:schemeClr val="tx1"/>
-        </a:solidFill>
-        <a:latin typeface="+mn-lt"/>
-        <a:ea typeface="+mn-ea"/>
-        <a:cs typeface="+mn-cs"/>
-      </a:defRPr>
-    </a:lvl9pPr>
-  </p:notesStyle>
-</p:notesMaster>
-</file>
-
-<file path=ppt/notesSlides/notesSlide1.xml><?xml version="1.0" encoding="utf-8"?>
-<p:notes xmlns:a="http://schemas.openxmlformats.org/drawingml/2006/main" xmlns:r="http://schemas.openxmlformats.org/officeDocument/2006/relationships" xmlns:p="http://schemas.openxmlformats.org/presentationml/2006/main">
-  <p:cSld>
-    <p:spTree>
-      <p:nvGrpSpPr>
-        <p:cNvPr id="1" name=""/>
-        <p:cNvGrpSpPr/>
-        <p:nvPr/>
-      </p:nvGrpSpPr>
-      <p:grpSpPr>
-        <a:xfrm>
-          <a:off x="0" y="0"/>
-          <a:ext cx="0" cy="0"/>
-          <a:chOff x="0" y="0"/>
-          <a:chExt cx="0" cy="0"/>
-        </a:xfrm>
-      </p:grpSpPr>
-      <p:sp>
-        <p:nvSpPr>
-          <p:cNvPr id="2" name="Slide Image Placeholder 1"/>
-          <p:cNvSpPr>
-            <a:spLocks noGrp="1" noRot="1" noChangeAspect="1"/>
-          </p:cNvSpPr>
-          <p:nvPr>
-            <p:ph type="sldImg"/>
-          </p:nvPr>
-        </p:nvSpPr>
-        <p:spPr/>
-      </p:sp>
-      <p:sp>
-        <p:nvSpPr>
-          <p:cNvPr id="3" name="Notes Placeholder 2"/>
-          <p:cNvSpPr>
-            <a:spLocks noGrp="1"/>
-          </p:cNvSpPr>
-          <p:nvPr>
-            <p:ph type="body" idx="1"/>
-          </p:nvPr>
-        </p:nvSpPr>
-        <p:spPr/>
-        <p:txBody>
-          <a:bodyPr/>
-          <a:lstStyle/>
-          <a:p>
-            <a:r>
-              <a:rPr lang="en-US" dirty="0" smtClean="0"/>
-              <a:t>Observe their z-ordering</a:t>
-            </a:r>
-            <a:r>
-              <a:rPr lang="en-US" baseline="0" dirty="0" smtClean="0"/>
-              <a:t> (From bottom item): Square, Arrow, Line, Circle, Triangle</a:t>
-            </a:r>
-          </a:p>
-          <a:p>
-            <a:r>
-              <a:rPr lang="en-US" baseline="0" dirty="0" smtClean="0"/>
-              <a:t>After swapping, their z-ordering should swap too.</a:t>
-            </a:r>
-          </a:p>
-          <a:p>
-            <a:r>
-              <a:rPr lang="en-US" baseline="0" dirty="0" smtClean="0"/>
-              <a:t>For example, when Triangle swap with Square, the new ordering should be: Triangle, Arrow, Line, Circle, Square</a:t>
-            </a:r>
-          </a:p>
-          <a:p>
-            <a:r>
-              <a:rPr lang="en-US" baseline="0" dirty="0" smtClean="0"/>
-              <a:t>The line is to ensure that the z-ordering of other items on the slide do not get messed up by the swap operation</a:t>
-            </a:r>
-          </a:p>
-        </p:txBody>
-      </p:sp>
-      <p:sp>
-        <p:nvSpPr>
-          <p:cNvPr id="4" name="Slide Number Placeholder 3"/>
-          <p:cNvSpPr>
-            <a:spLocks noGrp="1"/>
-          </p:cNvSpPr>
-          <p:nvPr>
-            <p:ph type="sldNum" sz="quarter" idx="10"/>
-          </p:nvPr>
-        </p:nvSpPr>
-        <p:spPr/>
-        <p:txBody>
-          <a:bodyPr/>
-          <a:lstStyle/>
-          <a:p>
-            <a:fld id="{0E972E13-4655-43EC-8BB4-63BA298E5AD6}" type="slidenum">
-              <a:rPr lang="en-US" smtClean="0"/>
-              <a:t>3</a:t>
-            </a:fld>
-            <a:endParaRPr lang="en-US"/>
-          </a:p>
-        </p:txBody>
-      </p:sp>
-    </p:spTree>
-    <p:extLst>
-      <p:ext uri="{BB962C8B-B14F-4D97-AF65-F5344CB8AC3E}">
-        <p14:creationId xmlns:p14="http://schemas.microsoft.com/office/powerpoint/2010/main" val="692734707"/>
-      </p:ext>
-    </p:extLst>
-  </p:cSld>
-  <p:clrMapOvr>
-    <a:masterClrMapping/>
-  </p:clrMapOvr>
-</p:notes>
-</file>
-
-<file path=ppt/notesSlides/notesSlide2.xml><?xml version="1.0" encoding="utf-8"?>
-<p:notes xmlns:a="http://schemas.openxmlformats.org/drawingml/2006/main" xmlns:r="http://schemas.openxmlformats.org/officeDocument/2006/relationships" xmlns:p="http://schemas.openxmlformats.org/presentationml/2006/main">
-  <p:cSld>
-    <p:spTree>
-      <p:nvGrpSpPr>
-        <p:cNvPr id="1" name=""/>
-        <p:cNvGrpSpPr/>
-        <p:nvPr/>
-      </p:nvGrpSpPr>
-      <p:grpSpPr>
-        <a:xfrm>
-          <a:off x="0" y="0"/>
-          <a:ext cx="0" cy="0"/>
-          <a:chOff x="0" y="0"/>
-          <a:chExt cx="0" cy="0"/>
-        </a:xfrm>
-      </p:grpSpPr>
-      <p:sp>
-        <p:nvSpPr>
-          <p:cNvPr id="2" name="Slide Image Placeholder 1"/>
-          <p:cNvSpPr>
-            <a:spLocks noGrp="1" noRot="1" noChangeAspect="1"/>
-          </p:cNvSpPr>
-          <p:nvPr>
-            <p:ph type="sldImg"/>
-          </p:nvPr>
-        </p:nvSpPr>
-        <p:spPr/>
-      </p:sp>
-      <p:sp>
-        <p:nvSpPr>
-          <p:cNvPr id="3" name="Notes Placeholder 2"/>
-          <p:cNvSpPr>
-            <a:spLocks noGrp="1"/>
-          </p:cNvSpPr>
-          <p:nvPr>
-            <p:ph type="body" idx="1"/>
-          </p:nvPr>
-        </p:nvSpPr>
-        <p:spPr/>
-        <p:txBody>
-          <a:bodyPr/>
-          <a:lstStyle/>
-          <a:p>
-            <a:r>
-              <a:rPr lang="en-US" dirty="0" smtClean="0"/>
-              <a:t>Select</a:t>
-            </a:r>
-            <a:r>
-              <a:rPr lang="en-US" baseline="0" dirty="0" smtClean="0"/>
-              <a:t> all shapes other than the line.</a:t>
-            </a:r>
-          </a:p>
-          <a:p>
-            <a:r>
-              <a:rPr lang="en-US" baseline="0" dirty="0" smtClean="0"/>
-              <a:t>Apply swap 1 time</a:t>
-            </a:r>
-            <a:endParaRPr lang="en-US" dirty="0"/>
-          </a:p>
-        </p:txBody>
-      </p:sp>
-      <p:sp>
-        <p:nvSpPr>
-          <p:cNvPr id="4" name="Slide Number Placeholder 3"/>
-          <p:cNvSpPr>
-            <a:spLocks noGrp="1"/>
-          </p:cNvSpPr>
-          <p:nvPr>
-            <p:ph type="sldNum" sz="quarter" idx="10"/>
-          </p:nvPr>
-        </p:nvSpPr>
-        <p:spPr/>
-        <p:txBody>
-          <a:bodyPr/>
-          <a:lstStyle/>
-          <a:p>
-            <a:fld id="{0E972E13-4655-43EC-8BB4-63BA298E5AD6}" type="slidenum">
-              <a:rPr lang="en-US" smtClean="0"/>
-              <a:t>5</a:t>
-            </a:fld>
-            <a:endParaRPr lang="en-US"/>
-          </a:p>
-        </p:txBody>
-      </p:sp>
-    </p:spTree>
-    <p:extLst>
-      <p:ext uri="{BB962C8B-B14F-4D97-AF65-F5344CB8AC3E}">
-        <p14:creationId xmlns:p14="http://schemas.microsoft.com/office/powerpoint/2010/main" val="1075648780"/>
-      </p:ext>
-    </p:extLst>
-  </p:cSld>
-  <p:clrMapOvr>
-    <a:masterClrMapping/>
-  </p:clrMapOvr>
-</p:notes>
-</file>
-
-<file path=ppt/notesSlides/notesSlide3.xml><?xml version="1.0" encoding="utf-8"?>
-<p:notes xmlns:a="http://schemas.openxmlformats.org/drawingml/2006/main" xmlns:r="http://schemas.openxmlformats.org/officeDocument/2006/relationships" xmlns:p="http://schemas.openxmlformats.org/presentationml/2006/main">
-  <p:cSld>
-    <p:spTree>
-      <p:nvGrpSpPr>
-        <p:cNvPr id="1" name=""/>
-        <p:cNvGrpSpPr/>
-        <p:nvPr/>
-      </p:nvGrpSpPr>
-      <p:grpSpPr>
-        <a:xfrm>
-          <a:off x="0" y="0"/>
-          <a:ext cx="0" cy="0"/>
-          <a:chOff x="0" y="0"/>
-          <a:chExt cx="0" cy="0"/>
-        </a:xfrm>
-      </p:grpSpPr>
-      <p:sp>
-        <p:nvSpPr>
-          <p:cNvPr id="2" name="Slide Image Placeholder 1"/>
-          <p:cNvSpPr>
-            <a:spLocks noGrp="1" noRot="1" noChangeAspect="1"/>
-          </p:cNvSpPr>
-          <p:nvPr>
-            <p:ph type="sldImg"/>
-          </p:nvPr>
-        </p:nvSpPr>
-        <p:spPr/>
-      </p:sp>
-      <p:sp>
-        <p:nvSpPr>
-          <p:cNvPr id="3" name="Notes Placeholder 2"/>
-          <p:cNvSpPr>
-            <a:spLocks noGrp="1"/>
-          </p:cNvSpPr>
-          <p:nvPr>
-            <p:ph type="body" idx="1"/>
-          </p:nvPr>
-        </p:nvSpPr>
-        <p:spPr/>
-        <p:txBody>
-          <a:bodyPr/>
-          <a:lstStyle/>
-          <a:p>
-            <a:r>
-              <a:rPr lang="en-US" dirty="0" smtClean="0"/>
-              <a:t>Select</a:t>
-            </a:r>
-            <a:r>
-              <a:rPr lang="en-US" baseline="0" dirty="0" smtClean="0"/>
-              <a:t> all shapes other than the line.</a:t>
-            </a:r>
-          </a:p>
-          <a:p>
-            <a:r>
-              <a:rPr lang="en-US" baseline="0" dirty="0" smtClean="0"/>
-              <a:t>Apply swap 2 times</a:t>
-            </a:r>
-            <a:endParaRPr lang="en-US" dirty="0"/>
-          </a:p>
-        </p:txBody>
-      </p:sp>
-      <p:sp>
-        <p:nvSpPr>
-          <p:cNvPr id="4" name="Slide Number Placeholder 3"/>
-          <p:cNvSpPr>
-            <a:spLocks noGrp="1"/>
-          </p:cNvSpPr>
-          <p:nvPr>
-            <p:ph type="sldNum" sz="quarter" idx="10"/>
-          </p:nvPr>
-        </p:nvSpPr>
-        <p:spPr/>
-        <p:txBody>
-          <a:bodyPr/>
-          <a:lstStyle/>
-          <a:p>
-            <a:fld id="{0E972E13-4655-43EC-8BB4-63BA298E5AD6}" type="slidenum">
-              <a:rPr lang="en-US" smtClean="0"/>
-              <a:t>6</a:t>
-            </a:fld>
-            <a:endParaRPr lang="en-US"/>
-          </a:p>
-        </p:txBody>
-      </p:sp>
-    </p:spTree>
-    <p:extLst>
-      <p:ext uri="{BB962C8B-B14F-4D97-AF65-F5344CB8AC3E}">
-        <p14:creationId xmlns:p14="http://schemas.microsoft.com/office/powerpoint/2010/main" val="1270267840"/>
-      </p:ext>
-    </p:extLst>
-  </p:cSld>
-  <p:clrMapOvr>
-    <a:masterClrMapping/>
-  </p:clrMapOvr>
-</p:notes>
-</file>
-
-<file path=ppt/notesSlides/notesSlide4.xml><?xml version="1.0" encoding="utf-8"?>
-<p:notes xmlns:a="http://schemas.openxmlformats.org/drawingml/2006/main" xmlns:r="http://schemas.openxmlformats.org/officeDocument/2006/relationships" xmlns:p="http://schemas.openxmlformats.org/presentationml/2006/main">
-  <p:cSld>
-    <p:spTree>
-      <p:nvGrpSpPr>
-        <p:cNvPr id="1" name=""/>
-        <p:cNvGrpSpPr/>
-        <p:nvPr/>
-      </p:nvGrpSpPr>
-      <p:grpSpPr>
-        <a:xfrm>
-          <a:off x="0" y="0"/>
-          <a:ext cx="0" cy="0"/>
-          <a:chOff x="0" y="0"/>
-          <a:chExt cx="0" cy="0"/>
-        </a:xfrm>
-      </p:grpSpPr>
-      <p:sp>
-        <p:nvSpPr>
-          <p:cNvPr id="2" name="Slide Image Placeholder 1"/>
-          <p:cNvSpPr>
-            <a:spLocks noGrp="1" noRot="1" noChangeAspect="1"/>
-          </p:cNvSpPr>
-          <p:nvPr>
-            <p:ph type="sldImg"/>
-          </p:nvPr>
-        </p:nvSpPr>
-        <p:spPr/>
-      </p:sp>
-      <p:sp>
-        <p:nvSpPr>
-          <p:cNvPr id="3" name="Notes Placeholder 2"/>
-          <p:cNvSpPr>
-            <a:spLocks noGrp="1"/>
-          </p:cNvSpPr>
-          <p:nvPr>
-            <p:ph type="body" idx="1"/>
-          </p:nvPr>
-        </p:nvSpPr>
-        <p:spPr/>
-        <p:txBody>
-          <a:bodyPr/>
-          <a:lstStyle/>
-          <a:p>
-            <a:r>
-              <a:rPr lang="en-US" dirty="0" smtClean="0"/>
-              <a:t>Select</a:t>
-            </a:r>
-            <a:r>
-              <a:rPr lang="en-US" baseline="0" dirty="0" smtClean="0"/>
-              <a:t> all shapes other than the line.</a:t>
-            </a:r>
-          </a:p>
-          <a:p>
-            <a:r>
-              <a:rPr lang="en-US" baseline="0" dirty="0" smtClean="0"/>
-              <a:t>Apply swap 3 times</a:t>
-            </a:r>
-            <a:endParaRPr lang="en-US" dirty="0"/>
-          </a:p>
-        </p:txBody>
-      </p:sp>
-      <p:sp>
-        <p:nvSpPr>
-          <p:cNvPr id="4" name="Slide Number Placeholder 3"/>
-          <p:cNvSpPr>
-            <a:spLocks noGrp="1"/>
-          </p:cNvSpPr>
-          <p:nvPr>
-            <p:ph type="sldNum" sz="quarter" idx="10"/>
-          </p:nvPr>
-        </p:nvSpPr>
-        <p:spPr/>
-        <p:txBody>
-          <a:bodyPr/>
-          <a:lstStyle/>
-          <a:p>
-            <a:fld id="{0E972E13-4655-43EC-8BB4-63BA298E5AD6}" type="slidenum">
-              <a:rPr lang="en-US" smtClean="0"/>
-              <a:t>7</a:t>
-            </a:fld>
-            <a:endParaRPr lang="en-US"/>
-          </a:p>
-        </p:txBody>
-      </p:sp>
-    </p:spTree>
-    <p:extLst>
-      <p:ext uri="{BB962C8B-B14F-4D97-AF65-F5344CB8AC3E}">
-        <p14:creationId xmlns:p14="http://schemas.microsoft.com/office/powerpoint/2010/main" val="541319920"/>
-      </p:ext>
-    </p:extLst>
-  </p:cSld>
-  <p:clrMapOvr>
-    <a:masterClrMapping/>
-  </p:clrMapOvr>
-</p:notes>
-</file>
-
-<file path=ppt/notesSlides/notesSlide5.xml><?xml version="1.0" encoding="utf-8"?>
-<p:notes xmlns:a="http://schemas.openxmlformats.org/drawingml/2006/main" xmlns:r="http://schemas.openxmlformats.org/officeDocument/2006/relationships" xmlns:p="http://schemas.openxmlformats.org/presentationml/2006/main">
-  <p:cSld>
-    <p:spTree>
-      <p:nvGrpSpPr>
-        <p:cNvPr id="1" name=""/>
-        <p:cNvGrpSpPr/>
-        <p:nvPr/>
-      </p:nvGrpSpPr>
-      <p:grpSpPr>
-        <a:xfrm>
-          <a:off x="0" y="0"/>
-          <a:ext cx="0" cy="0"/>
-          <a:chOff x="0" y="0"/>
-          <a:chExt cx="0" cy="0"/>
-        </a:xfrm>
-      </p:grpSpPr>
-      <p:sp>
-        <p:nvSpPr>
-          <p:cNvPr id="2" name="Slide Image Placeholder 1"/>
-          <p:cNvSpPr>
-            <a:spLocks noGrp="1" noRot="1" noChangeAspect="1"/>
-          </p:cNvSpPr>
-          <p:nvPr>
-            <p:ph type="sldImg"/>
-          </p:nvPr>
-        </p:nvSpPr>
-        <p:spPr/>
-      </p:sp>
-      <p:sp>
-        <p:nvSpPr>
-          <p:cNvPr id="3" name="Notes Placeholder 2"/>
-          <p:cNvSpPr>
-            <a:spLocks noGrp="1"/>
-          </p:cNvSpPr>
-          <p:nvPr>
-            <p:ph type="body" idx="1"/>
-          </p:nvPr>
-        </p:nvSpPr>
-        <p:spPr/>
-        <p:txBody>
-          <a:bodyPr/>
-          <a:lstStyle/>
-          <a:p>
-            <a:r>
-              <a:rPr lang="en-US" dirty="0" smtClean="0"/>
-              <a:t>Select</a:t>
-            </a:r>
-            <a:r>
-              <a:rPr lang="en-US" baseline="0" dirty="0" smtClean="0"/>
-              <a:t> all shapes other than the line.</a:t>
-            </a:r>
-          </a:p>
-          <a:p>
-            <a:r>
-              <a:rPr lang="en-US" baseline="0" dirty="0" smtClean="0"/>
-              <a:t>Apply swap 4 times</a:t>
-            </a:r>
-            <a:endParaRPr lang="en-US" dirty="0"/>
-          </a:p>
-        </p:txBody>
-      </p:sp>
-      <p:sp>
-        <p:nvSpPr>
-          <p:cNvPr id="4" name="Slide Number Placeholder 3"/>
-          <p:cNvSpPr>
-            <a:spLocks noGrp="1"/>
-          </p:cNvSpPr>
-          <p:nvPr>
-            <p:ph type="sldNum" sz="quarter" idx="10"/>
-          </p:nvPr>
-        </p:nvSpPr>
-        <p:spPr/>
-        <p:txBody>
-          <a:bodyPr/>
-          <a:lstStyle/>
-          <a:p>
-            <a:fld id="{0E972E13-4655-43EC-8BB4-63BA298E5AD6}" type="slidenum">
-              <a:rPr lang="en-US" smtClean="0"/>
-              <a:t>8</a:t>
-            </a:fld>
-            <a:endParaRPr lang="en-US"/>
-          </a:p>
-        </p:txBody>
-      </p:sp>
-    </p:spTree>
-    <p:extLst>
-      <p:ext uri="{BB962C8B-B14F-4D97-AF65-F5344CB8AC3E}">
-        <p14:creationId xmlns:p14="http://schemas.microsoft.com/office/powerpoint/2010/main" val="1675874382"/>
-      </p:ext>
-    </p:extLst>
-  </p:cSld>
-  <p:clrMapOvr>
-    <a:masterClrMapping/>
-  </p:clrMapOvr>
-</p:notes>
-</file>
-
-<file path=ppt/notesSlides/notesSlide6.xml><?xml version="1.0" encoding="utf-8"?>
-<p:notes xmlns:a="http://schemas.openxmlformats.org/drawingml/2006/main" xmlns:r="http://schemas.openxmlformats.org/officeDocument/2006/relationships" xmlns:p="http://schemas.openxmlformats.org/presentationml/2006/main">
-  <p:cSld>
-    <p:spTree>
-      <p:nvGrpSpPr>
-        <p:cNvPr id="1" name=""/>
-        <p:cNvGrpSpPr/>
-        <p:nvPr/>
-      </p:nvGrpSpPr>
-      <p:grpSpPr>
-        <a:xfrm>
-          <a:off x="0" y="0"/>
-          <a:ext cx="0" cy="0"/>
-          <a:chOff x="0" y="0"/>
-          <a:chExt cx="0" cy="0"/>
-        </a:xfrm>
-      </p:grpSpPr>
-      <p:sp>
-        <p:nvSpPr>
-          <p:cNvPr id="2" name="Slide Image Placeholder 1"/>
-          <p:cNvSpPr>
-            <a:spLocks noGrp="1" noRot="1" noChangeAspect="1"/>
-          </p:cNvSpPr>
-          <p:nvPr>
-            <p:ph type="sldImg"/>
-          </p:nvPr>
-        </p:nvSpPr>
-        <p:spPr/>
-      </p:sp>
-      <p:sp>
-        <p:nvSpPr>
-          <p:cNvPr id="3" name="Notes Placeholder 2"/>
-          <p:cNvSpPr>
-            <a:spLocks noGrp="1"/>
-          </p:cNvSpPr>
-          <p:nvPr>
-            <p:ph type="body" idx="1"/>
-          </p:nvPr>
-        </p:nvSpPr>
-        <p:spPr/>
-        <p:txBody>
-          <a:bodyPr/>
-          <a:lstStyle/>
-          <a:p>
-            <a:r>
-              <a:rPr lang="en-US" dirty="0" smtClean="0"/>
-              <a:t>Select</a:t>
-            </a:r>
-            <a:r>
-              <a:rPr lang="en-US" baseline="0" dirty="0" smtClean="0"/>
-              <a:t> all shapes other than the line in this order: Circle, Arrow, Square, Triangle</a:t>
-            </a:r>
-          </a:p>
-          <a:p>
-            <a:r>
-              <a:rPr lang="en-US" baseline="0" dirty="0" smtClean="0"/>
-              <a:t>Apply swap 1 time</a:t>
-            </a:r>
-            <a:endParaRPr lang="en-US" dirty="0"/>
-          </a:p>
-        </p:txBody>
-      </p:sp>
-      <p:sp>
-        <p:nvSpPr>
-          <p:cNvPr id="4" name="Slide Number Placeholder 3"/>
-          <p:cNvSpPr>
-            <a:spLocks noGrp="1"/>
-          </p:cNvSpPr>
-          <p:nvPr>
-            <p:ph type="sldNum" sz="quarter" idx="10"/>
-          </p:nvPr>
-        </p:nvSpPr>
-        <p:spPr/>
-        <p:txBody>
-          <a:bodyPr/>
-          <a:lstStyle/>
-          <a:p>
-            <a:fld id="{0E972E13-4655-43EC-8BB4-63BA298E5AD6}" type="slidenum">
-              <a:rPr lang="en-US" smtClean="0"/>
-              <a:t>10</a:t>
-            </a:fld>
-            <a:endParaRPr lang="en-US"/>
-          </a:p>
-        </p:txBody>
-      </p:sp>
-    </p:spTree>
-    <p:extLst>
-      <p:ext uri="{BB962C8B-B14F-4D97-AF65-F5344CB8AC3E}">
-        <p14:creationId xmlns:p14="http://schemas.microsoft.com/office/powerpoint/2010/main" val="3117410440"/>
-      </p:ext>
-    </p:extLst>
-  </p:cSld>
-  <p:clrMapOvr>
-    <a:masterClrMapping/>
-  </p:clrMapOvr>
-</p:notes>
-</file>
-
-<file path=ppt/notesSlides/notesSlide7.xml><?xml version="1.0" encoding="utf-8"?>
-<p:notes xmlns:a="http://schemas.openxmlformats.org/drawingml/2006/main" xmlns:r="http://schemas.openxmlformats.org/officeDocument/2006/relationships" xmlns:p="http://schemas.openxmlformats.org/presentationml/2006/main">
-  <p:cSld>
-    <p:spTree>
-      <p:nvGrpSpPr>
-        <p:cNvPr id="1" name=""/>
-        <p:cNvGrpSpPr/>
-        <p:nvPr/>
-      </p:nvGrpSpPr>
-      <p:grpSpPr>
-        <a:xfrm>
-          <a:off x="0" y="0"/>
-          <a:ext cx="0" cy="0"/>
-          <a:chOff x="0" y="0"/>
-          <a:chExt cx="0" cy="0"/>
-        </a:xfrm>
-      </p:grpSpPr>
-      <p:sp>
-        <p:nvSpPr>
-          <p:cNvPr id="2" name="Slide Image Placeholder 1"/>
-          <p:cNvSpPr>
-            <a:spLocks noGrp="1" noRot="1" noChangeAspect="1"/>
-          </p:cNvSpPr>
-          <p:nvPr>
-            <p:ph type="sldImg"/>
-          </p:nvPr>
-        </p:nvSpPr>
-        <p:spPr/>
-      </p:sp>
-      <p:sp>
-        <p:nvSpPr>
-          <p:cNvPr id="3" name="Notes Placeholder 2"/>
-          <p:cNvSpPr>
-            <a:spLocks noGrp="1"/>
-          </p:cNvSpPr>
-          <p:nvPr>
-            <p:ph type="body" idx="1"/>
-          </p:nvPr>
-        </p:nvSpPr>
-        <p:spPr/>
-        <p:txBody>
-          <a:bodyPr/>
-          <a:lstStyle/>
-          <a:p>
-            <a:r>
-              <a:rPr lang="en-US" dirty="0" smtClean="0"/>
-              <a:t>Select</a:t>
-            </a:r>
-            <a:r>
-              <a:rPr lang="en-US" baseline="0" dirty="0" smtClean="0"/>
-              <a:t> all shapes other than the line in this order: Circle, Arrow, Square, Triangle</a:t>
-            </a:r>
-          </a:p>
-          <a:p>
-            <a:r>
-              <a:rPr lang="en-US" baseline="0" dirty="0" smtClean="0"/>
-              <a:t>Apply swap 2 times</a:t>
-            </a:r>
-            <a:endParaRPr lang="en-US" dirty="0"/>
-          </a:p>
-        </p:txBody>
-      </p:sp>
-      <p:sp>
-        <p:nvSpPr>
-          <p:cNvPr id="4" name="Slide Number Placeholder 3"/>
-          <p:cNvSpPr>
-            <a:spLocks noGrp="1"/>
-          </p:cNvSpPr>
-          <p:nvPr>
-            <p:ph type="sldNum" sz="quarter" idx="10"/>
-          </p:nvPr>
-        </p:nvSpPr>
-        <p:spPr/>
-        <p:txBody>
-          <a:bodyPr/>
-          <a:lstStyle/>
-          <a:p>
-            <a:fld id="{0E972E13-4655-43EC-8BB4-63BA298E5AD6}" type="slidenum">
-              <a:rPr lang="en-US" smtClean="0"/>
-              <a:t>11</a:t>
-            </a:fld>
-            <a:endParaRPr lang="en-US"/>
-          </a:p>
-        </p:txBody>
-      </p:sp>
-    </p:spTree>
-    <p:extLst>
-      <p:ext uri="{BB962C8B-B14F-4D97-AF65-F5344CB8AC3E}">
-        <p14:creationId xmlns:p14="http://schemas.microsoft.com/office/powerpoint/2010/main" val="867071584"/>
-      </p:ext>
-    </p:extLst>
-  </p:cSld>
-  <p:clrMapOvr>
-    <a:masterClrMapping/>
-  </p:clrMapOvr>
-</p:notes>
-</file>
-
-<file path=ppt/notesSlides/notesSlide8.xml><?xml version="1.0" encoding="utf-8"?>
-<p:notes xmlns:a="http://schemas.openxmlformats.org/drawingml/2006/main" xmlns:r="http://schemas.openxmlformats.org/officeDocument/2006/relationships" xmlns:p="http://schemas.openxmlformats.org/presentationml/2006/main">
-  <p:cSld>
-    <p:spTree>
-      <p:nvGrpSpPr>
-        <p:cNvPr id="1" name=""/>
-        <p:cNvGrpSpPr/>
-        <p:nvPr/>
-      </p:nvGrpSpPr>
-      <p:grpSpPr>
-        <a:xfrm>
-          <a:off x="0" y="0"/>
-          <a:ext cx="0" cy="0"/>
-          <a:chOff x="0" y="0"/>
-          <a:chExt cx="0" cy="0"/>
-        </a:xfrm>
-      </p:grpSpPr>
-      <p:sp>
-        <p:nvSpPr>
-          <p:cNvPr id="2" name="Slide Image Placeholder 1"/>
-          <p:cNvSpPr>
-            <a:spLocks noGrp="1" noRot="1" noChangeAspect="1"/>
-          </p:cNvSpPr>
-          <p:nvPr>
-            <p:ph type="sldImg"/>
-          </p:nvPr>
-        </p:nvSpPr>
-        <p:spPr/>
-      </p:sp>
-      <p:sp>
-        <p:nvSpPr>
-          <p:cNvPr id="3" name="Notes Placeholder 2"/>
-          <p:cNvSpPr>
-            <a:spLocks noGrp="1"/>
-          </p:cNvSpPr>
-          <p:nvPr>
-            <p:ph type="body" idx="1"/>
-          </p:nvPr>
-        </p:nvSpPr>
-        <p:spPr/>
-        <p:txBody>
-          <a:bodyPr/>
-          <a:lstStyle/>
-          <a:p>
-            <a:r>
-              <a:rPr lang="en-US" dirty="0" smtClean="0"/>
-              <a:t>Select</a:t>
-            </a:r>
-            <a:r>
-              <a:rPr lang="en-US" baseline="0" dirty="0" smtClean="0"/>
-              <a:t> all shapes other than the line in this order: Circle, Arrow, Square, Triangle</a:t>
-            </a:r>
-          </a:p>
-          <a:p>
-            <a:r>
-              <a:rPr lang="en-US" baseline="0" dirty="0" smtClean="0"/>
-              <a:t>Apply swap 3 times</a:t>
-            </a:r>
-            <a:endParaRPr lang="en-US" dirty="0"/>
-          </a:p>
-        </p:txBody>
-      </p:sp>
-      <p:sp>
-        <p:nvSpPr>
-          <p:cNvPr id="4" name="Slide Number Placeholder 3"/>
-          <p:cNvSpPr>
-            <a:spLocks noGrp="1"/>
-          </p:cNvSpPr>
-          <p:nvPr>
-            <p:ph type="sldNum" sz="quarter" idx="10"/>
-          </p:nvPr>
-        </p:nvSpPr>
-        <p:spPr/>
-        <p:txBody>
-          <a:bodyPr/>
-          <a:lstStyle/>
-          <a:p>
-            <a:fld id="{0E972E13-4655-43EC-8BB4-63BA298E5AD6}" type="slidenum">
-              <a:rPr lang="en-US" smtClean="0"/>
-              <a:t>12</a:t>
-            </a:fld>
-            <a:endParaRPr lang="en-US"/>
-          </a:p>
-        </p:txBody>
-      </p:sp>
-    </p:spTree>
-    <p:extLst>
-      <p:ext uri="{BB962C8B-B14F-4D97-AF65-F5344CB8AC3E}">
-        <p14:creationId xmlns:p14="http://schemas.microsoft.com/office/powerpoint/2010/main" val="2855422915"/>
-      </p:ext>
-    </p:extLst>
-  </p:cSld>
-  <p:clrMapOvr>
-    <a:masterClrMapping/>
-  </p:clrMapOvr>
-</p:notes>
-</file>
-
-<file path=ppt/notesSlides/notesSlide9.xml><?xml version="1.0" encoding="utf-8"?>
-<p:notes xmlns:a="http://schemas.openxmlformats.org/drawingml/2006/main" xmlns:r="http://schemas.openxmlformats.org/officeDocument/2006/relationships" xmlns:p="http://schemas.openxmlformats.org/presentationml/2006/main">
-  <p:cSld>
-    <p:spTree>
-      <p:nvGrpSpPr>
-        <p:cNvPr id="1" name=""/>
-        <p:cNvGrpSpPr/>
-        <p:nvPr/>
-      </p:nvGrpSpPr>
-      <p:grpSpPr>
-        <a:xfrm>
-          <a:off x="0" y="0"/>
-          <a:ext cx="0" cy="0"/>
-          <a:chOff x="0" y="0"/>
-          <a:chExt cx="0" cy="0"/>
-        </a:xfrm>
-      </p:grpSpPr>
-      <p:sp>
-        <p:nvSpPr>
-          <p:cNvPr id="2" name="Slide Image Placeholder 1"/>
-          <p:cNvSpPr>
-            <a:spLocks noGrp="1" noRot="1" noChangeAspect="1"/>
-          </p:cNvSpPr>
-          <p:nvPr>
-            <p:ph type="sldImg"/>
-          </p:nvPr>
-        </p:nvSpPr>
-        <p:spPr/>
-      </p:sp>
-      <p:sp>
-        <p:nvSpPr>
-          <p:cNvPr id="3" name="Notes Placeholder 2"/>
-          <p:cNvSpPr>
-            <a:spLocks noGrp="1"/>
-          </p:cNvSpPr>
-          <p:nvPr>
-            <p:ph type="body" idx="1"/>
-          </p:nvPr>
-        </p:nvSpPr>
-        <p:spPr/>
-        <p:txBody>
-          <a:bodyPr/>
-          <a:lstStyle/>
-          <a:p>
-            <a:r>
-              <a:rPr lang="en-US" dirty="0" smtClean="0"/>
-              <a:t>Select</a:t>
-            </a:r>
-            <a:r>
-              <a:rPr lang="en-US" baseline="0" dirty="0" smtClean="0"/>
-              <a:t> all shapes other than the line in this order: Circle, Arrow, Square, Triangle</a:t>
-            </a:r>
-          </a:p>
-          <a:p>
-            <a:r>
-              <a:rPr lang="en-US" baseline="0" dirty="0" smtClean="0"/>
-              <a:t>Apply swap 4 times</a:t>
-            </a:r>
-            <a:endParaRPr lang="en-US" dirty="0"/>
-          </a:p>
-        </p:txBody>
-      </p:sp>
-      <p:sp>
-        <p:nvSpPr>
-          <p:cNvPr id="4" name="Slide Number Placeholder 3"/>
-          <p:cNvSpPr>
-            <a:spLocks noGrp="1"/>
-          </p:cNvSpPr>
-          <p:nvPr>
-            <p:ph type="sldNum" sz="quarter" idx="10"/>
-          </p:nvPr>
-        </p:nvSpPr>
-        <p:spPr/>
-        <p:txBody>
-          <a:bodyPr/>
-          <a:lstStyle/>
-          <a:p>
-            <a:fld id="{0E972E13-4655-43EC-8BB4-63BA298E5AD6}" type="slidenum">
-              <a:rPr lang="en-US" smtClean="0"/>
-              <a:t>13</a:t>
-            </a:fld>
-            <a:endParaRPr lang="en-US"/>
-          </a:p>
-        </p:txBody>
-      </p:sp>
-    </p:spTree>
-    <p:extLst>
-      <p:ext uri="{BB962C8B-B14F-4D97-AF65-F5344CB8AC3E}">
-        <p14:creationId xmlns:p14="http://schemas.microsoft.com/office/powerpoint/2010/main" val="1348191992"/>
-      </p:ext>
-    </p:extLst>
-  </p:cSld>
-  <p:clrMapOvr>
-    <a:masterClrMapping/>
-  </p:clrMapOvr>
-</p:notes>
 </file>
 
 <file path=ppt/slideLayouts/slideLayout1.xml><?xml version="1.0" encoding="utf-8"?>
@@ -1578,7 +350,7 @@
           <a:p>
             <a:fld id="{699DC775-C286-4358-8C92-D7E584E969B3}" type="datetimeFigureOut">
               <a:rPr lang="en-US" smtClean="0"/>
-              <a:t>5/11/2017</a:t>
+              <a:t>3/31/2016</a:t>
             </a:fld>
             <a:endParaRPr lang="en-US"/>
           </a:p>
@@ -1746,7 +518,7 @@
           <a:p>
             <a:fld id="{699DC775-C286-4358-8C92-D7E584E969B3}" type="datetimeFigureOut">
               <a:rPr lang="en-US" smtClean="0"/>
-              <a:t>5/11/2017</a:t>
+              <a:t>3/31/2016</a:t>
             </a:fld>
             <a:endParaRPr lang="en-US"/>
           </a:p>
@@ -1924,7 +696,7 @@
           <a:p>
             <a:fld id="{699DC775-C286-4358-8C92-D7E584E969B3}" type="datetimeFigureOut">
               <a:rPr lang="en-US" smtClean="0"/>
-              <a:t>5/11/2017</a:t>
+              <a:t>3/31/2016</a:t>
             </a:fld>
             <a:endParaRPr lang="en-US"/>
           </a:p>
@@ -2164,7 +936,7 @@
           <a:p>
             <a:fld id="{699DC775-C286-4358-8C92-D7E584E969B3}" type="datetimeFigureOut">
               <a:rPr lang="en-US" smtClean="0"/>
-              <a:t>5/11/2017</a:t>
+              <a:t>3/31/2016</a:t>
             </a:fld>
             <a:endParaRPr lang="en-US"/>
           </a:p>
@@ -2332,7 +1104,7 @@
           <a:p>
             <a:fld id="{699DC775-C286-4358-8C92-D7E584E969B3}" type="datetimeFigureOut">
               <a:rPr lang="en-US" smtClean="0"/>
-              <a:t>5/11/2017</a:t>
+              <a:t>3/31/2016</a:t>
             </a:fld>
             <a:endParaRPr lang="en-US"/>
           </a:p>
@@ -2577,7 +1349,7 @@
           <a:p>
             <a:fld id="{699DC775-C286-4358-8C92-D7E584E969B3}" type="datetimeFigureOut">
               <a:rPr lang="en-US" smtClean="0"/>
-              <a:t>5/11/2017</a:t>
+              <a:t>3/31/2016</a:t>
             </a:fld>
             <a:endParaRPr lang="en-US"/>
           </a:p>
@@ -2862,7 +1634,7 @@
           <a:p>
             <a:fld id="{699DC775-C286-4358-8C92-D7E584E969B3}" type="datetimeFigureOut">
               <a:rPr lang="en-US" smtClean="0"/>
-              <a:t>5/11/2017</a:t>
+              <a:t>3/31/2016</a:t>
             </a:fld>
             <a:endParaRPr lang="en-US"/>
           </a:p>
@@ -3281,7 +2053,7 @@
           <a:p>
             <a:fld id="{699DC775-C286-4358-8C92-D7E584E969B3}" type="datetimeFigureOut">
               <a:rPr lang="en-US" smtClean="0"/>
-              <a:t>5/11/2017</a:t>
+              <a:t>3/31/2016</a:t>
             </a:fld>
             <a:endParaRPr lang="en-US"/>
           </a:p>
@@ -3398,7 +2170,7 @@
           <a:p>
             <a:fld id="{699DC775-C286-4358-8C92-D7E584E969B3}" type="datetimeFigureOut">
               <a:rPr lang="en-US" smtClean="0"/>
-              <a:t>5/11/2017</a:t>
+              <a:t>3/31/2016</a:t>
             </a:fld>
             <a:endParaRPr lang="en-US"/>
           </a:p>
@@ -3493,7 +2265,7 @@
           <a:p>
             <a:fld id="{699DC775-C286-4358-8C92-D7E584E969B3}" type="datetimeFigureOut">
               <a:rPr lang="en-US" smtClean="0"/>
-              <a:t>5/11/2017</a:t>
+              <a:t>3/31/2016</a:t>
             </a:fld>
             <a:endParaRPr lang="en-US"/>
           </a:p>
@@ -3768,7 +2540,7 @@
           <a:p>
             <a:fld id="{699DC775-C286-4358-8C92-D7E584E969B3}" type="datetimeFigureOut">
               <a:rPr lang="en-US" smtClean="0"/>
-              <a:t>5/11/2017</a:t>
+              <a:t>3/31/2016</a:t>
             </a:fld>
             <a:endParaRPr lang="en-US"/>
           </a:p>
@@ -3936,7 +2708,7 @@
           <a:p>
             <a:fld id="{699DC775-C286-4358-8C92-D7E584E969B3}" type="datetimeFigureOut">
               <a:rPr lang="en-US" smtClean="0"/>
-              <a:t>5/11/2017</a:t>
+              <a:t>3/31/2016</a:t>
             </a:fld>
             <a:endParaRPr lang="en-US"/>
           </a:p>
@@ -4188,7 +2960,7 @@
           <a:p>
             <a:fld id="{699DC775-C286-4358-8C92-D7E584E969B3}" type="datetimeFigureOut">
               <a:rPr lang="en-US" smtClean="0"/>
-              <a:t>5/11/2017</a:t>
+              <a:t>3/31/2016</a:t>
             </a:fld>
             <a:endParaRPr lang="en-US"/>
           </a:p>
@@ -4356,7 +3128,7 @@
           <a:p>
             <a:fld id="{699DC775-C286-4358-8C92-D7E584E969B3}" type="datetimeFigureOut">
               <a:rPr lang="en-US" smtClean="0"/>
-              <a:t>5/11/2017</a:t>
+              <a:t>3/31/2016</a:t>
             </a:fld>
             <a:endParaRPr lang="en-US"/>
           </a:p>
@@ -4534,7 +3306,7 @@
           <a:p>
             <a:fld id="{699DC775-C286-4358-8C92-D7E584E969B3}" type="datetimeFigureOut">
               <a:rPr lang="en-US" smtClean="0"/>
-              <a:t>5/11/2017</a:t>
+              <a:t>3/31/2016</a:t>
             </a:fld>
             <a:endParaRPr lang="en-US"/>
           </a:p>
@@ -4782,7 +3554,7 @@
           <a:p>
             <a:fld id="{699DC775-C286-4358-8C92-D7E584E969B3}" type="datetimeFigureOut">
               <a:rPr lang="en-US" smtClean="0"/>
-              <a:t>5/11/2017</a:t>
+              <a:t>3/31/2016</a:t>
             </a:fld>
             <a:endParaRPr lang="en-US"/>
           </a:p>
@@ -4958,7 +3730,7 @@
           <a:p>
             <a:fld id="{699DC775-C286-4358-8C92-D7E584E969B3}" type="datetimeFigureOut">
               <a:rPr lang="en-US" smtClean="0"/>
-              <a:t>5/11/2017</a:t>
+              <a:t>3/31/2016</a:t>
             </a:fld>
             <a:endParaRPr lang="en-US"/>
           </a:p>
@@ -5211,7 +3983,7 @@
           <a:p>
             <a:fld id="{699DC775-C286-4358-8C92-D7E584E969B3}" type="datetimeFigureOut">
               <a:rPr lang="en-US" smtClean="0"/>
-              <a:t>5/11/2017</a:t>
+              <a:t>3/31/2016</a:t>
             </a:fld>
             <a:endParaRPr lang="en-US"/>
           </a:p>
@@ -5504,7 +4276,7 @@
           <a:p>
             <a:fld id="{699DC775-C286-4358-8C92-D7E584E969B3}" type="datetimeFigureOut">
               <a:rPr lang="en-US" smtClean="0"/>
-              <a:t>5/11/2017</a:t>
+              <a:t>3/31/2016</a:t>
             </a:fld>
             <a:endParaRPr lang="en-US"/>
           </a:p>
@@ -5931,7 +4703,7 @@
           <a:p>
             <a:fld id="{699DC775-C286-4358-8C92-D7E584E969B3}" type="datetimeFigureOut">
               <a:rPr lang="en-US" smtClean="0"/>
-              <a:t>5/11/2017</a:t>
+              <a:t>3/31/2016</a:t>
             </a:fld>
             <a:endParaRPr lang="en-US"/>
           </a:p>
@@ -6056,7 +4828,7 @@
           <a:p>
             <a:fld id="{699DC775-C286-4358-8C92-D7E584E969B3}" type="datetimeFigureOut">
               <a:rPr lang="en-US" smtClean="0"/>
-              <a:t>5/11/2017</a:t>
+              <a:t>3/31/2016</a:t>
             </a:fld>
             <a:endParaRPr lang="en-US"/>
           </a:p>
@@ -6159,7 +4931,7 @@
           <a:p>
             <a:fld id="{699DC775-C286-4358-8C92-D7E584E969B3}" type="datetimeFigureOut">
               <a:rPr lang="en-US" smtClean="0"/>
-              <a:t>5/11/2017</a:t>
+              <a:t>3/31/2016</a:t>
             </a:fld>
             <a:endParaRPr lang="en-US"/>
           </a:p>
@@ -6404,7 +5176,7 @@
           <a:p>
             <a:fld id="{699DC775-C286-4358-8C92-D7E584E969B3}" type="datetimeFigureOut">
               <a:rPr lang="en-US" smtClean="0"/>
-              <a:t>5/11/2017</a:t>
+              <a:t>3/31/2016</a:t>
             </a:fld>
             <a:endParaRPr lang="en-US"/>
           </a:p>
@@ -6687,7 +5459,7 @@
           <a:p>
             <a:fld id="{699DC775-C286-4358-8C92-D7E584E969B3}" type="datetimeFigureOut">
               <a:rPr lang="en-US" smtClean="0"/>
-              <a:t>5/11/2017</a:t>
+              <a:t>3/31/2016</a:t>
             </a:fld>
             <a:endParaRPr lang="en-US"/>
           </a:p>
@@ -6947,7 +5719,7 @@
           <a:p>
             <a:fld id="{699DC775-C286-4358-8C92-D7E584E969B3}" type="datetimeFigureOut">
               <a:rPr lang="en-US" smtClean="0"/>
-              <a:t>5/11/2017</a:t>
+              <a:t>3/31/2016</a:t>
             </a:fld>
             <a:endParaRPr lang="en-US"/>
           </a:p>
@@ -7123,7 +5895,7 @@
           <a:p>
             <a:fld id="{699DC775-C286-4358-8C92-D7E584E969B3}" type="datetimeFigureOut">
               <a:rPr lang="en-US" smtClean="0"/>
-              <a:t>5/11/2017</a:t>
+              <a:t>3/31/2016</a:t>
             </a:fld>
             <a:endParaRPr lang="en-US"/>
           </a:p>
@@ -7309,7 +6081,7 @@
           <a:p>
             <a:fld id="{699DC775-C286-4358-8C92-D7E584E969B3}" type="datetimeFigureOut">
               <a:rPr lang="en-US" smtClean="0"/>
-              <a:t>5/11/2017</a:t>
+              <a:t>3/31/2016</a:t>
             </a:fld>
             <a:endParaRPr lang="en-US"/>
           </a:p>
@@ -7594,7 +6366,7 @@
           <a:p>
             <a:fld id="{699DC775-C286-4358-8C92-D7E584E969B3}" type="datetimeFigureOut">
               <a:rPr lang="en-US" smtClean="0"/>
-              <a:t>5/11/2017</a:t>
+              <a:t>3/31/2016</a:t>
             </a:fld>
             <a:endParaRPr lang="en-US"/>
           </a:p>
@@ -8013,7 +6785,7 @@
           <a:p>
             <a:fld id="{699DC775-C286-4358-8C92-D7E584E969B3}" type="datetimeFigureOut">
               <a:rPr lang="en-US" smtClean="0"/>
-              <a:t>5/11/2017</a:t>
+              <a:t>3/31/2016</a:t>
             </a:fld>
             <a:endParaRPr lang="en-US"/>
           </a:p>
@@ -8130,7 +6902,7 @@
           <a:p>
             <a:fld id="{699DC775-C286-4358-8C92-D7E584E969B3}" type="datetimeFigureOut">
               <a:rPr lang="en-US" smtClean="0"/>
-              <a:t>5/11/2017</a:t>
+              <a:t>3/31/2016</a:t>
             </a:fld>
             <a:endParaRPr lang="en-US"/>
           </a:p>
@@ -8225,7 +6997,7 @@
           <a:p>
             <a:fld id="{699DC775-C286-4358-8C92-D7E584E969B3}" type="datetimeFigureOut">
               <a:rPr lang="en-US" smtClean="0"/>
-              <a:t>5/11/2017</a:t>
+              <a:t>3/31/2016</a:t>
             </a:fld>
             <a:endParaRPr lang="en-US"/>
           </a:p>
@@ -8500,7 +7272,7 @@
           <a:p>
             <a:fld id="{699DC775-C286-4358-8C92-D7E584E969B3}" type="datetimeFigureOut">
               <a:rPr lang="en-US" smtClean="0"/>
-              <a:t>5/11/2017</a:t>
+              <a:t>3/31/2016</a:t>
             </a:fld>
             <a:endParaRPr lang="en-US"/>
           </a:p>
@@ -8752,7 +7524,7 @@
           <a:p>
             <a:fld id="{699DC775-C286-4358-8C92-D7E584E969B3}" type="datetimeFigureOut">
               <a:rPr lang="en-US" smtClean="0"/>
-              <a:t>5/11/2017</a:t>
+              <a:t>3/31/2016</a:t>
             </a:fld>
             <a:endParaRPr lang="en-US"/>
           </a:p>
@@ -8963,7 +7735,7 @@
           <a:p>
             <a:fld id="{699DC775-C286-4358-8C92-D7E584E969B3}" type="datetimeFigureOut">
               <a:rPr lang="en-US" smtClean="0"/>
-              <a:t>5/11/2017</a:t>
+              <a:t>3/31/2016</a:t>
             </a:fld>
             <a:endParaRPr lang="en-US"/>
           </a:p>
@@ -9476,7 +8248,7 @@
           <a:p>
             <a:fld id="{699DC775-C286-4358-8C92-D7E584E969B3}" type="datetimeFigureOut">
               <a:rPr lang="en-US" smtClean="0"/>
-              <a:t>5/11/2017</a:t>
+              <a:t>3/31/2016</a:t>
             </a:fld>
             <a:endParaRPr lang="en-US"/>
           </a:p>
@@ -9987,7 +8759,7 @@
           <a:p>
             <a:fld id="{699DC775-C286-4358-8C92-D7E584E969B3}" type="datetimeFigureOut">
               <a:rPr lang="en-US" smtClean="0"/>
-              <a:t>5/11/2017</a:t>
+              <a:t>3/31/2016</a:t>
             </a:fld>
             <a:endParaRPr lang="en-US"/>
           </a:p>
@@ -10508,167 +9280,14 @@
       </p:grpSpPr>
       <p:sp>
         <p:nvSpPr>
-          <p:cNvPr id="12" name="Arrow"/>
+          <p:cNvPr id="4" name="Rectangle 3"/>
           <p:cNvSpPr/>
           <p:nvPr/>
         </p:nvSpPr>
         <p:spPr>
           <a:xfrm>
-            <a:off x="3239930" y="1516938"/>
-            <a:ext cx="1828800" cy="1828800"/>
-          </a:xfrm>
-          <a:prstGeom prst="upArrow">
-            <a:avLst/>
-          </a:prstGeom>
-        </p:spPr>
-        <p:style>
-          <a:lnRef idx="2">
-            <a:schemeClr val="accent3">
-              <a:shade val="50000"/>
-            </a:schemeClr>
-          </a:lnRef>
-          <a:fillRef idx="1">
-            <a:schemeClr val="accent3"/>
-          </a:fillRef>
-          <a:effectRef idx="0">
-            <a:schemeClr val="accent3"/>
-          </a:effectRef>
-          <a:fontRef idx="minor">
-            <a:schemeClr val="lt1"/>
-          </a:fontRef>
-        </p:style>
-        <p:txBody>
-          <a:bodyPr rtlCol="0" anchor="ctr"/>
-          <a:lstStyle/>
-          <a:p>
-            <a:pPr algn="ctr"/>
-            <a:endParaRPr lang="en-US" dirty="0"/>
-          </a:p>
-        </p:txBody>
-      </p:sp>
-      <p:sp>
-        <p:nvSpPr>
-          <p:cNvPr id="16" name="Circle"/>
-          <p:cNvSpPr/>
-          <p:nvPr/>
-        </p:nvSpPr>
-        <p:spPr>
-          <a:xfrm>
-            <a:off x="4233387" y="1706344"/>
-            <a:ext cx="1828800" cy="1828800"/>
-          </a:xfrm>
-          <a:prstGeom prst="ellipse">
-            <a:avLst/>
-          </a:prstGeom>
-        </p:spPr>
-        <p:style>
-          <a:lnRef idx="2">
-            <a:schemeClr val="accent2">
-              <a:shade val="50000"/>
-            </a:schemeClr>
-          </a:lnRef>
-          <a:fillRef idx="1">
-            <a:schemeClr val="accent2"/>
-          </a:fillRef>
-          <a:effectRef idx="0">
-            <a:schemeClr val="accent2"/>
-          </a:effectRef>
-          <a:fontRef idx="minor">
-            <a:schemeClr val="lt1"/>
-          </a:fontRef>
-        </p:style>
-        <p:txBody>
-          <a:bodyPr rtlCol="0" anchor="ctr"/>
-          <a:lstStyle/>
-          <a:p>
-            <a:pPr algn="ctr"/>
-            <a:endParaRPr lang="en-US"/>
-          </a:p>
-        </p:txBody>
-      </p:sp>
-      <p:cxnSp>
-        <p:nvCxnSpPr>
-          <p:cNvPr id="3" name="Line"/>
-          <p:cNvCxnSpPr/>
-          <p:nvPr/>
-        </p:nvCxnSpPr>
-        <p:spPr>
-          <a:xfrm>
-            <a:off x="1905000" y="3023381"/>
-            <a:ext cx="5867400" cy="41362"/>
-          </a:xfrm>
-          <a:prstGeom prst="straightConnector1">
-            <a:avLst/>
-          </a:prstGeom>
-          <a:ln w="76200">
-            <a:tailEnd type="triangle"/>
-          </a:ln>
-        </p:spPr>
-        <p:style>
-          <a:lnRef idx="1">
-            <a:schemeClr val="dk1"/>
-          </a:lnRef>
-          <a:fillRef idx="0">
-            <a:schemeClr val="dk1"/>
-          </a:fillRef>
-          <a:effectRef idx="0">
-            <a:schemeClr val="dk1"/>
-          </a:effectRef>
-          <a:fontRef idx="minor">
-            <a:schemeClr val="tx1"/>
-          </a:fontRef>
-        </p:style>
-      </p:cxnSp>
-      <p:sp>
-        <p:nvSpPr>
-          <p:cNvPr id="15" name="Triangle"/>
-          <p:cNvSpPr/>
-          <p:nvPr/>
-        </p:nvSpPr>
-        <p:spPr>
-          <a:xfrm>
-            <a:off x="3273743" y="2663469"/>
-            <a:ext cx="1828800" cy="1828800"/>
-          </a:xfrm>
-          <a:prstGeom prst="triangle">
-            <a:avLst/>
-          </a:prstGeom>
-        </p:spPr>
-        <p:style>
-          <a:lnRef idx="2">
-            <a:schemeClr val="accent4">
-              <a:shade val="50000"/>
-            </a:schemeClr>
-          </a:lnRef>
-          <a:fillRef idx="1">
-            <a:schemeClr val="accent4"/>
-          </a:fillRef>
-          <a:effectRef idx="0">
-            <a:schemeClr val="accent4"/>
-          </a:effectRef>
-          <a:fontRef idx="minor">
-            <a:schemeClr val="lt1"/>
-          </a:fontRef>
-        </p:style>
-        <p:txBody>
-          <a:bodyPr rtlCol="0" anchor="ctr"/>
-          <a:lstStyle/>
-          <a:p>
-            <a:pPr algn="ctr"/>
-            <a:endParaRPr lang="en-US"/>
-          </a:p>
-        </p:txBody>
-      </p:sp>
-      <p:sp>
-        <p:nvSpPr>
-          <p:cNvPr id="4" name="Square"/>
-          <p:cNvSpPr/>
-          <p:nvPr/>
-        </p:nvSpPr>
-        <p:spPr>
-          <a:xfrm>
-            <a:off x="4495800" y="2895600"/>
-            <a:ext cx="1828800" cy="1828800"/>
+            <a:off x="3811763" y="2783711"/>
+            <a:ext cx="2651848" cy="838200"/>
           </a:xfrm>
           <a:prstGeom prst="rect">
             <a:avLst/>
@@ -10695,14 +9314,134 @@
           <a:lstStyle/>
           <a:p>
             <a:pPr algn="ctr"/>
-            <a:endParaRPr lang="en-US" dirty="0"/>
+            <a:endParaRPr lang="en-US"/>
+          </a:p>
+        </p:txBody>
+      </p:sp>
+      <p:sp>
+        <p:nvSpPr>
+          <p:cNvPr id="5" name="Oval 4"/>
+          <p:cNvSpPr/>
+          <p:nvPr/>
+        </p:nvSpPr>
+        <p:spPr>
+          <a:xfrm>
+            <a:off x="5790067" y="3859852"/>
+            <a:ext cx="978972" cy="978972"/>
+          </a:xfrm>
+          <a:prstGeom prst="ellipse">
+            <a:avLst/>
+          </a:prstGeom>
+        </p:spPr>
+        <p:style>
+          <a:lnRef idx="2">
+            <a:schemeClr val="accent1">
+              <a:shade val="50000"/>
+            </a:schemeClr>
+          </a:lnRef>
+          <a:fillRef idx="1">
+            <a:schemeClr val="accent1"/>
+          </a:fillRef>
+          <a:effectRef idx="0">
+            <a:schemeClr val="accent1"/>
+          </a:effectRef>
+          <a:fontRef idx="minor">
+            <a:schemeClr val="lt1"/>
+          </a:fontRef>
+        </p:style>
+        <p:txBody>
+          <a:bodyPr rtlCol="0" anchor="ctr"/>
+          <a:lstStyle/>
+          <a:p>
+            <a:pPr algn="ctr"/>
+            <a:endParaRPr lang="en-US"/>
+          </a:p>
+        </p:txBody>
+      </p:sp>
+      <p:sp>
+        <p:nvSpPr>
+          <p:cNvPr id="6" name="Right Arrow 5"/>
+          <p:cNvSpPr/>
+          <p:nvPr/>
+        </p:nvSpPr>
+        <p:spPr>
+          <a:xfrm rot="18000000">
+            <a:off x="1805589" y="3579510"/>
+            <a:ext cx="2120755" cy="631714"/>
+          </a:xfrm>
+          <a:prstGeom prst="rightArrow">
+            <a:avLst/>
+          </a:prstGeom>
+        </p:spPr>
+        <p:style>
+          <a:lnRef idx="2">
+            <a:schemeClr val="accent1">
+              <a:shade val="50000"/>
+            </a:schemeClr>
+          </a:lnRef>
+          <a:fillRef idx="1">
+            <a:schemeClr val="accent1"/>
+          </a:fillRef>
+          <a:effectRef idx="0">
+            <a:schemeClr val="accent1"/>
+          </a:effectRef>
+          <a:fontRef idx="minor">
+            <a:schemeClr val="lt1"/>
+          </a:fontRef>
+        </p:style>
+        <p:txBody>
+          <a:bodyPr rtlCol="0" anchor="ctr"/>
+          <a:lstStyle/>
+          <a:p>
+            <a:pPr algn="ctr"/>
+            <a:endParaRPr lang="en-US"/>
+          </a:p>
+        </p:txBody>
+      </p:sp>
+      <p:sp>
+        <p:nvSpPr>
+          <p:cNvPr id="7" name="Rectangle 6"/>
+          <p:cNvSpPr/>
+          <p:nvPr/>
+        </p:nvSpPr>
+        <p:spPr>
+          <a:xfrm rot="18672083">
+            <a:off x="2165524" y="2093069"/>
+            <a:ext cx="1379725" cy="919817"/>
+          </a:xfrm>
+          <a:prstGeom prst="rect">
+            <a:avLst/>
+          </a:prstGeom>
+        </p:spPr>
+        <p:style>
+          <a:lnRef idx="2">
+            <a:schemeClr val="accent1">
+              <a:shade val="50000"/>
+            </a:schemeClr>
+          </a:lnRef>
+          <a:fillRef idx="1">
+            <a:schemeClr val="accent1"/>
+          </a:fillRef>
+          <a:effectRef idx="0">
+            <a:schemeClr val="accent1"/>
+          </a:effectRef>
+          <a:fontRef idx="minor">
+            <a:schemeClr val="lt1"/>
+          </a:fontRef>
+        </p:style>
+        <p:txBody>
+          <a:bodyPr rtlCol="0" anchor="ctr"/>
+          <a:lstStyle/>
+          <a:p>
+            <a:pPr algn="ctr"/>
+            <a:endParaRPr lang="en-US"/>
           </a:p>
         </p:txBody>
       </p:sp>
     </p:spTree>
     <p:extLst>
       <p:ext uri="{BB962C8B-B14F-4D97-AF65-F5344CB8AC3E}">
-        <p14:creationId xmlns:p14="http://schemas.microsoft.com/office/powerpoint/2010/main" val="1921262850"/>
+        <p14:creationId xmlns:p14="http://schemas.microsoft.com/office/powerpoint/2010/main" val="2399071025"/>
       </p:ext>
     </p:extLst>
   </p:cSld>
@@ -10731,127 +9470,14 @@
       </p:grpSpPr>
       <p:sp>
         <p:nvSpPr>
-          <p:cNvPr id="16" name="Circle"/>
+          <p:cNvPr id="4" name="Rectangle 3"/>
           <p:cNvSpPr/>
           <p:nvPr/>
         </p:nvSpPr>
         <p:spPr>
           <a:xfrm>
-            <a:off x="3239930" y="1516938"/>
-            <a:ext cx="1828800" cy="1828800"/>
-          </a:xfrm>
-          <a:prstGeom prst="ellipse">
-            <a:avLst/>
-          </a:prstGeom>
-        </p:spPr>
-        <p:style>
-          <a:lnRef idx="2">
-            <a:schemeClr val="accent2">
-              <a:shade val="50000"/>
-            </a:schemeClr>
-          </a:lnRef>
-          <a:fillRef idx="1">
-            <a:schemeClr val="accent2"/>
-          </a:fillRef>
-          <a:effectRef idx="0">
-            <a:schemeClr val="accent2"/>
-          </a:effectRef>
-          <a:fontRef idx="minor">
-            <a:schemeClr val="lt1"/>
-          </a:fontRef>
-        </p:style>
-        <p:txBody>
-          <a:bodyPr rtlCol="0" anchor="ctr"/>
-          <a:lstStyle/>
-          <a:p>
-            <a:pPr algn="ctr"/>
-            <a:endParaRPr lang="en-US"/>
-          </a:p>
-        </p:txBody>
-      </p:sp>
-      <p:sp>
-        <p:nvSpPr>
-          <p:cNvPr id="15" name="Triangle"/>
-          <p:cNvSpPr/>
-          <p:nvPr/>
-        </p:nvSpPr>
-        <p:spPr>
-          <a:xfrm>
-            <a:off x="4233387" y="1706344"/>
-            <a:ext cx="1828800" cy="1828800"/>
-          </a:xfrm>
-          <a:prstGeom prst="triangle">
-            <a:avLst/>
-          </a:prstGeom>
-        </p:spPr>
-        <p:style>
-          <a:lnRef idx="2">
-            <a:schemeClr val="accent4">
-              <a:shade val="50000"/>
-            </a:schemeClr>
-          </a:lnRef>
-          <a:fillRef idx="1">
-            <a:schemeClr val="accent4"/>
-          </a:fillRef>
-          <a:effectRef idx="0">
-            <a:schemeClr val="accent4"/>
-          </a:effectRef>
-          <a:fontRef idx="minor">
-            <a:schemeClr val="lt1"/>
-          </a:fontRef>
-        </p:style>
-        <p:txBody>
-          <a:bodyPr rtlCol="0" anchor="ctr"/>
-          <a:lstStyle/>
-          <a:p>
-            <a:pPr algn="ctr"/>
-            <a:endParaRPr lang="en-US"/>
-          </a:p>
-        </p:txBody>
-      </p:sp>
-      <p:cxnSp>
-        <p:nvCxnSpPr>
-          <p:cNvPr id="3" name="Line"/>
-          <p:cNvCxnSpPr/>
-          <p:nvPr/>
-        </p:nvCxnSpPr>
-        <p:spPr>
-          <a:xfrm>
-            <a:off x="1905000" y="3023381"/>
-            <a:ext cx="5867400" cy="41362"/>
-          </a:xfrm>
-          <a:prstGeom prst="straightConnector1">
-            <a:avLst/>
-          </a:prstGeom>
-          <a:ln w="76200">
-            <a:tailEnd type="triangle"/>
-          </a:ln>
-        </p:spPr>
-        <p:style>
-          <a:lnRef idx="1">
-            <a:schemeClr val="dk1"/>
-          </a:lnRef>
-          <a:fillRef idx="0">
-            <a:schemeClr val="dk1"/>
-          </a:fillRef>
-          <a:effectRef idx="0">
-            <a:schemeClr val="dk1"/>
-          </a:effectRef>
-          <a:fontRef idx="minor">
-            <a:schemeClr val="tx1"/>
-          </a:fontRef>
-        </p:style>
-      </p:cxnSp>
-      <p:sp>
-        <p:nvSpPr>
-          <p:cNvPr id="4" name="Square"/>
-          <p:cNvSpPr/>
-          <p:nvPr/>
-        </p:nvSpPr>
-        <p:spPr>
-          <a:xfrm>
-            <a:off x="3273743" y="2663469"/>
-            <a:ext cx="1828800" cy="1828800"/>
+            <a:off x="1529463" y="3515749"/>
+            <a:ext cx="2651848" cy="838200"/>
           </a:xfrm>
           <a:prstGeom prst="rect">
             <a:avLst/>
@@ -10878,36 +9504,36 @@
           <a:lstStyle/>
           <a:p>
             <a:pPr algn="ctr"/>
-            <a:endParaRPr lang="en-US" dirty="0"/>
-          </a:p>
-        </p:txBody>
-      </p:sp>
-      <p:sp>
-        <p:nvSpPr>
-          <p:cNvPr id="12" name="Arrow"/>
+            <a:endParaRPr lang="en-US"/>
+          </a:p>
+        </p:txBody>
+      </p:sp>
+      <p:sp>
+        <p:nvSpPr>
+          <p:cNvPr id="5" name="Oval 4"/>
           <p:cNvSpPr/>
           <p:nvPr/>
         </p:nvSpPr>
         <p:spPr>
           <a:xfrm>
-            <a:off x="4495800" y="2895600"/>
-            <a:ext cx="1828800" cy="1828800"/>
+            <a:off x="2365900" y="2063493"/>
+            <a:ext cx="978972" cy="978972"/>
           </a:xfrm>
-          <a:prstGeom prst="upArrow">
+          <a:prstGeom prst="ellipse">
             <a:avLst/>
           </a:prstGeom>
         </p:spPr>
         <p:style>
           <a:lnRef idx="2">
-            <a:schemeClr val="accent3">
+            <a:schemeClr val="accent1">
               <a:shade val="50000"/>
             </a:schemeClr>
           </a:lnRef>
           <a:fillRef idx="1">
-            <a:schemeClr val="accent3"/>
+            <a:schemeClr val="accent1"/>
           </a:fillRef>
           <a:effectRef idx="0">
-            <a:schemeClr val="accent3"/>
+            <a:schemeClr val="accent1"/>
           </a:effectRef>
           <a:fontRef idx="minor">
             <a:schemeClr val="lt1"/>
@@ -10918,14 +9544,94 @@
           <a:lstStyle/>
           <a:p>
             <a:pPr algn="ctr"/>
-            <a:endParaRPr lang="en-US" dirty="0"/>
+            <a:endParaRPr lang="en-US"/>
+          </a:p>
+        </p:txBody>
+      </p:sp>
+      <p:sp>
+        <p:nvSpPr>
+          <p:cNvPr id="6" name="Right Arrow 5"/>
+          <p:cNvSpPr/>
+          <p:nvPr/>
+        </p:nvSpPr>
+        <p:spPr>
+          <a:xfrm rot="18000000">
+            <a:off x="5229755" y="3993999"/>
+            <a:ext cx="2120755" cy="631714"/>
+          </a:xfrm>
+          <a:prstGeom prst="rightArrow">
+            <a:avLst/>
+          </a:prstGeom>
+        </p:spPr>
+        <p:style>
+          <a:lnRef idx="2">
+            <a:schemeClr val="accent1">
+              <a:shade val="50000"/>
+            </a:schemeClr>
+          </a:lnRef>
+          <a:fillRef idx="1">
+            <a:schemeClr val="accent1"/>
+          </a:fillRef>
+          <a:effectRef idx="0">
+            <a:schemeClr val="accent1"/>
+          </a:effectRef>
+          <a:fontRef idx="minor">
+            <a:schemeClr val="lt1"/>
+          </a:fontRef>
+        </p:style>
+        <p:txBody>
+          <a:bodyPr rtlCol="0" anchor="ctr"/>
+          <a:lstStyle/>
+          <a:p>
+            <a:pPr algn="ctr"/>
+            <a:endParaRPr lang="en-US"/>
+          </a:p>
+        </p:txBody>
+      </p:sp>
+      <p:sp>
+        <p:nvSpPr>
+          <p:cNvPr id="7" name="Rectangle 6"/>
+          <p:cNvSpPr/>
+          <p:nvPr/>
+        </p:nvSpPr>
+        <p:spPr>
+          <a:xfrm rot="18672083">
+            <a:off x="4447825" y="2742901"/>
+            <a:ext cx="1379725" cy="919817"/>
+          </a:xfrm>
+          <a:prstGeom prst="rect">
+            <a:avLst/>
+          </a:prstGeom>
+        </p:spPr>
+        <p:style>
+          <a:lnRef idx="2">
+            <a:schemeClr val="accent1">
+              <a:shade val="50000"/>
+            </a:schemeClr>
+          </a:lnRef>
+          <a:fillRef idx="1">
+            <a:schemeClr val="accent1"/>
+          </a:fillRef>
+          <a:effectRef idx="0">
+            <a:schemeClr val="accent1"/>
+          </a:effectRef>
+          <a:fontRef idx="minor">
+            <a:schemeClr val="lt1"/>
+          </a:fontRef>
+        </p:style>
+        <p:txBody>
+          <a:bodyPr rtlCol="0" anchor="ctr"/>
+          <a:lstStyle/>
+          <a:p>
+            <a:pPr algn="ctr"/>
+            <a:endParaRPr lang="en-US"/>
           </a:p>
         </p:txBody>
       </p:sp>
     </p:spTree>
     <p:extLst>
       <p:ext uri="{BB962C8B-B14F-4D97-AF65-F5344CB8AC3E}">
-        <p14:creationId xmlns:p14="http://schemas.microsoft.com/office/powerpoint/2010/main" val="3984241998"/>
+        <p14:creationId xmlns:p14="http://schemas.microsoft.com/office/powerpoint/2010/main" val="4014615619"/>
       </p:ext>
     </p:extLst>
   </p:cSld>
@@ -10954,54 +9660,14 @@
       </p:grpSpPr>
       <p:sp>
         <p:nvSpPr>
-          <p:cNvPr id="15" name="Triangle"/>
+          <p:cNvPr id="4" name="Rectangle 3"/>
           <p:cNvSpPr/>
           <p:nvPr/>
         </p:nvSpPr>
         <p:spPr>
           <a:xfrm>
-            <a:off x="3239930" y="1516938"/>
-            <a:ext cx="1828800" cy="1828800"/>
-          </a:xfrm>
-          <a:prstGeom prst="triangle">
-            <a:avLst/>
-          </a:prstGeom>
-        </p:spPr>
-        <p:style>
-          <a:lnRef idx="2">
-            <a:schemeClr val="accent4">
-              <a:shade val="50000"/>
-            </a:schemeClr>
-          </a:lnRef>
-          <a:fillRef idx="1">
-            <a:schemeClr val="accent4"/>
-          </a:fillRef>
-          <a:effectRef idx="0">
-            <a:schemeClr val="accent4"/>
-          </a:effectRef>
-          <a:fontRef idx="minor">
-            <a:schemeClr val="lt1"/>
-          </a:fontRef>
-        </p:style>
-        <p:txBody>
-          <a:bodyPr rtlCol="0" anchor="ctr"/>
-          <a:lstStyle/>
-          <a:p>
-            <a:pPr algn="ctr"/>
-            <a:endParaRPr lang="en-US"/>
-          </a:p>
-        </p:txBody>
-      </p:sp>
-      <p:sp>
-        <p:nvSpPr>
-          <p:cNvPr id="4" name="Square"/>
-          <p:cNvSpPr/>
-          <p:nvPr/>
-        </p:nvSpPr>
-        <p:spPr>
-          <a:xfrm>
-            <a:off x="4233387" y="1706344"/>
-            <a:ext cx="1828800" cy="1828800"/>
+            <a:off x="4953629" y="3930238"/>
+            <a:ext cx="2651848" cy="838200"/>
           </a:xfrm>
           <a:prstGeom prst="rect">
             <a:avLst/>
@@ -11028,93 +9694,20 @@
           <a:lstStyle/>
           <a:p>
             <a:pPr algn="ctr"/>
-            <a:endParaRPr lang="en-US" dirty="0"/>
-          </a:p>
-        </p:txBody>
-      </p:sp>
-      <p:cxnSp>
-        <p:nvCxnSpPr>
-          <p:cNvPr id="3" name="Line"/>
-          <p:cNvCxnSpPr/>
+            <a:endParaRPr lang="en-US"/>
+          </a:p>
+        </p:txBody>
+      </p:sp>
+      <p:sp>
+        <p:nvSpPr>
+          <p:cNvPr id="5" name="Oval 4"/>
+          <p:cNvSpPr/>
           <p:nvPr/>
-        </p:nvCxnSpPr>
+        </p:nvSpPr>
         <p:spPr>
           <a:xfrm>
-            <a:off x="1905000" y="3023381"/>
-            <a:ext cx="5867400" cy="41362"/>
-          </a:xfrm>
-          <a:prstGeom prst="straightConnector1">
-            <a:avLst/>
-          </a:prstGeom>
-          <a:ln w="76200">
-            <a:tailEnd type="triangle"/>
-          </a:ln>
-        </p:spPr>
-        <p:style>
-          <a:lnRef idx="1">
-            <a:schemeClr val="dk1"/>
-          </a:lnRef>
-          <a:fillRef idx="0">
-            <a:schemeClr val="dk1"/>
-          </a:fillRef>
-          <a:effectRef idx="0">
-            <a:schemeClr val="dk1"/>
-          </a:effectRef>
-          <a:fontRef idx="minor">
-            <a:schemeClr val="tx1"/>
-          </a:fontRef>
-        </p:style>
-      </p:cxnSp>
-      <p:sp>
-        <p:nvSpPr>
-          <p:cNvPr id="12" name="Arrow"/>
-          <p:cNvSpPr/>
-          <p:nvPr/>
-        </p:nvSpPr>
-        <p:spPr>
-          <a:xfrm>
-            <a:off x="3273743" y="2663469"/>
-            <a:ext cx="1828800" cy="1828800"/>
-          </a:xfrm>
-          <a:prstGeom prst="upArrow">
-            <a:avLst/>
-          </a:prstGeom>
-        </p:spPr>
-        <p:style>
-          <a:lnRef idx="2">
-            <a:schemeClr val="accent3">
-              <a:shade val="50000"/>
-            </a:schemeClr>
-          </a:lnRef>
-          <a:fillRef idx="1">
-            <a:schemeClr val="accent3"/>
-          </a:fillRef>
-          <a:effectRef idx="0">
-            <a:schemeClr val="accent3"/>
-          </a:effectRef>
-          <a:fontRef idx="minor">
-            <a:schemeClr val="lt1"/>
-          </a:fontRef>
-        </p:style>
-        <p:txBody>
-          <a:bodyPr rtlCol="0" anchor="ctr"/>
-          <a:lstStyle/>
-          <a:p>
-            <a:pPr algn="ctr"/>
-            <a:endParaRPr lang="en-US" dirty="0"/>
-          </a:p>
-        </p:txBody>
-      </p:sp>
-      <p:sp>
-        <p:nvSpPr>
-          <p:cNvPr id="16" name="Circle"/>
-          <p:cNvSpPr/>
-          <p:nvPr/>
-        </p:nvSpPr>
-        <p:spPr>
-          <a:xfrm>
-            <a:off x="4495800" y="2895600"/>
-            <a:ext cx="1828800" cy="1828800"/>
+            <a:off x="4648201" y="2713325"/>
+            <a:ext cx="978972" cy="978972"/>
           </a:xfrm>
           <a:prstGeom prst="ellipse">
             <a:avLst/>
@@ -11122,15 +9715,15 @@
         </p:spPr>
         <p:style>
           <a:lnRef idx="2">
-            <a:schemeClr val="accent2">
+            <a:schemeClr val="accent1">
               <a:shade val="50000"/>
             </a:schemeClr>
           </a:lnRef>
           <a:fillRef idx="1">
-            <a:schemeClr val="accent2"/>
+            <a:schemeClr val="accent1"/>
           </a:fillRef>
           <a:effectRef idx="0">
-            <a:schemeClr val="accent2"/>
+            <a:schemeClr val="accent1"/>
           </a:effectRef>
           <a:fontRef idx="minor">
             <a:schemeClr val="lt1"/>
@@ -11145,10 +9738,90 @@
           </a:p>
         </p:txBody>
       </p:sp>
+      <p:sp>
+        <p:nvSpPr>
+          <p:cNvPr id="6" name="Right Arrow 5"/>
+          <p:cNvSpPr/>
+          <p:nvPr/>
+        </p:nvSpPr>
+        <p:spPr>
+          <a:xfrm rot="18000000">
+            <a:off x="1805588" y="2197640"/>
+            <a:ext cx="2120755" cy="631714"/>
+          </a:xfrm>
+          <a:prstGeom prst="rightArrow">
+            <a:avLst/>
+          </a:prstGeom>
+        </p:spPr>
+        <p:style>
+          <a:lnRef idx="2">
+            <a:schemeClr val="accent1">
+              <a:shade val="50000"/>
+            </a:schemeClr>
+          </a:lnRef>
+          <a:fillRef idx="1">
+            <a:schemeClr val="accent1"/>
+          </a:fillRef>
+          <a:effectRef idx="0">
+            <a:schemeClr val="accent1"/>
+          </a:effectRef>
+          <a:fontRef idx="minor">
+            <a:schemeClr val="lt1"/>
+          </a:fontRef>
+        </p:style>
+        <p:txBody>
+          <a:bodyPr rtlCol="0" anchor="ctr"/>
+          <a:lstStyle/>
+          <a:p>
+            <a:pPr algn="ctr"/>
+            <a:endParaRPr lang="en-US"/>
+          </a:p>
+        </p:txBody>
+      </p:sp>
+      <p:sp>
+        <p:nvSpPr>
+          <p:cNvPr id="7" name="Rectangle 6"/>
+          <p:cNvSpPr/>
+          <p:nvPr/>
+        </p:nvSpPr>
+        <p:spPr>
+          <a:xfrm rot="18672083">
+            <a:off x="2165525" y="3474939"/>
+            <a:ext cx="1379725" cy="919817"/>
+          </a:xfrm>
+          <a:prstGeom prst="rect">
+            <a:avLst/>
+          </a:prstGeom>
+        </p:spPr>
+        <p:style>
+          <a:lnRef idx="2">
+            <a:schemeClr val="accent1">
+              <a:shade val="50000"/>
+            </a:schemeClr>
+          </a:lnRef>
+          <a:fillRef idx="1">
+            <a:schemeClr val="accent1"/>
+          </a:fillRef>
+          <a:effectRef idx="0">
+            <a:schemeClr val="accent1"/>
+          </a:effectRef>
+          <a:fontRef idx="minor">
+            <a:schemeClr val="lt1"/>
+          </a:fontRef>
+        </p:style>
+        <p:txBody>
+          <a:bodyPr rtlCol="0" anchor="ctr"/>
+          <a:lstStyle/>
+          <a:p>
+            <a:pPr algn="ctr"/>
+            <a:endParaRPr lang="en-US"/>
+          </a:p>
+        </p:txBody>
+      </p:sp>
     </p:spTree>
     <p:extLst>
       <p:ext uri="{BB962C8B-B14F-4D97-AF65-F5344CB8AC3E}">
-        <p14:creationId xmlns:p14="http://schemas.microsoft.com/office/powerpoint/2010/main" val="3649173266"/>
+        <p14:creationId xmlns:p14="http://schemas.microsoft.com/office/powerpoint/2010/main" val="1283416535"/>
       </p:ext>
     </p:extLst>
   </p:cSld>
@@ -11177,14 +9850,14 @@
       </p:grpSpPr>
       <p:sp>
         <p:nvSpPr>
-          <p:cNvPr id="4" name="Square"/>
+          <p:cNvPr id="4" name="Rectangle 3"/>
           <p:cNvSpPr/>
           <p:nvPr/>
         </p:nvSpPr>
         <p:spPr>
           <a:xfrm>
-            <a:off x="3239930" y="1516938"/>
-            <a:ext cx="1828800" cy="1828800"/>
+            <a:off x="1529462" y="2133879"/>
+            <a:ext cx="2651848" cy="838200"/>
           </a:xfrm>
           <a:prstGeom prst="rect">
             <a:avLst/>
@@ -11211,93 +9884,20 @@
           <a:lstStyle/>
           <a:p>
             <a:pPr algn="ctr"/>
-            <a:endParaRPr lang="en-US" dirty="0"/>
-          </a:p>
-        </p:txBody>
-      </p:sp>
-      <p:sp>
-        <p:nvSpPr>
-          <p:cNvPr id="12" name="Arrow"/>
+            <a:endParaRPr lang="en-US"/>
+          </a:p>
+        </p:txBody>
+      </p:sp>
+      <p:sp>
+        <p:nvSpPr>
+          <p:cNvPr id="5" name="Oval 4"/>
           <p:cNvSpPr/>
           <p:nvPr/>
         </p:nvSpPr>
         <p:spPr>
           <a:xfrm>
-            <a:off x="4233387" y="1706344"/>
-            <a:ext cx="1828800" cy="1828800"/>
-          </a:xfrm>
-          <a:prstGeom prst="upArrow">
-            <a:avLst/>
-          </a:prstGeom>
-        </p:spPr>
-        <p:style>
-          <a:lnRef idx="2">
-            <a:schemeClr val="accent3">
-              <a:shade val="50000"/>
-            </a:schemeClr>
-          </a:lnRef>
-          <a:fillRef idx="1">
-            <a:schemeClr val="accent3"/>
-          </a:fillRef>
-          <a:effectRef idx="0">
-            <a:schemeClr val="accent3"/>
-          </a:effectRef>
-          <a:fontRef idx="minor">
-            <a:schemeClr val="lt1"/>
-          </a:fontRef>
-        </p:style>
-        <p:txBody>
-          <a:bodyPr rtlCol="0" anchor="ctr"/>
-          <a:lstStyle/>
-          <a:p>
-            <a:pPr algn="ctr"/>
-            <a:endParaRPr lang="en-US" dirty="0"/>
-          </a:p>
-        </p:txBody>
-      </p:sp>
-      <p:cxnSp>
-        <p:nvCxnSpPr>
-          <p:cNvPr id="3" name="Line"/>
-          <p:cNvCxnSpPr/>
-          <p:nvPr/>
-        </p:nvCxnSpPr>
-        <p:spPr>
-          <a:xfrm>
-            <a:off x="1905000" y="3023381"/>
-            <a:ext cx="5867400" cy="41362"/>
-          </a:xfrm>
-          <a:prstGeom prst="straightConnector1">
-            <a:avLst/>
-          </a:prstGeom>
-          <a:ln w="76200">
-            <a:tailEnd type="triangle"/>
-          </a:ln>
-        </p:spPr>
-        <p:style>
-          <a:lnRef idx="1">
-            <a:schemeClr val="dk1"/>
-          </a:lnRef>
-          <a:fillRef idx="0">
-            <a:schemeClr val="dk1"/>
-          </a:fillRef>
-          <a:effectRef idx="0">
-            <a:schemeClr val="dk1"/>
-          </a:effectRef>
-          <a:fontRef idx="minor">
-            <a:schemeClr val="tx1"/>
-          </a:fontRef>
-        </p:style>
-      </p:cxnSp>
-      <p:sp>
-        <p:nvSpPr>
-          <p:cNvPr id="16" name="Circle"/>
-          <p:cNvSpPr/>
-          <p:nvPr/>
-        </p:nvSpPr>
-        <p:spPr>
-          <a:xfrm>
-            <a:off x="3273743" y="2663469"/>
-            <a:ext cx="1828800" cy="1828800"/>
+            <a:off x="2365901" y="3445363"/>
+            <a:ext cx="978972" cy="978972"/>
           </a:xfrm>
           <a:prstGeom prst="ellipse">
             <a:avLst/>
@@ -11305,15 +9905,15 @@
         </p:spPr>
         <p:style>
           <a:lnRef idx="2">
-            <a:schemeClr val="accent2">
+            <a:schemeClr val="accent1">
               <a:shade val="50000"/>
             </a:schemeClr>
           </a:lnRef>
           <a:fillRef idx="1">
-            <a:schemeClr val="accent2"/>
+            <a:schemeClr val="accent1"/>
           </a:fillRef>
           <a:effectRef idx="0">
-            <a:schemeClr val="accent2"/>
+            <a:schemeClr val="accent1"/>
           </a:effectRef>
           <a:fontRef idx="minor">
             <a:schemeClr val="lt1"/>
@@ -11330,30 +9930,30 @@
       </p:sp>
       <p:sp>
         <p:nvSpPr>
-          <p:cNvPr id="15" name="Triangle"/>
+          <p:cNvPr id="6" name="Right Arrow 5"/>
           <p:cNvSpPr/>
           <p:nvPr/>
         </p:nvSpPr>
         <p:spPr>
-          <a:xfrm>
-            <a:off x="4495800" y="2895600"/>
-            <a:ext cx="1828800" cy="1828800"/>
+          <a:xfrm rot="18000000">
+            <a:off x="4087889" y="2847472"/>
+            <a:ext cx="2120755" cy="631714"/>
           </a:xfrm>
-          <a:prstGeom prst="triangle">
+          <a:prstGeom prst="rightArrow">
             <a:avLst/>
           </a:prstGeom>
         </p:spPr>
         <p:style>
           <a:lnRef idx="2">
-            <a:schemeClr val="accent4">
+            <a:schemeClr val="accent1">
               <a:shade val="50000"/>
             </a:schemeClr>
           </a:lnRef>
           <a:fillRef idx="1">
-            <a:schemeClr val="accent4"/>
+            <a:schemeClr val="accent1"/>
           </a:fillRef>
           <a:effectRef idx="0">
-            <a:schemeClr val="accent4"/>
+            <a:schemeClr val="accent1"/>
           </a:effectRef>
           <a:fontRef idx="minor">
             <a:schemeClr val="lt1"/>
@@ -11368,10 +9968,50 @@
           </a:p>
         </p:txBody>
       </p:sp>
+      <p:sp>
+        <p:nvSpPr>
+          <p:cNvPr id="7" name="Rectangle 6"/>
+          <p:cNvSpPr/>
+          <p:nvPr/>
+        </p:nvSpPr>
+        <p:spPr>
+          <a:xfrm rot="18672083">
+            <a:off x="5589691" y="3889428"/>
+            <a:ext cx="1379725" cy="919817"/>
+          </a:xfrm>
+          <a:prstGeom prst="rect">
+            <a:avLst/>
+          </a:prstGeom>
+        </p:spPr>
+        <p:style>
+          <a:lnRef idx="2">
+            <a:schemeClr val="accent1">
+              <a:shade val="50000"/>
+            </a:schemeClr>
+          </a:lnRef>
+          <a:fillRef idx="1">
+            <a:schemeClr val="accent1"/>
+          </a:fillRef>
+          <a:effectRef idx="0">
+            <a:schemeClr val="accent1"/>
+          </a:effectRef>
+          <a:fontRef idx="minor">
+            <a:schemeClr val="lt1"/>
+          </a:fontRef>
+        </p:style>
+        <p:txBody>
+          <a:bodyPr rtlCol="0" anchor="ctr"/>
+          <a:lstStyle/>
+          <a:p>
+            <a:pPr algn="ctr"/>
+            <a:endParaRPr lang="en-US"/>
+          </a:p>
+        </p:txBody>
+      </p:sp>
     </p:spTree>
     <p:extLst>
       <p:ext uri="{BB962C8B-B14F-4D97-AF65-F5344CB8AC3E}">
-        <p14:creationId xmlns:p14="http://schemas.microsoft.com/office/powerpoint/2010/main" val="1835489808"/>
+        <p14:creationId xmlns:p14="http://schemas.microsoft.com/office/powerpoint/2010/main" val="2594659715"/>
       </p:ext>
     </p:extLst>
   </p:cSld>
@@ -11382,6 +10022,1174 @@
 </file>
 
 <file path=ppt/slides/slide14.xml><?xml version="1.0" encoding="utf-8"?>
+<p:sld xmlns:a="http://schemas.openxmlformats.org/drawingml/2006/main" xmlns:r="http://schemas.openxmlformats.org/officeDocument/2006/relationships" xmlns:p="http://schemas.openxmlformats.org/presentationml/2006/main">
+  <p:cSld>
+    <p:spTree>
+      <p:nvGrpSpPr>
+        <p:cNvPr id="1" name=""/>
+        <p:cNvGrpSpPr/>
+        <p:nvPr/>
+      </p:nvGrpSpPr>
+      <p:grpSpPr>
+        <a:xfrm>
+          <a:off x="0" y="0"/>
+          <a:ext cx="0" cy="0"/>
+          <a:chOff x="0" y="0"/>
+          <a:chExt cx="0" cy="0"/>
+        </a:xfrm>
+      </p:grpSpPr>
+      <p:sp>
+        <p:nvSpPr>
+          <p:cNvPr id="2" name="Title 1"/>
+          <p:cNvSpPr>
+            <a:spLocks noGrp="1"/>
+          </p:cNvSpPr>
+          <p:nvPr>
+            <p:ph type="title"/>
+          </p:nvPr>
+        </p:nvSpPr>
+        <p:spPr/>
+        <p:txBody>
+          <a:bodyPr/>
+          <a:lstStyle/>
+          <a:p>
+            <a:r>
+              <a:rPr lang="en-US" dirty="0"/>
+              <a:t>Reorder:: Anchor Point</a:t>
+            </a:r>
+            <a:endParaRPr lang="en-SG" dirty="0"/>
+          </a:p>
+        </p:txBody>
+      </p:sp>
+      <p:sp>
+        <p:nvSpPr>
+          <p:cNvPr id="4" name="Content Placeholder 3"/>
+          <p:cNvSpPr>
+            <a:spLocks noGrp="1"/>
+          </p:cNvSpPr>
+          <p:nvPr>
+            <p:ph idx="1"/>
+          </p:nvPr>
+        </p:nvSpPr>
+        <p:spPr/>
+        <p:txBody>
+          <a:bodyPr/>
+          <a:lstStyle/>
+          <a:p>
+            <a:endParaRPr lang="en-US"/>
+          </a:p>
+        </p:txBody>
+      </p:sp>
+    </p:spTree>
+    <p:extLst>
+      <p:ext uri="{BB962C8B-B14F-4D97-AF65-F5344CB8AC3E}">
+        <p14:creationId xmlns:p14="http://schemas.microsoft.com/office/powerpoint/2010/main" val="4141265165"/>
+      </p:ext>
+    </p:extLst>
+  </p:cSld>
+  <p:clrMapOvr>
+    <a:masterClrMapping/>
+  </p:clrMapOvr>
+</p:sld>
+</file>
+
+<file path=ppt/slides/slide15.xml><?xml version="1.0" encoding="utf-8"?>
+<p:sld xmlns:a="http://schemas.openxmlformats.org/drawingml/2006/main" xmlns:r="http://schemas.openxmlformats.org/officeDocument/2006/relationships" xmlns:p="http://schemas.openxmlformats.org/presentationml/2006/main">
+  <p:cSld>
+    <p:spTree>
+      <p:nvGrpSpPr>
+        <p:cNvPr id="1" name=""/>
+        <p:cNvGrpSpPr/>
+        <p:nvPr/>
+      </p:nvGrpSpPr>
+      <p:grpSpPr>
+        <a:xfrm>
+          <a:off x="0" y="0"/>
+          <a:ext cx="0" cy="0"/>
+          <a:chOff x="0" y="0"/>
+          <a:chExt cx="0" cy="0"/>
+        </a:xfrm>
+      </p:grpSpPr>
+      <p:sp>
+        <p:nvSpPr>
+          <p:cNvPr id="4" name="Rectangle 3"/>
+          <p:cNvSpPr/>
+          <p:nvPr/>
+        </p:nvSpPr>
+        <p:spPr>
+          <a:xfrm>
+            <a:off x="5479101" y="3527341"/>
+            <a:ext cx="2651848" cy="838200"/>
+          </a:xfrm>
+          <a:prstGeom prst="rect">
+            <a:avLst/>
+          </a:prstGeom>
+        </p:spPr>
+        <p:style>
+          <a:lnRef idx="2">
+            <a:schemeClr val="accent1">
+              <a:shade val="50000"/>
+            </a:schemeClr>
+          </a:lnRef>
+          <a:fillRef idx="1">
+            <a:schemeClr val="accent1"/>
+          </a:fillRef>
+          <a:effectRef idx="0">
+            <a:schemeClr val="accent1"/>
+          </a:effectRef>
+          <a:fontRef idx="minor">
+            <a:schemeClr val="lt1"/>
+          </a:fontRef>
+        </p:style>
+        <p:txBody>
+          <a:bodyPr rtlCol="0" anchor="ctr"/>
+          <a:lstStyle/>
+          <a:p>
+            <a:pPr algn="ctr"/>
+            <a:endParaRPr lang="en-US"/>
+          </a:p>
+        </p:txBody>
+      </p:sp>
+      <p:sp>
+        <p:nvSpPr>
+          <p:cNvPr id="7" name="Rectangle 6"/>
+          <p:cNvSpPr/>
+          <p:nvPr/>
+        </p:nvSpPr>
+        <p:spPr>
+          <a:xfrm rot="18672083">
+            <a:off x="1640052" y="2495966"/>
+            <a:ext cx="1379725" cy="919817"/>
+          </a:xfrm>
+          <a:prstGeom prst="rect">
+            <a:avLst/>
+          </a:prstGeom>
+        </p:spPr>
+        <p:style>
+          <a:lnRef idx="2">
+            <a:schemeClr val="accent1">
+              <a:shade val="50000"/>
+            </a:schemeClr>
+          </a:lnRef>
+          <a:fillRef idx="1">
+            <a:schemeClr val="accent1"/>
+          </a:fillRef>
+          <a:effectRef idx="0">
+            <a:schemeClr val="accent1"/>
+          </a:effectRef>
+          <a:fontRef idx="minor">
+            <a:schemeClr val="lt1"/>
+          </a:fontRef>
+        </p:style>
+        <p:txBody>
+          <a:bodyPr rtlCol="0" anchor="ctr"/>
+          <a:lstStyle/>
+          <a:p>
+            <a:pPr algn="ctr"/>
+            <a:endParaRPr lang="en-US"/>
+          </a:p>
+        </p:txBody>
+      </p:sp>
+    </p:spTree>
+    <p:extLst>
+      <p:ext uri="{BB962C8B-B14F-4D97-AF65-F5344CB8AC3E}">
+        <p14:creationId xmlns:p14="http://schemas.microsoft.com/office/powerpoint/2010/main" val="1747594985"/>
+      </p:ext>
+    </p:extLst>
+  </p:cSld>
+  <p:clrMapOvr>
+    <a:masterClrMapping/>
+  </p:clrMapOvr>
+</p:sld>
+</file>
+
+<file path=ppt/slides/slide16.xml><?xml version="1.0" encoding="utf-8"?>
+<p:sld xmlns:a="http://schemas.openxmlformats.org/drawingml/2006/main" xmlns:r="http://schemas.openxmlformats.org/officeDocument/2006/relationships" xmlns:p="http://schemas.openxmlformats.org/presentationml/2006/main">
+  <p:cSld>
+    <p:spTree>
+      <p:nvGrpSpPr>
+        <p:cNvPr id="1" name=""/>
+        <p:cNvGrpSpPr/>
+        <p:nvPr/>
+      </p:nvGrpSpPr>
+      <p:grpSpPr>
+        <a:xfrm>
+          <a:off x="0" y="0"/>
+          <a:ext cx="0" cy="0"/>
+          <a:chOff x="0" y="0"/>
+          <a:chExt cx="0" cy="0"/>
+        </a:xfrm>
+      </p:grpSpPr>
+      <p:sp>
+        <p:nvSpPr>
+          <p:cNvPr id="4" name="Rectangle 3"/>
+          <p:cNvSpPr/>
+          <p:nvPr/>
+        </p:nvSpPr>
+        <p:spPr>
+          <a:xfrm>
+            <a:off x="4953629" y="3527341"/>
+            <a:ext cx="2651848" cy="838200"/>
+          </a:xfrm>
+          <a:prstGeom prst="rect">
+            <a:avLst/>
+          </a:prstGeom>
+        </p:spPr>
+        <p:style>
+          <a:lnRef idx="2">
+            <a:schemeClr val="accent1">
+              <a:shade val="50000"/>
+            </a:schemeClr>
+          </a:lnRef>
+          <a:fillRef idx="1">
+            <a:schemeClr val="accent1"/>
+          </a:fillRef>
+          <a:effectRef idx="0">
+            <a:schemeClr val="accent1"/>
+          </a:effectRef>
+          <a:fontRef idx="minor">
+            <a:schemeClr val="lt1"/>
+          </a:fontRef>
+        </p:style>
+        <p:txBody>
+          <a:bodyPr rtlCol="0" anchor="ctr"/>
+          <a:lstStyle/>
+          <a:p>
+            <a:pPr algn="ctr"/>
+            <a:endParaRPr lang="en-US"/>
+          </a:p>
+        </p:txBody>
+      </p:sp>
+      <p:sp>
+        <p:nvSpPr>
+          <p:cNvPr id="7" name="Rectangle 6"/>
+          <p:cNvSpPr/>
+          <p:nvPr/>
+        </p:nvSpPr>
+        <p:spPr>
+          <a:xfrm rot="18672083">
+            <a:off x="2165524" y="2495966"/>
+            <a:ext cx="1379725" cy="919817"/>
+          </a:xfrm>
+          <a:prstGeom prst="rect">
+            <a:avLst/>
+          </a:prstGeom>
+        </p:spPr>
+        <p:style>
+          <a:lnRef idx="2">
+            <a:schemeClr val="accent1">
+              <a:shade val="50000"/>
+            </a:schemeClr>
+          </a:lnRef>
+          <a:fillRef idx="1">
+            <a:schemeClr val="accent1"/>
+          </a:fillRef>
+          <a:effectRef idx="0">
+            <a:schemeClr val="accent1"/>
+          </a:effectRef>
+          <a:fontRef idx="minor">
+            <a:schemeClr val="lt1"/>
+          </a:fontRef>
+        </p:style>
+        <p:txBody>
+          <a:bodyPr rtlCol="0" anchor="ctr"/>
+          <a:lstStyle/>
+          <a:p>
+            <a:pPr algn="ctr"/>
+            <a:endParaRPr lang="en-US"/>
+          </a:p>
+        </p:txBody>
+      </p:sp>
+    </p:spTree>
+    <p:extLst>
+      <p:ext uri="{BB962C8B-B14F-4D97-AF65-F5344CB8AC3E}">
+        <p14:creationId xmlns:p14="http://schemas.microsoft.com/office/powerpoint/2010/main" val="1413906740"/>
+      </p:ext>
+    </p:extLst>
+  </p:cSld>
+  <p:clrMapOvr>
+    <a:masterClrMapping/>
+  </p:clrMapOvr>
+</p:sld>
+</file>
+
+<file path=ppt/slides/slide17.xml><?xml version="1.0" encoding="utf-8"?>
+<p:sld xmlns:a="http://schemas.openxmlformats.org/drawingml/2006/main" xmlns:r="http://schemas.openxmlformats.org/officeDocument/2006/relationships" xmlns:p="http://schemas.openxmlformats.org/presentationml/2006/main">
+  <p:cSld>
+    <p:spTree>
+      <p:nvGrpSpPr>
+        <p:cNvPr id="1" name=""/>
+        <p:cNvGrpSpPr/>
+        <p:nvPr/>
+      </p:nvGrpSpPr>
+      <p:grpSpPr>
+        <a:xfrm>
+          <a:off x="0" y="0"/>
+          <a:ext cx="0" cy="0"/>
+          <a:chOff x="0" y="0"/>
+          <a:chExt cx="0" cy="0"/>
+        </a:xfrm>
+      </p:grpSpPr>
+      <p:sp>
+        <p:nvSpPr>
+          <p:cNvPr id="4" name="Rectangle 3"/>
+          <p:cNvSpPr/>
+          <p:nvPr/>
+        </p:nvSpPr>
+        <p:spPr>
+          <a:xfrm>
+            <a:off x="4428158" y="3527341"/>
+            <a:ext cx="2651848" cy="838200"/>
+          </a:xfrm>
+          <a:prstGeom prst="rect">
+            <a:avLst/>
+          </a:prstGeom>
+        </p:spPr>
+        <p:style>
+          <a:lnRef idx="2">
+            <a:schemeClr val="accent1">
+              <a:shade val="50000"/>
+            </a:schemeClr>
+          </a:lnRef>
+          <a:fillRef idx="1">
+            <a:schemeClr val="accent1"/>
+          </a:fillRef>
+          <a:effectRef idx="0">
+            <a:schemeClr val="accent1"/>
+          </a:effectRef>
+          <a:fontRef idx="minor">
+            <a:schemeClr val="lt1"/>
+          </a:fontRef>
+        </p:style>
+        <p:txBody>
+          <a:bodyPr rtlCol="0" anchor="ctr"/>
+          <a:lstStyle/>
+          <a:p>
+            <a:pPr algn="ctr"/>
+            <a:endParaRPr lang="en-US"/>
+          </a:p>
+        </p:txBody>
+      </p:sp>
+      <p:sp>
+        <p:nvSpPr>
+          <p:cNvPr id="7" name="Rectangle 6"/>
+          <p:cNvSpPr/>
+          <p:nvPr/>
+        </p:nvSpPr>
+        <p:spPr>
+          <a:xfrm rot="18672083">
+            <a:off x="2690995" y="2495966"/>
+            <a:ext cx="1379725" cy="919817"/>
+          </a:xfrm>
+          <a:prstGeom prst="rect">
+            <a:avLst/>
+          </a:prstGeom>
+        </p:spPr>
+        <p:style>
+          <a:lnRef idx="2">
+            <a:schemeClr val="accent1">
+              <a:shade val="50000"/>
+            </a:schemeClr>
+          </a:lnRef>
+          <a:fillRef idx="1">
+            <a:schemeClr val="accent1"/>
+          </a:fillRef>
+          <a:effectRef idx="0">
+            <a:schemeClr val="accent1"/>
+          </a:effectRef>
+          <a:fontRef idx="minor">
+            <a:schemeClr val="lt1"/>
+          </a:fontRef>
+        </p:style>
+        <p:txBody>
+          <a:bodyPr rtlCol="0" anchor="ctr"/>
+          <a:lstStyle/>
+          <a:p>
+            <a:pPr algn="ctr"/>
+            <a:endParaRPr lang="en-US"/>
+          </a:p>
+        </p:txBody>
+      </p:sp>
+    </p:spTree>
+    <p:extLst>
+      <p:ext uri="{BB962C8B-B14F-4D97-AF65-F5344CB8AC3E}">
+        <p14:creationId xmlns:p14="http://schemas.microsoft.com/office/powerpoint/2010/main" val="2751601864"/>
+      </p:ext>
+    </p:extLst>
+  </p:cSld>
+  <p:clrMapOvr>
+    <a:masterClrMapping/>
+  </p:clrMapOvr>
+</p:sld>
+</file>
+
+<file path=ppt/slides/slide18.xml><?xml version="1.0" encoding="utf-8"?>
+<p:sld xmlns:a="http://schemas.openxmlformats.org/drawingml/2006/main" xmlns:r="http://schemas.openxmlformats.org/officeDocument/2006/relationships" xmlns:p="http://schemas.openxmlformats.org/presentationml/2006/main">
+  <p:cSld>
+    <p:spTree>
+      <p:nvGrpSpPr>
+        <p:cNvPr id="1" name=""/>
+        <p:cNvGrpSpPr/>
+        <p:nvPr/>
+      </p:nvGrpSpPr>
+      <p:grpSpPr>
+        <a:xfrm>
+          <a:off x="0" y="0"/>
+          <a:ext cx="0" cy="0"/>
+          <a:chOff x="0" y="0"/>
+          <a:chExt cx="0" cy="0"/>
+        </a:xfrm>
+      </p:grpSpPr>
+      <p:sp>
+        <p:nvSpPr>
+          <p:cNvPr id="4" name="Rectangle 3"/>
+          <p:cNvSpPr/>
+          <p:nvPr/>
+        </p:nvSpPr>
+        <p:spPr>
+          <a:xfrm>
+            <a:off x="5479101" y="3930238"/>
+            <a:ext cx="2651848" cy="838200"/>
+          </a:xfrm>
+          <a:prstGeom prst="rect">
+            <a:avLst/>
+          </a:prstGeom>
+        </p:spPr>
+        <p:style>
+          <a:lnRef idx="2">
+            <a:schemeClr val="accent1">
+              <a:shade val="50000"/>
+            </a:schemeClr>
+          </a:lnRef>
+          <a:fillRef idx="1">
+            <a:schemeClr val="accent1"/>
+          </a:fillRef>
+          <a:effectRef idx="0">
+            <a:schemeClr val="accent1"/>
+          </a:effectRef>
+          <a:fontRef idx="minor">
+            <a:schemeClr val="lt1"/>
+          </a:fontRef>
+        </p:style>
+        <p:txBody>
+          <a:bodyPr rtlCol="0" anchor="ctr"/>
+          <a:lstStyle/>
+          <a:p>
+            <a:pPr algn="ctr"/>
+            <a:endParaRPr lang="en-US"/>
+          </a:p>
+        </p:txBody>
+      </p:sp>
+      <p:sp>
+        <p:nvSpPr>
+          <p:cNvPr id="7" name="Rectangle 6"/>
+          <p:cNvSpPr/>
+          <p:nvPr/>
+        </p:nvSpPr>
+        <p:spPr>
+          <a:xfrm rot="18672083">
+            <a:off x="1640052" y="2093069"/>
+            <a:ext cx="1379725" cy="919817"/>
+          </a:xfrm>
+          <a:prstGeom prst="rect">
+            <a:avLst/>
+          </a:prstGeom>
+        </p:spPr>
+        <p:style>
+          <a:lnRef idx="2">
+            <a:schemeClr val="accent1">
+              <a:shade val="50000"/>
+            </a:schemeClr>
+          </a:lnRef>
+          <a:fillRef idx="1">
+            <a:schemeClr val="accent1"/>
+          </a:fillRef>
+          <a:effectRef idx="0">
+            <a:schemeClr val="accent1"/>
+          </a:effectRef>
+          <a:fontRef idx="minor">
+            <a:schemeClr val="lt1"/>
+          </a:fontRef>
+        </p:style>
+        <p:txBody>
+          <a:bodyPr rtlCol="0" anchor="ctr"/>
+          <a:lstStyle/>
+          <a:p>
+            <a:pPr algn="ctr"/>
+            <a:endParaRPr lang="en-US"/>
+          </a:p>
+        </p:txBody>
+      </p:sp>
+    </p:spTree>
+    <p:extLst>
+      <p:ext uri="{BB962C8B-B14F-4D97-AF65-F5344CB8AC3E}">
+        <p14:creationId xmlns:p14="http://schemas.microsoft.com/office/powerpoint/2010/main" val="3598530194"/>
+      </p:ext>
+    </p:extLst>
+  </p:cSld>
+  <p:clrMapOvr>
+    <a:masterClrMapping/>
+  </p:clrMapOvr>
+</p:sld>
+</file>
+
+<file path=ppt/slides/slide19.xml><?xml version="1.0" encoding="utf-8"?>
+<p:sld xmlns:a="http://schemas.openxmlformats.org/drawingml/2006/main" xmlns:r="http://schemas.openxmlformats.org/officeDocument/2006/relationships" xmlns:p="http://schemas.openxmlformats.org/presentationml/2006/main">
+  <p:cSld>
+    <p:spTree>
+      <p:nvGrpSpPr>
+        <p:cNvPr id="1" name=""/>
+        <p:cNvGrpSpPr/>
+        <p:nvPr/>
+      </p:nvGrpSpPr>
+      <p:grpSpPr>
+        <a:xfrm>
+          <a:off x="0" y="0"/>
+          <a:ext cx="0" cy="0"/>
+          <a:chOff x="0" y="0"/>
+          <a:chExt cx="0" cy="0"/>
+        </a:xfrm>
+      </p:grpSpPr>
+      <p:sp>
+        <p:nvSpPr>
+          <p:cNvPr id="4" name="Rectangle 3"/>
+          <p:cNvSpPr/>
+          <p:nvPr/>
+        </p:nvSpPr>
+        <p:spPr>
+          <a:xfrm>
+            <a:off x="4428158" y="3930238"/>
+            <a:ext cx="2651848" cy="838200"/>
+          </a:xfrm>
+          <a:prstGeom prst="rect">
+            <a:avLst/>
+          </a:prstGeom>
+        </p:spPr>
+        <p:style>
+          <a:lnRef idx="2">
+            <a:schemeClr val="accent1">
+              <a:shade val="50000"/>
+            </a:schemeClr>
+          </a:lnRef>
+          <a:fillRef idx="1">
+            <a:schemeClr val="accent1"/>
+          </a:fillRef>
+          <a:effectRef idx="0">
+            <a:schemeClr val="accent1"/>
+          </a:effectRef>
+          <a:fontRef idx="minor">
+            <a:schemeClr val="lt1"/>
+          </a:fontRef>
+        </p:style>
+        <p:txBody>
+          <a:bodyPr rtlCol="0" anchor="ctr"/>
+          <a:lstStyle/>
+          <a:p>
+            <a:pPr algn="ctr"/>
+            <a:endParaRPr lang="en-US"/>
+          </a:p>
+        </p:txBody>
+      </p:sp>
+      <p:sp>
+        <p:nvSpPr>
+          <p:cNvPr id="7" name="Rectangle 6"/>
+          <p:cNvSpPr/>
+          <p:nvPr/>
+        </p:nvSpPr>
+        <p:spPr>
+          <a:xfrm rot="18672083">
+            <a:off x="2690995" y="2093069"/>
+            <a:ext cx="1379725" cy="919817"/>
+          </a:xfrm>
+          <a:prstGeom prst="rect">
+            <a:avLst/>
+          </a:prstGeom>
+        </p:spPr>
+        <p:style>
+          <a:lnRef idx="2">
+            <a:schemeClr val="accent1">
+              <a:shade val="50000"/>
+            </a:schemeClr>
+          </a:lnRef>
+          <a:fillRef idx="1">
+            <a:schemeClr val="accent1"/>
+          </a:fillRef>
+          <a:effectRef idx="0">
+            <a:schemeClr val="accent1"/>
+          </a:effectRef>
+          <a:fontRef idx="minor">
+            <a:schemeClr val="lt1"/>
+          </a:fontRef>
+        </p:style>
+        <p:txBody>
+          <a:bodyPr rtlCol="0" anchor="ctr"/>
+          <a:lstStyle/>
+          <a:p>
+            <a:pPr algn="ctr"/>
+            <a:endParaRPr lang="en-US"/>
+          </a:p>
+        </p:txBody>
+      </p:sp>
+    </p:spTree>
+    <p:extLst>
+      <p:ext uri="{BB962C8B-B14F-4D97-AF65-F5344CB8AC3E}">
+        <p14:creationId xmlns:p14="http://schemas.microsoft.com/office/powerpoint/2010/main" val="1721218249"/>
+      </p:ext>
+    </p:extLst>
+  </p:cSld>
+  <p:clrMapOvr>
+    <a:masterClrMapping/>
+  </p:clrMapOvr>
+</p:sld>
+</file>
+
+<file path=ppt/slides/slide2.xml><?xml version="1.0" encoding="utf-8"?>
+<p:sld xmlns:a="http://schemas.openxmlformats.org/drawingml/2006/main" xmlns:r="http://schemas.openxmlformats.org/officeDocument/2006/relationships" xmlns:p="http://schemas.openxmlformats.org/presentationml/2006/main">
+  <p:cSld>
+    <p:bg>
+      <p:bgPr>
+        <a:solidFill>
+          <a:schemeClr val="accent6">
+            <a:lumMod val="75000"/>
+          </a:schemeClr>
+        </a:solidFill>
+        <a:effectLst/>
+      </p:bgPr>
+    </p:bg>
+    <p:spTree>
+      <p:nvGrpSpPr>
+        <p:cNvPr id="1" name=""/>
+        <p:cNvGrpSpPr/>
+        <p:nvPr/>
+      </p:nvGrpSpPr>
+      <p:grpSpPr>
+        <a:xfrm>
+          <a:off x="0" y="0"/>
+          <a:ext cx="0" cy="0"/>
+          <a:chOff x="0" y="0"/>
+          <a:chExt cx="0" cy="0"/>
+        </a:xfrm>
+      </p:grpSpPr>
+      <p:sp>
+        <p:nvSpPr>
+          <p:cNvPr id="2" name="Title 1"/>
+          <p:cNvSpPr>
+            <a:spLocks noGrp="1"/>
+          </p:cNvSpPr>
+          <p:nvPr>
+            <p:ph type="title"/>
+          </p:nvPr>
+        </p:nvSpPr>
+        <p:spPr>
+          <a:xfrm>
+            <a:off x="381000" y="609600"/>
+            <a:ext cx="8229600" cy="1143000"/>
+          </a:xfrm>
+        </p:spPr>
+        <p:txBody>
+          <a:bodyPr>
+            <a:noAutofit/>
+          </a:bodyPr>
+          <a:lstStyle/>
+          <a:p>
+            <a:pPr algn="l"/>
+            <a:r>
+              <a:rPr lang="en-US" sz="7200" dirty="0">
+                <a:solidFill>
+                  <a:schemeClr val="bg1"/>
+                </a:solidFill>
+              </a:rPr>
+              <a:t>Reorder</a:t>
+            </a:r>
+            <a:endParaRPr lang="en-SG" sz="7200" dirty="0">
+              <a:solidFill>
+                <a:schemeClr val="bg1"/>
+              </a:solidFill>
+            </a:endParaRPr>
+          </a:p>
+        </p:txBody>
+      </p:sp>
+      <p:sp>
+        <p:nvSpPr>
+          <p:cNvPr id="3" name="text 5"/>
+          <p:cNvSpPr txBox="1"/>
+          <p:nvPr/>
+        </p:nvSpPr>
+        <p:spPr>
+          <a:xfrm>
+            <a:off x="542636" y="2819400"/>
+            <a:ext cx="7620000" cy="1938992"/>
+          </a:xfrm>
+          <a:prstGeom prst="rect">
+            <a:avLst/>
+          </a:prstGeom>
+          <a:noFill/>
+        </p:spPr>
+        <p:txBody>
+          <a:bodyPr wrap="square" rtlCol="0">
+            <a:spAutoFit/>
+          </a:bodyPr>
+          <a:lstStyle/>
+          <a:p>
+            <a:r>
+              <a:rPr lang="en-US" sz="2400" b="1" dirty="0">
+                <a:solidFill>
+                  <a:schemeClr val="bg1"/>
+                </a:solidFill>
+              </a:rPr>
+              <a:t>Additional instructions:</a:t>
+            </a:r>
+          </a:p>
+          <a:p>
+            <a:pPr marL="285750" indent="-285750">
+              <a:buFont typeface="Arial" panose="020B0604020202020204" pitchFamily="34" charset="0"/>
+              <a:buChar char="•"/>
+            </a:pPr>
+            <a:r>
+              <a:rPr lang="en-US" sz="2400" dirty="0">
+                <a:solidFill>
+                  <a:schemeClr val="bg1"/>
+                </a:solidFill>
+              </a:rPr>
+              <a:t>Select the </a:t>
+            </a:r>
+            <a:r>
+              <a:rPr lang="en-US" sz="2400" b="1" dirty="0">
+                <a:solidFill>
+                  <a:schemeClr val="bg1"/>
+                </a:solidFill>
+              </a:rPr>
+              <a:t>Shape/Shapes</a:t>
+            </a:r>
+            <a:r>
+              <a:rPr lang="en-US" sz="2400" dirty="0">
+                <a:solidFill>
+                  <a:schemeClr val="bg1"/>
+                </a:solidFill>
+              </a:rPr>
+              <a:t>.</a:t>
+            </a:r>
+          </a:p>
+          <a:p>
+            <a:pPr marL="285750" indent="-285750">
+              <a:buFont typeface="Arial" panose="020B0604020202020204" pitchFamily="34" charset="0"/>
+              <a:buChar char="•"/>
+            </a:pPr>
+            <a:r>
+              <a:rPr lang="en-US" sz="2400" dirty="0">
+                <a:solidFill>
+                  <a:schemeClr val="bg1"/>
+                </a:solidFill>
+              </a:rPr>
+              <a:t>Click </a:t>
+            </a:r>
+            <a:r>
+              <a:rPr lang="en-US" sz="2400" dirty="0" err="1">
+                <a:solidFill>
+                  <a:schemeClr val="bg1"/>
+                </a:solidFill>
+              </a:rPr>
+              <a:t>PositionsLab</a:t>
+            </a:r>
+            <a:r>
+              <a:rPr lang="en-US" sz="2400" dirty="0">
+                <a:solidFill>
+                  <a:schemeClr val="bg1"/>
+                </a:solidFill>
+              </a:rPr>
+              <a:t> Ribbon button.</a:t>
+            </a:r>
+          </a:p>
+          <a:p>
+            <a:pPr marL="285750" indent="-285750">
+              <a:buFont typeface="Arial" panose="020B0604020202020204" pitchFamily="34" charset="0"/>
+              <a:buChar char="•"/>
+            </a:pPr>
+            <a:r>
+              <a:rPr lang="en-US" sz="2400" dirty="0">
+                <a:solidFill>
+                  <a:schemeClr val="bg1"/>
+                </a:solidFill>
+              </a:rPr>
+              <a:t>Apply </a:t>
+            </a:r>
+            <a:r>
+              <a:rPr lang="en-US" sz="2400" b="1" dirty="0">
+                <a:solidFill>
+                  <a:schemeClr val="bg1"/>
+                </a:solidFill>
+              </a:rPr>
+              <a:t>Swap </a:t>
+            </a:r>
+            <a:r>
+              <a:rPr lang="en-US" sz="2400" dirty="0">
+                <a:solidFill>
+                  <a:schemeClr val="bg1"/>
+                </a:solidFill>
+              </a:rPr>
+              <a:t>to the Shape/Shapes</a:t>
+            </a:r>
+          </a:p>
+          <a:p>
+            <a:pPr marL="285750" indent="-285750">
+              <a:buFont typeface="Arial" panose="020B0604020202020204" pitchFamily="34" charset="0"/>
+              <a:buChar char="•"/>
+            </a:pPr>
+            <a:r>
+              <a:rPr lang="en-US" sz="2400" dirty="0">
+                <a:solidFill>
+                  <a:schemeClr val="bg1"/>
+                </a:solidFill>
+              </a:rPr>
+              <a:t>Compare the result with the expected output.</a:t>
+            </a:r>
+          </a:p>
+        </p:txBody>
+      </p:sp>
+    </p:spTree>
+    <p:extLst>
+      <p:ext uri="{BB962C8B-B14F-4D97-AF65-F5344CB8AC3E}">
+        <p14:creationId xmlns:p14="http://schemas.microsoft.com/office/powerpoint/2010/main" val="1569131388"/>
+      </p:ext>
+    </p:extLst>
+  </p:cSld>
+  <p:clrMapOvr>
+    <a:masterClrMapping/>
+  </p:clrMapOvr>
+</p:sld>
+</file>
+
+<file path=ppt/slides/slide20.xml><?xml version="1.0" encoding="utf-8"?>
+<p:sld xmlns:a="http://schemas.openxmlformats.org/drawingml/2006/main" xmlns:r="http://schemas.openxmlformats.org/officeDocument/2006/relationships" xmlns:p="http://schemas.openxmlformats.org/presentationml/2006/main">
+  <p:cSld>
+    <p:spTree>
+      <p:nvGrpSpPr>
+        <p:cNvPr id="1" name=""/>
+        <p:cNvGrpSpPr/>
+        <p:nvPr/>
+      </p:nvGrpSpPr>
+      <p:grpSpPr>
+        <a:xfrm>
+          <a:off x="0" y="0"/>
+          <a:ext cx="0" cy="0"/>
+          <a:chOff x="0" y="0"/>
+          <a:chExt cx="0" cy="0"/>
+        </a:xfrm>
+      </p:grpSpPr>
+      <p:sp>
+        <p:nvSpPr>
+          <p:cNvPr id="4" name="Rectangle 3"/>
+          <p:cNvSpPr/>
+          <p:nvPr/>
+        </p:nvSpPr>
+        <p:spPr>
+          <a:xfrm>
+            <a:off x="5479101" y="4333135"/>
+            <a:ext cx="2651848" cy="838200"/>
+          </a:xfrm>
+          <a:prstGeom prst="rect">
+            <a:avLst/>
+          </a:prstGeom>
+        </p:spPr>
+        <p:style>
+          <a:lnRef idx="2">
+            <a:schemeClr val="accent1">
+              <a:shade val="50000"/>
+            </a:schemeClr>
+          </a:lnRef>
+          <a:fillRef idx="1">
+            <a:schemeClr val="accent1"/>
+          </a:fillRef>
+          <a:effectRef idx="0">
+            <a:schemeClr val="accent1"/>
+          </a:effectRef>
+          <a:fontRef idx="minor">
+            <a:schemeClr val="lt1"/>
+          </a:fontRef>
+        </p:style>
+        <p:txBody>
+          <a:bodyPr rtlCol="0" anchor="ctr"/>
+          <a:lstStyle/>
+          <a:p>
+            <a:pPr algn="ctr"/>
+            <a:endParaRPr lang="en-US"/>
+          </a:p>
+        </p:txBody>
+      </p:sp>
+      <p:sp>
+        <p:nvSpPr>
+          <p:cNvPr id="7" name="Rectangle 6"/>
+          <p:cNvSpPr/>
+          <p:nvPr/>
+        </p:nvSpPr>
+        <p:spPr>
+          <a:xfrm rot="18672083">
+            <a:off x="1640052" y="1690172"/>
+            <a:ext cx="1379725" cy="919817"/>
+          </a:xfrm>
+          <a:prstGeom prst="rect">
+            <a:avLst/>
+          </a:prstGeom>
+        </p:spPr>
+        <p:style>
+          <a:lnRef idx="2">
+            <a:schemeClr val="accent1">
+              <a:shade val="50000"/>
+            </a:schemeClr>
+          </a:lnRef>
+          <a:fillRef idx="1">
+            <a:schemeClr val="accent1"/>
+          </a:fillRef>
+          <a:effectRef idx="0">
+            <a:schemeClr val="accent1"/>
+          </a:effectRef>
+          <a:fontRef idx="minor">
+            <a:schemeClr val="lt1"/>
+          </a:fontRef>
+        </p:style>
+        <p:txBody>
+          <a:bodyPr rtlCol="0" anchor="ctr"/>
+          <a:lstStyle/>
+          <a:p>
+            <a:pPr algn="ctr"/>
+            <a:endParaRPr lang="en-US"/>
+          </a:p>
+        </p:txBody>
+      </p:sp>
+    </p:spTree>
+    <p:extLst>
+      <p:ext uri="{BB962C8B-B14F-4D97-AF65-F5344CB8AC3E}">
+        <p14:creationId xmlns:p14="http://schemas.microsoft.com/office/powerpoint/2010/main" val="2227193190"/>
+      </p:ext>
+    </p:extLst>
+  </p:cSld>
+  <p:clrMapOvr>
+    <a:masterClrMapping/>
+  </p:clrMapOvr>
+</p:sld>
+</file>
+
+<file path=ppt/slides/slide21.xml><?xml version="1.0" encoding="utf-8"?>
+<p:sld xmlns:a="http://schemas.openxmlformats.org/drawingml/2006/main" xmlns:r="http://schemas.openxmlformats.org/officeDocument/2006/relationships" xmlns:p="http://schemas.openxmlformats.org/presentationml/2006/main">
+  <p:cSld>
+    <p:spTree>
+      <p:nvGrpSpPr>
+        <p:cNvPr id="1" name=""/>
+        <p:cNvGrpSpPr/>
+        <p:nvPr/>
+      </p:nvGrpSpPr>
+      <p:grpSpPr>
+        <a:xfrm>
+          <a:off x="0" y="0"/>
+          <a:ext cx="0" cy="0"/>
+          <a:chOff x="0" y="0"/>
+          <a:chExt cx="0" cy="0"/>
+        </a:xfrm>
+      </p:grpSpPr>
+      <p:sp>
+        <p:nvSpPr>
+          <p:cNvPr id="4" name="Rectangle 3"/>
+          <p:cNvSpPr/>
+          <p:nvPr/>
+        </p:nvSpPr>
+        <p:spPr>
+          <a:xfrm>
+            <a:off x="4953629" y="4333135"/>
+            <a:ext cx="2651848" cy="838200"/>
+          </a:xfrm>
+          <a:prstGeom prst="rect">
+            <a:avLst/>
+          </a:prstGeom>
+        </p:spPr>
+        <p:style>
+          <a:lnRef idx="2">
+            <a:schemeClr val="accent1">
+              <a:shade val="50000"/>
+            </a:schemeClr>
+          </a:lnRef>
+          <a:fillRef idx="1">
+            <a:schemeClr val="accent1"/>
+          </a:fillRef>
+          <a:effectRef idx="0">
+            <a:schemeClr val="accent1"/>
+          </a:effectRef>
+          <a:fontRef idx="minor">
+            <a:schemeClr val="lt1"/>
+          </a:fontRef>
+        </p:style>
+        <p:txBody>
+          <a:bodyPr rtlCol="0" anchor="ctr"/>
+          <a:lstStyle/>
+          <a:p>
+            <a:pPr algn="ctr"/>
+            <a:endParaRPr lang="en-US"/>
+          </a:p>
+        </p:txBody>
+      </p:sp>
+      <p:sp>
+        <p:nvSpPr>
+          <p:cNvPr id="7" name="Rectangle 6"/>
+          <p:cNvSpPr/>
+          <p:nvPr/>
+        </p:nvSpPr>
+        <p:spPr>
+          <a:xfrm rot="18672083">
+            <a:off x="2165524" y="1690172"/>
+            <a:ext cx="1379725" cy="919817"/>
+          </a:xfrm>
+          <a:prstGeom prst="rect">
+            <a:avLst/>
+          </a:prstGeom>
+        </p:spPr>
+        <p:style>
+          <a:lnRef idx="2">
+            <a:schemeClr val="accent1">
+              <a:shade val="50000"/>
+            </a:schemeClr>
+          </a:lnRef>
+          <a:fillRef idx="1">
+            <a:schemeClr val="accent1"/>
+          </a:fillRef>
+          <a:effectRef idx="0">
+            <a:schemeClr val="accent1"/>
+          </a:effectRef>
+          <a:fontRef idx="minor">
+            <a:schemeClr val="lt1"/>
+          </a:fontRef>
+        </p:style>
+        <p:txBody>
+          <a:bodyPr rtlCol="0" anchor="ctr"/>
+          <a:lstStyle/>
+          <a:p>
+            <a:pPr algn="ctr"/>
+            <a:endParaRPr lang="en-US"/>
+          </a:p>
+        </p:txBody>
+      </p:sp>
+    </p:spTree>
+    <p:extLst>
+      <p:ext uri="{BB962C8B-B14F-4D97-AF65-F5344CB8AC3E}">
+        <p14:creationId xmlns:p14="http://schemas.microsoft.com/office/powerpoint/2010/main" val="1043428191"/>
+      </p:ext>
+    </p:extLst>
+  </p:cSld>
+  <p:clrMapOvr>
+    <a:masterClrMapping/>
+  </p:clrMapOvr>
+</p:sld>
+</file>
+
+<file path=ppt/slides/slide22.xml><?xml version="1.0" encoding="utf-8"?>
+<p:sld xmlns:a="http://schemas.openxmlformats.org/drawingml/2006/main" xmlns:r="http://schemas.openxmlformats.org/officeDocument/2006/relationships" xmlns:p="http://schemas.openxmlformats.org/presentationml/2006/main">
+  <p:cSld>
+    <p:spTree>
+      <p:nvGrpSpPr>
+        <p:cNvPr id="1" name=""/>
+        <p:cNvGrpSpPr/>
+        <p:nvPr/>
+      </p:nvGrpSpPr>
+      <p:grpSpPr>
+        <a:xfrm>
+          <a:off x="0" y="0"/>
+          <a:ext cx="0" cy="0"/>
+          <a:chOff x="0" y="0"/>
+          <a:chExt cx="0" cy="0"/>
+        </a:xfrm>
+      </p:grpSpPr>
+      <p:sp>
+        <p:nvSpPr>
+          <p:cNvPr id="4" name="Rectangle 3"/>
+          <p:cNvSpPr/>
+          <p:nvPr/>
+        </p:nvSpPr>
+        <p:spPr>
+          <a:xfrm>
+            <a:off x="4428158" y="4333135"/>
+            <a:ext cx="2651848" cy="838200"/>
+          </a:xfrm>
+          <a:prstGeom prst="rect">
+            <a:avLst/>
+          </a:prstGeom>
+        </p:spPr>
+        <p:style>
+          <a:lnRef idx="2">
+            <a:schemeClr val="accent1">
+              <a:shade val="50000"/>
+            </a:schemeClr>
+          </a:lnRef>
+          <a:fillRef idx="1">
+            <a:schemeClr val="accent1"/>
+          </a:fillRef>
+          <a:effectRef idx="0">
+            <a:schemeClr val="accent1"/>
+          </a:effectRef>
+          <a:fontRef idx="minor">
+            <a:schemeClr val="lt1"/>
+          </a:fontRef>
+        </p:style>
+        <p:txBody>
+          <a:bodyPr rtlCol="0" anchor="ctr"/>
+          <a:lstStyle/>
+          <a:p>
+            <a:pPr algn="ctr"/>
+            <a:endParaRPr lang="en-US"/>
+          </a:p>
+        </p:txBody>
+      </p:sp>
+      <p:sp>
+        <p:nvSpPr>
+          <p:cNvPr id="7" name="Rectangle 6"/>
+          <p:cNvSpPr/>
+          <p:nvPr/>
+        </p:nvSpPr>
+        <p:spPr>
+          <a:xfrm rot="18672083">
+            <a:off x="2690995" y="1690172"/>
+            <a:ext cx="1379725" cy="919817"/>
+          </a:xfrm>
+          <a:prstGeom prst="rect">
+            <a:avLst/>
+          </a:prstGeom>
+        </p:spPr>
+        <p:style>
+          <a:lnRef idx="2">
+            <a:schemeClr val="accent1">
+              <a:shade val="50000"/>
+            </a:schemeClr>
+          </a:lnRef>
+          <a:fillRef idx="1">
+            <a:schemeClr val="accent1"/>
+          </a:fillRef>
+          <a:effectRef idx="0">
+            <a:schemeClr val="accent1"/>
+          </a:effectRef>
+          <a:fontRef idx="minor">
+            <a:schemeClr val="lt1"/>
+          </a:fontRef>
+        </p:style>
+        <p:txBody>
+          <a:bodyPr rtlCol="0" anchor="ctr"/>
+          <a:lstStyle/>
+          <a:p>
+            <a:pPr algn="ctr"/>
+            <a:endParaRPr lang="en-US"/>
+          </a:p>
+        </p:txBody>
+      </p:sp>
+    </p:spTree>
+    <p:extLst>
+      <p:ext uri="{BB962C8B-B14F-4D97-AF65-F5344CB8AC3E}">
+        <p14:creationId xmlns:p14="http://schemas.microsoft.com/office/powerpoint/2010/main" val="3234746032"/>
+      </p:ext>
+    </p:extLst>
+  </p:cSld>
+  <p:clrMapOvr>
+    <a:masterClrMapping/>
+  </p:clrMapOvr>
+</p:sld>
+</file>
+
+<file path=ppt/slides/slide23.xml><?xml version="1.0" encoding="utf-8"?>
 <p:sld xmlns:a="http://schemas.openxmlformats.org/drawingml/2006/main" xmlns:r="http://schemas.openxmlformats.org/officeDocument/2006/relationships" xmlns:p="http://schemas.openxmlformats.org/presentationml/2006/main" show="0">
   <p:cSld name="PPAck201403240026082737">
     <p:spTree>
@@ -11467,222 +11275,6 @@
 </p:sld>
 </file>
 
-<file path=ppt/slides/slide2.xml><?xml version="1.0" encoding="utf-8"?>
-<p:sld xmlns:a="http://schemas.openxmlformats.org/drawingml/2006/main" xmlns:r="http://schemas.openxmlformats.org/officeDocument/2006/relationships" xmlns:p="http://schemas.openxmlformats.org/presentationml/2006/main">
-  <p:cSld>
-    <p:bg>
-      <p:bgPr>
-        <a:solidFill>
-          <a:schemeClr val="accent6">
-            <a:lumMod val="75000"/>
-          </a:schemeClr>
-        </a:solidFill>
-        <a:effectLst/>
-      </p:bgPr>
-    </p:bg>
-    <p:spTree>
-      <p:nvGrpSpPr>
-        <p:cNvPr id="1" name=""/>
-        <p:cNvGrpSpPr/>
-        <p:nvPr/>
-      </p:nvGrpSpPr>
-      <p:grpSpPr>
-        <a:xfrm>
-          <a:off x="0" y="0"/>
-          <a:ext cx="0" cy="0"/>
-          <a:chOff x="0" y="0"/>
-          <a:chExt cx="0" cy="0"/>
-        </a:xfrm>
-      </p:grpSpPr>
-      <p:sp>
-        <p:nvSpPr>
-          <p:cNvPr id="2" name="Title 1"/>
-          <p:cNvSpPr>
-            <a:spLocks noGrp="1"/>
-          </p:cNvSpPr>
-          <p:nvPr>
-            <p:ph type="title"/>
-          </p:nvPr>
-        </p:nvSpPr>
-        <p:spPr>
-          <a:xfrm>
-            <a:off x="381000" y="609600"/>
-            <a:ext cx="8229600" cy="1143000"/>
-          </a:xfrm>
-        </p:spPr>
-        <p:txBody>
-          <a:bodyPr>
-            <a:noAutofit/>
-          </a:bodyPr>
-          <a:lstStyle/>
-          <a:p>
-            <a:pPr algn="l"/>
-            <a:r>
-              <a:rPr lang="en-US" sz="7200" dirty="0" smtClean="0">
-                <a:solidFill>
-                  <a:schemeClr val="bg1"/>
-                </a:solidFill>
-              </a:rPr>
-              <a:t>Swap</a:t>
-            </a:r>
-            <a:endParaRPr lang="en-SG" sz="7200" dirty="0">
-              <a:solidFill>
-                <a:schemeClr val="bg1"/>
-              </a:solidFill>
-            </a:endParaRPr>
-          </a:p>
-        </p:txBody>
-      </p:sp>
-      <p:sp>
-        <p:nvSpPr>
-          <p:cNvPr id="3" name="text 5"/>
-          <p:cNvSpPr txBox="1"/>
-          <p:nvPr/>
-        </p:nvSpPr>
-        <p:spPr>
-          <a:xfrm>
-            <a:off x="542636" y="2819400"/>
-            <a:ext cx="7620000" cy="1938992"/>
-          </a:xfrm>
-          <a:prstGeom prst="rect">
-            <a:avLst/>
-          </a:prstGeom>
-          <a:noFill/>
-        </p:spPr>
-        <p:txBody>
-          <a:bodyPr wrap="square" rtlCol="0">
-            <a:spAutoFit/>
-          </a:bodyPr>
-          <a:lstStyle/>
-          <a:p>
-            <a:r>
-              <a:rPr lang="en-US" sz="2400" b="1" dirty="0">
-                <a:solidFill>
-                  <a:schemeClr val="bg1"/>
-                </a:solidFill>
-              </a:rPr>
-              <a:t>Additional instructions:</a:t>
-            </a:r>
-          </a:p>
-          <a:p>
-            <a:pPr marL="285750" indent="-285750">
-              <a:buFont typeface="Arial" panose="020B0604020202020204" pitchFamily="34" charset="0"/>
-              <a:buChar char="•"/>
-            </a:pPr>
-            <a:r>
-              <a:rPr lang="en-US" sz="2400" dirty="0">
-                <a:solidFill>
-                  <a:schemeClr val="bg1"/>
-                </a:solidFill>
-              </a:rPr>
-              <a:t>Select the </a:t>
-            </a:r>
-            <a:r>
-              <a:rPr lang="en-US" sz="2400" b="1" dirty="0">
-                <a:solidFill>
-                  <a:schemeClr val="bg1"/>
-                </a:solidFill>
-              </a:rPr>
-              <a:t>Shape/Shapes</a:t>
-            </a:r>
-            <a:r>
-              <a:rPr lang="en-US" sz="2400" dirty="0">
-                <a:solidFill>
-                  <a:schemeClr val="bg1"/>
-                </a:solidFill>
-              </a:rPr>
-              <a:t>.</a:t>
-            </a:r>
-          </a:p>
-          <a:p>
-            <a:pPr marL="285750" indent="-285750">
-              <a:buFont typeface="Arial" panose="020B0604020202020204" pitchFamily="34" charset="0"/>
-              <a:buChar char="•"/>
-            </a:pPr>
-            <a:r>
-              <a:rPr lang="en-US" sz="2400" dirty="0">
-                <a:solidFill>
-                  <a:schemeClr val="bg1"/>
-                </a:solidFill>
-              </a:rPr>
-              <a:t>Click </a:t>
-            </a:r>
-            <a:r>
-              <a:rPr lang="en-US" sz="2400" dirty="0" err="1">
-                <a:solidFill>
-                  <a:schemeClr val="bg1"/>
-                </a:solidFill>
-              </a:rPr>
-              <a:t>PositionsLab</a:t>
-            </a:r>
-            <a:r>
-              <a:rPr lang="en-US" sz="2400" dirty="0">
-                <a:solidFill>
-                  <a:schemeClr val="bg1"/>
-                </a:solidFill>
-              </a:rPr>
-              <a:t> Ribbon button.</a:t>
-            </a:r>
-          </a:p>
-          <a:p>
-            <a:pPr marL="285750" indent="-285750">
-              <a:buFont typeface="Arial" panose="020B0604020202020204" pitchFamily="34" charset="0"/>
-              <a:buChar char="•"/>
-            </a:pPr>
-            <a:r>
-              <a:rPr lang="en-US" sz="2400" dirty="0">
-                <a:solidFill>
-                  <a:schemeClr val="bg1"/>
-                </a:solidFill>
-              </a:rPr>
-              <a:t>Apply </a:t>
-            </a:r>
-            <a:r>
-              <a:rPr lang="en-US" sz="2400" b="1" dirty="0">
-                <a:solidFill>
-                  <a:schemeClr val="bg1"/>
-                </a:solidFill>
-              </a:rPr>
-              <a:t>Swap </a:t>
-            </a:r>
-            <a:r>
-              <a:rPr lang="en-US" sz="2400" dirty="0">
-                <a:solidFill>
-                  <a:schemeClr val="bg1"/>
-                </a:solidFill>
-              </a:rPr>
-              <a:t>to the Shape/Shapes</a:t>
-            </a:r>
-          </a:p>
-          <a:p>
-            <a:pPr marL="285750" indent="-285750">
-              <a:buFont typeface="Arial" panose="020B0604020202020204" pitchFamily="34" charset="0"/>
-              <a:buChar char="•"/>
-            </a:pPr>
-            <a:r>
-              <a:rPr lang="en-US" sz="2400" dirty="0">
-                <a:solidFill>
-                  <a:schemeClr val="bg1"/>
-                </a:solidFill>
-              </a:rPr>
-              <a:t>Compare the result with the expected output.</a:t>
-            </a:r>
-          </a:p>
-        </p:txBody>
-      </p:sp>
-    </p:spTree>
-    <p:extLst>
-      <p:ext uri="{BB962C8B-B14F-4D97-AF65-F5344CB8AC3E}">
-        <p14:creationId xmlns:p14="http://schemas.microsoft.com/office/powerpoint/2010/main" val="1569131388"/>
-      </p:ext>
-    </p:extLst>
-  </p:cSld>
-  <p:clrMapOvr>
-    <a:masterClrMapping/>
-  </p:clrMapOvr>
-</p:sld>
-</file>
-
 <file path=ppt/slides/slide3.xml><?xml version="1.0" encoding="utf-8"?>
 <p:sld xmlns:a="http://schemas.openxmlformats.org/drawingml/2006/main" xmlns:r="http://schemas.openxmlformats.org/officeDocument/2006/relationships" xmlns:p="http://schemas.openxmlformats.org/presentationml/2006/main">
   <p:cSld>
@@ -11702,14 +11294,14 @@
       </p:grpSpPr>
       <p:sp>
         <p:nvSpPr>
-          <p:cNvPr id="9" name="Square"/>
+          <p:cNvPr id="4" name="Rectangle 3"/>
           <p:cNvSpPr/>
           <p:nvPr/>
         </p:nvSpPr>
         <p:spPr>
           <a:xfrm>
-            <a:off x="3239930" y="1516938"/>
-            <a:ext cx="1828800" cy="1828800"/>
+            <a:off x="1529463" y="2133879"/>
+            <a:ext cx="2651848" cy="838200"/>
           </a:xfrm>
           <a:prstGeom prst="rect">
             <a:avLst/>
@@ -11742,87 +11334,14 @@
       </p:sp>
       <p:sp>
         <p:nvSpPr>
-          <p:cNvPr id="8" name="Arrow"/>
+          <p:cNvPr id="5" name="Oval 4"/>
           <p:cNvSpPr/>
           <p:nvPr/>
         </p:nvSpPr>
         <p:spPr>
           <a:xfrm>
-            <a:off x="4233387" y="1706344"/>
-            <a:ext cx="1828800" cy="1828800"/>
-          </a:xfrm>
-          <a:prstGeom prst="upArrow">
-            <a:avLst/>
-          </a:prstGeom>
-        </p:spPr>
-        <p:style>
-          <a:lnRef idx="2">
-            <a:schemeClr val="accent3">
-              <a:shade val="50000"/>
-            </a:schemeClr>
-          </a:lnRef>
-          <a:fillRef idx="1">
-            <a:schemeClr val="accent3"/>
-          </a:fillRef>
-          <a:effectRef idx="0">
-            <a:schemeClr val="accent3"/>
-          </a:effectRef>
-          <a:fontRef idx="minor">
-            <a:schemeClr val="lt1"/>
-          </a:fontRef>
-        </p:style>
-        <p:txBody>
-          <a:bodyPr rtlCol="0" anchor="ctr"/>
-          <a:lstStyle/>
-          <a:p>
-            <a:pPr algn="ctr"/>
-            <a:endParaRPr lang="en-US" dirty="0"/>
-          </a:p>
-        </p:txBody>
-      </p:sp>
-      <p:cxnSp>
-        <p:nvCxnSpPr>
-          <p:cNvPr id="3" name="Line"/>
-          <p:cNvCxnSpPr/>
-          <p:nvPr/>
-        </p:nvCxnSpPr>
-        <p:spPr>
-          <a:xfrm>
-            <a:off x="1905000" y="3023381"/>
-            <a:ext cx="5867400" cy="41362"/>
-          </a:xfrm>
-          <a:prstGeom prst="straightConnector1">
-            <a:avLst/>
-          </a:prstGeom>
-          <a:ln w="76200">
-            <a:tailEnd type="triangle"/>
-          </a:ln>
-        </p:spPr>
-        <p:style>
-          <a:lnRef idx="1">
-            <a:schemeClr val="dk1"/>
-          </a:lnRef>
-          <a:fillRef idx="0">
-            <a:schemeClr val="dk1"/>
-          </a:fillRef>
-          <a:effectRef idx="0">
-            <a:schemeClr val="dk1"/>
-          </a:effectRef>
-          <a:fontRef idx="minor">
-            <a:schemeClr val="tx1"/>
-          </a:fontRef>
-        </p:style>
-      </p:cxnSp>
-      <p:sp>
-        <p:nvSpPr>
-          <p:cNvPr id="7" name="Circle"/>
-          <p:cNvSpPr/>
-          <p:nvPr/>
-        </p:nvSpPr>
-        <p:spPr>
-          <a:xfrm>
-            <a:off x="3273743" y="2663469"/>
-            <a:ext cx="1828800" cy="1828800"/>
+            <a:off x="2365901" y="3445363"/>
+            <a:ext cx="978972" cy="978972"/>
           </a:xfrm>
           <a:prstGeom prst="ellipse">
             <a:avLst/>
@@ -11830,15 +11349,15 @@
         </p:spPr>
         <p:style>
           <a:lnRef idx="2">
-            <a:schemeClr val="accent2">
+            <a:schemeClr val="accent1">
               <a:shade val="50000"/>
             </a:schemeClr>
           </a:lnRef>
           <a:fillRef idx="1">
-            <a:schemeClr val="accent2"/>
+            <a:schemeClr val="accent1"/>
           </a:fillRef>
           <a:effectRef idx="0">
-            <a:schemeClr val="accent2"/>
+            <a:schemeClr val="accent1"/>
           </a:effectRef>
           <a:fontRef idx="minor">
             <a:schemeClr val="lt1"/>
@@ -11849,36 +11368,36 @@
           <a:lstStyle/>
           <a:p>
             <a:pPr algn="ctr"/>
-            <a:endParaRPr lang="en-US"/>
-          </a:p>
-        </p:txBody>
-      </p:sp>
-      <p:sp>
-        <p:nvSpPr>
-          <p:cNvPr id="10" name="Triangle"/>
+            <a:endParaRPr lang="en-US" dirty="0"/>
+          </a:p>
+        </p:txBody>
+      </p:sp>
+      <p:sp>
+        <p:nvSpPr>
+          <p:cNvPr id="6" name="Right Arrow 5"/>
           <p:cNvSpPr/>
           <p:nvPr/>
         </p:nvSpPr>
         <p:spPr>
-          <a:xfrm>
-            <a:off x="4495800" y="2895600"/>
-            <a:ext cx="1828800" cy="1828800"/>
+          <a:xfrm rot="18000000">
+            <a:off x="4087889" y="2847472"/>
+            <a:ext cx="2120755" cy="631714"/>
           </a:xfrm>
-          <a:prstGeom prst="triangle">
+          <a:prstGeom prst="rightArrow">
             <a:avLst/>
           </a:prstGeom>
         </p:spPr>
         <p:style>
           <a:lnRef idx="2">
-            <a:schemeClr val="accent4">
+            <a:schemeClr val="accent1">
               <a:shade val="50000"/>
             </a:schemeClr>
           </a:lnRef>
           <a:fillRef idx="1">
-            <a:schemeClr val="accent4"/>
+            <a:schemeClr val="accent1"/>
           </a:fillRef>
           <a:effectRef idx="0">
-            <a:schemeClr val="accent4"/>
+            <a:schemeClr val="accent1"/>
           </a:effectRef>
           <a:fontRef idx="minor">
             <a:schemeClr val="lt1"/>
@@ -11889,14 +11408,54 @@
           <a:lstStyle/>
           <a:p>
             <a:pPr algn="ctr"/>
-            <a:endParaRPr lang="en-US"/>
+            <a:endParaRPr lang="en-US" dirty="0"/>
+          </a:p>
+        </p:txBody>
+      </p:sp>
+      <p:sp>
+        <p:nvSpPr>
+          <p:cNvPr id="7" name="Rectangle 6"/>
+          <p:cNvSpPr/>
+          <p:nvPr/>
+        </p:nvSpPr>
+        <p:spPr>
+          <a:xfrm rot="18672083">
+            <a:off x="5589690" y="3889428"/>
+            <a:ext cx="1379725" cy="919817"/>
+          </a:xfrm>
+          <a:prstGeom prst="rect">
+            <a:avLst/>
+          </a:prstGeom>
+        </p:spPr>
+        <p:style>
+          <a:lnRef idx="2">
+            <a:schemeClr val="accent1">
+              <a:shade val="50000"/>
+            </a:schemeClr>
+          </a:lnRef>
+          <a:fillRef idx="1">
+            <a:schemeClr val="accent1"/>
+          </a:fillRef>
+          <a:effectRef idx="0">
+            <a:schemeClr val="accent1"/>
+          </a:effectRef>
+          <a:fontRef idx="minor">
+            <a:schemeClr val="lt1"/>
+          </a:fontRef>
+        </p:style>
+        <p:txBody>
+          <a:bodyPr rtlCol="0" anchor="ctr"/>
+          <a:lstStyle/>
+          <a:p>
+            <a:pPr algn="ctr"/>
+            <a:endParaRPr lang="en-US" dirty="0"/>
           </a:p>
         </p:txBody>
       </p:sp>
     </p:spTree>
     <p:extLst>
       <p:ext uri="{BB962C8B-B14F-4D97-AF65-F5344CB8AC3E}">
-        <p14:creationId xmlns:p14="http://schemas.microsoft.com/office/powerpoint/2010/main" val="2919657985"/>
+        <p14:creationId xmlns:p14="http://schemas.microsoft.com/office/powerpoint/2010/main" val="2427050807"/>
       </p:ext>
     </p:extLst>
   </p:cSld>
@@ -11939,12 +11498,8 @@
           <a:lstStyle/>
           <a:p>
             <a:r>
-              <a:rPr lang="en-US" dirty="0" smtClean="0"/>
-              <a:t>Swap:: </a:t>
-            </a:r>
-            <a:r>
               <a:rPr lang="en-US" dirty="0"/>
-              <a:t>Left to Right</a:t>
+              <a:t>Reorder:: Left to Right</a:t>
             </a:r>
             <a:endParaRPr lang="en-SG" dirty="0"/>
           </a:p>
@@ -12001,127 +11556,14 @@
       </p:grpSpPr>
       <p:sp>
         <p:nvSpPr>
-          <p:cNvPr id="15" name="Triangle"/>
+          <p:cNvPr id="4" name="Rectangle 3"/>
           <p:cNvSpPr/>
           <p:nvPr/>
         </p:nvSpPr>
         <p:spPr>
           <a:xfrm>
-            <a:off x="3239930" y="1516938"/>
-            <a:ext cx="1828800" cy="1828800"/>
-          </a:xfrm>
-          <a:prstGeom prst="triangle">
-            <a:avLst/>
-          </a:prstGeom>
-        </p:spPr>
-        <p:style>
-          <a:lnRef idx="2">
-            <a:schemeClr val="accent4">
-              <a:shade val="50000"/>
-            </a:schemeClr>
-          </a:lnRef>
-          <a:fillRef idx="1">
-            <a:schemeClr val="accent4"/>
-          </a:fillRef>
-          <a:effectRef idx="0">
-            <a:schemeClr val="accent4"/>
-          </a:effectRef>
-          <a:fontRef idx="minor">
-            <a:schemeClr val="lt1"/>
-          </a:fontRef>
-        </p:style>
-        <p:txBody>
-          <a:bodyPr rtlCol="0" anchor="ctr"/>
-          <a:lstStyle/>
-          <a:p>
-            <a:pPr algn="ctr"/>
-            <a:endParaRPr lang="en-US"/>
-          </a:p>
-        </p:txBody>
-      </p:sp>
-      <p:sp>
-        <p:nvSpPr>
-          <p:cNvPr id="16" name="Circle"/>
-          <p:cNvSpPr/>
-          <p:nvPr/>
-        </p:nvSpPr>
-        <p:spPr>
-          <a:xfrm>
-            <a:off x="4233387" y="1706344"/>
-            <a:ext cx="1828800" cy="1828800"/>
-          </a:xfrm>
-          <a:prstGeom prst="ellipse">
-            <a:avLst/>
-          </a:prstGeom>
-        </p:spPr>
-        <p:style>
-          <a:lnRef idx="2">
-            <a:schemeClr val="accent2">
-              <a:shade val="50000"/>
-            </a:schemeClr>
-          </a:lnRef>
-          <a:fillRef idx="1">
-            <a:schemeClr val="accent2"/>
-          </a:fillRef>
-          <a:effectRef idx="0">
-            <a:schemeClr val="accent2"/>
-          </a:effectRef>
-          <a:fontRef idx="minor">
-            <a:schemeClr val="lt1"/>
-          </a:fontRef>
-        </p:style>
-        <p:txBody>
-          <a:bodyPr rtlCol="0" anchor="ctr"/>
-          <a:lstStyle/>
-          <a:p>
-            <a:pPr algn="ctr"/>
-            <a:endParaRPr lang="en-US"/>
-          </a:p>
-        </p:txBody>
-      </p:sp>
-      <p:cxnSp>
-        <p:nvCxnSpPr>
-          <p:cNvPr id="3" name="Line"/>
-          <p:cNvCxnSpPr/>
-          <p:nvPr/>
-        </p:nvCxnSpPr>
-        <p:spPr>
-          <a:xfrm>
-            <a:off x="1905000" y="3023381"/>
-            <a:ext cx="5867400" cy="41362"/>
-          </a:xfrm>
-          <a:prstGeom prst="straightConnector1">
-            <a:avLst/>
-          </a:prstGeom>
-          <a:ln w="76200">
-            <a:tailEnd type="triangle"/>
-          </a:ln>
-        </p:spPr>
-        <p:style>
-          <a:lnRef idx="1">
-            <a:schemeClr val="dk1"/>
-          </a:lnRef>
-          <a:fillRef idx="0">
-            <a:schemeClr val="dk1"/>
-          </a:fillRef>
-          <a:effectRef idx="0">
-            <a:schemeClr val="dk1"/>
-          </a:effectRef>
-          <a:fontRef idx="minor">
-            <a:schemeClr val="tx1"/>
-          </a:fontRef>
-        </p:style>
-      </p:cxnSp>
-      <p:sp>
-        <p:nvSpPr>
-          <p:cNvPr id="4" name="Square"/>
-          <p:cNvSpPr/>
-          <p:nvPr/>
-        </p:nvSpPr>
-        <p:spPr>
-          <a:xfrm>
-            <a:off x="3273743" y="2663469"/>
-            <a:ext cx="1828800" cy="1828800"/>
+            <a:off x="1529463" y="3515749"/>
+            <a:ext cx="2651848" cy="838200"/>
           </a:xfrm>
           <a:prstGeom prst="rect">
             <a:avLst/>
@@ -12148,36 +11590,36 @@
           <a:lstStyle/>
           <a:p>
             <a:pPr algn="ctr"/>
-            <a:endParaRPr lang="en-US" dirty="0"/>
-          </a:p>
-        </p:txBody>
-      </p:sp>
-      <p:sp>
-        <p:nvSpPr>
-          <p:cNvPr id="12" name="Arrow"/>
+            <a:endParaRPr lang="en-US"/>
+          </a:p>
+        </p:txBody>
+      </p:sp>
+      <p:sp>
+        <p:nvSpPr>
+          <p:cNvPr id="5" name="Oval 4"/>
           <p:cNvSpPr/>
           <p:nvPr/>
         </p:nvSpPr>
         <p:spPr>
           <a:xfrm>
-            <a:off x="4495800" y="2895600"/>
-            <a:ext cx="1828800" cy="1828800"/>
+            <a:off x="4648201" y="2713325"/>
+            <a:ext cx="978972" cy="978972"/>
           </a:xfrm>
-          <a:prstGeom prst="upArrow">
+          <a:prstGeom prst="ellipse">
             <a:avLst/>
           </a:prstGeom>
         </p:spPr>
         <p:style>
           <a:lnRef idx="2">
-            <a:schemeClr val="accent3">
+            <a:schemeClr val="accent1">
               <a:shade val="50000"/>
             </a:schemeClr>
           </a:lnRef>
           <a:fillRef idx="1">
-            <a:schemeClr val="accent3"/>
+            <a:schemeClr val="accent1"/>
           </a:fillRef>
           <a:effectRef idx="0">
-            <a:schemeClr val="accent3"/>
+            <a:schemeClr val="accent1"/>
           </a:effectRef>
           <a:fontRef idx="minor">
             <a:schemeClr val="lt1"/>
@@ -12188,14 +11630,94 @@
           <a:lstStyle/>
           <a:p>
             <a:pPr algn="ctr"/>
-            <a:endParaRPr lang="en-US" dirty="0"/>
+            <a:endParaRPr lang="en-US"/>
+          </a:p>
+        </p:txBody>
+      </p:sp>
+      <p:sp>
+        <p:nvSpPr>
+          <p:cNvPr id="6" name="Right Arrow 5"/>
+          <p:cNvSpPr/>
+          <p:nvPr/>
+        </p:nvSpPr>
+        <p:spPr>
+          <a:xfrm rot="18000000">
+            <a:off x="5229754" y="3993999"/>
+            <a:ext cx="2120755" cy="631714"/>
+          </a:xfrm>
+          <a:prstGeom prst="rightArrow">
+            <a:avLst/>
+          </a:prstGeom>
+        </p:spPr>
+        <p:style>
+          <a:lnRef idx="2">
+            <a:schemeClr val="accent1">
+              <a:shade val="50000"/>
+            </a:schemeClr>
+          </a:lnRef>
+          <a:fillRef idx="1">
+            <a:schemeClr val="accent1"/>
+          </a:fillRef>
+          <a:effectRef idx="0">
+            <a:schemeClr val="accent1"/>
+          </a:effectRef>
+          <a:fontRef idx="minor">
+            <a:schemeClr val="lt1"/>
+          </a:fontRef>
+        </p:style>
+        <p:txBody>
+          <a:bodyPr rtlCol="0" anchor="ctr"/>
+          <a:lstStyle/>
+          <a:p>
+            <a:pPr algn="ctr"/>
+            <a:endParaRPr lang="en-US"/>
+          </a:p>
+        </p:txBody>
+      </p:sp>
+      <p:sp>
+        <p:nvSpPr>
+          <p:cNvPr id="7" name="Rectangle 6"/>
+          <p:cNvSpPr/>
+          <p:nvPr/>
+        </p:nvSpPr>
+        <p:spPr>
+          <a:xfrm rot="18672083">
+            <a:off x="2165524" y="2093069"/>
+            <a:ext cx="1379725" cy="919817"/>
+          </a:xfrm>
+          <a:prstGeom prst="rect">
+            <a:avLst/>
+          </a:prstGeom>
+        </p:spPr>
+        <p:style>
+          <a:lnRef idx="2">
+            <a:schemeClr val="accent1">
+              <a:shade val="50000"/>
+            </a:schemeClr>
+          </a:lnRef>
+          <a:fillRef idx="1">
+            <a:schemeClr val="accent1"/>
+          </a:fillRef>
+          <a:effectRef idx="0">
+            <a:schemeClr val="accent1"/>
+          </a:effectRef>
+          <a:fontRef idx="minor">
+            <a:schemeClr val="lt1"/>
+          </a:fontRef>
+        </p:style>
+        <p:txBody>
+          <a:bodyPr rtlCol="0" anchor="ctr"/>
+          <a:lstStyle/>
+          <a:p>
+            <a:pPr algn="ctr"/>
+            <a:endParaRPr lang="en-US"/>
           </a:p>
         </p:txBody>
       </p:sp>
     </p:spTree>
     <p:extLst>
       <p:ext uri="{BB962C8B-B14F-4D97-AF65-F5344CB8AC3E}">
-        <p14:creationId xmlns:p14="http://schemas.microsoft.com/office/powerpoint/2010/main" val="1777210868"/>
+        <p14:creationId xmlns:p14="http://schemas.microsoft.com/office/powerpoint/2010/main" val="2844225268"/>
       </p:ext>
     </p:extLst>
   </p:cSld>
@@ -12224,54 +11746,14 @@
       </p:grpSpPr>
       <p:sp>
         <p:nvSpPr>
-          <p:cNvPr id="12" name="Arrow"/>
+          <p:cNvPr id="4" name="Rectangle 3"/>
           <p:cNvSpPr/>
           <p:nvPr/>
         </p:nvSpPr>
         <p:spPr>
           <a:xfrm>
-            <a:off x="3239930" y="1516938"/>
-            <a:ext cx="1828800" cy="1828800"/>
-          </a:xfrm>
-          <a:prstGeom prst="upArrow">
-            <a:avLst/>
-          </a:prstGeom>
-        </p:spPr>
-        <p:style>
-          <a:lnRef idx="2">
-            <a:schemeClr val="accent3">
-              <a:shade val="50000"/>
-            </a:schemeClr>
-          </a:lnRef>
-          <a:fillRef idx="1">
-            <a:schemeClr val="accent3"/>
-          </a:fillRef>
-          <a:effectRef idx="0">
-            <a:schemeClr val="accent3"/>
-          </a:effectRef>
-          <a:fontRef idx="minor">
-            <a:schemeClr val="lt1"/>
-          </a:fontRef>
-        </p:style>
-        <p:txBody>
-          <a:bodyPr rtlCol="0" anchor="ctr"/>
-          <a:lstStyle/>
-          <a:p>
-            <a:pPr algn="ctr"/>
-            <a:endParaRPr lang="en-US" dirty="0"/>
-          </a:p>
-        </p:txBody>
-      </p:sp>
-      <p:sp>
-        <p:nvSpPr>
-          <p:cNvPr id="4" name="Square"/>
-          <p:cNvSpPr/>
-          <p:nvPr/>
-        </p:nvSpPr>
-        <p:spPr>
-          <a:xfrm>
-            <a:off x="4233387" y="1706344"/>
-            <a:ext cx="1828800" cy="1828800"/>
+            <a:off x="3811763" y="2783711"/>
+            <a:ext cx="2651848" cy="838200"/>
           </a:xfrm>
           <a:prstGeom prst="rect">
             <a:avLst/>
@@ -12298,93 +11780,20 @@
           <a:lstStyle/>
           <a:p>
             <a:pPr algn="ctr"/>
-            <a:endParaRPr lang="en-US" dirty="0"/>
-          </a:p>
-        </p:txBody>
-      </p:sp>
-      <p:cxnSp>
-        <p:nvCxnSpPr>
-          <p:cNvPr id="3" name="Line"/>
-          <p:cNvCxnSpPr/>
+            <a:endParaRPr lang="en-US"/>
+          </a:p>
+        </p:txBody>
+      </p:sp>
+      <p:sp>
+        <p:nvSpPr>
+          <p:cNvPr id="5" name="Oval 4"/>
+          <p:cNvSpPr/>
           <p:nvPr/>
-        </p:nvCxnSpPr>
+        </p:nvSpPr>
         <p:spPr>
           <a:xfrm>
-            <a:off x="1905000" y="3023381"/>
-            <a:ext cx="5867400" cy="41362"/>
-          </a:xfrm>
-          <a:prstGeom prst="straightConnector1">
-            <a:avLst/>
-          </a:prstGeom>
-          <a:ln w="76200">
-            <a:tailEnd type="triangle"/>
-          </a:ln>
-        </p:spPr>
-        <p:style>
-          <a:lnRef idx="1">
-            <a:schemeClr val="dk1"/>
-          </a:lnRef>
-          <a:fillRef idx="0">
-            <a:schemeClr val="dk1"/>
-          </a:fillRef>
-          <a:effectRef idx="0">
-            <a:schemeClr val="dk1"/>
-          </a:effectRef>
-          <a:fontRef idx="minor">
-            <a:schemeClr val="tx1"/>
-          </a:fontRef>
-        </p:style>
-      </p:cxnSp>
-      <p:sp>
-        <p:nvSpPr>
-          <p:cNvPr id="15" name="Triangle"/>
-          <p:cNvSpPr/>
-          <p:nvPr/>
-        </p:nvSpPr>
-        <p:spPr>
-          <a:xfrm>
-            <a:off x="3273743" y="2663469"/>
-            <a:ext cx="1828800" cy="1828800"/>
-          </a:xfrm>
-          <a:prstGeom prst="triangle">
-            <a:avLst/>
-          </a:prstGeom>
-        </p:spPr>
-        <p:style>
-          <a:lnRef idx="2">
-            <a:schemeClr val="accent4">
-              <a:shade val="50000"/>
-            </a:schemeClr>
-          </a:lnRef>
-          <a:fillRef idx="1">
-            <a:schemeClr val="accent4"/>
-          </a:fillRef>
-          <a:effectRef idx="0">
-            <a:schemeClr val="accent4"/>
-          </a:effectRef>
-          <a:fontRef idx="minor">
-            <a:schemeClr val="lt1"/>
-          </a:fontRef>
-        </p:style>
-        <p:txBody>
-          <a:bodyPr rtlCol="0" anchor="ctr"/>
-          <a:lstStyle/>
-          <a:p>
-            <a:pPr algn="ctr"/>
-            <a:endParaRPr lang="en-US"/>
-          </a:p>
-        </p:txBody>
-      </p:sp>
-      <p:sp>
-        <p:nvSpPr>
-          <p:cNvPr id="16" name="Circle"/>
-          <p:cNvSpPr/>
-          <p:nvPr/>
-        </p:nvSpPr>
-        <p:spPr>
-          <a:xfrm>
-            <a:off x="4495800" y="2895600"/>
-            <a:ext cx="1828800" cy="1828800"/>
+            <a:off x="5790066" y="3859852"/>
+            <a:ext cx="978972" cy="978972"/>
           </a:xfrm>
           <a:prstGeom prst="ellipse">
             <a:avLst/>
@@ -12392,15 +11801,15 @@
         </p:spPr>
         <p:style>
           <a:lnRef idx="2">
-            <a:schemeClr val="accent2">
+            <a:schemeClr val="accent1">
               <a:shade val="50000"/>
             </a:schemeClr>
           </a:lnRef>
           <a:fillRef idx="1">
-            <a:schemeClr val="accent2"/>
+            <a:schemeClr val="accent1"/>
           </a:fillRef>
           <a:effectRef idx="0">
-            <a:schemeClr val="accent2"/>
+            <a:schemeClr val="accent1"/>
           </a:effectRef>
           <a:fontRef idx="minor">
             <a:schemeClr val="lt1"/>
@@ -12415,10 +11824,90 @@
           </a:p>
         </p:txBody>
       </p:sp>
+      <p:sp>
+        <p:nvSpPr>
+          <p:cNvPr id="6" name="Right Arrow 5"/>
+          <p:cNvSpPr/>
+          <p:nvPr/>
+        </p:nvSpPr>
+        <p:spPr>
+          <a:xfrm rot="18000000">
+            <a:off x="1805588" y="2197640"/>
+            <a:ext cx="2120755" cy="631714"/>
+          </a:xfrm>
+          <a:prstGeom prst="rightArrow">
+            <a:avLst/>
+          </a:prstGeom>
+        </p:spPr>
+        <p:style>
+          <a:lnRef idx="2">
+            <a:schemeClr val="accent1">
+              <a:shade val="50000"/>
+            </a:schemeClr>
+          </a:lnRef>
+          <a:fillRef idx="1">
+            <a:schemeClr val="accent1"/>
+          </a:fillRef>
+          <a:effectRef idx="0">
+            <a:schemeClr val="accent1"/>
+          </a:effectRef>
+          <a:fontRef idx="minor">
+            <a:schemeClr val="lt1"/>
+          </a:fontRef>
+        </p:style>
+        <p:txBody>
+          <a:bodyPr rtlCol="0" anchor="ctr"/>
+          <a:lstStyle/>
+          <a:p>
+            <a:pPr algn="ctr"/>
+            <a:endParaRPr lang="en-US"/>
+          </a:p>
+        </p:txBody>
+      </p:sp>
+      <p:sp>
+        <p:nvSpPr>
+          <p:cNvPr id="7" name="Rectangle 6"/>
+          <p:cNvSpPr/>
+          <p:nvPr/>
+        </p:nvSpPr>
+        <p:spPr>
+          <a:xfrm rot="18672083">
+            <a:off x="2165524" y="3474939"/>
+            <a:ext cx="1379725" cy="919817"/>
+          </a:xfrm>
+          <a:prstGeom prst="rect">
+            <a:avLst/>
+          </a:prstGeom>
+        </p:spPr>
+        <p:style>
+          <a:lnRef idx="2">
+            <a:schemeClr val="accent1">
+              <a:shade val="50000"/>
+            </a:schemeClr>
+          </a:lnRef>
+          <a:fillRef idx="1">
+            <a:schemeClr val="accent1"/>
+          </a:fillRef>
+          <a:effectRef idx="0">
+            <a:schemeClr val="accent1"/>
+          </a:effectRef>
+          <a:fontRef idx="minor">
+            <a:schemeClr val="lt1"/>
+          </a:fontRef>
+        </p:style>
+        <p:txBody>
+          <a:bodyPr rtlCol="0" anchor="ctr"/>
+          <a:lstStyle/>
+          <a:p>
+            <a:pPr algn="ctr"/>
+            <a:endParaRPr lang="en-US"/>
+          </a:p>
+        </p:txBody>
+      </p:sp>
     </p:spTree>
     <p:extLst>
       <p:ext uri="{BB962C8B-B14F-4D97-AF65-F5344CB8AC3E}">
-        <p14:creationId xmlns:p14="http://schemas.microsoft.com/office/powerpoint/2010/main" val="1425412499"/>
+        <p14:creationId xmlns:p14="http://schemas.microsoft.com/office/powerpoint/2010/main" val="4086109257"/>
       </p:ext>
     </p:extLst>
   </p:cSld>
@@ -12447,167 +11936,14 @@
       </p:grpSpPr>
       <p:sp>
         <p:nvSpPr>
-          <p:cNvPr id="16" name="Circle"/>
+          <p:cNvPr id="4" name="Rectangle 3"/>
           <p:cNvSpPr/>
           <p:nvPr/>
         </p:nvSpPr>
         <p:spPr>
           <a:xfrm>
-            <a:off x="3239930" y="1516938"/>
-            <a:ext cx="1828800" cy="1828800"/>
-          </a:xfrm>
-          <a:prstGeom prst="ellipse">
-            <a:avLst/>
-          </a:prstGeom>
-        </p:spPr>
-        <p:style>
-          <a:lnRef idx="2">
-            <a:schemeClr val="accent2">
-              <a:shade val="50000"/>
-            </a:schemeClr>
-          </a:lnRef>
-          <a:fillRef idx="1">
-            <a:schemeClr val="accent2"/>
-          </a:fillRef>
-          <a:effectRef idx="0">
-            <a:schemeClr val="accent2"/>
-          </a:effectRef>
-          <a:fontRef idx="minor">
-            <a:schemeClr val="lt1"/>
-          </a:fontRef>
-        </p:style>
-        <p:txBody>
-          <a:bodyPr rtlCol="0" anchor="ctr"/>
-          <a:lstStyle/>
-          <a:p>
-            <a:pPr algn="ctr"/>
-            <a:endParaRPr lang="en-US"/>
-          </a:p>
-        </p:txBody>
-      </p:sp>
-      <p:sp>
-        <p:nvSpPr>
-          <p:cNvPr id="15" name="Triangle"/>
-          <p:cNvSpPr/>
-          <p:nvPr/>
-        </p:nvSpPr>
-        <p:spPr>
-          <a:xfrm>
-            <a:off x="4233387" y="1706344"/>
-            <a:ext cx="1828800" cy="1828800"/>
-          </a:xfrm>
-          <a:prstGeom prst="triangle">
-            <a:avLst/>
-          </a:prstGeom>
-        </p:spPr>
-        <p:style>
-          <a:lnRef idx="2">
-            <a:schemeClr val="accent4">
-              <a:shade val="50000"/>
-            </a:schemeClr>
-          </a:lnRef>
-          <a:fillRef idx="1">
-            <a:schemeClr val="accent4"/>
-          </a:fillRef>
-          <a:effectRef idx="0">
-            <a:schemeClr val="accent4"/>
-          </a:effectRef>
-          <a:fontRef idx="minor">
-            <a:schemeClr val="lt1"/>
-          </a:fontRef>
-        </p:style>
-        <p:txBody>
-          <a:bodyPr rtlCol="0" anchor="ctr"/>
-          <a:lstStyle/>
-          <a:p>
-            <a:pPr algn="ctr"/>
-            <a:endParaRPr lang="en-US"/>
-          </a:p>
-        </p:txBody>
-      </p:sp>
-      <p:cxnSp>
-        <p:nvCxnSpPr>
-          <p:cNvPr id="3" name="Line"/>
-          <p:cNvCxnSpPr/>
-          <p:nvPr/>
-        </p:nvCxnSpPr>
-        <p:spPr>
-          <a:xfrm>
-            <a:off x="1905000" y="3023381"/>
-            <a:ext cx="5867400" cy="41362"/>
-          </a:xfrm>
-          <a:prstGeom prst="straightConnector1">
-            <a:avLst/>
-          </a:prstGeom>
-          <a:ln w="76200">
-            <a:tailEnd type="triangle"/>
-          </a:ln>
-        </p:spPr>
-        <p:style>
-          <a:lnRef idx="1">
-            <a:schemeClr val="dk1"/>
-          </a:lnRef>
-          <a:fillRef idx="0">
-            <a:schemeClr val="dk1"/>
-          </a:fillRef>
-          <a:effectRef idx="0">
-            <a:schemeClr val="dk1"/>
-          </a:effectRef>
-          <a:fontRef idx="minor">
-            <a:schemeClr val="tx1"/>
-          </a:fontRef>
-        </p:style>
-      </p:cxnSp>
-      <p:sp>
-        <p:nvSpPr>
-          <p:cNvPr id="12" name="Arrow"/>
-          <p:cNvSpPr/>
-          <p:nvPr/>
-        </p:nvSpPr>
-        <p:spPr>
-          <a:xfrm>
-            <a:off x="3273743" y="2663469"/>
-            <a:ext cx="1828800" cy="1828800"/>
-          </a:xfrm>
-          <a:prstGeom prst="upArrow">
-            <a:avLst/>
-          </a:prstGeom>
-        </p:spPr>
-        <p:style>
-          <a:lnRef idx="2">
-            <a:schemeClr val="accent3">
-              <a:shade val="50000"/>
-            </a:schemeClr>
-          </a:lnRef>
-          <a:fillRef idx="1">
-            <a:schemeClr val="accent3"/>
-          </a:fillRef>
-          <a:effectRef idx="0">
-            <a:schemeClr val="accent3"/>
-          </a:effectRef>
-          <a:fontRef idx="minor">
-            <a:schemeClr val="lt1"/>
-          </a:fontRef>
-        </p:style>
-        <p:txBody>
-          <a:bodyPr rtlCol="0" anchor="ctr"/>
-          <a:lstStyle/>
-          <a:p>
-            <a:pPr algn="ctr"/>
-            <a:endParaRPr lang="en-US" dirty="0"/>
-          </a:p>
-        </p:txBody>
-      </p:sp>
-      <p:sp>
-        <p:nvSpPr>
-          <p:cNvPr id="4" name="Square"/>
-          <p:cNvSpPr/>
-          <p:nvPr/>
-        </p:nvSpPr>
-        <p:spPr>
-          <a:xfrm>
-            <a:off x="4495800" y="2895600"/>
-            <a:ext cx="1828800" cy="1828800"/>
+            <a:off x="4953628" y="3930238"/>
+            <a:ext cx="2651848" cy="838200"/>
           </a:xfrm>
           <a:prstGeom prst="rect">
             <a:avLst/>
@@ -12634,14 +11970,134 @@
           <a:lstStyle/>
           <a:p>
             <a:pPr algn="ctr"/>
-            <a:endParaRPr lang="en-US" dirty="0"/>
+            <a:endParaRPr lang="en-US"/>
+          </a:p>
+        </p:txBody>
+      </p:sp>
+      <p:sp>
+        <p:nvSpPr>
+          <p:cNvPr id="5" name="Oval 4"/>
+          <p:cNvSpPr/>
+          <p:nvPr/>
+        </p:nvSpPr>
+        <p:spPr>
+          <a:xfrm>
+            <a:off x="2365900" y="2063493"/>
+            <a:ext cx="978972" cy="978972"/>
+          </a:xfrm>
+          <a:prstGeom prst="ellipse">
+            <a:avLst/>
+          </a:prstGeom>
+        </p:spPr>
+        <p:style>
+          <a:lnRef idx="2">
+            <a:schemeClr val="accent1">
+              <a:shade val="50000"/>
+            </a:schemeClr>
+          </a:lnRef>
+          <a:fillRef idx="1">
+            <a:schemeClr val="accent1"/>
+          </a:fillRef>
+          <a:effectRef idx="0">
+            <a:schemeClr val="accent1"/>
+          </a:effectRef>
+          <a:fontRef idx="minor">
+            <a:schemeClr val="lt1"/>
+          </a:fontRef>
+        </p:style>
+        <p:txBody>
+          <a:bodyPr rtlCol="0" anchor="ctr"/>
+          <a:lstStyle/>
+          <a:p>
+            <a:pPr algn="ctr"/>
+            <a:endParaRPr lang="en-US"/>
+          </a:p>
+        </p:txBody>
+      </p:sp>
+      <p:sp>
+        <p:nvSpPr>
+          <p:cNvPr id="6" name="Right Arrow 5"/>
+          <p:cNvSpPr/>
+          <p:nvPr/>
+        </p:nvSpPr>
+        <p:spPr>
+          <a:xfrm rot="18000000">
+            <a:off x="1805588" y="3579510"/>
+            <a:ext cx="2120755" cy="631714"/>
+          </a:xfrm>
+          <a:prstGeom prst="rightArrow">
+            <a:avLst/>
+          </a:prstGeom>
+        </p:spPr>
+        <p:style>
+          <a:lnRef idx="2">
+            <a:schemeClr val="accent1">
+              <a:shade val="50000"/>
+            </a:schemeClr>
+          </a:lnRef>
+          <a:fillRef idx="1">
+            <a:schemeClr val="accent1"/>
+          </a:fillRef>
+          <a:effectRef idx="0">
+            <a:schemeClr val="accent1"/>
+          </a:effectRef>
+          <a:fontRef idx="minor">
+            <a:schemeClr val="lt1"/>
+          </a:fontRef>
+        </p:style>
+        <p:txBody>
+          <a:bodyPr rtlCol="0" anchor="ctr"/>
+          <a:lstStyle/>
+          <a:p>
+            <a:pPr algn="ctr"/>
+            <a:endParaRPr lang="en-US"/>
+          </a:p>
+        </p:txBody>
+      </p:sp>
+      <p:sp>
+        <p:nvSpPr>
+          <p:cNvPr id="7" name="Rectangle 6"/>
+          <p:cNvSpPr/>
+          <p:nvPr/>
+        </p:nvSpPr>
+        <p:spPr>
+          <a:xfrm rot="18672083">
+            <a:off x="4447825" y="2742901"/>
+            <a:ext cx="1379725" cy="919817"/>
+          </a:xfrm>
+          <a:prstGeom prst="rect">
+            <a:avLst/>
+          </a:prstGeom>
+        </p:spPr>
+        <p:style>
+          <a:lnRef idx="2">
+            <a:schemeClr val="accent1">
+              <a:shade val="50000"/>
+            </a:schemeClr>
+          </a:lnRef>
+          <a:fillRef idx="1">
+            <a:schemeClr val="accent1"/>
+          </a:fillRef>
+          <a:effectRef idx="0">
+            <a:schemeClr val="accent1"/>
+          </a:effectRef>
+          <a:fontRef idx="minor">
+            <a:schemeClr val="lt1"/>
+          </a:fontRef>
+        </p:style>
+        <p:txBody>
+          <a:bodyPr rtlCol="0" anchor="ctr"/>
+          <a:lstStyle/>
+          <a:p>
+            <a:pPr algn="ctr"/>
+            <a:endParaRPr lang="en-US"/>
           </a:p>
         </p:txBody>
       </p:sp>
     </p:spTree>
     <p:extLst>
       <p:ext uri="{BB962C8B-B14F-4D97-AF65-F5344CB8AC3E}">
-        <p14:creationId xmlns:p14="http://schemas.microsoft.com/office/powerpoint/2010/main" val="487853171"/>
+        <p14:creationId xmlns:p14="http://schemas.microsoft.com/office/powerpoint/2010/main" val="2764857302"/>
       </p:ext>
     </p:extLst>
   </p:cSld>
@@ -12670,14 +12126,14 @@
       </p:grpSpPr>
       <p:sp>
         <p:nvSpPr>
-          <p:cNvPr id="4" name="Square"/>
+          <p:cNvPr id="4" name="Rectangle 3"/>
           <p:cNvSpPr/>
           <p:nvPr/>
         </p:nvSpPr>
         <p:spPr>
           <a:xfrm>
-            <a:off x="3239930" y="1516938"/>
-            <a:ext cx="1828800" cy="1828800"/>
+            <a:off x="1529462" y="2133879"/>
+            <a:ext cx="2651848" cy="838200"/>
           </a:xfrm>
           <a:prstGeom prst="rect">
             <a:avLst/>
@@ -12704,93 +12160,20 @@
           <a:lstStyle/>
           <a:p>
             <a:pPr algn="ctr"/>
-            <a:endParaRPr lang="en-US" dirty="0"/>
-          </a:p>
-        </p:txBody>
-      </p:sp>
-      <p:sp>
-        <p:nvSpPr>
-          <p:cNvPr id="12" name="Arrow"/>
+            <a:endParaRPr lang="en-US"/>
+          </a:p>
+        </p:txBody>
+      </p:sp>
+      <p:sp>
+        <p:nvSpPr>
+          <p:cNvPr id="5" name="Oval 4"/>
           <p:cNvSpPr/>
           <p:nvPr/>
         </p:nvSpPr>
         <p:spPr>
           <a:xfrm>
-            <a:off x="4233387" y="1706344"/>
-            <a:ext cx="1828800" cy="1828800"/>
-          </a:xfrm>
-          <a:prstGeom prst="upArrow">
-            <a:avLst/>
-          </a:prstGeom>
-        </p:spPr>
-        <p:style>
-          <a:lnRef idx="2">
-            <a:schemeClr val="accent3">
-              <a:shade val="50000"/>
-            </a:schemeClr>
-          </a:lnRef>
-          <a:fillRef idx="1">
-            <a:schemeClr val="accent3"/>
-          </a:fillRef>
-          <a:effectRef idx="0">
-            <a:schemeClr val="accent3"/>
-          </a:effectRef>
-          <a:fontRef idx="minor">
-            <a:schemeClr val="lt1"/>
-          </a:fontRef>
-        </p:style>
-        <p:txBody>
-          <a:bodyPr rtlCol="0" anchor="ctr"/>
-          <a:lstStyle/>
-          <a:p>
-            <a:pPr algn="ctr"/>
-            <a:endParaRPr lang="en-US" dirty="0"/>
-          </a:p>
-        </p:txBody>
-      </p:sp>
-      <p:cxnSp>
-        <p:nvCxnSpPr>
-          <p:cNvPr id="3" name="Line"/>
-          <p:cNvCxnSpPr/>
-          <p:nvPr/>
-        </p:nvCxnSpPr>
-        <p:spPr>
-          <a:xfrm>
-            <a:off x="1905000" y="3023381"/>
-            <a:ext cx="5867400" cy="41362"/>
-          </a:xfrm>
-          <a:prstGeom prst="straightConnector1">
-            <a:avLst/>
-          </a:prstGeom>
-          <a:ln w="76200">
-            <a:tailEnd type="triangle"/>
-          </a:ln>
-        </p:spPr>
-        <p:style>
-          <a:lnRef idx="1">
-            <a:schemeClr val="dk1"/>
-          </a:lnRef>
-          <a:fillRef idx="0">
-            <a:schemeClr val="dk1"/>
-          </a:fillRef>
-          <a:effectRef idx="0">
-            <a:schemeClr val="dk1"/>
-          </a:effectRef>
-          <a:fontRef idx="minor">
-            <a:schemeClr val="tx1"/>
-          </a:fontRef>
-        </p:style>
-      </p:cxnSp>
-      <p:sp>
-        <p:nvSpPr>
-          <p:cNvPr id="16" name="Circle"/>
-          <p:cNvSpPr/>
-          <p:nvPr/>
-        </p:nvSpPr>
-        <p:spPr>
-          <a:xfrm>
-            <a:off x="3273743" y="2663469"/>
-            <a:ext cx="1828800" cy="1828800"/>
+            <a:off x="2365901" y="3445363"/>
+            <a:ext cx="978972" cy="978972"/>
           </a:xfrm>
           <a:prstGeom prst="ellipse">
             <a:avLst/>
@@ -12798,15 +12181,15 @@
         </p:spPr>
         <p:style>
           <a:lnRef idx="2">
-            <a:schemeClr val="accent2">
+            <a:schemeClr val="accent1">
               <a:shade val="50000"/>
             </a:schemeClr>
           </a:lnRef>
           <a:fillRef idx="1">
-            <a:schemeClr val="accent2"/>
+            <a:schemeClr val="accent1"/>
           </a:fillRef>
           <a:effectRef idx="0">
-            <a:schemeClr val="accent2"/>
+            <a:schemeClr val="accent1"/>
           </a:effectRef>
           <a:fontRef idx="minor">
             <a:schemeClr val="lt1"/>
@@ -12823,30 +12206,30 @@
       </p:sp>
       <p:sp>
         <p:nvSpPr>
-          <p:cNvPr id="15" name="Triangle"/>
+          <p:cNvPr id="6" name="Right Arrow 5"/>
           <p:cNvSpPr/>
           <p:nvPr/>
         </p:nvSpPr>
         <p:spPr>
-          <a:xfrm>
-            <a:off x="4495800" y="2895600"/>
-            <a:ext cx="1828800" cy="1828800"/>
+          <a:xfrm rot="18000000">
+            <a:off x="4087889" y="2847472"/>
+            <a:ext cx="2120755" cy="631714"/>
           </a:xfrm>
-          <a:prstGeom prst="triangle">
+          <a:prstGeom prst="rightArrow">
             <a:avLst/>
           </a:prstGeom>
         </p:spPr>
         <p:style>
           <a:lnRef idx="2">
-            <a:schemeClr val="accent4">
+            <a:schemeClr val="accent1">
               <a:shade val="50000"/>
             </a:schemeClr>
           </a:lnRef>
           <a:fillRef idx="1">
-            <a:schemeClr val="accent4"/>
+            <a:schemeClr val="accent1"/>
           </a:fillRef>
           <a:effectRef idx="0">
-            <a:schemeClr val="accent4"/>
+            <a:schemeClr val="accent1"/>
           </a:effectRef>
           <a:fontRef idx="minor">
             <a:schemeClr val="lt1"/>
@@ -12861,10 +12244,50 @@
           </a:p>
         </p:txBody>
       </p:sp>
+      <p:sp>
+        <p:nvSpPr>
+          <p:cNvPr id="7" name="Rectangle 6"/>
+          <p:cNvSpPr/>
+          <p:nvPr/>
+        </p:nvSpPr>
+        <p:spPr>
+          <a:xfrm rot="18672083">
+            <a:off x="5589690" y="3889428"/>
+            <a:ext cx="1379725" cy="919817"/>
+          </a:xfrm>
+          <a:prstGeom prst="rect">
+            <a:avLst/>
+          </a:prstGeom>
+        </p:spPr>
+        <p:style>
+          <a:lnRef idx="2">
+            <a:schemeClr val="accent1">
+              <a:shade val="50000"/>
+            </a:schemeClr>
+          </a:lnRef>
+          <a:fillRef idx="1">
+            <a:schemeClr val="accent1"/>
+          </a:fillRef>
+          <a:effectRef idx="0">
+            <a:schemeClr val="accent1"/>
+          </a:effectRef>
+          <a:fontRef idx="minor">
+            <a:schemeClr val="lt1"/>
+          </a:fontRef>
+        </p:style>
+        <p:txBody>
+          <a:bodyPr rtlCol="0" anchor="ctr"/>
+          <a:lstStyle/>
+          <a:p>
+            <a:pPr algn="ctr"/>
+            <a:endParaRPr lang="en-US"/>
+          </a:p>
+        </p:txBody>
+      </p:sp>
     </p:spTree>
     <p:extLst>
       <p:ext uri="{BB962C8B-B14F-4D97-AF65-F5344CB8AC3E}">
-        <p14:creationId xmlns:p14="http://schemas.microsoft.com/office/powerpoint/2010/main" val="1759537530"/>
+        <p14:creationId xmlns:p14="http://schemas.microsoft.com/office/powerpoint/2010/main" val="548242502"/>
       </p:ext>
     </p:extLst>
   </p:cSld>
@@ -12907,12 +12330,8 @@
           <a:lstStyle/>
           <a:p>
             <a:r>
-              <a:rPr lang="en-US" dirty="0" smtClean="0"/>
-              <a:t>Swap:: </a:t>
-            </a:r>
-            <a:r>
               <a:rPr lang="en-US" dirty="0"/>
-              <a:t>Clicking Order</a:t>
+              <a:t>Reorder:: Clicking Order</a:t>
             </a:r>
             <a:endParaRPr lang="en-SG" dirty="0"/>
           </a:p>
@@ -13803,265 +13222,4 @@
   <a:objectDefaults/>
   <a:extraClrSchemeLst/>
 </a:theme>
-</file>
-
-<file path=ppt/theme/theme4.xml><?xml version="1.0" encoding="utf-8"?>
-<a:theme xmlns:a="http://schemas.openxmlformats.org/drawingml/2006/main" name="Office Theme">
-  <a:themeElements>
-    <a:clrScheme name="Office">
-      <a:dk1>
-        <a:sysClr val="windowText" lastClr="000000"/>
-      </a:dk1>
-      <a:lt1>
-        <a:sysClr val="window" lastClr="FFFFFF"/>
-      </a:lt1>
-      <a:dk2>
-        <a:srgbClr val="44546A"/>
-      </a:dk2>
-      <a:lt2>
-        <a:srgbClr val="E7E6E6"/>
-      </a:lt2>
-      <a:accent1>
-        <a:srgbClr val="5B9BD5"/>
-      </a:accent1>
-      <a:accent2>
-        <a:srgbClr val="ED7D31"/>
-      </a:accent2>
-      <a:accent3>
-        <a:srgbClr val="A5A5A5"/>
-      </a:accent3>
-      <a:accent4>
-        <a:srgbClr val="FFC000"/>
-      </a:accent4>
-      <a:accent5>
-        <a:srgbClr val="4472C4"/>
-      </a:accent5>
-      <a:accent6>
-        <a:srgbClr val="70AD47"/>
-      </a:accent6>
-      <a:hlink>
-        <a:srgbClr val="0563C1"/>
-      </a:hlink>
-      <a:folHlink>
-        <a:srgbClr val="954F72"/>
-      </a:folHlink>
-    </a:clrScheme>
-    <a:fontScheme name="Office">
-      <a:majorFont>
-        <a:latin typeface="Calibri Light" panose="020F0302020204030204"/>
-        <a:ea typeface=""/>
-        <a:cs typeface=""/>
-        <a:font script="Jpan" typeface="ＭＳ Ｐゴシック"/>
-        <a:font script="Hang" typeface="맑은 고딕"/>
-        <a:font script="Hans" typeface="宋体"/>
-        <a:font script="Hant" typeface="新細明體"/>
-        <a:font script="Arab" typeface="Times New Roman"/>
-        <a:font script="Hebr" typeface="Times New Roman"/>
-        <a:font script="Thai" typeface="Angsana New"/>
-        <a:font script="Ethi" typeface="Nyala"/>
-        <a:font script="Beng" typeface="Vrinda"/>
-        <a:font script="Gujr" typeface="Shruti"/>
-        <a:font script="Khmr" typeface="MoolBoran"/>
-        <a:font script="Knda" typeface="Tunga"/>
-        <a:font script="Guru" typeface="Raavi"/>
-        <a:font script="Cans" typeface="Euphemia"/>
-        <a:font script="Cher" typeface="Plantagenet Cherokee"/>
-        <a:font script="Yiii" typeface="Microsoft Yi Baiti"/>
-        <a:font script="Tibt" typeface="Microsoft Himalaya"/>
-        <a:font script="Thaa" typeface="MV Boli"/>
-        <a:font script="Deva" typeface="Mangal"/>
-        <a:font script="Telu" typeface="Gautami"/>
-        <a:font script="Taml" typeface="Latha"/>
-        <a:font script="Syrc" typeface="Estrangelo Edessa"/>
-        <a:font script="Orya" typeface="Kalinga"/>
-        <a:font script="Mlym" typeface="Kartika"/>
-        <a:font script="Laoo" typeface="DokChampa"/>
-        <a:font script="Sinh" typeface="Iskoola Pota"/>
-        <a:font script="Mong" typeface="Mongolian Baiti"/>
-        <a:font script="Viet" typeface="Times New Roman"/>
-        <a:font script="Uigh" typeface="Microsoft Uighur"/>
-        <a:font script="Geor" typeface="Sylfaen"/>
-      </a:majorFont>
-      <a:minorFont>
-        <a:latin typeface="Calibri" panose="020F0502020204030204"/>
-        <a:ea typeface=""/>
-        <a:cs typeface=""/>
-        <a:font script="Jpan" typeface="ＭＳ Ｐゴシック"/>
-        <a:font script="Hang" typeface="맑은 고딕"/>
-        <a:font script="Hans" typeface="宋体"/>
-        <a:font script="Hant" typeface="新細明體"/>
-        <a:font script="Arab" typeface="Arial"/>
-        <a:font script="Hebr" typeface="Arial"/>
-        <a:font script="Thai" typeface="Cordia New"/>
-        <a:font script="Ethi" typeface="Nyala"/>
-        <a:font script="Beng" typeface="Vrinda"/>
-        <a:font script="Gujr" typeface="Shruti"/>
-        <a:font script="Khmr" typeface="DaunPenh"/>
-        <a:font script="Knda" typeface="Tunga"/>
-        <a:font script="Guru" typeface="Raavi"/>
-        <a:font script="Cans" typeface="Euphemia"/>
-        <a:font script="Cher" typeface="Plantagenet Cherokee"/>
-        <a:font script="Yiii" typeface="Microsoft Yi Baiti"/>
-        <a:font script="Tibt" typeface="Microsoft Himalaya"/>
-        <a:font script="Thaa" typeface="MV Boli"/>
-        <a:font script="Deva" typeface="Mangal"/>
-        <a:font script="Telu" typeface="Gautami"/>
-        <a:font script="Taml" typeface="Latha"/>
-        <a:font script="Syrc" typeface="Estrangelo Edessa"/>
-        <a:font script="Orya" typeface="Kalinga"/>
-        <a:font script="Mlym" typeface="Kartika"/>
-        <a:font script="Laoo" typeface="DokChampa"/>
-        <a:font script="Sinh" typeface="Iskoola Pota"/>
-        <a:font script="Mong" typeface="Mongolian Baiti"/>
-        <a:font script="Viet" typeface="Arial"/>
-        <a:font script="Uigh" typeface="Microsoft Uighur"/>
-        <a:font script="Geor" typeface="Sylfaen"/>
-      </a:minorFont>
-    </a:fontScheme>
-    <a:fmtScheme name="Office">
-      <a:fillStyleLst>
-        <a:solidFill>
-          <a:schemeClr val="phClr"/>
-        </a:solidFill>
-        <a:gradFill rotWithShape="1">
-          <a:gsLst>
-            <a:gs pos="0">
-              <a:schemeClr val="phClr">
-                <a:lumMod val="110000"/>
-                <a:satMod val="105000"/>
-                <a:tint val="67000"/>
-              </a:schemeClr>
-            </a:gs>
-            <a:gs pos="50000">
-              <a:schemeClr val="phClr">
-                <a:lumMod val="105000"/>
-                <a:satMod val="103000"/>
-                <a:tint val="73000"/>
-              </a:schemeClr>
-            </a:gs>
-            <a:gs pos="100000">
-              <a:schemeClr val="phClr">
-                <a:lumMod val="105000"/>
-                <a:satMod val="109000"/>
-                <a:tint val="81000"/>
-              </a:schemeClr>
-            </a:gs>
-          </a:gsLst>
-          <a:lin ang="5400000" scaled="0"/>
-        </a:gradFill>
-        <a:gradFill rotWithShape="1">
-          <a:gsLst>
-            <a:gs pos="0">
-              <a:schemeClr val="phClr">
-                <a:satMod val="103000"/>
-                <a:lumMod val="102000"/>
-                <a:tint val="94000"/>
-              </a:schemeClr>
-            </a:gs>
-            <a:gs pos="50000">
-              <a:schemeClr val="phClr">
-                <a:satMod val="110000"/>
-                <a:lumMod val="100000"/>
-                <a:shade val="100000"/>
-              </a:schemeClr>
-            </a:gs>
-            <a:gs pos="100000">
-              <a:schemeClr val="phClr">
-                <a:lumMod val="99000"/>
-                <a:satMod val="120000"/>
-                <a:shade val="78000"/>
-              </a:schemeClr>
-            </a:gs>
-          </a:gsLst>
-          <a:lin ang="5400000" scaled="0"/>
-        </a:gradFill>
-      </a:fillStyleLst>
-      <a:lnStyleLst>
-        <a:ln w="6350" cap="flat" cmpd="sng" algn="ctr">
-          <a:solidFill>
-            <a:schemeClr val="phClr"/>
-          </a:solidFill>
-          <a:prstDash val="solid"/>
-          <a:miter lim="800000"/>
-        </a:ln>
-        <a:ln w="12700" cap="flat" cmpd="sng" algn="ctr">
-          <a:solidFill>
-            <a:schemeClr val="phClr"/>
-          </a:solidFill>
-          <a:prstDash val="solid"/>
-          <a:miter lim="800000"/>
-        </a:ln>
-        <a:ln w="19050" cap="flat" cmpd="sng" algn="ctr">
-          <a:solidFill>
-            <a:schemeClr val="phClr"/>
-          </a:solidFill>
-          <a:prstDash val="solid"/>
-          <a:miter lim="800000"/>
-        </a:ln>
-      </a:lnStyleLst>
-      <a:effectStyleLst>
-        <a:effectStyle>
-          <a:effectLst/>
-        </a:effectStyle>
-        <a:effectStyle>
-          <a:effectLst/>
-        </a:effectStyle>
-        <a:effectStyle>
-          <a:effectLst>
-            <a:outerShdw blurRad="57150" dist="19050" dir="5400000" algn="ctr" rotWithShape="0">
-              <a:srgbClr val="000000">
-                <a:alpha val="63000"/>
-              </a:srgbClr>
-            </a:outerShdw>
-          </a:effectLst>
-        </a:effectStyle>
-      </a:effectStyleLst>
-      <a:bgFillStyleLst>
-        <a:solidFill>
-          <a:schemeClr val="phClr"/>
-        </a:solidFill>
-        <a:solidFill>
-          <a:schemeClr val="phClr">
-            <a:tint val="95000"/>
-            <a:satMod val="170000"/>
-          </a:schemeClr>
-        </a:solidFill>
-        <a:gradFill rotWithShape="1">
-          <a:gsLst>
-            <a:gs pos="0">
-              <a:schemeClr val="phClr">
-                <a:tint val="93000"/>
-                <a:satMod val="150000"/>
-                <a:shade val="98000"/>
-                <a:lumMod val="102000"/>
-              </a:schemeClr>
-            </a:gs>
-            <a:gs pos="50000">
-              <a:schemeClr val="phClr">
-                <a:tint val="98000"/>
-                <a:satMod val="130000"/>
-                <a:shade val="90000"/>
-                <a:lumMod val="103000"/>
-              </a:schemeClr>
-            </a:gs>
-            <a:gs pos="100000">
-              <a:schemeClr val="phClr">
-                <a:shade val="63000"/>
-                <a:satMod val="120000"/>
-              </a:schemeClr>
-            </a:gs>
-          </a:gsLst>
-          <a:lin ang="5400000" scaled="0"/>
-        </a:gradFill>
-      </a:bgFillStyleLst>
-    </a:fmtScheme>
-  </a:themeElements>
-  <a:objectDefaults/>
-  <a:extraClrSchemeLst/>
-  <a:extLst>
-    <a:ext uri="{05A4C25C-085E-4340-85A3-A5531E510DB2}">
-      <thm15:themeFamily xmlns:thm15="http://schemas.microsoft.com/office/thememl/2012/main" name="Office Theme" id="{62F939B6-93AF-4DB8-9C6B-D6C7DFDC589F}" vid="{4A3C46E8-61CC-4603-A589-7422A47A8E4A}"/>
-    </a:ext>
-  </a:extLst>
-</a:theme>
 </file>